--- a/PresentazionePowerPoint.pptx
+++ b/PresentazionePowerPoint.pptx
@@ -1,22 +1,28 @@
 
 <file path=ppt/presentation.xml><?xml version="1.0" encoding="utf-8"?>
-<p:presentation xmlns:a="http://schemas.openxmlformats.org/drawingml/2006/main" xmlns:r="http://schemas.openxmlformats.org/officeDocument/2006/relationships" xmlns:p="http://schemas.openxmlformats.org/presentationml/2006/main" xmlns:m="http://schemas.openxmlformats.org/officeDocument/2006/math" xmlns:a14="http://schemas.microsoft.com/office/drawing/2010/main">
+<p:presentation xmlns:a="http://schemas.openxmlformats.org/drawingml/2006/main" xmlns:r="http://schemas.openxmlformats.org/officeDocument/2006/relationships" xmlns:p="http://schemas.openxmlformats.org/presentationml/2006/main">
   <p:sldMasterIdLst>
-    <p:sldMasterId id="2147483648" r:id="rId5"/>
+    <p:sldMasterId id="2147483648" r:id="rId1"/>
   </p:sldMasterIdLst>
   <p:notesMasterIdLst>
-    <p:notesMasterId r:id="rId7"/>
+    <p:notesMasterId r:id="rId18"/>
   </p:notesMasterIdLst>
   <p:sldIdLst>
-    <p:sldId id="256" r:id="rId8"/>
-    <p:sldId id="257" r:id="rId9"/>
-    <p:sldId id="258" r:id="rId10"/>
-    <p:sldId id="259" r:id="rId11"/>
-    <p:sldId id="260" r:id="rId12"/>
-    <p:sldId id="261" r:id="rId13"/>
-    <p:sldId id="262" r:id="rId14"/>
-    <p:sldId id="263" r:id="rId15"/>
-    <p:sldId id="264" r:id="rId16"/>
+    <p:sldId id="256" r:id="rId2"/>
+    <p:sldId id="257" r:id="rId3"/>
+    <p:sldId id="267" r:id="rId4"/>
+    <p:sldId id="266" r:id="rId5"/>
+    <p:sldId id="258" r:id="rId6"/>
+    <p:sldId id="259" r:id="rId7"/>
+    <p:sldId id="260" r:id="rId8"/>
+    <p:sldId id="268" r:id="rId9"/>
+    <p:sldId id="261" r:id="rId10"/>
+    <p:sldId id="262" r:id="rId11"/>
+    <p:sldId id="263" r:id="rId12"/>
+    <p:sldId id="264" r:id="rId13"/>
+    <p:sldId id="269" r:id="rId14"/>
+    <p:sldId id="270" r:id="rId15"/>
+    <p:sldId id="271" r:id="rId16"/>
     <p:sldId id="265" r:id="rId17"/>
   </p:sldIdLst>
   <p:sldSz cx="13004800" cy="9753600"/>
@@ -37,7 +43,7 @@
       <a:buFontTx/>
       <a:buNone/>
       <a:tabLst/>
-      <a:defRPr b="0" baseline="0" cap="none" i="0" spc="0" strike="noStrike" sz="1800" u="none" kumimoji="0" normalizeH="0">
+      <a:defRPr kumimoji="0" sz="1800" b="0" i="0" u="none" strike="noStrike" cap="none" spc="0" normalizeH="0" baseline="0">
         <a:ln>
           <a:noFill/>
         </a:ln>
@@ -63,7 +69,7 @@
       <a:buFontTx/>
       <a:buNone/>
       <a:tabLst/>
-      <a:defRPr b="0" baseline="0" cap="none" i="0" spc="0" strike="noStrike" sz="2000" u="none" kumimoji="0" normalizeH="0">
+      <a:defRPr kumimoji="0" sz="2000" b="0" i="0" u="none" strike="noStrike" cap="none" spc="0" normalizeH="0" baseline="0">
         <a:ln>
           <a:noFill/>
         </a:ln>
@@ -93,7 +99,7 @@
       <a:buFontTx/>
       <a:buNone/>
       <a:tabLst/>
-      <a:defRPr b="0" baseline="0" cap="none" i="0" spc="0" strike="noStrike" sz="2000" u="none" kumimoji="0" normalizeH="0">
+      <a:defRPr kumimoji="0" sz="2000" b="0" i="0" u="none" strike="noStrike" cap="none" spc="0" normalizeH="0" baseline="0">
         <a:ln>
           <a:noFill/>
         </a:ln>
@@ -123,7 +129,7 @@
       <a:buFontTx/>
       <a:buNone/>
       <a:tabLst/>
-      <a:defRPr b="0" baseline="0" cap="none" i="0" spc="0" strike="noStrike" sz="2000" u="none" kumimoji="0" normalizeH="0">
+      <a:defRPr kumimoji="0" sz="2000" b="0" i="0" u="none" strike="noStrike" cap="none" spc="0" normalizeH="0" baseline="0">
         <a:ln>
           <a:noFill/>
         </a:ln>
@@ -153,7 +159,7 @@
       <a:buFontTx/>
       <a:buNone/>
       <a:tabLst/>
-      <a:defRPr b="0" baseline="0" cap="none" i="0" spc="0" strike="noStrike" sz="2000" u="none" kumimoji="0" normalizeH="0">
+      <a:defRPr kumimoji="0" sz="2000" b="0" i="0" u="none" strike="noStrike" cap="none" spc="0" normalizeH="0" baseline="0">
         <a:ln>
           <a:noFill/>
         </a:ln>
@@ -183,7 +189,7 @@
       <a:buFontTx/>
       <a:buNone/>
       <a:tabLst/>
-      <a:defRPr b="0" baseline="0" cap="none" i="0" spc="0" strike="noStrike" sz="2000" u="none" kumimoji="0" normalizeH="0">
+      <a:defRPr kumimoji="0" sz="2000" b="0" i="0" u="none" strike="noStrike" cap="none" spc="0" normalizeH="0" baseline="0">
         <a:ln>
           <a:noFill/>
         </a:ln>
@@ -213,7 +219,7 @@
       <a:buFontTx/>
       <a:buNone/>
       <a:tabLst/>
-      <a:defRPr b="0" baseline="0" cap="none" i="0" spc="0" strike="noStrike" sz="2000" u="none" kumimoji="0" normalizeH="0">
+      <a:defRPr kumimoji="0" sz="2000" b="0" i="0" u="none" strike="noStrike" cap="none" spc="0" normalizeH="0" baseline="0">
         <a:ln>
           <a:noFill/>
         </a:ln>
@@ -243,7 +249,7 @@
       <a:buFontTx/>
       <a:buNone/>
       <a:tabLst/>
-      <a:defRPr b="0" baseline="0" cap="none" i="0" spc="0" strike="noStrike" sz="2000" u="none" kumimoji="0" normalizeH="0">
+      <a:defRPr kumimoji="0" sz="2000" b="0" i="0" u="none" strike="noStrike" cap="none" spc="0" normalizeH="0" baseline="0">
         <a:ln>
           <a:noFill/>
         </a:ln>
@@ -273,7 +279,7 @@
       <a:buFontTx/>
       <a:buNone/>
       <a:tabLst/>
-      <a:defRPr b="0" baseline="0" cap="none" i="0" spc="0" strike="noStrike" sz="2000" u="none" kumimoji="0" normalizeH="0">
+      <a:defRPr kumimoji="0" sz="2000" b="0" i="0" u="none" strike="noStrike" cap="none" spc="0" normalizeH="0" baseline="0">
         <a:ln>
           <a:noFill/>
         </a:ln>
@@ -303,7 +309,7 @@
       <a:buFontTx/>
       <a:buNone/>
       <a:tabLst/>
-      <a:defRPr b="0" baseline="0" cap="none" i="0" spc="0" strike="noStrike" sz="2000" u="none" kumimoji="0" normalizeH="0">
+      <a:defRPr kumimoji="0" sz="2000" b="0" i="0" u="none" strike="noStrike" cap="none" spc="0" normalizeH="0" baseline="0">
         <a:ln>
           <a:noFill/>
         </a:ln>
@@ -322,13 +328,14 @@
 </p:presentation>
 </file>
 
-<file path=ppt/commentAuthors.xml><?xml version="1.0" encoding="utf-8"?>
-<p:cmAuthorLst xmlns:a="http://schemas.openxmlformats.org/drawingml/2006/main" xmlns:r="http://schemas.openxmlformats.org/officeDocument/2006/relationships" xmlns:p="http://schemas.openxmlformats.org/presentationml/2006/main" xmlns:m="http://schemas.openxmlformats.org/officeDocument/2006/math" xmlns:a14="http://schemas.microsoft.com/office/drawing/2010/main"/>
-</file>
-
 <file path=ppt/notesMasters/notesMaster1.xml><?xml version="1.0" encoding="utf-8"?>
-<p:notesMaster xmlns:a="http://schemas.openxmlformats.org/drawingml/2006/main" xmlns:r="http://schemas.openxmlformats.org/officeDocument/2006/relationships" xmlns:p="http://schemas.openxmlformats.org/presentationml/2006/main" xmlns:m="http://schemas.openxmlformats.org/officeDocument/2006/math" xmlns:a14="http://schemas.microsoft.com/office/drawing/2010/main">
+<p:notesMaster xmlns:a="http://schemas.openxmlformats.org/drawingml/2006/main" xmlns:r="http://schemas.openxmlformats.org/officeDocument/2006/relationships" xmlns:p="http://schemas.openxmlformats.org/presentationml/2006/main">
   <p:cSld>
+    <p:bg>
+      <p:bgRef idx="1001">
+        <a:schemeClr val="bg1"/>
+      </p:bgRef>
+    </p:bg>
     <p:spTree>
       <p:nvGrpSpPr>
         <p:cNvPr id="1" name=""/>
@@ -346,7 +353,9 @@
       <p:sp>
         <p:nvSpPr>
           <p:cNvPr id="184" name="Shape 184"/>
-          <p:cNvSpPr/>
+          <p:cNvSpPr>
+            <a:spLocks noGrp="1" noRot="1" noChangeAspect="1"/>
+          </p:cNvSpPr>
           <p:nvPr>
             <p:ph type="sldImg"/>
           </p:nvPr>
@@ -364,14 +373,16 @@
           <a:bodyPr/>
           <a:lstStyle/>
           <a:p>
-            <a:pPr/>
+            <a:endParaRPr/>
           </a:p>
         </p:txBody>
       </p:sp>
       <p:sp>
         <p:nvSpPr>
           <p:cNvPr id="185" name="Shape 185"/>
-          <p:cNvSpPr/>
+          <p:cNvSpPr>
+            <a:spLocks noGrp="1"/>
+          </p:cNvSpPr>
           <p:nvPr>
             <p:ph type="body" sz="quarter" idx="1"/>
           </p:nvPr>
@@ -389,7 +400,7 @@
           <a:bodyPr/>
           <a:lstStyle/>
           <a:p>
-            <a:pPr/>
+            <a:endParaRPr/>
           </a:p>
         </p:txBody>
       </p:sp>
@@ -501,13 +512,14 @@
 </file>
 
 <file path=ppt/slideLayouts/slideLayout1.xml><?xml version="1.0" encoding="utf-8"?>
-<p:sldLayout xmlns:a="http://schemas.openxmlformats.org/drawingml/2006/main" xmlns:r="http://schemas.openxmlformats.org/officeDocument/2006/relationships" xmlns:p="http://schemas.openxmlformats.org/presentationml/2006/main" xmlns:m="http://schemas.openxmlformats.org/officeDocument/2006/math" xmlns:a14="http://schemas.microsoft.com/office/drawing/2010/main" type="title" showMasterSp="0" showMasterPhAnim="1">
+<p:sldLayout xmlns:a="http://schemas.openxmlformats.org/drawingml/2006/main" xmlns:r="http://schemas.openxmlformats.org/officeDocument/2006/relationships" xmlns:p="http://schemas.openxmlformats.org/presentationml/2006/main" showMasterSp="0" type="title">
   <p:cSld name="Titolo e sottotitolo">
     <p:bg>
       <p:bgPr>
         <a:solidFill>
           <a:srgbClr val="222222"/>
         </a:solidFill>
+        <a:effectLst/>
       </p:bgPr>
     </p:bg>
     <p:spTree>
@@ -563,13 +575,16 @@
                 <a:sym typeface="Helvetica"/>
               </a:defRPr>
             </a:pPr>
+            <a:endParaRPr/>
           </a:p>
         </p:txBody>
       </p:sp>
       <p:sp>
         <p:nvSpPr>
           <p:cNvPr id="13" name="Titolo Testo"/>
-          <p:cNvSpPr txBox="1"/>
+          <p:cNvSpPr txBox="1">
+            <a:spLocks noGrp="1"/>
+          </p:cNvSpPr>
           <p:nvPr>
             <p:ph type="title"/>
           </p:nvPr>
@@ -594,7 +609,6 @@
             </a:lvl1pPr>
           </a:lstStyle>
           <a:p>
-            <a:pPr/>
             <a:r>
               <a:t>Titolo Testo</a:t>
             </a:r>
@@ -604,7 +618,9 @@
       <p:sp>
         <p:nvSpPr>
           <p:cNvPr id="14" name="Corpo livello uno…"/>
-          <p:cNvSpPr txBox="1"/>
+          <p:cNvSpPr txBox="1">
+            <a:spLocks noGrp="1"/>
+          </p:cNvSpPr>
           <p:nvPr>
             <p:ph type="body" sz="quarter" idx="1"/>
           </p:nvPr>
@@ -632,7 +648,7 @@
               <a:buSzTx/>
               <a:buFontTx/>
               <a:buNone/>
-              <a:defRPr cap="all" sz="5400">
+              <a:defRPr sz="5400" cap="all">
                 <a:solidFill>
                   <a:srgbClr val="A6AAA9"/>
                 </a:solidFill>
@@ -653,7 +669,7 @@
               <a:buSzTx/>
               <a:buFontTx/>
               <a:buNone/>
-              <a:defRPr cap="all" sz="5400">
+              <a:defRPr sz="5400" cap="all">
                 <a:solidFill>
                   <a:srgbClr val="A6AAA9"/>
                 </a:solidFill>
@@ -674,7 +690,7 @@
               <a:buSzTx/>
               <a:buFontTx/>
               <a:buNone/>
-              <a:defRPr cap="all" sz="5400">
+              <a:defRPr sz="5400" cap="all">
                 <a:solidFill>
                   <a:srgbClr val="A6AAA9"/>
                 </a:solidFill>
@@ -695,7 +711,7 @@
               <a:buSzTx/>
               <a:buFontTx/>
               <a:buNone/>
-              <a:defRPr cap="all" sz="5400">
+              <a:defRPr sz="5400" cap="all">
                 <a:solidFill>
                   <a:srgbClr val="A6AAA9"/>
                 </a:solidFill>
@@ -716,7 +732,7 @@
               <a:buSzTx/>
               <a:buFontTx/>
               <a:buNone/>
-              <a:defRPr cap="all" sz="5400">
+              <a:defRPr sz="5400" cap="all">
                 <a:solidFill>
                   <a:srgbClr val="A6AAA9"/>
                 </a:solidFill>
@@ -728,7 +744,6 @@
             </a:lvl5pPr>
           </a:lstStyle>
           <a:p>
-            <a:pPr/>
             <a:r>
               <a:t>Corpo livello uno</a:t>
             </a:r>
@@ -762,7 +777,9 @@
       <p:sp>
         <p:nvSpPr>
           <p:cNvPr id="15" name="Numero diapositiva"/>
-          <p:cNvSpPr txBox="1"/>
+          <p:cNvSpPr txBox="1">
+            <a:spLocks noGrp="1"/>
+          </p:cNvSpPr>
           <p:nvPr>
             <p:ph type="sldNum" sz="quarter" idx="2"/>
           </p:nvPr>
@@ -780,8 +797,10 @@
           <a:bodyPr/>
           <a:lstStyle/>
           <a:p>
-            <a:pPr/>
-            <a:fld id="{86CB4B4D-7CA3-9044-876B-883B54F8677D}" type="slidenum"/>
+            <a:fld id="{86CB4B4D-7CA3-9044-876B-883B54F8677D}" type="slidenum">
+              <a:t>‹N›</a:t>
+            </a:fld>
+            <a:endParaRPr/>
           </a:p>
         </p:txBody>
       </p:sp>
@@ -790,18 +809,19 @@
   <p:clrMapOvr>
     <a:masterClrMapping/>
   </p:clrMapOvr>
-  <p:transition xmlns:p14="http://schemas.microsoft.com/office/powerpoint/2010/main" spd="med" advClick="1"/>
+  <p:transition spd="med"/>
 </p:sldLayout>
 </file>
 
 <file path=ppt/slideLayouts/slideLayout10.xml><?xml version="1.0" encoding="utf-8"?>
-<p:sldLayout xmlns:a="http://schemas.openxmlformats.org/drawingml/2006/main" xmlns:r="http://schemas.openxmlformats.org/officeDocument/2006/relationships" xmlns:p="http://schemas.openxmlformats.org/presentationml/2006/main" xmlns:m="http://schemas.openxmlformats.org/officeDocument/2006/math" xmlns:a14="http://schemas.microsoft.com/office/drawing/2010/main" type="tx" showMasterSp="1" showMasterPhAnim="1">
+<p:sldLayout xmlns:a="http://schemas.openxmlformats.org/drawingml/2006/main" xmlns:r="http://schemas.openxmlformats.org/officeDocument/2006/relationships" xmlns:p="http://schemas.openxmlformats.org/presentationml/2006/main" type="tx">
   <p:cSld name="Punti elenco">
     <p:bg>
       <p:bgPr>
         <a:solidFill>
           <a:srgbClr val="222222"/>
         </a:solidFill>
+        <a:effectLst/>
       </p:bgPr>
     </p:bg>
     <p:spTree>
@@ -821,7 +841,9 @@
       <p:sp>
         <p:nvSpPr>
           <p:cNvPr id="102" name="Testo"/>
-          <p:cNvSpPr txBox="1"/>
+          <p:cNvSpPr txBox="1">
+            <a:spLocks noGrp="1"/>
+          </p:cNvSpPr>
           <p:nvPr>
             <p:ph type="body" sz="quarter" idx="13"/>
           </p:nvPr>
@@ -851,7 +873,7 @@
               <a:buSzTx/>
               <a:buFontTx/>
               <a:buNone/>
-              <a:defRPr cap="all" spc="120" sz="2400">
+              <a:defRPr sz="2400" cap="all" spc="120">
                 <a:latin typeface="DIN Alternate"/>
                 <a:ea typeface="DIN Alternate"/>
                 <a:cs typeface="DIN Alternate"/>
@@ -860,7 +882,6 @@
             </a:lvl1pPr>
           </a:lstStyle>
           <a:p>
-            <a:pPr/>
             <a:r>
               <a:t>Testo</a:t>
             </a:r>
@@ -870,7 +891,9 @@
       <p:sp>
         <p:nvSpPr>
           <p:cNvPr id="103" name="Corpo livello uno…"/>
-          <p:cNvSpPr txBox="1"/>
+          <p:cNvSpPr txBox="1">
+            <a:spLocks noGrp="1"/>
+          </p:cNvSpPr>
           <p:nvPr>
             <p:ph type="body" idx="1"/>
           </p:nvPr>
@@ -915,7 +938,6 @@
             </a:lvl5pPr>
           </a:lstStyle>
           <a:p>
-            <a:pPr/>
             <a:r>
               <a:t>Corpo livello uno</a:t>
             </a:r>
@@ -949,7 +971,9 @@
       <p:sp>
         <p:nvSpPr>
           <p:cNvPr id="104" name="Numero diapositiva"/>
-          <p:cNvSpPr txBox="1"/>
+          <p:cNvSpPr txBox="1">
+            <a:spLocks noGrp="1"/>
+          </p:cNvSpPr>
           <p:nvPr>
             <p:ph type="sldNum" sz="quarter" idx="2"/>
           </p:nvPr>
@@ -963,8 +987,10 @@
           <a:bodyPr/>
           <a:lstStyle/>
           <a:p>
-            <a:pPr/>
-            <a:fld id="{86CB4B4D-7CA3-9044-876B-883B54F8677D}" type="slidenum"/>
+            <a:fld id="{86CB4B4D-7CA3-9044-876B-883B54F8677D}" type="slidenum">
+              <a:t>‹N›</a:t>
+            </a:fld>
+            <a:endParaRPr/>
           </a:p>
         </p:txBody>
       </p:sp>
@@ -973,18 +999,19 @@
   <p:clrMapOvr>
     <a:masterClrMapping/>
   </p:clrMapOvr>
-  <p:transition xmlns:p14="http://schemas.microsoft.com/office/powerpoint/2010/main" spd="med" advClick="1"/>
+  <p:transition spd="med"/>
 </p:sldLayout>
 </file>
 
 <file path=ppt/slideLayouts/slideLayout11.xml><?xml version="1.0" encoding="utf-8"?>
-<p:sldLayout xmlns:a="http://schemas.openxmlformats.org/drawingml/2006/main" xmlns:r="http://schemas.openxmlformats.org/officeDocument/2006/relationships" xmlns:p="http://schemas.openxmlformats.org/presentationml/2006/main" xmlns:m="http://schemas.openxmlformats.org/officeDocument/2006/math" xmlns:a14="http://schemas.microsoft.com/office/drawing/2010/main" type="tx" showMasterSp="0" showMasterPhAnim="1">
+<p:sldLayout xmlns:a="http://schemas.openxmlformats.org/drawingml/2006/main" xmlns:r="http://schemas.openxmlformats.org/officeDocument/2006/relationships" xmlns:p="http://schemas.openxmlformats.org/presentationml/2006/main" showMasterSp="0" type="tx">
   <p:cSld name="Foto - 3 per pagina">
     <p:bg>
       <p:bgPr>
         <a:solidFill>
           <a:srgbClr val="222222"/>
         </a:solidFill>
+        <a:effectLst/>
       </p:bgPr>
     </p:bg>
     <p:spTree>
@@ -1004,7 +1031,9 @@
       <p:sp>
         <p:nvSpPr>
           <p:cNvPr id="111" name="Immagine"/>
-          <p:cNvSpPr/>
+          <p:cNvSpPr>
+            <a:spLocks noGrp="1"/>
+          </p:cNvSpPr>
           <p:nvPr>
             <p:ph type="pic" sz="half" idx="13"/>
           </p:nvPr>
@@ -1024,14 +1053,16 @@
           </a:bodyPr>
           <a:lstStyle/>
           <a:p>
-            <a:pPr/>
+            <a:endParaRPr/>
           </a:p>
         </p:txBody>
       </p:sp>
       <p:sp>
         <p:nvSpPr>
           <p:cNvPr id="112" name="Immagine"/>
-          <p:cNvSpPr/>
+          <p:cNvSpPr>
+            <a:spLocks noGrp="1"/>
+          </p:cNvSpPr>
           <p:nvPr>
             <p:ph type="pic" sz="half" idx="14"/>
           </p:nvPr>
@@ -1051,14 +1082,16 @@
           </a:bodyPr>
           <a:lstStyle/>
           <a:p>
-            <a:pPr/>
+            <a:endParaRPr/>
           </a:p>
         </p:txBody>
       </p:sp>
       <p:sp>
         <p:nvSpPr>
           <p:cNvPr id="113" name="Immagine"/>
-          <p:cNvSpPr/>
+          <p:cNvSpPr>
+            <a:spLocks noGrp="1"/>
+          </p:cNvSpPr>
           <p:nvPr>
             <p:ph type="pic" idx="15"/>
           </p:nvPr>
@@ -1078,14 +1111,16 @@
           </a:bodyPr>
           <a:lstStyle/>
           <a:p>
-            <a:pPr/>
+            <a:endParaRPr/>
           </a:p>
         </p:txBody>
       </p:sp>
       <p:sp>
         <p:nvSpPr>
           <p:cNvPr id="114" name="Numero diapositiva"/>
-          <p:cNvSpPr txBox="1"/>
+          <p:cNvSpPr txBox="1">
+            <a:spLocks noGrp="1"/>
+          </p:cNvSpPr>
           <p:nvPr>
             <p:ph type="sldNum" sz="quarter" idx="2"/>
           </p:nvPr>
@@ -1099,8 +1134,10 @@
           <a:bodyPr/>
           <a:lstStyle/>
           <a:p>
-            <a:pPr/>
-            <a:fld id="{86CB4B4D-7CA3-9044-876B-883B54F8677D}" type="slidenum"/>
+            <a:fld id="{86CB4B4D-7CA3-9044-876B-883B54F8677D}" type="slidenum">
+              <a:t>‹N›</a:t>
+            </a:fld>
+            <a:endParaRPr/>
           </a:p>
         </p:txBody>
       </p:sp>
@@ -1109,18 +1146,19 @@
   <p:clrMapOvr>
     <a:masterClrMapping/>
   </p:clrMapOvr>
-  <p:transition xmlns:p14="http://schemas.microsoft.com/office/powerpoint/2010/main" spd="med" advClick="1"/>
+  <p:transition spd="med"/>
 </p:sldLayout>
 </file>
 
 <file path=ppt/slideLayouts/slideLayout12.xml><?xml version="1.0" encoding="utf-8"?>
-<p:sldLayout xmlns:a="http://schemas.openxmlformats.org/drawingml/2006/main" xmlns:r="http://schemas.openxmlformats.org/officeDocument/2006/relationships" xmlns:p="http://schemas.openxmlformats.org/presentationml/2006/main" xmlns:m="http://schemas.openxmlformats.org/officeDocument/2006/math" xmlns:a14="http://schemas.microsoft.com/office/drawing/2010/main" type="tx" showMasterSp="1" showMasterPhAnim="1">
+<p:sldLayout xmlns:a="http://schemas.openxmlformats.org/drawingml/2006/main" xmlns:r="http://schemas.openxmlformats.org/officeDocument/2006/relationships" xmlns:p="http://schemas.openxmlformats.org/presentationml/2006/main" type="tx">
   <p:cSld name="Citazione">
     <p:bg>
       <p:bgPr>
         <a:solidFill>
           <a:srgbClr val="222222"/>
         </a:solidFill>
+        <a:effectLst/>
       </p:bgPr>
     </p:bg>
     <p:spTree>
@@ -1168,7 +1206,7 @@
             </a:cxnLst>
             <a:rect l="0" t="0" r="r" b="b"/>
             <a:pathLst>
-              <a:path w="21600" h="21600" fill="norm" stroke="1" extrusionOk="0">
+              <a:path w="21600" h="21600" extrusionOk="0">
                 <a:moveTo>
                   <a:pt x="224" y="0"/>
                 </a:moveTo>
@@ -1235,7 +1273,7 @@
               <a:spcBef>
                 <a:spcPts val="0"/>
               </a:spcBef>
-              <a:defRPr cap="all" sz="2800">
+              <a:defRPr sz="2800" cap="all">
                 <a:solidFill>
                   <a:srgbClr val="FFFFFF"/>
                 </a:solidFill>
@@ -1245,13 +1283,16 @@
                 <a:sym typeface="DIN Condensed"/>
               </a:defRPr>
             </a:pPr>
+            <a:endParaRPr/>
           </a:p>
         </p:txBody>
       </p:sp>
       <p:sp>
         <p:nvSpPr>
           <p:cNvPr id="122" name="Inserisci qui una citazione."/>
-          <p:cNvSpPr txBox="1"/>
+          <p:cNvSpPr txBox="1">
+            <a:spLocks noGrp="1"/>
+          </p:cNvSpPr>
           <p:nvPr>
             <p:ph type="body" sz="quarter" idx="13"/>
           </p:nvPr>
@@ -1281,7 +1322,7 @@
               <a:buSzTx/>
               <a:buFontTx/>
               <a:buNone/>
-              <a:defRPr cap="all" sz="9400">
+              <a:defRPr sz="9400" cap="all">
                 <a:solidFill>
                   <a:srgbClr val="FFFFFF"/>
                 </a:solidFill>
@@ -1293,7 +1334,6 @@
             </a:lvl1pPr>
           </a:lstStyle>
           <a:p>
-            <a:pPr/>
             <a:r>
               <a:t>Inserisci qui una citazione.</a:t>
             </a:r>
@@ -1303,7 +1343,9 @@
       <p:sp>
         <p:nvSpPr>
           <p:cNvPr id="123" name="Giovanni Mela"/>
-          <p:cNvSpPr txBox="1"/>
+          <p:cNvSpPr txBox="1">
+            <a:spLocks noGrp="1"/>
+          </p:cNvSpPr>
           <p:nvPr>
             <p:ph type="body" sz="quarter" idx="14"/>
           </p:nvPr>
@@ -1342,7 +1384,6 @@
             </a:lvl1pPr>
           </a:lstStyle>
           <a:p>
-            <a:pPr/>
             <a:r>
               <a:t>Giovanni Mela</a:t>
             </a:r>
@@ -1352,7 +1393,9 @@
       <p:sp>
         <p:nvSpPr>
           <p:cNvPr id="124" name="Testo"/>
-          <p:cNvSpPr txBox="1"/>
+          <p:cNvSpPr txBox="1">
+            <a:spLocks noGrp="1"/>
+          </p:cNvSpPr>
           <p:nvPr>
             <p:ph type="body" sz="quarter" idx="15"/>
           </p:nvPr>
@@ -1382,7 +1425,7 @@
               <a:buSzTx/>
               <a:buFontTx/>
               <a:buNone/>
-              <a:defRPr cap="all" spc="120" sz="2400">
+              <a:defRPr sz="2400" cap="all" spc="120">
                 <a:latin typeface="DIN Alternate"/>
                 <a:ea typeface="DIN Alternate"/>
                 <a:cs typeface="DIN Alternate"/>
@@ -1391,7 +1434,6 @@
             </a:lvl1pPr>
           </a:lstStyle>
           <a:p>
-            <a:pPr/>
             <a:r>
               <a:t>Testo</a:t>
             </a:r>
@@ -1401,7 +1443,9 @@
       <p:sp>
         <p:nvSpPr>
           <p:cNvPr id="125" name="Numero diapositiva"/>
-          <p:cNvSpPr txBox="1"/>
+          <p:cNvSpPr txBox="1">
+            <a:spLocks noGrp="1"/>
+          </p:cNvSpPr>
           <p:nvPr>
             <p:ph type="sldNum" sz="quarter" idx="2"/>
           </p:nvPr>
@@ -1415,8 +1459,10 @@
           <a:bodyPr/>
           <a:lstStyle/>
           <a:p>
-            <a:pPr/>
-            <a:fld id="{86CB4B4D-7CA3-9044-876B-883B54F8677D}" type="slidenum"/>
+            <a:fld id="{86CB4B4D-7CA3-9044-876B-883B54F8677D}" type="slidenum">
+              <a:t>‹N›</a:t>
+            </a:fld>
+            <a:endParaRPr/>
           </a:p>
         </p:txBody>
       </p:sp>
@@ -1425,18 +1471,19 @@
   <p:clrMapOvr>
     <a:masterClrMapping/>
   </p:clrMapOvr>
-  <p:transition xmlns:p14="http://schemas.microsoft.com/office/powerpoint/2010/main" spd="med" advClick="1"/>
+  <p:transition spd="med"/>
 </p:sldLayout>
 </file>
 
 <file path=ppt/slideLayouts/slideLayout13.xml><?xml version="1.0" encoding="utf-8"?>
-<p:sldLayout xmlns:a="http://schemas.openxmlformats.org/drawingml/2006/main" xmlns:r="http://schemas.openxmlformats.org/officeDocument/2006/relationships" xmlns:p="http://schemas.openxmlformats.org/presentationml/2006/main" xmlns:m="http://schemas.openxmlformats.org/officeDocument/2006/math" xmlns:a14="http://schemas.microsoft.com/office/drawing/2010/main" type="tx" showMasterSp="0" showMasterPhAnim="1">
+<p:sldLayout xmlns:a="http://schemas.openxmlformats.org/drawingml/2006/main" xmlns:r="http://schemas.openxmlformats.org/officeDocument/2006/relationships" xmlns:p="http://schemas.openxmlformats.org/presentationml/2006/main" showMasterSp="0" type="tx">
   <p:cSld name="Citazione alt">
     <p:bg>
       <p:bgPr>
         <a:solidFill>
           <a:schemeClr val="accent1"/>
         </a:solidFill>
+        <a:effectLst/>
       </p:bgPr>
     </p:bg>
     <p:spTree>
@@ -1456,7 +1503,9 @@
       <p:sp>
         <p:nvSpPr>
           <p:cNvPr id="132" name="Inserisci qui una citazione."/>
-          <p:cNvSpPr txBox="1"/>
+          <p:cNvSpPr txBox="1">
+            <a:spLocks noGrp="1"/>
+          </p:cNvSpPr>
           <p:nvPr>
             <p:ph type="body" sz="quarter" idx="13"/>
           </p:nvPr>
@@ -1486,7 +1535,7 @@
               <a:buSzTx/>
               <a:buFontTx/>
               <a:buNone/>
-              <a:defRPr cap="all" sz="9400">
+              <a:defRPr sz="9400" cap="all">
                 <a:solidFill>
                   <a:srgbClr val="FFFFFF"/>
                 </a:solidFill>
@@ -1498,7 +1547,6 @@
             </a:lvl1pPr>
           </a:lstStyle>
           <a:p>
-            <a:pPr/>
             <a:r>
               <a:t>Inserisci qui una citazione.</a:t>
             </a:r>
@@ -1508,7 +1556,9 @@
       <p:sp>
         <p:nvSpPr>
           <p:cNvPr id="133" name="Immagine"/>
-          <p:cNvSpPr/>
+          <p:cNvSpPr>
+            <a:spLocks noGrp="1"/>
+          </p:cNvSpPr>
           <p:nvPr>
             <p:ph type="pic" idx="14"/>
           </p:nvPr>
@@ -1528,14 +1578,16 @@
           </a:bodyPr>
           <a:lstStyle/>
           <a:p>
-            <a:pPr/>
+            <a:endParaRPr/>
           </a:p>
         </p:txBody>
       </p:sp>
       <p:sp>
         <p:nvSpPr>
           <p:cNvPr id="134" name="Giovanni Mela"/>
-          <p:cNvSpPr txBox="1"/>
+          <p:cNvSpPr txBox="1">
+            <a:spLocks noGrp="1"/>
+          </p:cNvSpPr>
           <p:nvPr>
             <p:ph type="body" sz="quarter" idx="15"/>
           </p:nvPr>
@@ -1574,7 +1626,6 @@
             </a:lvl1pPr>
           </a:lstStyle>
           <a:p>
-            <a:pPr/>
             <a:r>
               <a:t>Giovanni Mela</a:t>
             </a:r>
@@ -1584,7 +1635,9 @@
       <p:sp>
         <p:nvSpPr>
           <p:cNvPr id="135" name="Numero diapositiva"/>
-          <p:cNvSpPr txBox="1"/>
+          <p:cNvSpPr txBox="1">
+            <a:spLocks noGrp="1"/>
+          </p:cNvSpPr>
           <p:nvPr>
             <p:ph type="sldNum" sz="quarter" idx="2"/>
           </p:nvPr>
@@ -1598,8 +1651,10 @@
           <a:bodyPr/>
           <a:lstStyle/>
           <a:p>
-            <a:pPr/>
-            <a:fld id="{86CB4B4D-7CA3-9044-876B-883B54F8677D}" type="slidenum"/>
+            <a:fld id="{86CB4B4D-7CA3-9044-876B-883B54F8677D}" type="slidenum">
+              <a:t>‹N›</a:t>
+            </a:fld>
+            <a:endParaRPr/>
           </a:p>
         </p:txBody>
       </p:sp>
@@ -1608,18 +1663,19 @@
   <p:clrMapOvr>
     <a:masterClrMapping/>
   </p:clrMapOvr>
-  <p:transition xmlns:p14="http://schemas.microsoft.com/office/powerpoint/2010/main" spd="med" advClick="1"/>
+  <p:transition spd="med"/>
 </p:sldLayout>
 </file>
 
 <file path=ppt/slideLayouts/slideLayout14.xml><?xml version="1.0" encoding="utf-8"?>
-<p:sldLayout xmlns:a="http://schemas.openxmlformats.org/drawingml/2006/main" xmlns:r="http://schemas.openxmlformats.org/officeDocument/2006/relationships" xmlns:p="http://schemas.openxmlformats.org/presentationml/2006/main" xmlns:m="http://schemas.openxmlformats.org/officeDocument/2006/math" xmlns:a14="http://schemas.microsoft.com/office/drawing/2010/main" type="tx" showMasterSp="0" showMasterPhAnim="1">
+<p:sldLayout xmlns:a="http://schemas.openxmlformats.org/drawingml/2006/main" xmlns:r="http://schemas.openxmlformats.org/officeDocument/2006/relationships" xmlns:p="http://schemas.openxmlformats.org/presentationml/2006/main" showMasterSp="0" type="tx">
   <p:cSld name="Foto">
     <p:bg>
       <p:bgPr>
         <a:solidFill>
           <a:srgbClr val="222222"/>
         </a:solidFill>
+        <a:effectLst/>
       </p:bgPr>
     </p:bg>
     <p:spTree>
@@ -1639,7 +1695,9 @@
       <p:sp>
         <p:nvSpPr>
           <p:cNvPr id="142" name="Immagine"/>
-          <p:cNvSpPr/>
+          <p:cNvSpPr>
+            <a:spLocks noGrp="1"/>
+          </p:cNvSpPr>
           <p:nvPr>
             <p:ph type="pic" idx="13"/>
           </p:nvPr>
@@ -1659,14 +1717,16 @@
           </a:bodyPr>
           <a:lstStyle/>
           <a:p>
-            <a:pPr/>
+            <a:endParaRPr/>
           </a:p>
         </p:txBody>
       </p:sp>
       <p:sp>
         <p:nvSpPr>
           <p:cNvPr id="143" name="Numero diapositiva"/>
-          <p:cNvSpPr txBox="1"/>
+          <p:cNvSpPr txBox="1">
+            <a:spLocks noGrp="1"/>
+          </p:cNvSpPr>
           <p:nvPr>
             <p:ph type="sldNum" sz="quarter" idx="2"/>
           </p:nvPr>
@@ -1680,8 +1740,10 @@
           <a:bodyPr/>
           <a:lstStyle/>
           <a:p>
-            <a:pPr/>
-            <a:fld id="{86CB4B4D-7CA3-9044-876B-883B54F8677D}" type="slidenum"/>
+            <a:fld id="{86CB4B4D-7CA3-9044-876B-883B54F8677D}" type="slidenum">
+              <a:t>‹N›</a:t>
+            </a:fld>
+            <a:endParaRPr/>
           </a:p>
         </p:txBody>
       </p:sp>
@@ -1690,18 +1752,19 @@
   <p:clrMapOvr>
     <a:masterClrMapping/>
   </p:clrMapOvr>
-  <p:transition xmlns:p14="http://schemas.microsoft.com/office/powerpoint/2010/main" spd="med" advClick="1"/>
+  <p:transition spd="med"/>
 </p:sldLayout>
 </file>
 
 <file path=ppt/slideLayouts/slideLayout15.xml><?xml version="1.0" encoding="utf-8"?>
-<p:sldLayout xmlns:a="http://schemas.openxmlformats.org/drawingml/2006/main" xmlns:r="http://schemas.openxmlformats.org/officeDocument/2006/relationships" xmlns:p="http://schemas.openxmlformats.org/presentationml/2006/main" xmlns:m="http://schemas.openxmlformats.org/officeDocument/2006/math" xmlns:a14="http://schemas.microsoft.com/office/drawing/2010/main" type="tx" showMasterSp="0" showMasterPhAnim="1">
+<p:sldLayout xmlns:a="http://schemas.openxmlformats.org/drawingml/2006/main" xmlns:r="http://schemas.openxmlformats.org/officeDocument/2006/relationships" xmlns:p="http://schemas.openxmlformats.org/presentationml/2006/main" showMasterSp="0" type="tx">
   <p:cSld name="Vuoto">
     <p:bg>
       <p:bgPr>
         <a:solidFill>
           <a:srgbClr val="222222"/>
         </a:solidFill>
+        <a:effectLst/>
       </p:bgPr>
     </p:bg>
     <p:spTree>
@@ -1721,7 +1784,9 @@
       <p:sp>
         <p:nvSpPr>
           <p:cNvPr id="150" name="Numero diapositiva"/>
-          <p:cNvSpPr txBox="1"/>
+          <p:cNvSpPr txBox="1">
+            <a:spLocks noGrp="1"/>
+          </p:cNvSpPr>
           <p:nvPr>
             <p:ph type="sldNum" sz="quarter" idx="2"/>
           </p:nvPr>
@@ -1735,8 +1800,10 @@
           <a:bodyPr/>
           <a:lstStyle/>
           <a:p>
-            <a:pPr/>
-            <a:fld id="{86CB4B4D-7CA3-9044-876B-883B54F8677D}" type="slidenum"/>
+            <a:fld id="{86CB4B4D-7CA3-9044-876B-883B54F8677D}" type="slidenum">
+              <a:t>‹N›</a:t>
+            </a:fld>
+            <a:endParaRPr/>
           </a:p>
         </p:txBody>
       </p:sp>
@@ -1745,12 +1812,12 @@
   <p:clrMapOvr>
     <a:masterClrMapping/>
   </p:clrMapOvr>
-  <p:transition xmlns:p14="http://schemas.microsoft.com/office/powerpoint/2010/main" spd="med" advClick="1"/>
+  <p:transition spd="med"/>
 </p:sldLayout>
 </file>
 
 <file path=ppt/slideLayouts/slideLayout16.xml><?xml version="1.0" encoding="utf-8"?>
-<p:sldLayout xmlns:a="http://schemas.openxmlformats.org/drawingml/2006/main" xmlns:r="http://schemas.openxmlformats.org/officeDocument/2006/relationships" xmlns:p="http://schemas.openxmlformats.org/presentationml/2006/main" xmlns:m="http://schemas.openxmlformats.org/officeDocument/2006/math" xmlns:a14="http://schemas.microsoft.com/office/drawing/2010/main" type="tx" showMasterSp="0" showMasterPhAnim="1">
+<p:sldLayout xmlns:a="http://schemas.openxmlformats.org/drawingml/2006/main" xmlns:r="http://schemas.openxmlformats.org/officeDocument/2006/relationships" xmlns:p="http://schemas.openxmlformats.org/presentationml/2006/main" showMasterSp="0" type="tx">
   <p:cSld name="Vuoto alternativo">
     <p:spTree>
       <p:nvGrpSpPr>
@@ -1769,7 +1836,9 @@
       <p:sp>
         <p:nvSpPr>
           <p:cNvPr id="157" name="Numero diapositiva"/>
-          <p:cNvSpPr txBox="1"/>
+          <p:cNvSpPr txBox="1">
+            <a:spLocks noGrp="1"/>
+          </p:cNvSpPr>
           <p:nvPr>
             <p:ph type="sldNum" sz="quarter" idx="2"/>
           </p:nvPr>
@@ -1783,8 +1852,10 @@
           <a:bodyPr/>
           <a:lstStyle/>
           <a:p>
-            <a:pPr/>
-            <a:fld id="{86CB4B4D-7CA3-9044-876B-883B54F8677D}" type="slidenum"/>
+            <a:fld id="{86CB4B4D-7CA3-9044-876B-883B54F8677D}" type="slidenum">
+              <a:t>‹N›</a:t>
+            </a:fld>
+            <a:endParaRPr/>
           </a:p>
         </p:txBody>
       </p:sp>
@@ -1793,18 +1864,19 @@
   <p:clrMapOvr>
     <a:masterClrMapping/>
   </p:clrMapOvr>
-  <p:transition xmlns:p14="http://schemas.microsoft.com/office/powerpoint/2010/main" spd="med" advClick="1"/>
+  <p:transition spd="med"/>
 </p:sldLayout>
 </file>
 
 <file path=ppt/slideLayouts/slideLayout17.xml><?xml version="1.0" encoding="utf-8"?>
-<p:sldLayout xmlns:a="http://schemas.openxmlformats.org/drawingml/2006/main" xmlns:r="http://schemas.openxmlformats.org/officeDocument/2006/relationships" xmlns:p="http://schemas.openxmlformats.org/presentationml/2006/main" xmlns:m="http://schemas.openxmlformats.org/officeDocument/2006/math" xmlns:a14="http://schemas.microsoft.com/office/drawing/2010/main" type="tx" showMasterSp="0" showMasterPhAnim="1">
+<p:sldLayout xmlns:a="http://schemas.openxmlformats.org/drawingml/2006/main" xmlns:r="http://schemas.openxmlformats.org/officeDocument/2006/relationships" xmlns:p="http://schemas.openxmlformats.org/presentationml/2006/main" showMasterSp="0" type="tx">
   <p:cSld name="Titolo e sottotitolo">
     <p:bg>
       <p:bgPr>
         <a:solidFill>
           <a:srgbClr val="222222"/>
         </a:solidFill>
+        <a:effectLst/>
       </p:bgPr>
     </p:bg>
     <p:spTree>
@@ -1854,13 +1926,16 @@
                 <a:sym typeface="DIN Condensed"/>
               </a:defRPr>
             </a:pPr>
+            <a:endParaRPr/>
           </a:p>
         </p:txBody>
       </p:sp>
       <p:sp>
         <p:nvSpPr>
           <p:cNvPr id="165" name="Titolo Testo"/>
-          <p:cNvSpPr txBox="1"/>
+          <p:cNvSpPr txBox="1">
+            <a:spLocks noGrp="1"/>
+          </p:cNvSpPr>
           <p:nvPr>
             <p:ph type="title"/>
           </p:nvPr>
@@ -1885,7 +1960,6 @@
             </a:lvl1pPr>
           </a:lstStyle>
           <a:p>
-            <a:pPr/>
             <a:r>
               <a:t>Titolo Testo</a:t>
             </a:r>
@@ -1895,7 +1969,9 @@
       <p:sp>
         <p:nvSpPr>
           <p:cNvPr id="166" name="Corpo livello uno…"/>
-          <p:cNvSpPr txBox="1"/>
+          <p:cNvSpPr txBox="1">
+            <a:spLocks noGrp="1"/>
+          </p:cNvSpPr>
           <p:nvPr>
             <p:ph type="body" sz="quarter" idx="1"/>
           </p:nvPr>
@@ -1923,7 +1999,7 @@
               <a:buSzTx/>
               <a:buFontTx/>
               <a:buNone/>
-              <a:defRPr cap="all" sz="5400">
+              <a:defRPr sz="5400" cap="all">
                 <a:solidFill>
                   <a:srgbClr val="A6AAA9"/>
                 </a:solidFill>
@@ -1944,7 +2020,7 @@
               <a:buSzTx/>
               <a:buFontTx/>
               <a:buNone/>
-              <a:defRPr cap="all" sz="5400">
+              <a:defRPr sz="5400" cap="all">
                 <a:solidFill>
                   <a:srgbClr val="A6AAA9"/>
                 </a:solidFill>
@@ -1965,7 +2041,7 @@
               <a:buSzTx/>
               <a:buFontTx/>
               <a:buNone/>
-              <a:defRPr cap="all" sz="5400">
+              <a:defRPr sz="5400" cap="all">
                 <a:solidFill>
                   <a:srgbClr val="A6AAA9"/>
                 </a:solidFill>
@@ -1986,7 +2062,7 @@
               <a:buSzTx/>
               <a:buFontTx/>
               <a:buNone/>
-              <a:defRPr cap="all" sz="5400">
+              <a:defRPr sz="5400" cap="all">
                 <a:solidFill>
                   <a:srgbClr val="A6AAA9"/>
                 </a:solidFill>
@@ -2007,7 +2083,7 @@
               <a:buSzTx/>
               <a:buFontTx/>
               <a:buNone/>
-              <a:defRPr cap="all" sz="5400">
+              <a:defRPr sz="5400" cap="all">
                 <a:solidFill>
                   <a:srgbClr val="A6AAA9"/>
                 </a:solidFill>
@@ -2019,7 +2095,6 @@
             </a:lvl5pPr>
           </a:lstStyle>
           <a:p>
-            <a:pPr/>
             <a:r>
               <a:t>Corpo livello uno</a:t>
             </a:r>
@@ -2053,7 +2128,9 @@
       <p:sp>
         <p:nvSpPr>
           <p:cNvPr id="167" name="Numero diapositiva"/>
-          <p:cNvSpPr txBox="1"/>
+          <p:cNvSpPr txBox="1">
+            <a:spLocks noGrp="1"/>
+          </p:cNvSpPr>
           <p:nvPr>
             <p:ph type="sldNum" sz="quarter" idx="2"/>
           </p:nvPr>
@@ -2071,8 +2148,10 @@
           <a:bodyPr/>
           <a:lstStyle/>
           <a:p>
-            <a:pPr/>
-            <a:fld id="{86CB4B4D-7CA3-9044-876B-883B54F8677D}" type="slidenum"/>
+            <a:fld id="{86CB4B4D-7CA3-9044-876B-883B54F8677D}" type="slidenum">
+              <a:t>‹N›</a:t>
+            </a:fld>
+            <a:endParaRPr/>
           </a:p>
         </p:txBody>
       </p:sp>
@@ -2081,18 +2160,19 @@
   <p:clrMapOvr>
     <a:masterClrMapping/>
   </p:clrMapOvr>
-  <p:transition xmlns:p14="http://schemas.microsoft.com/office/powerpoint/2010/main" spd="med" advClick="1"/>
+  <p:transition spd="med"/>
 </p:sldLayout>
 </file>
 
 <file path=ppt/slideLayouts/slideLayout18.xml><?xml version="1.0" encoding="utf-8"?>
-<p:sldLayout xmlns:a="http://schemas.openxmlformats.org/drawingml/2006/main" xmlns:r="http://schemas.openxmlformats.org/officeDocument/2006/relationships" xmlns:p="http://schemas.openxmlformats.org/presentationml/2006/main" xmlns:m="http://schemas.openxmlformats.org/officeDocument/2006/math" xmlns:a14="http://schemas.microsoft.com/office/drawing/2010/main" type="tx" showMasterSp="0" showMasterPhAnim="1">
+<p:sldLayout xmlns:a="http://schemas.openxmlformats.org/drawingml/2006/main" xmlns:r="http://schemas.openxmlformats.org/officeDocument/2006/relationships" xmlns:p="http://schemas.openxmlformats.org/presentationml/2006/main" showMasterSp="0" type="tx">
   <p:cSld name="Titolo e punti elenco">
     <p:bg>
       <p:bgPr>
         <a:solidFill>
           <a:srgbClr val="222222"/>
         </a:solidFill>
+        <a:effectLst/>
       </p:bgPr>
     </p:bg>
     <p:spTree>
@@ -2142,13 +2222,16 @@
                 <a:sym typeface="DIN Condensed"/>
               </a:defRPr>
             </a:pPr>
+            <a:endParaRPr/>
           </a:p>
         </p:txBody>
       </p:sp>
       <p:sp>
         <p:nvSpPr>
           <p:cNvPr id="175" name="Corpo livello uno…"/>
-          <p:cNvSpPr txBox="1"/>
+          <p:cNvSpPr txBox="1">
+            <a:spLocks noGrp="1"/>
+          </p:cNvSpPr>
           <p:nvPr>
             <p:ph type="body" sz="quarter" idx="1"/>
           </p:nvPr>
@@ -2176,7 +2259,7 @@
               <a:buSzTx/>
               <a:buFontTx/>
               <a:buNone/>
-              <a:defRPr cap="all" spc="120" sz="2400">
+              <a:defRPr sz="2400" cap="all" spc="120">
                 <a:latin typeface="DIN Alternate"/>
                 <a:ea typeface="DIN Alternate"/>
                 <a:cs typeface="DIN Alternate"/>
@@ -2193,7 +2276,7 @@
               <a:buClrTx/>
               <a:buSzPct val="104999"/>
               <a:buFontTx/>
-              <a:defRPr cap="all" spc="120" sz="2400">
+              <a:defRPr sz="2400" cap="all" spc="120">
                 <a:latin typeface="DIN Alternate"/>
                 <a:ea typeface="DIN Alternate"/>
                 <a:cs typeface="DIN Alternate"/>
@@ -2210,7 +2293,7 @@
               <a:buClrTx/>
               <a:buSzPct val="104999"/>
               <a:buFontTx/>
-              <a:defRPr cap="all" spc="120" sz="2400">
+              <a:defRPr sz="2400" cap="all" spc="120">
                 <a:latin typeface="DIN Alternate"/>
                 <a:ea typeface="DIN Alternate"/>
                 <a:cs typeface="DIN Alternate"/>
@@ -2227,7 +2310,7 @@
               <a:buClrTx/>
               <a:buSzPct val="104999"/>
               <a:buFontTx/>
-              <a:defRPr cap="all" spc="120" sz="2400">
+              <a:defRPr sz="2400" cap="all" spc="120">
                 <a:latin typeface="DIN Alternate"/>
                 <a:ea typeface="DIN Alternate"/>
                 <a:cs typeface="DIN Alternate"/>
@@ -2244,7 +2327,7 @@
               <a:buClrTx/>
               <a:buSzPct val="104999"/>
               <a:buFontTx/>
-              <a:defRPr cap="all" spc="120" sz="2400">
+              <a:defRPr sz="2400" cap="all" spc="120">
                 <a:latin typeface="DIN Alternate"/>
                 <a:ea typeface="DIN Alternate"/>
                 <a:cs typeface="DIN Alternate"/>
@@ -2253,7 +2336,6 @@
             </a:lvl5pPr>
           </a:lstStyle>
           <a:p>
-            <a:pPr/>
             <a:r>
               <a:t>Corpo livello uno</a:t>
             </a:r>
@@ -2287,7 +2369,9 @@
       <p:sp>
         <p:nvSpPr>
           <p:cNvPr id="176" name="Titolo Testo"/>
-          <p:cNvSpPr txBox="1"/>
+          <p:cNvSpPr txBox="1">
+            <a:spLocks noGrp="1"/>
+          </p:cNvSpPr>
           <p:nvPr>
             <p:ph type="title"/>
           </p:nvPr>
@@ -2301,7 +2385,6 @@
           <a:bodyPr/>
           <a:lstStyle/>
           <a:p>
-            <a:pPr/>
             <a:r>
               <a:t>Titolo Testo</a:t>
             </a:r>
@@ -2311,7 +2394,9 @@
       <p:sp>
         <p:nvSpPr>
           <p:cNvPr id="177" name="Corpo livello uno…"/>
-          <p:cNvSpPr txBox="1"/>
+          <p:cNvSpPr txBox="1">
+            <a:spLocks noGrp="1"/>
+          </p:cNvSpPr>
           <p:nvPr>
             <p:ph type="body" idx="13"/>
           </p:nvPr>
@@ -2332,13 +2417,16 @@
               <a:buSzPct val="104999"/>
               <a:buChar char="▸"/>
             </a:pPr>
+            <a:endParaRPr/>
           </a:p>
         </p:txBody>
       </p:sp>
       <p:sp>
         <p:nvSpPr>
           <p:cNvPr id="178" name="Numero diapositiva"/>
-          <p:cNvSpPr txBox="1"/>
+          <p:cNvSpPr txBox="1">
+            <a:spLocks noGrp="1"/>
+          </p:cNvSpPr>
           <p:nvPr>
             <p:ph type="sldNum" sz="quarter" idx="2"/>
           </p:nvPr>
@@ -2352,8 +2440,10 @@
           <a:bodyPr/>
           <a:lstStyle/>
           <a:p>
-            <a:pPr/>
-            <a:fld id="{86CB4B4D-7CA3-9044-876B-883B54F8677D}" type="slidenum"/>
+            <a:fld id="{86CB4B4D-7CA3-9044-876B-883B54F8677D}" type="slidenum">
+              <a:t>‹N›</a:t>
+            </a:fld>
+            <a:endParaRPr/>
           </a:p>
         </p:txBody>
       </p:sp>
@@ -2362,18 +2452,19 @@
   <p:clrMapOvr>
     <a:masterClrMapping/>
   </p:clrMapOvr>
-  <p:transition xmlns:p14="http://schemas.microsoft.com/office/powerpoint/2010/main" spd="med" advClick="1"/>
+  <p:transition spd="med"/>
 </p:sldLayout>
 </file>
 
 <file path=ppt/slideLayouts/slideLayout2.xml><?xml version="1.0" encoding="utf-8"?>
-<p:sldLayout xmlns:a="http://schemas.openxmlformats.org/drawingml/2006/main" xmlns:r="http://schemas.openxmlformats.org/officeDocument/2006/relationships" xmlns:p="http://schemas.openxmlformats.org/presentationml/2006/main" xmlns:m="http://schemas.openxmlformats.org/officeDocument/2006/math" xmlns:a14="http://schemas.microsoft.com/office/drawing/2010/main" type="tx" showMasterSp="0" showMasterPhAnim="1">
+<p:sldLayout xmlns:a="http://schemas.openxmlformats.org/drawingml/2006/main" xmlns:r="http://schemas.openxmlformats.org/officeDocument/2006/relationships" xmlns:p="http://schemas.openxmlformats.org/presentationml/2006/main" showMasterSp="0" type="tx">
   <p:cSld name="Foto - Orizzontale">
     <p:bg>
       <p:bgPr>
         <a:solidFill>
           <a:srgbClr val="222222"/>
         </a:solidFill>
+        <a:effectLst/>
       </p:bgPr>
     </p:bg>
     <p:spTree>
@@ -2393,7 +2484,9 @@
       <p:sp>
         <p:nvSpPr>
           <p:cNvPr id="22" name="Immagine"/>
-          <p:cNvSpPr/>
+          <p:cNvSpPr>
+            <a:spLocks noGrp="1"/>
+          </p:cNvSpPr>
           <p:nvPr>
             <p:ph type="pic" idx="13"/>
           </p:nvPr>
@@ -2413,14 +2506,16 @@
           </a:bodyPr>
           <a:lstStyle/>
           <a:p>
-            <a:pPr/>
+            <a:endParaRPr/>
           </a:p>
         </p:txBody>
       </p:sp>
       <p:sp>
         <p:nvSpPr>
           <p:cNvPr id="23" name="Linea"/>
-          <p:cNvSpPr/>
+          <p:cNvSpPr>
+            <a:spLocks noGrp="1"/>
+          </p:cNvSpPr>
           <p:nvPr>
             <p:ph type="body" sz="quarter" idx="14"/>
           </p:nvPr>
@@ -2463,13 +2558,16 @@
                 <a:sym typeface="Helvetica"/>
               </a:defRPr>
             </a:pPr>
+            <a:endParaRPr/>
           </a:p>
         </p:txBody>
       </p:sp>
       <p:sp>
         <p:nvSpPr>
           <p:cNvPr id="24" name="Titolo Testo"/>
-          <p:cNvSpPr txBox="1"/>
+          <p:cNvSpPr txBox="1">
+            <a:spLocks noGrp="1"/>
+          </p:cNvSpPr>
           <p:nvPr>
             <p:ph type="title"/>
           </p:nvPr>
@@ -2494,7 +2592,6 @@
             </a:lvl1pPr>
           </a:lstStyle>
           <a:p>
-            <a:pPr/>
             <a:r>
               <a:t>Titolo Testo</a:t>
             </a:r>
@@ -2504,7 +2601,9 @@
       <p:sp>
         <p:nvSpPr>
           <p:cNvPr id="25" name="Corpo livello uno…"/>
-          <p:cNvSpPr txBox="1"/>
+          <p:cNvSpPr txBox="1">
+            <a:spLocks noGrp="1"/>
+          </p:cNvSpPr>
           <p:nvPr>
             <p:ph type="body" sz="quarter" idx="1"/>
           </p:nvPr>
@@ -2532,7 +2631,7 @@
               <a:buSzTx/>
               <a:buFontTx/>
               <a:buNone/>
-              <a:defRPr cap="all" sz="5400">
+              <a:defRPr sz="5400" cap="all">
                 <a:solidFill>
                   <a:srgbClr val="A6AAA9"/>
                 </a:solidFill>
@@ -2553,7 +2652,7 @@
               <a:buSzTx/>
               <a:buFontTx/>
               <a:buNone/>
-              <a:defRPr cap="all" sz="5400">
+              <a:defRPr sz="5400" cap="all">
                 <a:solidFill>
                   <a:srgbClr val="A6AAA9"/>
                 </a:solidFill>
@@ -2574,7 +2673,7 @@
               <a:buSzTx/>
               <a:buFontTx/>
               <a:buNone/>
-              <a:defRPr cap="all" sz="5400">
+              <a:defRPr sz="5400" cap="all">
                 <a:solidFill>
                   <a:srgbClr val="A6AAA9"/>
                 </a:solidFill>
@@ -2595,7 +2694,7 @@
               <a:buSzTx/>
               <a:buFontTx/>
               <a:buNone/>
-              <a:defRPr cap="all" sz="5400">
+              <a:defRPr sz="5400" cap="all">
                 <a:solidFill>
                   <a:srgbClr val="A6AAA9"/>
                 </a:solidFill>
@@ -2616,7 +2715,7 @@
               <a:buSzTx/>
               <a:buFontTx/>
               <a:buNone/>
-              <a:defRPr cap="all" sz="5400">
+              <a:defRPr sz="5400" cap="all">
                 <a:solidFill>
                   <a:srgbClr val="A6AAA9"/>
                 </a:solidFill>
@@ -2628,7 +2727,6 @@
             </a:lvl5pPr>
           </a:lstStyle>
           <a:p>
-            <a:pPr/>
             <a:r>
               <a:t>Corpo livello uno</a:t>
             </a:r>
@@ -2662,7 +2760,9 @@
       <p:sp>
         <p:nvSpPr>
           <p:cNvPr id="26" name="Numero diapositiva"/>
-          <p:cNvSpPr txBox="1"/>
+          <p:cNvSpPr txBox="1">
+            <a:spLocks noGrp="1"/>
+          </p:cNvSpPr>
           <p:nvPr>
             <p:ph type="sldNum" sz="quarter" idx="2"/>
           </p:nvPr>
@@ -2680,8 +2780,10 @@
           <a:bodyPr/>
           <a:lstStyle/>
           <a:p>
-            <a:pPr/>
-            <a:fld id="{86CB4B4D-7CA3-9044-876B-883B54F8677D}" type="slidenum"/>
+            <a:fld id="{86CB4B4D-7CA3-9044-876B-883B54F8677D}" type="slidenum">
+              <a:t>‹N›</a:t>
+            </a:fld>
+            <a:endParaRPr/>
           </a:p>
         </p:txBody>
       </p:sp>
@@ -2690,12 +2792,12 @@
   <p:clrMapOvr>
     <a:masterClrMapping/>
   </p:clrMapOvr>
-  <p:transition xmlns:p14="http://schemas.microsoft.com/office/powerpoint/2010/main" spd="med" advClick="1"/>
+  <p:transition spd="med"/>
 </p:sldLayout>
 </file>
 
 <file path=ppt/slideLayouts/slideLayout3.xml><?xml version="1.0" encoding="utf-8"?>
-<p:sldLayout xmlns:a="http://schemas.openxmlformats.org/drawingml/2006/main" xmlns:r="http://schemas.openxmlformats.org/officeDocument/2006/relationships" xmlns:p="http://schemas.openxmlformats.org/presentationml/2006/main" xmlns:m="http://schemas.openxmlformats.org/officeDocument/2006/math" xmlns:a14="http://schemas.microsoft.com/office/drawing/2010/main" type="tx" showMasterSp="0" showMasterPhAnim="1">
+<p:sldLayout xmlns:a="http://schemas.openxmlformats.org/drawingml/2006/main" xmlns:r="http://schemas.openxmlformats.org/officeDocument/2006/relationships" xmlns:p="http://schemas.openxmlformats.org/presentationml/2006/main" showMasterSp="0" type="tx">
   <p:cSld name="Titolo e sottotitolo alt">
     <p:spTree>
       <p:nvGrpSpPr>
@@ -2750,13 +2852,16 @@
                 <a:sym typeface="Helvetica"/>
               </a:defRPr>
             </a:pPr>
+            <a:endParaRPr/>
           </a:p>
         </p:txBody>
       </p:sp>
       <p:sp>
         <p:nvSpPr>
           <p:cNvPr id="34" name="Titolo Testo"/>
-          <p:cNvSpPr txBox="1"/>
+          <p:cNvSpPr txBox="1">
+            <a:spLocks noGrp="1"/>
+          </p:cNvSpPr>
           <p:nvPr>
             <p:ph type="title"/>
           </p:nvPr>
@@ -2781,7 +2886,6 @@
             </a:lvl1pPr>
           </a:lstStyle>
           <a:p>
-            <a:pPr/>
             <a:r>
               <a:t>Titolo Testo</a:t>
             </a:r>
@@ -2791,7 +2895,9 @@
       <p:sp>
         <p:nvSpPr>
           <p:cNvPr id="35" name="Corpo livello uno…"/>
-          <p:cNvSpPr txBox="1"/>
+          <p:cNvSpPr txBox="1">
+            <a:spLocks noGrp="1"/>
+          </p:cNvSpPr>
           <p:nvPr>
             <p:ph type="body" sz="quarter" idx="1"/>
           </p:nvPr>
@@ -2819,7 +2925,7 @@
               <a:buSzTx/>
               <a:buFontTx/>
               <a:buNone/>
-              <a:defRPr cap="all" sz="5400">
+              <a:defRPr sz="5400" cap="all">
                 <a:solidFill>
                   <a:srgbClr val="A6AAA9"/>
                 </a:solidFill>
@@ -2840,7 +2946,7 @@
               <a:buSzTx/>
               <a:buFontTx/>
               <a:buNone/>
-              <a:defRPr cap="all" sz="5400">
+              <a:defRPr sz="5400" cap="all">
                 <a:solidFill>
                   <a:srgbClr val="A6AAA9"/>
                 </a:solidFill>
@@ -2861,7 +2967,7 @@
               <a:buSzTx/>
               <a:buFontTx/>
               <a:buNone/>
-              <a:defRPr cap="all" sz="5400">
+              <a:defRPr sz="5400" cap="all">
                 <a:solidFill>
                   <a:srgbClr val="A6AAA9"/>
                 </a:solidFill>
@@ -2882,7 +2988,7 @@
               <a:buSzTx/>
               <a:buFontTx/>
               <a:buNone/>
-              <a:defRPr cap="all" sz="5400">
+              <a:defRPr sz="5400" cap="all">
                 <a:solidFill>
                   <a:srgbClr val="A6AAA9"/>
                 </a:solidFill>
@@ -2903,7 +3009,7 @@
               <a:buSzTx/>
               <a:buFontTx/>
               <a:buNone/>
-              <a:defRPr cap="all" sz="5400">
+              <a:defRPr sz="5400" cap="all">
                 <a:solidFill>
                   <a:srgbClr val="A6AAA9"/>
                 </a:solidFill>
@@ -2915,7 +3021,6 @@
             </a:lvl5pPr>
           </a:lstStyle>
           <a:p>
-            <a:pPr/>
             <a:r>
               <a:t>Corpo livello uno</a:t>
             </a:r>
@@ -2949,7 +3054,9 @@
       <p:sp>
         <p:nvSpPr>
           <p:cNvPr id="36" name="Numero diapositiva"/>
-          <p:cNvSpPr txBox="1"/>
+          <p:cNvSpPr txBox="1">
+            <a:spLocks noGrp="1"/>
+          </p:cNvSpPr>
           <p:nvPr>
             <p:ph type="sldNum" sz="quarter" idx="2"/>
           </p:nvPr>
@@ -2967,8 +3074,10 @@
           <a:bodyPr/>
           <a:lstStyle/>
           <a:p>
-            <a:pPr/>
-            <a:fld id="{86CB4B4D-7CA3-9044-876B-883B54F8677D}" type="slidenum"/>
+            <a:fld id="{86CB4B4D-7CA3-9044-876B-883B54F8677D}" type="slidenum">
+              <a:t>‹N›</a:t>
+            </a:fld>
+            <a:endParaRPr/>
           </a:p>
         </p:txBody>
       </p:sp>
@@ -2977,18 +3086,19 @@
   <p:clrMapOvr>
     <a:masterClrMapping/>
   </p:clrMapOvr>
-  <p:transition xmlns:p14="http://schemas.microsoft.com/office/powerpoint/2010/main" spd="med" advClick="1"/>
+  <p:transition spd="med"/>
 </p:sldLayout>
 </file>
 
 <file path=ppt/slideLayouts/slideLayout4.xml><?xml version="1.0" encoding="utf-8"?>
-<p:sldLayout xmlns:a="http://schemas.openxmlformats.org/drawingml/2006/main" xmlns:r="http://schemas.openxmlformats.org/officeDocument/2006/relationships" xmlns:p="http://schemas.openxmlformats.org/presentationml/2006/main" xmlns:m="http://schemas.openxmlformats.org/officeDocument/2006/math" xmlns:a14="http://schemas.microsoft.com/office/drawing/2010/main" type="tx" showMasterSp="0" showMasterPhAnim="1">
+<p:sldLayout xmlns:a="http://schemas.openxmlformats.org/drawingml/2006/main" xmlns:r="http://schemas.openxmlformats.org/officeDocument/2006/relationships" xmlns:p="http://schemas.openxmlformats.org/presentationml/2006/main" showMasterSp="0" type="tx">
   <p:cSld name="Titolo - Centrato">
     <p:bg>
       <p:bgPr>
         <a:solidFill>
           <a:srgbClr val="222222"/>
         </a:solidFill>
+        <a:effectLst/>
       </p:bgPr>
     </p:bg>
     <p:spTree>
@@ -3008,7 +3118,9 @@
       <p:sp>
         <p:nvSpPr>
           <p:cNvPr id="43" name="Titolo Testo"/>
-          <p:cNvSpPr txBox="1"/>
+          <p:cNvSpPr txBox="1">
+            <a:spLocks noGrp="1"/>
+          </p:cNvSpPr>
           <p:nvPr>
             <p:ph type="title"/>
           </p:nvPr>
@@ -3033,7 +3145,6 @@
             </a:lvl1pPr>
           </a:lstStyle>
           <a:p>
-            <a:pPr/>
             <a:r>
               <a:t>Titolo Testo</a:t>
             </a:r>
@@ -3043,7 +3154,9 @@
       <p:sp>
         <p:nvSpPr>
           <p:cNvPr id="44" name="Numero diapositiva"/>
-          <p:cNvSpPr txBox="1"/>
+          <p:cNvSpPr txBox="1">
+            <a:spLocks noGrp="1"/>
+          </p:cNvSpPr>
           <p:nvPr>
             <p:ph type="sldNum" sz="quarter" idx="2"/>
           </p:nvPr>
@@ -3061,8 +3174,10 @@
           <a:bodyPr/>
           <a:lstStyle/>
           <a:p>
-            <a:pPr/>
-            <a:fld id="{86CB4B4D-7CA3-9044-876B-883B54F8677D}" type="slidenum"/>
+            <a:fld id="{86CB4B4D-7CA3-9044-876B-883B54F8677D}" type="slidenum">
+              <a:t>‹N›</a:t>
+            </a:fld>
+            <a:endParaRPr/>
           </a:p>
         </p:txBody>
       </p:sp>
@@ -3071,18 +3186,19 @@
   <p:clrMapOvr>
     <a:masterClrMapping/>
   </p:clrMapOvr>
-  <p:transition xmlns:p14="http://schemas.microsoft.com/office/powerpoint/2010/main" spd="med" advClick="1"/>
+  <p:transition spd="med"/>
 </p:sldLayout>
 </file>
 
 <file path=ppt/slideLayouts/slideLayout5.xml><?xml version="1.0" encoding="utf-8"?>
-<p:sldLayout xmlns:a="http://schemas.openxmlformats.org/drawingml/2006/main" xmlns:r="http://schemas.openxmlformats.org/officeDocument/2006/relationships" xmlns:p="http://schemas.openxmlformats.org/presentationml/2006/main" xmlns:m="http://schemas.openxmlformats.org/officeDocument/2006/math" xmlns:a14="http://schemas.microsoft.com/office/drawing/2010/main" type="tx" showMasterSp="0" showMasterPhAnim="1">
+<p:sldLayout xmlns:a="http://schemas.openxmlformats.org/drawingml/2006/main" xmlns:r="http://schemas.openxmlformats.org/officeDocument/2006/relationships" xmlns:p="http://schemas.openxmlformats.org/presentationml/2006/main" showMasterSp="0" type="tx">
   <p:cSld name="Foto - Verticale">
     <p:bg>
       <p:bgPr>
         <a:solidFill>
           <a:srgbClr val="222222"/>
         </a:solidFill>
+        <a:effectLst/>
       </p:bgPr>
     </p:bg>
     <p:spTree>
@@ -3138,13 +3254,16 @@
                 <a:sym typeface="Helvetica"/>
               </a:defRPr>
             </a:pPr>
+            <a:endParaRPr/>
           </a:p>
         </p:txBody>
       </p:sp>
       <p:sp>
         <p:nvSpPr>
           <p:cNvPr id="52" name="Immagine"/>
-          <p:cNvSpPr/>
+          <p:cNvSpPr>
+            <a:spLocks noGrp="1"/>
+          </p:cNvSpPr>
           <p:nvPr>
             <p:ph type="pic" idx="13"/>
           </p:nvPr>
@@ -3164,14 +3283,16 @@
           </a:bodyPr>
           <a:lstStyle/>
           <a:p>
-            <a:pPr/>
+            <a:endParaRPr/>
           </a:p>
         </p:txBody>
       </p:sp>
       <p:sp>
         <p:nvSpPr>
           <p:cNvPr id="53" name="Titolo Testo"/>
-          <p:cNvSpPr txBox="1"/>
+          <p:cNvSpPr txBox="1">
+            <a:spLocks noGrp="1"/>
+          </p:cNvSpPr>
           <p:nvPr>
             <p:ph type="title"/>
           </p:nvPr>
@@ -3196,7 +3317,6 @@
             </a:lvl1pPr>
           </a:lstStyle>
           <a:p>
-            <a:pPr/>
             <a:r>
               <a:t>Titolo Testo</a:t>
             </a:r>
@@ -3206,7 +3326,9 @@
       <p:sp>
         <p:nvSpPr>
           <p:cNvPr id="54" name="Corpo livello uno…"/>
-          <p:cNvSpPr txBox="1"/>
+          <p:cNvSpPr txBox="1">
+            <a:spLocks noGrp="1"/>
+          </p:cNvSpPr>
           <p:nvPr>
             <p:ph type="body" sz="quarter" idx="1"/>
           </p:nvPr>
@@ -3234,7 +3356,7 @@
               <a:buSzTx/>
               <a:buFontTx/>
               <a:buNone/>
-              <a:defRPr cap="all" sz="5400">
+              <a:defRPr sz="5400" cap="all">
                 <a:solidFill>
                   <a:srgbClr val="A6AAA9"/>
                 </a:solidFill>
@@ -3255,7 +3377,7 @@
               <a:buSzTx/>
               <a:buFontTx/>
               <a:buNone/>
-              <a:defRPr cap="all" sz="5400">
+              <a:defRPr sz="5400" cap="all">
                 <a:solidFill>
                   <a:srgbClr val="A6AAA9"/>
                 </a:solidFill>
@@ -3276,7 +3398,7 @@
               <a:buSzTx/>
               <a:buFontTx/>
               <a:buNone/>
-              <a:defRPr cap="all" sz="5400">
+              <a:defRPr sz="5400" cap="all">
                 <a:solidFill>
                   <a:srgbClr val="A6AAA9"/>
                 </a:solidFill>
@@ -3297,7 +3419,7 @@
               <a:buSzTx/>
               <a:buFontTx/>
               <a:buNone/>
-              <a:defRPr cap="all" sz="5400">
+              <a:defRPr sz="5400" cap="all">
                 <a:solidFill>
                   <a:srgbClr val="A6AAA9"/>
                 </a:solidFill>
@@ -3318,7 +3440,7 @@
               <a:buSzTx/>
               <a:buFontTx/>
               <a:buNone/>
-              <a:defRPr cap="all" sz="5400">
+              <a:defRPr sz="5400" cap="all">
                 <a:solidFill>
                   <a:srgbClr val="A6AAA9"/>
                 </a:solidFill>
@@ -3330,7 +3452,6 @@
             </a:lvl5pPr>
           </a:lstStyle>
           <a:p>
-            <a:pPr/>
             <a:r>
               <a:t>Corpo livello uno</a:t>
             </a:r>
@@ -3364,7 +3485,9 @@
       <p:sp>
         <p:nvSpPr>
           <p:cNvPr id="55" name="Numero diapositiva"/>
-          <p:cNvSpPr txBox="1"/>
+          <p:cNvSpPr txBox="1">
+            <a:spLocks noGrp="1"/>
+          </p:cNvSpPr>
           <p:nvPr>
             <p:ph type="sldNum" sz="quarter" idx="2"/>
           </p:nvPr>
@@ -3382,8 +3505,10 @@
           <a:bodyPr/>
           <a:lstStyle/>
           <a:p>
-            <a:pPr/>
-            <a:fld id="{86CB4B4D-7CA3-9044-876B-883B54F8677D}" type="slidenum"/>
+            <a:fld id="{86CB4B4D-7CA3-9044-876B-883B54F8677D}" type="slidenum">
+              <a:t>‹N›</a:t>
+            </a:fld>
+            <a:endParaRPr/>
           </a:p>
         </p:txBody>
       </p:sp>
@@ -3392,12 +3517,12 @@
   <p:clrMapOvr>
     <a:masterClrMapping/>
   </p:clrMapOvr>
-  <p:transition xmlns:p14="http://schemas.microsoft.com/office/powerpoint/2010/main" spd="med" advClick="1"/>
+  <p:transition spd="med"/>
 </p:sldLayout>
 </file>
 
 <file path=ppt/slideLayouts/slideLayout6.xml><?xml version="1.0" encoding="utf-8"?>
-<p:sldLayout xmlns:a="http://schemas.openxmlformats.org/drawingml/2006/main" xmlns:r="http://schemas.openxmlformats.org/officeDocument/2006/relationships" xmlns:p="http://schemas.openxmlformats.org/presentationml/2006/main" xmlns:m="http://schemas.openxmlformats.org/officeDocument/2006/math" xmlns:a14="http://schemas.microsoft.com/office/drawing/2010/main" type="tx" showMasterSp="1" showMasterPhAnim="1">
+<p:sldLayout xmlns:a="http://schemas.openxmlformats.org/drawingml/2006/main" xmlns:r="http://schemas.openxmlformats.org/officeDocument/2006/relationships" xmlns:p="http://schemas.openxmlformats.org/presentationml/2006/main" type="tx">
   <p:cSld name="Titolo - In alto">
     <p:spTree>
       <p:nvGrpSpPr>
@@ -3416,7 +3541,9 @@
       <p:sp>
         <p:nvSpPr>
           <p:cNvPr id="62" name="Testo"/>
-          <p:cNvSpPr txBox="1"/>
+          <p:cNvSpPr txBox="1">
+            <a:spLocks noGrp="1"/>
+          </p:cNvSpPr>
           <p:nvPr>
             <p:ph type="body" sz="quarter" idx="13"/>
           </p:nvPr>
@@ -3446,7 +3573,7 @@
               <a:buSzTx/>
               <a:buFontTx/>
               <a:buNone/>
-              <a:defRPr cap="all" spc="120" sz="2400">
+              <a:defRPr sz="2400" cap="all" spc="120">
                 <a:latin typeface="DIN Alternate"/>
                 <a:ea typeface="DIN Alternate"/>
                 <a:cs typeface="DIN Alternate"/>
@@ -3455,7 +3582,6 @@
             </a:lvl1pPr>
           </a:lstStyle>
           <a:p>
-            <a:pPr/>
             <a:r>
               <a:t>Testo</a:t>
             </a:r>
@@ -3465,7 +3591,9 @@
       <p:sp>
         <p:nvSpPr>
           <p:cNvPr id="63" name="Titolo Testo"/>
-          <p:cNvSpPr txBox="1"/>
+          <p:cNvSpPr txBox="1">
+            <a:spLocks noGrp="1"/>
+          </p:cNvSpPr>
           <p:nvPr>
             <p:ph type="title"/>
           </p:nvPr>
@@ -3479,7 +3607,6 @@
           <a:bodyPr/>
           <a:lstStyle/>
           <a:p>
-            <a:pPr/>
             <a:r>
               <a:t>Titolo Testo</a:t>
             </a:r>
@@ -3489,7 +3616,9 @@
       <p:sp>
         <p:nvSpPr>
           <p:cNvPr id="64" name="Numero diapositiva"/>
-          <p:cNvSpPr txBox="1"/>
+          <p:cNvSpPr txBox="1">
+            <a:spLocks noGrp="1"/>
+          </p:cNvSpPr>
           <p:nvPr>
             <p:ph type="sldNum" sz="quarter" idx="2"/>
           </p:nvPr>
@@ -3503,8 +3632,10 @@
           <a:bodyPr/>
           <a:lstStyle/>
           <a:p>
-            <a:pPr/>
-            <a:fld id="{86CB4B4D-7CA3-9044-876B-883B54F8677D}" type="slidenum"/>
+            <a:fld id="{86CB4B4D-7CA3-9044-876B-883B54F8677D}" type="slidenum">
+              <a:t>‹N›</a:t>
+            </a:fld>
+            <a:endParaRPr/>
           </a:p>
         </p:txBody>
       </p:sp>
@@ -3513,18 +3644,19 @@
   <p:clrMapOvr>
     <a:masterClrMapping/>
   </p:clrMapOvr>
-  <p:transition xmlns:p14="http://schemas.microsoft.com/office/powerpoint/2010/main" spd="med" advClick="1"/>
+  <p:transition spd="med"/>
 </p:sldLayout>
 </file>
 
 <file path=ppt/slideLayouts/slideLayout7.xml><?xml version="1.0" encoding="utf-8"?>
-<p:sldLayout xmlns:a="http://schemas.openxmlformats.org/drawingml/2006/main" xmlns:r="http://schemas.openxmlformats.org/officeDocument/2006/relationships" xmlns:p="http://schemas.openxmlformats.org/presentationml/2006/main" xmlns:m="http://schemas.openxmlformats.org/officeDocument/2006/math" xmlns:a14="http://schemas.microsoft.com/office/drawing/2010/main" type="tx" showMasterSp="1" showMasterPhAnim="1">
+<p:sldLayout xmlns:a="http://schemas.openxmlformats.org/drawingml/2006/main" xmlns:r="http://schemas.openxmlformats.org/officeDocument/2006/relationships" xmlns:p="http://schemas.openxmlformats.org/presentationml/2006/main" type="tx">
   <p:cSld name="Titolo e punti elenco">
     <p:bg>
       <p:bgPr>
         <a:solidFill>
           <a:srgbClr val="222222"/>
         </a:solidFill>
+        <a:effectLst/>
       </p:bgPr>
     </p:bg>
     <p:spTree>
@@ -3544,7 +3676,9 @@
       <p:sp>
         <p:nvSpPr>
           <p:cNvPr id="71" name="Testo"/>
-          <p:cNvSpPr txBox="1"/>
+          <p:cNvSpPr txBox="1">
+            <a:spLocks noGrp="1"/>
+          </p:cNvSpPr>
           <p:nvPr>
             <p:ph type="body" sz="quarter" idx="13"/>
           </p:nvPr>
@@ -3574,7 +3708,7 @@
               <a:buSzTx/>
               <a:buFontTx/>
               <a:buNone/>
-              <a:defRPr cap="all" spc="120" sz="2400">
+              <a:defRPr sz="2400" cap="all" spc="120">
                 <a:latin typeface="DIN Alternate"/>
                 <a:ea typeface="DIN Alternate"/>
                 <a:cs typeface="DIN Alternate"/>
@@ -3583,7 +3717,6 @@
             </a:lvl1pPr>
           </a:lstStyle>
           <a:p>
-            <a:pPr/>
             <a:r>
               <a:t>Testo</a:t>
             </a:r>
@@ -3593,7 +3726,9 @@
       <p:sp>
         <p:nvSpPr>
           <p:cNvPr id="72" name="Titolo Testo"/>
-          <p:cNvSpPr txBox="1"/>
+          <p:cNvSpPr txBox="1">
+            <a:spLocks noGrp="1"/>
+          </p:cNvSpPr>
           <p:nvPr>
             <p:ph type="title"/>
           </p:nvPr>
@@ -3607,7 +3742,6 @@
           <a:bodyPr/>
           <a:lstStyle/>
           <a:p>
-            <a:pPr/>
             <a:r>
               <a:t>Titolo Testo</a:t>
             </a:r>
@@ -3617,7 +3751,9 @@
       <p:sp>
         <p:nvSpPr>
           <p:cNvPr id="73" name="Corpo livello uno…"/>
-          <p:cNvSpPr txBox="1"/>
+          <p:cNvSpPr txBox="1">
+            <a:spLocks noGrp="1"/>
+          </p:cNvSpPr>
           <p:nvPr>
             <p:ph type="body" idx="1"/>
           </p:nvPr>
@@ -3662,7 +3798,6 @@
             </a:lvl5pPr>
           </a:lstStyle>
           <a:p>
-            <a:pPr/>
             <a:r>
               <a:t>Corpo livello uno</a:t>
             </a:r>
@@ -3696,7 +3831,9 @@
       <p:sp>
         <p:nvSpPr>
           <p:cNvPr id="74" name="Numero diapositiva"/>
-          <p:cNvSpPr txBox="1"/>
+          <p:cNvSpPr txBox="1">
+            <a:spLocks noGrp="1"/>
+          </p:cNvSpPr>
           <p:nvPr>
             <p:ph type="sldNum" sz="quarter" idx="2"/>
           </p:nvPr>
@@ -3710,8 +3847,10 @@
           <a:bodyPr/>
           <a:lstStyle/>
           <a:p>
-            <a:pPr/>
-            <a:fld id="{86CB4B4D-7CA3-9044-876B-883B54F8677D}" type="slidenum"/>
+            <a:fld id="{86CB4B4D-7CA3-9044-876B-883B54F8677D}" type="slidenum">
+              <a:t>‹N›</a:t>
+            </a:fld>
+            <a:endParaRPr/>
           </a:p>
         </p:txBody>
       </p:sp>
@@ -3720,12 +3859,12 @@
   <p:clrMapOvr>
     <a:masterClrMapping/>
   </p:clrMapOvr>
-  <p:transition xmlns:p14="http://schemas.microsoft.com/office/powerpoint/2010/main" spd="med" advClick="1"/>
+  <p:transition spd="med"/>
 </p:sldLayout>
 </file>
 
 <file path=ppt/slideLayouts/slideLayout8.xml><?xml version="1.0" encoding="utf-8"?>
-<p:sldLayout xmlns:a="http://schemas.openxmlformats.org/drawingml/2006/main" xmlns:r="http://schemas.openxmlformats.org/officeDocument/2006/relationships" xmlns:p="http://schemas.openxmlformats.org/presentationml/2006/main" xmlns:m="http://schemas.openxmlformats.org/officeDocument/2006/math" xmlns:a14="http://schemas.microsoft.com/office/drawing/2010/main" type="tx" showMasterSp="1" showMasterPhAnim="1">
+<p:sldLayout xmlns:a="http://schemas.openxmlformats.org/drawingml/2006/main" xmlns:r="http://schemas.openxmlformats.org/officeDocument/2006/relationships" xmlns:p="http://schemas.openxmlformats.org/presentationml/2006/main" type="tx">
   <p:cSld name="Titolo e punti elenco alternativi">
     <p:spTree>
       <p:nvGrpSpPr>
@@ -3744,7 +3883,9 @@
       <p:sp>
         <p:nvSpPr>
           <p:cNvPr id="81" name="Testo"/>
-          <p:cNvSpPr txBox="1"/>
+          <p:cNvSpPr txBox="1">
+            <a:spLocks noGrp="1"/>
+          </p:cNvSpPr>
           <p:nvPr>
             <p:ph type="body" sz="quarter" idx="13"/>
           </p:nvPr>
@@ -3774,7 +3915,7 @@
               <a:buSzTx/>
               <a:buFontTx/>
               <a:buNone/>
-              <a:defRPr cap="all" spc="120" sz="2400">
+              <a:defRPr sz="2400" cap="all" spc="120">
                 <a:latin typeface="DIN Alternate"/>
                 <a:ea typeface="DIN Alternate"/>
                 <a:cs typeface="DIN Alternate"/>
@@ -3783,7 +3924,6 @@
             </a:lvl1pPr>
           </a:lstStyle>
           <a:p>
-            <a:pPr/>
             <a:r>
               <a:t>Testo</a:t>
             </a:r>
@@ -3793,7 +3933,9 @@
       <p:sp>
         <p:nvSpPr>
           <p:cNvPr id="82" name="Titolo Testo"/>
-          <p:cNvSpPr txBox="1"/>
+          <p:cNvSpPr txBox="1">
+            <a:spLocks noGrp="1"/>
+          </p:cNvSpPr>
           <p:nvPr>
             <p:ph type="title"/>
           </p:nvPr>
@@ -3807,7 +3949,6 @@
           <a:bodyPr/>
           <a:lstStyle/>
           <a:p>
-            <a:pPr/>
             <a:r>
               <a:t>Titolo Testo</a:t>
             </a:r>
@@ -3817,7 +3958,9 @@
       <p:sp>
         <p:nvSpPr>
           <p:cNvPr id="83" name="Corpo livello uno…"/>
-          <p:cNvSpPr txBox="1"/>
+          <p:cNvSpPr txBox="1">
+            <a:spLocks noGrp="1"/>
+          </p:cNvSpPr>
           <p:nvPr>
             <p:ph type="body" idx="1"/>
           </p:nvPr>
@@ -3862,7 +4005,6 @@
             </a:lvl5pPr>
           </a:lstStyle>
           <a:p>
-            <a:pPr/>
             <a:r>
               <a:t>Corpo livello uno</a:t>
             </a:r>
@@ -3896,7 +4038,9 @@
       <p:sp>
         <p:nvSpPr>
           <p:cNvPr id="84" name="Numero diapositiva"/>
-          <p:cNvSpPr txBox="1"/>
+          <p:cNvSpPr txBox="1">
+            <a:spLocks noGrp="1"/>
+          </p:cNvSpPr>
           <p:nvPr>
             <p:ph type="sldNum" sz="quarter" idx="2"/>
           </p:nvPr>
@@ -3910,8 +4054,10 @@
           <a:bodyPr/>
           <a:lstStyle/>
           <a:p>
-            <a:pPr/>
-            <a:fld id="{86CB4B4D-7CA3-9044-876B-883B54F8677D}" type="slidenum"/>
+            <a:fld id="{86CB4B4D-7CA3-9044-876B-883B54F8677D}" type="slidenum">
+              <a:t>‹N›</a:t>
+            </a:fld>
+            <a:endParaRPr/>
           </a:p>
         </p:txBody>
       </p:sp>
@@ -3920,18 +4066,19 @@
   <p:clrMapOvr>
     <a:masterClrMapping/>
   </p:clrMapOvr>
-  <p:transition xmlns:p14="http://schemas.microsoft.com/office/powerpoint/2010/main" spd="med" advClick="1"/>
+  <p:transition spd="med"/>
 </p:sldLayout>
 </file>
 
 <file path=ppt/slideLayouts/slideLayout9.xml><?xml version="1.0" encoding="utf-8"?>
-<p:sldLayout xmlns:a="http://schemas.openxmlformats.org/drawingml/2006/main" xmlns:r="http://schemas.openxmlformats.org/officeDocument/2006/relationships" xmlns:p="http://schemas.openxmlformats.org/presentationml/2006/main" xmlns:m="http://schemas.openxmlformats.org/officeDocument/2006/math" xmlns:a14="http://schemas.microsoft.com/office/drawing/2010/main" type="tx" showMasterSp="1" showMasterPhAnim="1">
+<p:sldLayout xmlns:a="http://schemas.openxmlformats.org/drawingml/2006/main" xmlns:r="http://schemas.openxmlformats.org/officeDocument/2006/relationships" xmlns:p="http://schemas.openxmlformats.org/presentationml/2006/main" type="tx">
   <p:cSld name="Titolo, punti elenco e foto">
     <p:bg>
       <p:bgPr>
         <a:solidFill>
           <a:srgbClr val="222222"/>
         </a:solidFill>
+        <a:effectLst/>
       </p:bgPr>
     </p:bg>
     <p:spTree>
@@ -3951,7 +4098,9 @@
       <p:sp>
         <p:nvSpPr>
           <p:cNvPr id="91" name="Testo"/>
-          <p:cNvSpPr txBox="1"/>
+          <p:cNvSpPr txBox="1">
+            <a:spLocks noGrp="1"/>
+          </p:cNvSpPr>
           <p:nvPr>
             <p:ph type="body" sz="quarter" idx="13"/>
           </p:nvPr>
@@ -3981,7 +4130,7 @@
               <a:buSzTx/>
               <a:buFontTx/>
               <a:buNone/>
-              <a:defRPr cap="all" spc="120" sz="2400">
+              <a:defRPr sz="2400" cap="all" spc="120">
                 <a:latin typeface="DIN Alternate"/>
                 <a:ea typeface="DIN Alternate"/>
                 <a:cs typeface="DIN Alternate"/>
@@ -3990,7 +4139,6 @@
             </a:lvl1pPr>
           </a:lstStyle>
           <a:p>
-            <a:pPr/>
             <a:r>
               <a:t>Testo</a:t>
             </a:r>
@@ -4000,7 +4148,9 @@
       <p:sp>
         <p:nvSpPr>
           <p:cNvPr id="92" name="Immagine"/>
-          <p:cNvSpPr/>
+          <p:cNvSpPr>
+            <a:spLocks noGrp="1"/>
+          </p:cNvSpPr>
           <p:nvPr>
             <p:ph type="pic" idx="14"/>
           </p:nvPr>
@@ -4020,14 +4170,16 @@
           </a:bodyPr>
           <a:lstStyle/>
           <a:p>
-            <a:pPr/>
+            <a:endParaRPr/>
           </a:p>
         </p:txBody>
       </p:sp>
       <p:sp>
         <p:nvSpPr>
           <p:cNvPr id="93" name="Titolo Testo"/>
-          <p:cNvSpPr txBox="1"/>
+          <p:cNvSpPr txBox="1">
+            <a:spLocks noGrp="1"/>
+          </p:cNvSpPr>
           <p:nvPr>
             <p:ph type="title"/>
           </p:nvPr>
@@ -4045,7 +4197,6 @@
           <a:bodyPr/>
           <a:lstStyle/>
           <a:p>
-            <a:pPr/>
             <a:r>
               <a:t>Titolo Testo</a:t>
             </a:r>
@@ -4055,7 +4206,9 @@
       <p:sp>
         <p:nvSpPr>
           <p:cNvPr id="94" name="Corpo livello uno…"/>
-          <p:cNvSpPr txBox="1"/>
+          <p:cNvSpPr txBox="1">
+            <a:spLocks noGrp="1"/>
+          </p:cNvSpPr>
           <p:nvPr>
             <p:ph type="body" sz="half" idx="1"/>
           </p:nvPr>
@@ -4109,7 +4262,6 @@
             </a:lvl5pPr>
           </a:lstStyle>
           <a:p>
-            <a:pPr/>
             <a:r>
               <a:t>Corpo livello uno</a:t>
             </a:r>
@@ -4143,7 +4295,9 @@
       <p:sp>
         <p:nvSpPr>
           <p:cNvPr id="95" name="Numero diapositiva"/>
-          <p:cNvSpPr txBox="1"/>
+          <p:cNvSpPr txBox="1">
+            <a:spLocks noGrp="1"/>
+          </p:cNvSpPr>
           <p:nvPr>
             <p:ph type="sldNum" sz="quarter" idx="2"/>
           </p:nvPr>
@@ -4157,8 +4311,10 @@
           <a:bodyPr/>
           <a:lstStyle/>
           <a:p>
-            <a:pPr/>
-            <a:fld id="{86CB4B4D-7CA3-9044-876B-883B54F8677D}" type="slidenum"/>
+            <a:fld id="{86CB4B4D-7CA3-9044-876B-883B54F8677D}" type="slidenum">
+              <a:t>‹N›</a:t>
+            </a:fld>
+            <a:endParaRPr/>
           </a:p>
         </p:txBody>
       </p:sp>
@@ -4167,18 +4323,19 @@
   <p:clrMapOvr>
     <a:masterClrMapping/>
   </p:clrMapOvr>
-  <p:transition xmlns:p14="http://schemas.microsoft.com/office/powerpoint/2010/main" spd="med" advClick="1"/>
+  <p:transition spd="med"/>
 </p:sldLayout>
 </file>
 
 <file path=ppt/slideMasters/slideMaster1.xml><?xml version="1.0" encoding="utf-8"?>
-<p:sldMaster xmlns:a="http://schemas.openxmlformats.org/drawingml/2006/main" xmlns:r="http://schemas.openxmlformats.org/officeDocument/2006/relationships" xmlns:p="http://schemas.openxmlformats.org/presentationml/2006/main" xmlns:m="http://schemas.openxmlformats.org/officeDocument/2006/math" xmlns:a14="http://schemas.microsoft.com/office/drawing/2010/main">
+<p:sldMaster xmlns:a="http://schemas.openxmlformats.org/drawingml/2006/main" xmlns:r="http://schemas.openxmlformats.org/officeDocument/2006/relationships" xmlns:p="http://schemas.openxmlformats.org/presentationml/2006/main">
   <p:cSld>
     <p:bg>
       <p:bgPr>
         <a:solidFill>
           <a:srgbClr val="FFFFFF"/>
         </a:solidFill>
+        <a:effectLst/>
       </p:bgPr>
     </p:bg>
     <p:spTree>
@@ -4234,13 +4391,16 @@
                 <a:sym typeface="Helvetica"/>
               </a:defRPr>
             </a:pPr>
+            <a:endParaRPr/>
           </a:p>
         </p:txBody>
       </p:sp>
       <p:sp>
         <p:nvSpPr>
           <p:cNvPr id="3" name="Titolo Testo"/>
-          <p:cNvSpPr txBox="1"/>
+          <p:cNvSpPr txBox="1">
+            <a:spLocks noGrp="1"/>
+          </p:cNvSpPr>
           <p:nvPr>
             <p:ph type="title"/>
           </p:nvPr>
@@ -4258,17 +4418,16 @@
           </a:ln>
           <a:extLst>
             <a:ext uri="{C572A759-6A51-4108-AA02-DFA0A04FC94B}">
-              <ma14:wrappingTextBoxFlag xmlns:ma14="http://schemas.microsoft.com/office/mac/drawingml/2011/main" val="1"/>
+              <ma14:wrappingTextBoxFlag xmlns:ma14="http://schemas.microsoft.com/office/mac/drawingml/2011/main" xmlns:a14="http://schemas.microsoft.com/office/drawing/2010/main" xmlns:m="http://schemas.openxmlformats.org/officeDocument/2006/math" xmlns="" val="1"/>
             </a:ext>
           </a:extLst>
         </p:spPr>
         <p:txBody>
           <a:bodyPr lIns="50800" tIns="50800" rIns="50800" bIns="50800">
-            <a:normAutofit fontScale="100000" lnSpcReduction="0"/>
+            <a:normAutofit/>
           </a:bodyPr>
           <a:lstStyle/>
           <a:p>
-            <a:pPr/>
             <a:r>
               <a:t>Titolo Testo</a:t>
             </a:r>
@@ -4278,7 +4437,9 @@
       <p:sp>
         <p:nvSpPr>
           <p:cNvPr id="4" name="Corpo livello uno…"/>
-          <p:cNvSpPr txBox="1"/>
+          <p:cNvSpPr txBox="1">
+            <a:spLocks noGrp="1"/>
+          </p:cNvSpPr>
           <p:nvPr>
             <p:ph type="body" idx="1"/>
           </p:nvPr>
@@ -4296,17 +4457,16 @@
           </a:ln>
           <a:extLst>
             <a:ext uri="{C572A759-6A51-4108-AA02-DFA0A04FC94B}">
-              <ma14:wrappingTextBoxFlag xmlns:ma14="http://schemas.microsoft.com/office/mac/drawingml/2011/main" val="1"/>
+              <ma14:wrappingTextBoxFlag xmlns:ma14="http://schemas.microsoft.com/office/mac/drawingml/2011/main" xmlns:a14="http://schemas.microsoft.com/office/drawing/2010/main" xmlns:m="http://schemas.openxmlformats.org/officeDocument/2006/math" xmlns="" val="1"/>
             </a:ext>
           </a:extLst>
         </p:spPr>
         <p:txBody>
           <a:bodyPr lIns="50800" tIns="50800" rIns="50800" bIns="50800">
-            <a:normAutofit fontScale="100000" lnSpcReduction="0"/>
+            <a:normAutofit/>
           </a:bodyPr>
           <a:lstStyle/>
           <a:p>
-            <a:pPr/>
             <a:r>
               <a:t>Corpo livello uno</a:t>
             </a:r>
@@ -4340,7 +4500,9 @@
       <p:sp>
         <p:nvSpPr>
           <p:cNvPr id="5" name="Numero diapositiva"/>
-          <p:cNvSpPr txBox="1"/>
+          <p:cNvSpPr txBox="1">
+            <a:spLocks noGrp="1"/>
+          </p:cNvSpPr>
           <p:nvPr>
             <p:ph type="sldNum" sz="quarter" idx="2"/>
           </p:nvPr>
@@ -4378,8 +4540,10 @@
             </a:lvl1pPr>
           </a:lstStyle>
           <a:p>
-            <a:pPr/>
-            <a:fld id="{86CB4B4D-7CA3-9044-876B-883B54F8677D}" type="slidenum"/>
+            <a:fld id="{86CB4B4D-7CA3-9044-876B-883B54F8677D}" type="slidenum">
+              <a:t>‹N›</a:t>
+            </a:fld>
+            <a:endParaRPr/>
           </a:p>
         </p:txBody>
       </p:sp>
@@ -4387,26 +4551,26 @@
   </p:cSld>
   <p:clrMap bg1="dk1" tx1="lt1" bg2="dk2" tx2="lt2" accent1="accent1" accent2="accent2" accent3="accent3" accent4="accent4" accent5="accent5" accent6="accent6" hlink="hlink" folHlink="folHlink"/>
   <p:sldLayoutIdLst>
-    <p:sldLayoutId id="2147483649" r:id="rId2"/>
-    <p:sldLayoutId id="2147483650" r:id="rId3"/>
-    <p:sldLayoutId id="2147483651" r:id="rId4"/>
-    <p:sldLayoutId id="2147483652" r:id="rId5"/>
-    <p:sldLayoutId id="2147483653" r:id="rId6"/>
-    <p:sldLayoutId id="2147483654" r:id="rId7"/>
-    <p:sldLayoutId id="2147483655" r:id="rId8"/>
-    <p:sldLayoutId id="2147483656" r:id="rId9"/>
-    <p:sldLayoutId id="2147483657" r:id="rId10"/>
-    <p:sldLayoutId id="2147483658" r:id="rId11"/>
-    <p:sldLayoutId id="2147483659" r:id="rId12"/>
-    <p:sldLayoutId id="2147483660" r:id="rId13"/>
-    <p:sldLayoutId id="2147483661" r:id="rId14"/>
-    <p:sldLayoutId id="2147483662" r:id="rId15"/>
-    <p:sldLayoutId id="2147483663" r:id="rId16"/>
-    <p:sldLayoutId id="2147483664" r:id="rId17"/>
-    <p:sldLayoutId id="2147483665" r:id="rId18"/>
-    <p:sldLayoutId id="2147483666" r:id="rId19"/>
+    <p:sldLayoutId id="2147483649" r:id="rId1"/>
+    <p:sldLayoutId id="2147483650" r:id="rId2"/>
+    <p:sldLayoutId id="2147483651" r:id="rId3"/>
+    <p:sldLayoutId id="2147483652" r:id="rId4"/>
+    <p:sldLayoutId id="2147483653" r:id="rId5"/>
+    <p:sldLayoutId id="2147483654" r:id="rId6"/>
+    <p:sldLayoutId id="2147483655" r:id="rId7"/>
+    <p:sldLayoutId id="2147483656" r:id="rId8"/>
+    <p:sldLayoutId id="2147483657" r:id="rId9"/>
+    <p:sldLayoutId id="2147483658" r:id="rId10"/>
+    <p:sldLayoutId id="2147483659" r:id="rId11"/>
+    <p:sldLayoutId id="2147483660" r:id="rId12"/>
+    <p:sldLayoutId id="2147483661" r:id="rId13"/>
+    <p:sldLayoutId id="2147483662" r:id="rId14"/>
+    <p:sldLayoutId id="2147483663" r:id="rId15"/>
+    <p:sldLayoutId id="2147483664" r:id="rId16"/>
+    <p:sldLayoutId id="2147483665" r:id="rId17"/>
+    <p:sldLayoutId id="2147483666" r:id="rId18"/>
   </p:sldLayoutIdLst>
-  <p:transition xmlns:p14="http://schemas.microsoft.com/office/powerpoint/2010/main" spd="med" advClick="1"/>
+  <p:transition spd="med"/>
   <p:txStyles>
     <p:titleStyle>
       <a:lvl1pPr marL="0" marR="0" indent="0" algn="l" defTabSz="584200" rtl="0" latinLnBrk="0">
@@ -4424,7 +4588,7 @@
         <a:buFontTx/>
         <a:buNone/>
         <a:tabLst/>
-        <a:defRPr b="0" baseline="0" cap="all" i="0" spc="0" strike="noStrike" sz="6000" u="none">
+        <a:defRPr sz="6000" b="0" i="0" u="none" strike="noStrike" cap="all" spc="0" baseline="0">
           <a:solidFill>
             <a:schemeClr val="accent1"/>
           </a:solidFill>
@@ -4450,7 +4614,7 @@
         <a:buFontTx/>
         <a:buNone/>
         <a:tabLst/>
-        <a:defRPr b="0" baseline="0" cap="all" i="0" spc="0" strike="noStrike" sz="6000" u="none">
+        <a:defRPr sz="6000" b="0" i="0" u="none" strike="noStrike" cap="all" spc="0" baseline="0">
           <a:solidFill>
             <a:schemeClr val="accent1"/>
           </a:solidFill>
@@ -4476,7 +4640,7 @@
         <a:buFontTx/>
         <a:buNone/>
         <a:tabLst/>
-        <a:defRPr b="0" baseline="0" cap="all" i="0" spc="0" strike="noStrike" sz="6000" u="none">
+        <a:defRPr sz="6000" b="0" i="0" u="none" strike="noStrike" cap="all" spc="0" baseline="0">
           <a:solidFill>
             <a:schemeClr val="accent1"/>
           </a:solidFill>
@@ -4502,7 +4666,7 @@
         <a:buFontTx/>
         <a:buNone/>
         <a:tabLst/>
-        <a:defRPr b="0" baseline="0" cap="all" i="0" spc="0" strike="noStrike" sz="6000" u="none">
+        <a:defRPr sz="6000" b="0" i="0" u="none" strike="noStrike" cap="all" spc="0" baseline="0">
           <a:solidFill>
             <a:schemeClr val="accent1"/>
           </a:solidFill>
@@ -4528,7 +4692,7 @@
         <a:buFontTx/>
         <a:buNone/>
         <a:tabLst/>
-        <a:defRPr b="0" baseline="0" cap="all" i="0" spc="0" strike="noStrike" sz="6000" u="none">
+        <a:defRPr sz="6000" b="0" i="0" u="none" strike="noStrike" cap="all" spc="0" baseline="0">
           <a:solidFill>
             <a:schemeClr val="accent1"/>
           </a:solidFill>
@@ -4554,7 +4718,7 @@
         <a:buFontTx/>
         <a:buNone/>
         <a:tabLst/>
-        <a:defRPr b="0" baseline="0" cap="all" i="0" spc="0" strike="noStrike" sz="6000" u="none">
+        <a:defRPr sz="6000" b="0" i="0" u="none" strike="noStrike" cap="all" spc="0" baseline="0">
           <a:solidFill>
             <a:schemeClr val="accent1"/>
           </a:solidFill>
@@ -4580,7 +4744,7 @@
         <a:buFontTx/>
         <a:buNone/>
         <a:tabLst/>
-        <a:defRPr b="0" baseline="0" cap="all" i="0" spc="0" strike="noStrike" sz="6000" u="none">
+        <a:defRPr sz="6000" b="0" i="0" u="none" strike="noStrike" cap="all" spc="0" baseline="0">
           <a:solidFill>
             <a:schemeClr val="accent1"/>
           </a:solidFill>
@@ -4606,7 +4770,7 @@
         <a:buFontTx/>
         <a:buNone/>
         <a:tabLst/>
-        <a:defRPr b="0" baseline="0" cap="all" i="0" spc="0" strike="noStrike" sz="6000" u="none">
+        <a:defRPr sz="6000" b="0" i="0" u="none" strike="noStrike" cap="all" spc="0" baseline="0">
           <a:solidFill>
             <a:schemeClr val="accent1"/>
           </a:solidFill>
@@ -4632,7 +4796,7 @@
         <a:buFontTx/>
         <a:buNone/>
         <a:tabLst/>
-        <a:defRPr b="0" baseline="0" cap="all" i="0" spc="0" strike="noStrike" sz="6000" u="none">
+        <a:defRPr sz="6000" b="0" i="0" u="none" strike="noStrike" cap="all" spc="0" baseline="0">
           <a:solidFill>
             <a:schemeClr val="accent1"/>
           </a:solidFill>
@@ -4664,7 +4828,7 @@
         <a:buFont typeface="Avenir Next"/>
         <a:buChar char="‣"/>
         <a:tabLst/>
-        <a:defRPr b="0" baseline="0" cap="none" i="0" spc="0" strike="noStrike" sz="3400" u="none">
+        <a:defRPr sz="3400" b="0" i="0" u="none" strike="noStrike" cap="none" spc="0" baseline="0">
           <a:solidFill>
             <a:srgbClr val="838787"/>
           </a:solidFill>
@@ -4694,7 +4858,7 @@
         <a:buFont typeface="Avenir Next"/>
         <a:buChar char="‣"/>
         <a:tabLst/>
-        <a:defRPr b="0" baseline="0" cap="none" i="0" spc="0" strike="noStrike" sz="3400" u="none">
+        <a:defRPr sz="3400" b="0" i="0" u="none" strike="noStrike" cap="none" spc="0" baseline="0">
           <a:solidFill>
             <a:srgbClr val="838787"/>
           </a:solidFill>
@@ -4724,7 +4888,7 @@
         <a:buFont typeface="Avenir Next"/>
         <a:buChar char="‣"/>
         <a:tabLst/>
-        <a:defRPr b="0" baseline="0" cap="none" i="0" spc="0" strike="noStrike" sz="3400" u="none">
+        <a:defRPr sz="3400" b="0" i="0" u="none" strike="noStrike" cap="none" spc="0" baseline="0">
           <a:solidFill>
             <a:srgbClr val="838787"/>
           </a:solidFill>
@@ -4754,7 +4918,7 @@
         <a:buFont typeface="Avenir Next"/>
         <a:buChar char="‣"/>
         <a:tabLst/>
-        <a:defRPr b="0" baseline="0" cap="none" i="0" spc="0" strike="noStrike" sz="3400" u="none">
+        <a:defRPr sz="3400" b="0" i="0" u="none" strike="noStrike" cap="none" spc="0" baseline="0">
           <a:solidFill>
             <a:srgbClr val="838787"/>
           </a:solidFill>
@@ -4784,7 +4948,7 @@
         <a:buFont typeface="Avenir Next"/>
         <a:buChar char="‣"/>
         <a:tabLst/>
-        <a:defRPr b="0" baseline="0" cap="none" i="0" spc="0" strike="noStrike" sz="3400" u="none">
+        <a:defRPr sz="3400" b="0" i="0" u="none" strike="noStrike" cap="none" spc="0" baseline="0">
           <a:solidFill>
             <a:srgbClr val="838787"/>
           </a:solidFill>
@@ -4814,7 +4978,7 @@
         <a:buFont typeface="Avenir Next"/>
         <a:buChar char="‣"/>
         <a:tabLst/>
-        <a:defRPr b="0" baseline="0" cap="none" i="0" spc="0" strike="noStrike" sz="3400" u="none">
+        <a:defRPr sz="3400" b="0" i="0" u="none" strike="noStrike" cap="none" spc="0" baseline="0">
           <a:solidFill>
             <a:srgbClr val="838787"/>
           </a:solidFill>
@@ -4844,7 +5008,7 @@
         <a:buFont typeface="Avenir Next"/>
         <a:buChar char="‣"/>
         <a:tabLst/>
-        <a:defRPr b="0" baseline="0" cap="none" i="0" spc="0" strike="noStrike" sz="3400" u="none">
+        <a:defRPr sz="3400" b="0" i="0" u="none" strike="noStrike" cap="none" spc="0" baseline="0">
           <a:solidFill>
             <a:srgbClr val="838787"/>
           </a:solidFill>
@@ -4874,7 +5038,7 @@
         <a:buFont typeface="Avenir Next"/>
         <a:buChar char="‣"/>
         <a:tabLst/>
-        <a:defRPr b="0" baseline="0" cap="none" i="0" spc="0" strike="noStrike" sz="3400" u="none">
+        <a:defRPr sz="3400" b="0" i="0" u="none" strike="noStrike" cap="none" spc="0" baseline="0">
           <a:solidFill>
             <a:srgbClr val="838787"/>
           </a:solidFill>
@@ -4904,7 +5068,7 @@
         <a:buFont typeface="Avenir Next"/>
         <a:buChar char="‣"/>
         <a:tabLst/>
-        <a:defRPr b="0" baseline="0" cap="none" i="0" spc="0" strike="noStrike" sz="3400" u="none">
+        <a:defRPr sz="3400" b="0" i="0" u="none" strike="noStrike" cap="none" spc="0" baseline="0">
           <a:solidFill>
             <a:srgbClr val="838787"/>
           </a:solidFill>
@@ -4932,7 +5096,7 @@
         <a:buFontTx/>
         <a:buNone/>
         <a:tabLst/>
-        <a:defRPr b="0" baseline="0" cap="none" i="0" spc="0" strike="noStrike" sz="2400" u="none">
+        <a:defRPr sz="2400" b="0" i="0" u="none" strike="noStrike" cap="none" spc="0" baseline="0">
           <a:solidFill>
             <a:schemeClr val="tx1"/>
           </a:solidFill>
@@ -4958,7 +5122,7 @@
         <a:buFontTx/>
         <a:buNone/>
         <a:tabLst/>
-        <a:defRPr b="0" baseline="0" cap="none" i="0" spc="0" strike="noStrike" sz="2400" u="none">
+        <a:defRPr sz="2400" b="0" i="0" u="none" strike="noStrike" cap="none" spc="0" baseline="0">
           <a:solidFill>
             <a:schemeClr val="tx1"/>
           </a:solidFill>
@@ -4984,7 +5148,7 @@
         <a:buFontTx/>
         <a:buNone/>
         <a:tabLst/>
-        <a:defRPr b="0" baseline="0" cap="none" i="0" spc="0" strike="noStrike" sz="2400" u="none">
+        <a:defRPr sz="2400" b="0" i="0" u="none" strike="noStrike" cap="none" spc="0" baseline="0">
           <a:solidFill>
             <a:schemeClr val="tx1"/>
           </a:solidFill>
@@ -5010,7 +5174,7 @@
         <a:buFontTx/>
         <a:buNone/>
         <a:tabLst/>
-        <a:defRPr b="0" baseline="0" cap="none" i="0" spc="0" strike="noStrike" sz="2400" u="none">
+        <a:defRPr sz="2400" b="0" i="0" u="none" strike="noStrike" cap="none" spc="0" baseline="0">
           <a:solidFill>
             <a:schemeClr val="tx1"/>
           </a:solidFill>
@@ -5036,7 +5200,7 @@
         <a:buFontTx/>
         <a:buNone/>
         <a:tabLst/>
-        <a:defRPr b="0" baseline="0" cap="none" i="0" spc="0" strike="noStrike" sz="2400" u="none">
+        <a:defRPr sz="2400" b="0" i="0" u="none" strike="noStrike" cap="none" spc="0" baseline="0">
           <a:solidFill>
             <a:schemeClr val="tx1"/>
           </a:solidFill>
@@ -5062,7 +5226,7 @@
         <a:buFontTx/>
         <a:buNone/>
         <a:tabLst/>
-        <a:defRPr b="0" baseline="0" cap="none" i="0" spc="0" strike="noStrike" sz="2400" u="none">
+        <a:defRPr sz="2400" b="0" i="0" u="none" strike="noStrike" cap="none" spc="0" baseline="0">
           <a:solidFill>
             <a:schemeClr val="tx1"/>
           </a:solidFill>
@@ -5088,7 +5252,7 @@
         <a:buFontTx/>
         <a:buNone/>
         <a:tabLst/>
-        <a:defRPr b="0" baseline="0" cap="none" i="0" spc="0" strike="noStrike" sz="2400" u="none">
+        <a:defRPr sz="2400" b="0" i="0" u="none" strike="noStrike" cap="none" spc="0" baseline="0">
           <a:solidFill>
             <a:schemeClr val="tx1"/>
           </a:solidFill>
@@ -5114,7 +5278,7 @@
         <a:buFontTx/>
         <a:buNone/>
         <a:tabLst/>
-        <a:defRPr b="0" baseline="0" cap="none" i="0" spc="0" strike="noStrike" sz="2400" u="none">
+        <a:defRPr sz="2400" b="0" i="0" u="none" strike="noStrike" cap="none" spc="0" baseline="0">
           <a:solidFill>
             <a:schemeClr val="tx1"/>
           </a:solidFill>
@@ -5140,7 +5304,7 @@
         <a:buFontTx/>
         <a:buNone/>
         <a:tabLst/>
-        <a:defRPr b="0" baseline="0" cap="none" i="0" spc="0" strike="noStrike" sz="2400" u="none">
+        <a:defRPr sz="2400" b="0" i="0" u="none" strike="noStrike" cap="none" spc="0" baseline="0">
           <a:solidFill>
             <a:schemeClr val="tx1"/>
           </a:solidFill>
@@ -5157,7 +5321,7 @@
 </file>
 
 <file path=ppt/slides/slide1.xml><?xml version="1.0" encoding="utf-8"?>
-<p:sld xmlns:a="http://schemas.openxmlformats.org/drawingml/2006/main" xmlns:r="http://schemas.openxmlformats.org/officeDocument/2006/relationships" xmlns:p="http://schemas.openxmlformats.org/presentationml/2006/main" xmlns:m="http://schemas.openxmlformats.org/officeDocument/2006/math" xmlns:a14="http://schemas.microsoft.com/office/drawing/2010/main" showMasterSp="1" showMasterPhAnim="1">
+<p:sld xmlns:a="http://schemas.openxmlformats.org/drawingml/2006/main" xmlns:r="http://schemas.openxmlformats.org/officeDocument/2006/relationships" xmlns:p="http://schemas.openxmlformats.org/presentationml/2006/main">
   <p:cSld>
     <p:spTree>
       <p:nvGrpSpPr>
@@ -5176,14 +5340,16 @@
       <p:sp>
         <p:nvSpPr>
           <p:cNvPr id="187" name="PROGETTO…"/>
-          <p:cNvSpPr txBox="1"/>
+          <p:cNvSpPr txBox="1">
+            <a:spLocks noGrp="1"/>
+          </p:cNvSpPr>
           <p:nvPr>
             <p:ph type="title"/>
           </p:nvPr>
         </p:nvSpPr>
         <p:spPr>
           <a:xfrm>
-            <a:off x="508000" y="2095261"/>
+            <a:off x="406400" y="3596257"/>
             <a:ext cx="12192000" cy="3849490"/>
           </a:xfrm>
           <a:prstGeom prst="rect">
@@ -5191,13 +5357,16 @@
           </a:prstGeom>
         </p:spPr>
         <p:txBody>
-          <a:bodyPr/>
+          <a:bodyPr>
+            <a:noAutofit/>
+          </a:bodyPr>
           <a:lstStyle/>
           <a:p>
             <a:pPr defTabSz="502412">
               <a:defRPr sz="14600"/>
             </a:pPr>
             <a:r>
+              <a:rPr sz="11000" dirty="0"/>
               <a:t>PROGETTO </a:t>
             </a:r>
           </a:p>
@@ -5206,6 +5375,7 @@
               <a:defRPr sz="14600"/>
             </a:pPr>
             <a:r>
+              <a:rPr sz="11000" dirty="0"/>
               <a:t>ARCHITETTURE DATI</a:t>
             </a:r>
           </a:p>
@@ -5214,14 +5384,16 @@
       <p:sp>
         <p:nvSpPr>
           <p:cNvPr id="188" name="Beltramelli FabiO                816912…"/>
-          <p:cNvSpPr txBox="1"/>
+          <p:cNvSpPr txBox="1">
+            <a:spLocks noGrp="1"/>
+          </p:cNvSpPr>
           <p:nvPr>
             <p:ph type="body" sz="quarter" idx="1"/>
           </p:nvPr>
         </p:nvSpPr>
         <p:spPr>
           <a:xfrm>
-            <a:off x="508000" y="6337300"/>
+            <a:off x="406400" y="6216531"/>
             <a:ext cx="12192000" cy="1803400"/>
           </a:xfrm>
           <a:prstGeom prst="rect">
@@ -5239,7 +5411,20 @@
               <a:defRPr sz="3400"/>
             </a:pPr>
             <a:r>
-              <a:t>Beltramelli FabiO                816912</a:t>
+              <a:rPr dirty="0" err="1"/>
+              <a:t>Beltramelli</a:t>
+            </a:r>
+            <a:r>
+              <a:rPr dirty="0"/>
+              <a:t> </a:t>
+            </a:r>
+            <a:r>
+              <a:rPr dirty="0" err="1"/>
+              <a:t>FabiO</a:t>
+            </a:r>
+            <a:r>
+              <a:rPr dirty="0"/>
+              <a:t>                816912</a:t>
             </a:r>
           </a:p>
           <a:p>
@@ -5250,6 +5435,7 @@
               <a:defRPr sz="3400"/>
             </a:pPr>
             <a:r>
+              <a:rPr dirty="0"/>
               <a:t>FINATI DAVIDE                           817508   </a:t>
             </a:r>
           </a:p>
@@ -5260,12 +5446,1764 @@
   <p:clrMapOvr>
     <a:masterClrMapping/>
   </p:clrMapOvr>
-  <p:transition xmlns:p14="http://schemas.microsoft.com/office/powerpoint/2010/main" spd="med" advClick="1"/>
+  <p:transition spd="med"/>
 </p:sld>
 </file>
 
 <file path=ppt/slides/slide10.xml><?xml version="1.0" encoding="utf-8"?>
-<p:sld xmlns:a="http://schemas.openxmlformats.org/drawingml/2006/main" xmlns:r="http://schemas.openxmlformats.org/officeDocument/2006/relationships" xmlns:p="http://schemas.openxmlformats.org/presentationml/2006/main" xmlns:m="http://schemas.openxmlformats.org/officeDocument/2006/math" xmlns:a14="http://schemas.microsoft.com/office/drawing/2010/main" showMasterSp="1" showMasterPhAnim="1">
+<p:sld xmlns:a="http://schemas.openxmlformats.org/drawingml/2006/main" xmlns:r="http://schemas.openxmlformats.org/officeDocument/2006/relationships" xmlns:p="http://schemas.openxmlformats.org/presentationml/2006/main">
+  <p:cSld>
+    <p:spTree>
+      <p:nvGrpSpPr>
+        <p:cNvPr id="1" name=""/>
+        <p:cNvGrpSpPr/>
+        <p:nvPr/>
+      </p:nvGrpSpPr>
+      <p:grpSpPr>
+        <a:xfrm>
+          <a:off x="0" y="0"/>
+          <a:ext cx="0" cy="0"/>
+          <a:chOff x="0" y="0"/>
+          <a:chExt cx="0" cy="0"/>
+        </a:xfrm>
+      </p:grpSpPr>
+      <p:sp>
+        <p:nvSpPr>
+          <p:cNvPr id="205" name="DATASET"/>
+          <p:cNvSpPr txBox="1">
+            <a:spLocks noGrp="1"/>
+          </p:cNvSpPr>
+          <p:nvPr>
+            <p:ph type="title"/>
+          </p:nvPr>
+        </p:nvSpPr>
+        <p:spPr>
+          <a:xfrm>
+            <a:off x="406400" y="311150"/>
+            <a:ext cx="12192000" cy="723900"/>
+          </a:xfrm>
+          <a:prstGeom prst="rect">
+            <a:avLst/>
+          </a:prstGeom>
+        </p:spPr>
+        <p:txBody>
+          <a:bodyPr/>
+          <a:lstStyle>
+            <a:lvl1pPr defTabSz="467359">
+              <a:spcBef>
+                <a:spcPts val="2200"/>
+              </a:spcBef>
+              <a:defRPr sz="4800"/>
+            </a:lvl1pPr>
+          </a:lstStyle>
+          <a:p>
+            <a:r>
+              <a:t>CONSISTENZA</a:t>
+            </a:r>
+          </a:p>
+        </p:txBody>
+      </p:sp>
+      <p:sp>
+        <p:nvSpPr>
+          <p:cNvPr id="206" name="MaxTemp: temperatura massima registrata…"/>
+          <p:cNvSpPr txBox="1">
+            <a:spLocks noGrp="1"/>
+          </p:cNvSpPr>
+          <p:nvPr>
+            <p:ph type="body" idx="1"/>
+          </p:nvPr>
+        </p:nvSpPr>
+        <p:spPr>
+          <a:xfrm>
+            <a:off x="406400" y="1389211"/>
+            <a:ext cx="12192000" cy="7462689"/>
+          </a:xfrm>
+          <a:prstGeom prst="rect">
+            <a:avLst/>
+          </a:prstGeom>
+        </p:spPr>
+        <p:txBody>
+          <a:bodyPr anchor="t"/>
+          <a:lstStyle>
+            <a:lvl1pPr marL="444500" indent="-444500" defTabSz="584200">
+              <a:lnSpc>
+                <a:spcPct val="100000"/>
+              </a:lnSpc>
+              <a:spcBef>
+                <a:spcPts val="2800"/>
+              </a:spcBef>
+              <a:buClr>
+                <a:schemeClr val="accent1"/>
+              </a:buClr>
+              <a:buSzPct val="104999"/>
+              <a:buFont typeface="Avenir Next"/>
+              <a:buChar char="▸"/>
+              <a:defRPr sz="3400" cap="none" spc="0">
+                <a:latin typeface="Avenir Next Medium"/>
+                <a:ea typeface="Avenir Next Medium"/>
+                <a:cs typeface="Avenir Next Medium"/>
+                <a:sym typeface="Avenir Next Medium"/>
+              </a:defRPr>
+            </a:lvl1pPr>
+          </a:lstStyle>
+          <a:p>
+            <a:r>
+              <a:t>Consistenza:                                                                </a:t>
+            </a:r>
+          </a:p>
+        </p:txBody>
+      </p:sp>
+    </p:spTree>
+  </p:cSld>
+  <p:clrMapOvr>
+    <a:masterClrMapping/>
+  </p:clrMapOvr>
+  <p:transition spd="med"/>
+</p:sld>
+</file>
+
+<file path=ppt/slides/slide11.xml><?xml version="1.0" encoding="utf-8"?>
+<p:sld xmlns:a="http://schemas.openxmlformats.org/drawingml/2006/main" xmlns:r="http://schemas.openxmlformats.org/officeDocument/2006/relationships" xmlns:p="http://schemas.openxmlformats.org/presentationml/2006/main">
+  <p:cSld>
+    <p:spTree>
+      <p:nvGrpSpPr>
+        <p:cNvPr id="1" name=""/>
+        <p:cNvGrpSpPr/>
+        <p:nvPr/>
+      </p:nvGrpSpPr>
+      <p:grpSpPr>
+        <a:xfrm>
+          <a:off x="0" y="0"/>
+          <a:ext cx="0" cy="0"/>
+          <a:chOff x="0" y="0"/>
+          <a:chExt cx="0" cy="0"/>
+        </a:xfrm>
+      </p:grpSpPr>
+      <p:sp>
+        <p:nvSpPr>
+          <p:cNvPr id="208" name="DATASET"/>
+          <p:cNvSpPr txBox="1">
+            <a:spLocks noGrp="1"/>
+          </p:cNvSpPr>
+          <p:nvPr>
+            <p:ph type="title"/>
+          </p:nvPr>
+        </p:nvSpPr>
+        <p:spPr>
+          <a:xfrm>
+            <a:off x="406400" y="311150"/>
+            <a:ext cx="12192000" cy="723900"/>
+          </a:xfrm>
+          <a:prstGeom prst="rect">
+            <a:avLst/>
+          </a:prstGeom>
+        </p:spPr>
+        <p:txBody>
+          <a:bodyPr/>
+          <a:lstStyle>
+            <a:lvl1pPr defTabSz="467359">
+              <a:spcBef>
+                <a:spcPts val="2200"/>
+              </a:spcBef>
+              <a:defRPr sz="4800"/>
+            </a:lvl1pPr>
+          </a:lstStyle>
+          <a:p>
+            <a:r>
+              <a:rPr dirty="0"/>
+              <a:t>PRECISIONE</a:t>
+            </a:r>
+            <a:r>
+              <a:rPr lang="it-IT" dirty="0"/>
+              <a:t> (attributi)</a:t>
+            </a:r>
+            <a:r>
+              <a:rPr dirty="0"/>
+              <a:t> </a:t>
+            </a:r>
+          </a:p>
+        </p:txBody>
+      </p:sp>
+      <p:sp>
+        <p:nvSpPr>
+          <p:cNvPr id="209" name="MaxTemp: temperatura massima registrata…"/>
+          <p:cNvSpPr txBox="1">
+            <a:spLocks noGrp="1"/>
+          </p:cNvSpPr>
+          <p:nvPr>
+            <p:ph type="body" idx="1"/>
+          </p:nvPr>
+        </p:nvSpPr>
+        <p:spPr>
+          <a:xfrm>
+            <a:off x="406400" y="1389211"/>
+            <a:ext cx="12192000" cy="7462689"/>
+          </a:xfrm>
+          <a:prstGeom prst="rect">
+            <a:avLst/>
+          </a:prstGeom>
+        </p:spPr>
+        <p:txBody>
+          <a:bodyPr anchor="t"/>
+          <a:lstStyle/>
+          <a:p>
+            <a:pPr marL="413384" indent="-413384" defTabSz="543305">
+              <a:lnSpc>
+                <a:spcPct val="100000"/>
+              </a:lnSpc>
+              <a:spcBef>
+                <a:spcPts val="2600"/>
+              </a:spcBef>
+              <a:buClr>
+                <a:schemeClr val="accent1"/>
+              </a:buClr>
+              <a:buSzPct val="104999"/>
+              <a:buFont typeface="Avenir Next"/>
+              <a:buChar char="▸"/>
+              <a:defRPr sz="3162" cap="none" spc="0">
+                <a:latin typeface="Avenir Next Medium"/>
+                <a:ea typeface="Avenir Next Medium"/>
+                <a:cs typeface="Avenir Next Medium"/>
+                <a:sym typeface="Avenir Next Medium"/>
+              </a:defRPr>
+            </a:pPr>
+            <a:r>
+              <a:rPr dirty="0" err="1"/>
+              <a:t>Utilizzando</a:t>
+            </a:r>
+            <a:r>
+              <a:rPr dirty="0"/>
+              <a:t> la </a:t>
+            </a:r>
+            <a:r>
+              <a:rPr dirty="0" err="1"/>
+              <a:t>groundtruth</a:t>
+            </a:r>
+            <a:r>
+              <a:rPr dirty="0"/>
+              <a:t> con </a:t>
+            </a:r>
+            <a:r>
+              <a:rPr dirty="0" err="1"/>
+              <a:t>i</a:t>
+            </a:r>
+            <a:r>
+              <a:rPr dirty="0"/>
+              <a:t> </a:t>
+            </a:r>
+            <a:r>
+              <a:rPr dirty="0" err="1"/>
+              <a:t>dati</a:t>
+            </a:r>
+            <a:r>
+              <a:rPr dirty="0"/>
+              <a:t> </a:t>
+            </a:r>
+            <a:r>
+              <a:rPr dirty="0" err="1"/>
+              <a:t>provenienti</a:t>
+            </a:r>
+            <a:r>
+              <a:rPr dirty="0"/>
+              <a:t> dal </a:t>
+            </a:r>
+            <a:r>
+              <a:rPr dirty="0" err="1"/>
+              <a:t>sito</a:t>
+            </a:r>
+            <a:r>
+              <a:rPr dirty="0"/>
+              <a:t> </a:t>
+            </a:r>
+            <a:r>
+              <a:rPr u="sng" dirty="0">
+                <a:solidFill>
+                  <a:schemeClr val="accent1"/>
+                </a:solidFill>
+                <a:hlinkClick r:id="rId2"/>
+              </a:rPr>
+              <a:t>nasdaq.com</a:t>
+            </a:r>
+            <a:r>
+              <a:rPr dirty="0"/>
+              <a:t>, </a:t>
+            </a:r>
+            <a:r>
+              <a:rPr dirty="0" err="1"/>
+              <a:t>i</a:t>
+            </a:r>
+            <a:r>
+              <a:rPr dirty="0"/>
+              <a:t> </a:t>
+            </a:r>
+            <a:r>
+              <a:rPr dirty="0" err="1"/>
+              <a:t>valori</a:t>
+            </a:r>
+            <a:r>
+              <a:rPr dirty="0"/>
+              <a:t> </a:t>
+            </a:r>
+            <a:r>
+              <a:rPr dirty="0" err="1"/>
+              <a:t>ottenuti</a:t>
+            </a:r>
+            <a:r>
+              <a:rPr dirty="0"/>
+              <a:t> </a:t>
+            </a:r>
+            <a:r>
+              <a:rPr dirty="0" err="1"/>
+              <a:t>sono</a:t>
+            </a:r>
+            <a:r>
+              <a:rPr dirty="0"/>
+              <a:t>:</a:t>
+            </a:r>
+          </a:p>
+          <a:p>
+            <a:pPr marL="413384" indent="-413384" defTabSz="543305">
+              <a:lnSpc>
+                <a:spcPct val="100000"/>
+              </a:lnSpc>
+              <a:spcBef>
+                <a:spcPts val="2600"/>
+              </a:spcBef>
+              <a:buClr>
+                <a:schemeClr val="accent1"/>
+              </a:buClr>
+              <a:buSzPct val="104999"/>
+              <a:buFont typeface="Avenir Next"/>
+              <a:buChar char="▸"/>
+              <a:defRPr sz="3162" cap="none" spc="0">
+                <a:latin typeface="Avenir Next Medium"/>
+                <a:ea typeface="Avenir Next Medium"/>
+                <a:cs typeface="Avenir Next Medium"/>
+                <a:sym typeface="Avenir Next Medium"/>
+              </a:defRPr>
+            </a:pPr>
+            <a:r>
+              <a:rPr dirty="0" err="1"/>
+              <a:t>ClosePrice</a:t>
+            </a:r>
+            <a:r>
+              <a:rPr dirty="0"/>
+              <a:t>: </a:t>
+            </a:r>
+            <a:r>
+              <a:rPr lang="it-IT" dirty="0"/>
+              <a:t>95,4</a:t>
+            </a:r>
+            <a:r>
+              <a:rPr dirty="0"/>
+              <a:t>%</a:t>
+            </a:r>
+          </a:p>
+          <a:p>
+            <a:pPr marL="413384" indent="-413384" defTabSz="543305">
+              <a:lnSpc>
+                <a:spcPct val="100000"/>
+              </a:lnSpc>
+              <a:spcBef>
+                <a:spcPts val="2600"/>
+              </a:spcBef>
+              <a:buClr>
+                <a:schemeClr val="accent1"/>
+              </a:buClr>
+              <a:buSzPct val="104999"/>
+              <a:buFont typeface="Avenir Next"/>
+              <a:buChar char="▸"/>
+              <a:defRPr sz="3162" cap="none" spc="0">
+                <a:latin typeface="Avenir Next Medium"/>
+                <a:ea typeface="Avenir Next Medium"/>
+                <a:cs typeface="Avenir Next Medium"/>
+                <a:sym typeface="Avenir Next Medium"/>
+              </a:defRPr>
+            </a:pPr>
+            <a:r>
+              <a:rPr dirty="0" err="1"/>
+              <a:t>OpenPrice</a:t>
+            </a:r>
+            <a:r>
+              <a:rPr dirty="0"/>
+              <a:t>: </a:t>
+            </a:r>
+            <a:r>
+              <a:rPr lang="it-IT" dirty="0"/>
+              <a:t>81</a:t>
+            </a:r>
+            <a:r>
+              <a:rPr dirty="0"/>
+              <a:t>%</a:t>
+            </a:r>
+          </a:p>
+          <a:p>
+            <a:pPr marL="413384" indent="-413384" defTabSz="543305">
+              <a:lnSpc>
+                <a:spcPct val="100000"/>
+              </a:lnSpc>
+              <a:spcBef>
+                <a:spcPts val="2600"/>
+              </a:spcBef>
+              <a:buClr>
+                <a:schemeClr val="accent1"/>
+              </a:buClr>
+              <a:buSzPct val="104999"/>
+              <a:buFont typeface="Avenir Next"/>
+              <a:buChar char="▸"/>
+              <a:defRPr sz="3162" cap="none" spc="0">
+                <a:latin typeface="Avenir Next Medium"/>
+                <a:ea typeface="Avenir Next Medium"/>
+                <a:cs typeface="Avenir Next Medium"/>
+                <a:sym typeface="Avenir Next Medium"/>
+              </a:defRPr>
+            </a:pPr>
+            <a:r>
+              <a:rPr dirty="0" err="1"/>
+              <a:t>ChangePrec</a:t>
+            </a:r>
+            <a:r>
+              <a:rPr dirty="0"/>
+              <a:t>: 78.4%</a:t>
+            </a:r>
+          </a:p>
+          <a:p>
+            <a:pPr marL="413384" indent="-413384" defTabSz="543305">
+              <a:lnSpc>
+                <a:spcPct val="100000"/>
+              </a:lnSpc>
+              <a:spcBef>
+                <a:spcPts val="2600"/>
+              </a:spcBef>
+              <a:buClr>
+                <a:schemeClr val="accent1"/>
+              </a:buClr>
+              <a:buSzPct val="104999"/>
+              <a:buFont typeface="Avenir Next"/>
+              <a:buChar char="▸"/>
+              <a:defRPr sz="3162" cap="none" spc="0">
+                <a:latin typeface="Avenir Next Medium"/>
+                <a:ea typeface="Avenir Next Medium"/>
+                <a:cs typeface="Avenir Next Medium"/>
+                <a:sym typeface="Avenir Next Medium"/>
+              </a:defRPr>
+            </a:pPr>
+            <a:r>
+              <a:rPr dirty="0" err="1"/>
+              <a:t>ChangeInDollars</a:t>
+            </a:r>
+            <a:r>
+              <a:rPr dirty="0"/>
+              <a:t>: 79.6%</a:t>
+            </a:r>
+          </a:p>
+          <a:p>
+            <a:pPr marL="413384" indent="-413384" defTabSz="543305">
+              <a:lnSpc>
+                <a:spcPct val="100000"/>
+              </a:lnSpc>
+              <a:spcBef>
+                <a:spcPts val="2600"/>
+              </a:spcBef>
+              <a:buClr>
+                <a:schemeClr val="accent1"/>
+              </a:buClr>
+              <a:buSzPct val="104999"/>
+              <a:buFont typeface="Avenir Next"/>
+              <a:buChar char="▸"/>
+              <a:defRPr sz="3162" cap="none" spc="0">
+                <a:latin typeface="Avenir Next Medium"/>
+                <a:ea typeface="Avenir Next Medium"/>
+                <a:cs typeface="Avenir Next Medium"/>
+                <a:sym typeface="Avenir Next Medium"/>
+              </a:defRPr>
+            </a:pPr>
+            <a:r>
+              <a:rPr dirty="0"/>
+              <a:t>Volume: 38.6%</a:t>
+            </a:r>
+          </a:p>
+          <a:p>
+            <a:pPr marL="413384" indent="-413384" defTabSz="543305">
+              <a:lnSpc>
+                <a:spcPct val="100000"/>
+              </a:lnSpc>
+              <a:spcBef>
+                <a:spcPts val="2600"/>
+              </a:spcBef>
+              <a:buClr>
+                <a:schemeClr val="accent1"/>
+              </a:buClr>
+              <a:buSzPct val="104999"/>
+              <a:buFont typeface="Avenir Next"/>
+              <a:buChar char="▸"/>
+              <a:defRPr sz="3162" cap="none" spc="0">
+                <a:latin typeface="Avenir Next Medium"/>
+                <a:ea typeface="Avenir Next Medium"/>
+                <a:cs typeface="Avenir Next Medium"/>
+                <a:sym typeface="Avenir Next Medium"/>
+              </a:defRPr>
+            </a:pPr>
+            <a:r>
+              <a:rPr dirty="0" err="1"/>
+              <a:t>HighPrice</a:t>
+            </a:r>
+            <a:r>
+              <a:rPr dirty="0"/>
+              <a:t>: 94.6%</a:t>
+            </a:r>
+          </a:p>
+          <a:p>
+            <a:pPr marL="413384" indent="-413384" defTabSz="543305">
+              <a:lnSpc>
+                <a:spcPct val="100000"/>
+              </a:lnSpc>
+              <a:spcBef>
+                <a:spcPts val="2600"/>
+              </a:spcBef>
+              <a:buClr>
+                <a:schemeClr val="accent1"/>
+              </a:buClr>
+              <a:buSzPct val="104999"/>
+              <a:buFont typeface="Avenir Next"/>
+              <a:buChar char="▸"/>
+              <a:defRPr sz="3162" cap="none" spc="0">
+                <a:latin typeface="Avenir Next Medium"/>
+                <a:ea typeface="Avenir Next Medium"/>
+                <a:cs typeface="Avenir Next Medium"/>
+                <a:sym typeface="Avenir Next Medium"/>
+              </a:defRPr>
+            </a:pPr>
+            <a:r>
+              <a:rPr dirty="0" err="1"/>
+              <a:t>LowPrice</a:t>
+            </a:r>
+            <a:r>
+              <a:rPr dirty="0"/>
+              <a:t>: 95.2%</a:t>
+            </a:r>
+          </a:p>
+        </p:txBody>
+      </p:sp>
+    </p:spTree>
+  </p:cSld>
+  <p:clrMapOvr>
+    <a:masterClrMapping/>
+  </p:clrMapOvr>
+  <p:transition spd="med"/>
+</p:sld>
+</file>
+
+<file path=ppt/slides/slide12.xml><?xml version="1.0" encoding="utf-8"?>
+<p:sld xmlns:a="http://schemas.openxmlformats.org/drawingml/2006/main" xmlns:r="http://schemas.openxmlformats.org/officeDocument/2006/relationships" xmlns:p="http://schemas.openxmlformats.org/presentationml/2006/main">
+  <p:cSld>
+    <p:spTree>
+      <p:nvGrpSpPr>
+        <p:cNvPr id="1" name=""/>
+        <p:cNvGrpSpPr/>
+        <p:nvPr/>
+      </p:nvGrpSpPr>
+      <p:grpSpPr>
+        <a:xfrm>
+          <a:off x="0" y="0"/>
+          <a:ext cx="0" cy="0"/>
+          <a:chOff x="0" y="0"/>
+          <a:chExt cx="0" cy="0"/>
+        </a:xfrm>
+      </p:grpSpPr>
+      <p:sp>
+        <p:nvSpPr>
+          <p:cNvPr id="211" name="DATASET"/>
+          <p:cNvSpPr txBox="1">
+            <a:spLocks noGrp="1"/>
+          </p:cNvSpPr>
+          <p:nvPr>
+            <p:ph type="title"/>
+          </p:nvPr>
+        </p:nvSpPr>
+        <p:spPr>
+          <a:xfrm>
+            <a:off x="406400" y="311150"/>
+            <a:ext cx="12192000" cy="723900"/>
+          </a:xfrm>
+          <a:prstGeom prst="rect">
+            <a:avLst/>
+          </a:prstGeom>
+        </p:spPr>
+        <p:txBody>
+          <a:bodyPr/>
+          <a:lstStyle>
+            <a:lvl1pPr defTabSz="467359">
+              <a:spcBef>
+                <a:spcPts val="2200"/>
+              </a:spcBef>
+              <a:defRPr sz="4800"/>
+            </a:lvl1pPr>
+          </a:lstStyle>
+          <a:p>
+            <a:r>
+              <a:rPr dirty="0"/>
+              <a:t>PRECISIONE </a:t>
+            </a:r>
+            <a:r>
+              <a:rPr lang="it-IT" dirty="0"/>
+              <a:t>(attributi)</a:t>
+            </a:r>
+            <a:endParaRPr dirty="0"/>
+          </a:p>
+        </p:txBody>
+      </p:sp>
+      <p:sp>
+        <p:nvSpPr>
+          <p:cNvPr id="212" name="MaxTemp: temperatura massima registrata…"/>
+          <p:cNvSpPr txBox="1">
+            <a:spLocks noGrp="1"/>
+          </p:cNvSpPr>
+          <p:nvPr>
+            <p:ph type="body" idx="1"/>
+          </p:nvPr>
+        </p:nvSpPr>
+        <p:spPr>
+          <a:xfrm>
+            <a:off x="406400" y="1389211"/>
+            <a:ext cx="12192000" cy="7462689"/>
+          </a:xfrm>
+          <a:prstGeom prst="rect">
+            <a:avLst/>
+          </a:prstGeom>
+        </p:spPr>
+        <p:txBody>
+          <a:bodyPr anchor="t"/>
+          <a:lstStyle/>
+          <a:p>
+            <a:pPr marL="400050" indent="-400050" defTabSz="525779">
+              <a:lnSpc>
+                <a:spcPct val="100000"/>
+              </a:lnSpc>
+              <a:spcBef>
+                <a:spcPts val="2500"/>
+              </a:spcBef>
+              <a:buClr>
+                <a:schemeClr val="accent1"/>
+              </a:buClr>
+              <a:buSzPct val="104999"/>
+              <a:buFont typeface="Avenir Next"/>
+              <a:buChar char="▸"/>
+              <a:defRPr sz="3059" cap="none" spc="0">
+                <a:latin typeface="Avenir Next Medium"/>
+                <a:ea typeface="Avenir Next Medium"/>
+                <a:cs typeface="Avenir Next Medium"/>
+                <a:sym typeface="Avenir Next Medium"/>
+              </a:defRPr>
+            </a:pPr>
+            <a:r>
+              <a:rPr dirty="0" err="1"/>
+              <a:t>PreviousClose</a:t>
+            </a:r>
+            <a:r>
+              <a:rPr dirty="0"/>
+              <a:t>: </a:t>
+            </a:r>
+            <a:r>
+              <a:rPr lang="it-IT" dirty="0"/>
+              <a:t>58,8%</a:t>
+            </a:r>
+            <a:endParaRPr dirty="0"/>
+          </a:p>
+          <a:p>
+            <a:pPr marL="400050" indent="-400050" defTabSz="525779">
+              <a:lnSpc>
+                <a:spcPct val="100000"/>
+              </a:lnSpc>
+              <a:spcBef>
+                <a:spcPts val="2500"/>
+              </a:spcBef>
+              <a:buClr>
+                <a:schemeClr val="accent1"/>
+              </a:buClr>
+              <a:buSzPct val="104999"/>
+              <a:buFont typeface="Avenir Next"/>
+              <a:buChar char="▸"/>
+              <a:defRPr sz="3059" cap="none" spc="0">
+                <a:latin typeface="Avenir Next Medium"/>
+                <a:ea typeface="Avenir Next Medium"/>
+                <a:cs typeface="Avenir Next Medium"/>
+                <a:sym typeface="Avenir Next Medium"/>
+              </a:defRPr>
+            </a:pPr>
+            <a:r>
+              <a:rPr dirty="0" err="1"/>
+              <a:t>YearHigh</a:t>
+            </a:r>
+            <a:r>
+              <a:rPr dirty="0"/>
+              <a:t>: 86%</a:t>
+            </a:r>
+          </a:p>
+          <a:p>
+            <a:pPr marL="400050" indent="-400050" defTabSz="525779">
+              <a:lnSpc>
+                <a:spcPct val="100000"/>
+              </a:lnSpc>
+              <a:spcBef>
+                <a:spcPts val="2500"/>
+              </a:spcBef>
+              <a:buClr>
+                <a:schemeClr val="accent1"/>
+              </a:buClr>
+              <a:buSzPct val="104999"/>
+              <a:buFont typeface="Avenir Next"/>
+              <a:buChar char="▸"/>
+              <a:defRPr sz="3059" cap="none" spc="0">
+                <a:latin typeface="Avenir Next Medium"/>
+                <a:ea typeface="Avenir Next Medium"/>
+                <a:cs typeface="Avenir Next Medium"/>
+                <a:sym typeface="Avenir Next Medium"/>
+              </a:defRPr>
+            </a:pPr>
+            <a:r>
+              <a:rPr dirty="0" err="1"/>
+              <a:t>YearLow</a:t>
+            </a:r>
+            <a:r>
+              <a:rPr dirty="0"/>
+              <a:t>: 94%</a:t>
+            </a:r>
+          </a:p>
+          <a:p>
+            <a:pPr marL="400050" indent="-400050" defTabSz="525779">
+              <a:lnSpc>
+                <a:spcPct val="100000"/>
+              </a:lnSpc>
+              <a:spcBef>
+                <a:spcPts val="2500"/>
+              </a:spcBef>
+              <a:buClr>
+                <a:schemeClr val="accent1"/>
+              </a:buClr>
+              <a:buSzPct val="104999"/>
+              <a:buFont typeface="Avenir Next"/>
+              <a:buChar char="▸"/>
+              <a:defRPr sz="3059" cap="none" spc="0">
+                <a:latin typeface="Avenir Next Medium"/>
+                <a:ea typeface="Avenir Next Medium"/>
+                <a:cs typeface="Avenir Next Medium"/>
+                <a:sym typeface="Avenir Next Medium"/>
+              </a:defRPr>
+            </a:pPr>
+            <a:r>
+              <a:rPr dirty="0" err="1"/>
+              <a:t>NShares</a:t>
+            </a:r>
+            <a:r>
+              <a:rPr dirty="0"/>
+              <a:t>: </a:t>
+            </a:r>
+            <a:r>
+              <a:rPr lang="it-IT" dirty="0"/>
+              <a:t>20%</a:t>
+            </a:r>
+            <a:endParaRPr dirty="0"/>
+          </a:p>
+          <a:p>
+            <a:pPr marL="400050" indent="-400050" defTabSz="525779">
+              <a:lnSpc>
+                <a:spcPct val="100000"/>
+              </a:lnSpc>
+              <a:spcBef>
+                <a:spcPts val="2500"/>
+              </a:spcBef>
+              <a:buClr>
+                <a:schemeClr val="accent1"/>
+              </a:buClr>
+              <a:buSzPct val="104999"/>
+              <a:buFont typeface="Avenir Next"/>
+              <a:buChar char="▸"/>
+              <a:defRPr sz="3059" cap="none" spc="0">
+                <a:latin typeface="Avenir Next Medium"/>
+                <a:ea typeface="Avenir Next Medium"/>
+                <a:cs typeface="Avenir Next Medium"/>
+                <a:sym typeface="Avenir Next Medium"/>
+              </a:defRPr>
+            </a:pPr>
+            <a:r>
+              <a:rPr dirty="0"/>
+              <a:t>PE:</a:t>
+            </a:r>
+            <a:r>
+              <a:rPr lang="it-IT" dirty="0"/>
+              <a:t>34,2%</a:t>
+            </a:r>
+            <a:endParaRPr dirty="0"/>
+          </a:p>
+          <a:p>
+            <a:pPr marL="400050" indent="-400050" defTabSz="525779">
+              <a:lnSpc>
+                <a:spcPct val="100000"/>
+              </a:lnSpc>
+              <a:spcBef>
+                <a:spcPts val="2500"/>
+              </a:spcBef>
+              <a:buClr>
+                <a:schemeClr val="accent1"/>
+              </a:buClr>
+              <a:buSzPct val="104999"/>
+              <a:buFont typeface="Avenir Next"/>
+              <a:buChar char="▸"/>
+              <a:defRPr sz="3059" cap="none" spc="0">
+                <a:latin typeface="Avenir Next Medium"/>
+                <a:ea typeface="Avenir Next Medium"/>
+                <a:cs typeface="Avenir Next Medium"/>
+                <a:sym typeface="Avenir Next Medium"/>
+              </a:defRPr>
+            </a:pPr>
+            <a:r>
+              <a:rPr dirty="0" err="1"/>
+              <a:t>MarketCap</a:t>
+            </a:r>
+            <a:r>
+              <a:rPr dirty="0"/>
+              <a:t>: 20%</a:t>
+            </a:r>
+          </a:p>
+          <a:p>
+            <a:pPr marL="400050" indent="-400050" defTabSz="525779">
+              <a:lnSpc>
+                <a:spcPct val="100000"/>
+              </a:lnSpc>
+              <a:spcBef>
+                <a:spcPts val="2500"/>
+              </a:spcBef>
+              <a:buClr>
+                <a:schemeClr val="accent1"/>
+              </a:buClr>
+              <a:buSzPct val="104999"/>
+              <a:buFont typeface="Avenir Next"/>
+              <a:buChar char="▸"/>
+              <a:defRPr sz="3059" cap="none" spc="0">
+                <a:latin typeface="Avenir Next Medium"/>
+                <a:ea typeface="Avenir Next Medium"/>
+                <a:cs typeface="Avenir Next Medium"/>
+                <a:sym typeface="Avenir Next Medium"/>
+              </a:defRPr>
+            </a:pPr>
+            <a:r>
+              <a:rPr dirty="0"/>
+              <a:t>Yield: </a:t>
+            </a:r>
+            <a:r>
+              <a:rPr lang="it-IT" dirty="0"/>
+              <a:t>64%</a:t>
+            </a:r>
+            <a:endParaRPr dirty="0"/>
+          </a:p>
+          <a:p>
+            <a:pPr marL="400050" indent="-400050" defTabSz="525779">
+              <a:lnSpc>
+                <a:spcPct val="100000"/>
+              </a:lnSpc>
+              <a:spcBef>
+                <a:spcPts val="2500"/>
+              </a:spcBef>
+              <a:buClr>
+                <a:schemeClr val="accent1"/>
+              </a:buClr>
+              <a:buSzPct val="104999"/>
+              <a:buFont typeface="Avenir Next"/>
+              <a:buChar char="▸"/>
+              <a:defRPr sz="3059" cap="none" spc="0">
+                <a:latin typeface="Avenir Next Medium"/>
+                <a:ea typeface="Avenir Next Medium"/>
+                <a:cs typeface="Avenir Next Medium"/>
+                <a:sym typeface="Avenir Next Medium"/>
+              </a:defRPr>
+            </a:pPr>
+            <a:r>
+              <a:rPr dirty="0" err="1"/>
+              <a:t>DividendYield</a:t>
+            </a:r>
+            <a:r>
+              <a:rPr dirty="0"/>
+              <a:t>: </a:t>
+            </a:r>
+            <a:r>
+              <a:rPr lang="it-IT" dirty="0"/>
+              <a:t>64,4%</a:t>
+            </a:r>
+            <a:endParaRPr dirty="0"/>
+          </a:p>
+          <a:p>
+            <a:pPr marL="400050" indent="-400050" defTabSz="525779">
+              <a:lnSpc>
+                <a:spcPct val="100000"/>
+              </a:lnSpc>
+              <a:spcBef>
+                <a:spcPts val="2500"/>
+              </a:spcBef>
+              <a:buClr>
+                <a:schemeClr val="accent1"/>
+              </a:buClr>
+              <a:buSzPct val="104999"/>
+              <a:buFont typeface="Avenir Next"/>
+              <a:buChar char="▸"/>
+              <a:defRPr sz="3059" cap="none" spc="0">
+                <a:latin typeface="Avenir Next Medium"/>
+                <a:ea typeface="Avenir Next Medium"/>
+                <a:cs typeface="Avenir Next Medium"/>
+                <a:sym typeface="Avenir Next Medium"/>
+              </a:defRPr>
+            </a:pPr>
+            <a:r>
+              <a:rPr dirty="0"/>
+              <a:t>EPS: </a:t>
+            </a:r>
+            <a:r>
+              <a:rPr lang="it-IT" dirty="0"/>
+              <a:t>20,2%</a:t>
+            </a:r>
+            <a:endParaRPr dirty="0"/>
+          </a:p>
+        </p:txBody>
+      </p:sp>
+    </p:spTree>
+  </p:cSld>
+  <p:clrMapOvr>
+    <a:masterClrMapping/>
+  </p:clrMapOvr>
+  <p:transition spd="med"/>
+</p:sld>
+</file>
+
+<file path=ppt/slides/slide13.xml><?xml version="1.0" encoding="utf-8"?>
+<p:sld xmlns:a="http://schemas.openxmlformats.org/drawingml/2006/main" xmlns:r="http://schemas.openxmlformats.org/officeDocument/2006/relationships" xmlns:p="http://schemas.openxmlformats.org/presentationml/2006/main">
+  <p:cSld>
+    <p:spTree>
+      <p:nvGrpSpPr>
+        <p:cNvPr id="1" name=""/>
+        <p:cNvGrpSpPr/>
+        <p:nvPr/>
+      </p:nvGrpSpPr>
+      <p:grpSpPr>
+        <a:xfrm>
+          <a:off x="0" y="0"/>
+          <a:ext cx="0" cy="0"/>
+          <a:chOff x="0" y="0"/>
+          <a:chExt cx="0" cy="0"/>
+        </a:xfrm>
+      </p:grpSpPr>
+      <p:sp>
+        <p:nvSpPr>
+          <p:cNvPr id="211" name="DATASET"/>
+          <p:cNvSpPr txBox="1">
+            <a:spLocks noGrp="1"/>
+          </p:cNvSpPr>
+          <p:nvPr>
+            <p:ph type="title"/>
+          </p:nvPr>
+        </p:nvSpPr>
+        <p:spPr>
+          <a:xfrm>
+            <a:off x="406400" y="311150"/>
+            <a:ext cx="12192000" cy="723900"/>
+          </a:xfrm>
+          <a:prstGeom prst="rect">
+            <a:avLst/>
+          </a:prstGeom>
+        </p:spPr>
+        <p:txBody>
+          <a:bodyPr/>
+          <a:lstStyle>
+            <a:lvl1pPr defTabSz="467359">
+              <a:spcBef>
+                <a:spcPts val="2200"/>
+              </a:spcBef>
+              <a:defRPr sz="4800"/>
+            </a:lvl1pPr>
+          </a:lstStyle>
+          <a:p>
+            <a:r>
+              <a:rPr dirty="0"/>
+              <a:t>PRECISIONE </a:t>
+            </a:r>
+            <a:r>
+              <a:rPr lang="it-IT" dirty="0"/>
+              <a:t>(ATTRIBUTI)</a:t>
+            </a:r>
+            <a:endParaRPr dirty="0"/>
+          </a:p>
+        </p:txBody>
+      </p:sp>
+      <p:sp>
+        <p:nvSpPr>
+          <p:cNvPr id="212" name="MaxTemp: temperatura massima registrata…"/>
+          <p:cNvSpPr txBox="1">
+            <a:spLocks noGrp="1"/>
+          </p:cNvSpPr>
+          <p:nvPr>
+            <p:ph type="body" idx="1"/>
+          </p:nvPr>
+        </p:nvSpPr>
+        <p:spPr>
+          <a:xfrm>
+            <a:off x="406400" y="1389211"/>
+            <a:ext cx="12192000" cy="7462689"/>
+          </a:xfrm>
+          <a:prstGeom prst="rect">
+            <a:avLst/>
+          </a:prstGeom>
+        </p:spPr>
+        <p:txBody>
+          <a:bodyPr anchor="t">
+            <a:normAutofit lnSpcReduction="10000"/>
+          </a:bodyPr>
+          <a:lstStyle/>
+          <a:p>
+            <a:pPr marL="400050" indent="-400050" defTabSz="525779">
+              <a:lnSpc>
+                <a:spcPct val="100000"/>
+              </a:lnSpc>
+              <a:spcBef>
+                <a:spcPts val="2500"/>
+              </a:spcBef>
+              <a:buClr>
+                <a:schemeClr val="accent1"/>
+              </a:buClr>
+              <a:buSzPct val="104999"/>
+              <a:buFont typeface="Avenir Next"/>
+              <a:buChar char="▸"/>
+              <a:defRPr sz="3059" cap="none" spc="0">
+                <a:latin typeface="Avenir Next Medium"/>
+                <a:ea typeface="Avenir Next Medium"/>
+                <a:cs typeface="Avenir Next Medium"/>
+                <a:sym typeface="Avenir Next Medium"/>
+              </a:defRPr>
+            </a:pPr>
+            <a:r>
+              <a:rPr lang="it-IT" dirty="0"/>
+              <a:t>Per quanto riguarda la precisione sugli attributi ci sono diverse ragioni per spiegare gli attributi con bassa precisione:</a:t>
+            </a:r>
+          </a:p>
+          <a:p>
+            <a:pPr marL="514350" indent="-514350" defTabSz="525779">
+              <a:lnSpc>
+                <a:spcPct val="100000"/>
+              </a:lnSpc>
+              <a:spcBef>
+                <a:spcPts val="2500"/>
+              </a:spcBef>
+              <a:buClr>
+                <a:schemeClr val="accent1"/>
+              </a:buClr>
+              <a:buSzPct val="104999"/>
+              <a:buFont typeface="+mj-lt"/>
+              <a:buAutoNum type="arabicPeriod"/>
+              <a:defRPr sz="3059" cap="none" spc="0">
+                <a:latin typeface="Avenir Next Medium"/>
+                <a:ea typeface="Avenir Next Medium"/>
+                <a:cs typeface="Avenir Next Medium"/>
+                <a:sym typeface="Avenir Next Medium"/>
+              </a:defRPr>
+            </a:pPr>
+            <a:r>
+              <a:rPr lang="it-IT" dirty="0"/>
+              <a:t>Eterogeneità semantica: nella maggioranza casi la bassa precisione è dovuta ad una diversa semantica di rappresentazione rispetto alla </a:t>
+            </a:r>
+            <a:r>
+              <a:rPr lang="it-IT" dirty="0" err="1"/>
+              <a:t>groundtruth</a:t>
+            </a:r>
+            <a:r>
+              <a:rPr lang="it-IT" dirty="0"/>
+              <a:t>, soprattutto nel caso di attributi con decimali (diverso arrotondamento e formato) (es. </a:t>
+            </a:r>
+            <a:r>
+              <a:rPr lang="it-IT" dirty="0" err="1"/>
+              <a:t>Nshares</a:t>
+            </a:r>
+            <a:r>
+              <a:rPr lang="it-IT" dirty="0"/>
+              <a:t>, </a:t>
+            </a:r>
+            <a:r>
+              <a:rPr lang="it-IT" dirty="0" err="1"/>
+              <a:t>MarketCap</a:t>
+            </a:r>
+            <a:r>
+              <a:rPr lang="it-IT" dirty="0"/>
+              <a:t>, PE, EPS)</a:t>
+            </a:r>
+          </a:p>
+          <a:p>
+            <a:pPr marL="514350" indent="-514350" defTabSz="525779">
+              <a:lnSpc>
+                <a:spcPct val="100000"/>
+              </a:lnSpc>
+              <a:spcBef>
+                <a:spcPts val="2500"/>
+              </a:spcBef>
+              <a:buClr>
+                <a:schemeClr val="accent1"/>
+              </a:buClr>
+              <a:buSzPct val="104999"/>
+              <a:buFont typeface="+mj-lt"/>
+              <a:buAutoNum type="arabicPeriod"/>
+              <a:defRPr sz="3059" cap="none" spc="0">
+                <a:latin typeface="Avenir Next Medium"/>
+                <a:ea typeface="Avenir Next Medium"/>
+                <a:cs typeface="Avenir Next Medium"/>
+                <a:sym typeface="Avenir Next Medium"/>
+              </a:defRPr>
+            </a:pPr>
+            <a:r>
+              <a:rPr lang="it-IT" dirty="0"/>
+              <a:t>Errori nelle unità di misura: sono presenti alcuni errori di unità di misura, per esempio la maggior parte delle fonti riporta 20M mentre una fonte riporta 20B   </a:t>
+            </a:r>
+          </a:p>
+          <a:p>
+            <a:pPr marL="514350" indent="-514350" defTabSz="525779">
+              <a:lnSpc>
+                <a:spcPct val="100000"/>
+              </a:lnSpc>
+              <a:spcBef>
+                <a:spcPts val="2500"/>
+              </a:spcBef>
+              <a:buClr>
+                <a:schemeClr val="accent1"/>
+              </a:buClr>
+              <a:buSzPct val="104999"/>
+              <a:buFont typeface="+mj-lt"/>
+              <a:buAutoNum type="arabicPeriod"/>
+              <a:defRPr sz="3059" cap="none" spc="0">
+                <a:latin typeface="Avenir Next Medium"/>
+                <a:ea typeface="Avenir Next Medium"/>
+                <a:cs typeface="Avenir Next Medium"/>
+                <a:sym typeface="Avenir Next Medium"/>
+              </a:defRPr>
+            </a:pPr>
+            <a:r>
+              <a:rPr lang="it-IT" dirty="0"/>
+              <a:t>Dati non aggiornati: in alcuni casi si potrebbe pensare che ci siano errori riguardo il livello di aggiornamento dei dati, aspetto cruciale nell’ambito preso in considerazione (es. Volume)</a:t>
+            </a:r>
+          </a:p>
+          <a:p>
+            <a:pPr marL="514350" indent="-514350" defTabSz="525779">
+              <a:lnSpc>
+                <a:spcPct val="100000"/>
+              </a:lnSpc>
+              <a:spcBef>
+                <a:spcPts val="2500"/>
+              </a:spcBef>
+              <a:buClr>
+                <a:schemeClr val="accent1"/>
+              </a:buClr>
+              <a:buSzPct val="104999"/>
+              <a:buFont typeface="+mj-lt"/>
+              <a:buAutoNum type="arabicPeriod"/>
+              <a:defRPr sz="3059" cap="none" spc="0">
+                <a:latin typeface="Avenir Next Medium"/>
+                <a:ea typeface="Avenir Next Medium"/>
+                <a:cs typeface="Avenir Next Medium"/>
+                <a:sym typeface="Avenir Next Medium"/>
+              </a:defRPr>
+            </a:pPr>
+            <a:r>
+              <a:rPr lang="it-IT" dirty="0"/>
+              <a:t>Errori nei dati: In alcuni casi sono stati riscontrati dei puri errori nei valori dei dati </a:t>
+            </a:r>
+            <a:endParaRPr dirty="0"/>
+          </a:p>
+        </p:txBody>
+      </p:sp>
+    </p:spTree>
+    <p:extLst>
+      <p:ext uri="{BB962C8B-B14F-4D97-AF65-F5344CB8AC3E}">
+        <p14:creationId xmlns:p14="http://schemas.microsoft.com/office/powerpoint/2010/main" val="1995234338"/>
+      </p:ext>
+    </p:extLst>
+  </p:cSld>
+  <p:clrMapOvr>
+    <a:masterClrMapping/>
+  </p:clrMapOvr>
+  <p:transition spd="med"/>
+</p:sld>
+</file>
+
+<file path=ppt/slides/slide14.xml><?xml version="1.0" encoding="utf-8"?>
+<p:sld xmlns:a="http://schemas.openxmlformats.org/drawingml/2006/main" xmlns:r="http://schemas.openxmlformats.org/officeDocument/2006/relationships" xmlns:p="http://schemas.openxmlformats.org/presentationml/2006/main">
+  <p:cSld>
+    <p:spTree>
+      <p:nvGrpSpPr>
+        <p:cNvPr id="1" name=""/>
+        <p:cNvGrpSpPr/>
+        <p:nvPr/>
+      </p:nvGrpSpPr>
+      <p:grpSpPr>
+        <a:xfrm>
+          <a:off x="0" y="0"/>
+          <a:ext cx="0" cy="0"/>
+          <a:chOff x="0" y="0"/>
+          <a:chExt cx="0" cy="0"/>
+        </a:xfrm>
+      </p:grpSpPr>
+      <p:sp>
+        <p:nvSpPr>
+          <p:cNvPr id="211" name="DATASET"/>
+          <p:cNvSpPr txBox="1">
+            <a:spLocks noGrp="1"/>
+          </p:cNvSpPr>
+          <p:nvPr>
+            <p:ph type="title"/>
+          </p:nvPr>
+        </p:nvSpPr>
+        <p:spPr>
+          <a:xfrm>
+            <a:off x="406400" y="311150"/>
+            <a:ext cx="12192000" cy="723900"/>
+          </a:xfrm>
+          <a:prstGeom prst="rect">
+            <a:avLst/>
+          </a:prstGeom>
+        </p:spPr>
+        <p:txBody>
+          <a:bodyPr/>
+          <a:lstStyle>
+            <a:lvl1pPr defTabSz="467359">
+              <a:spcBef>
+                <a:spcPts val="2200"/>
+              </a:spcBef>
+              <a:defRPr sz="4800"/>
+            </a:lvl1pPr>
+          </a:lstStyle>
+          <a:p>
+            <a:r>
+              <a:rPr dirty="0"/>
+              <a:t>PRECISIONE </a:t>
+            </a:r>
+            <a:r>
+              <a:rPr lang="it-IT" dirty="0"/>
+              <a:t>(FONTI)</a:t>
+            </a:r>
+            <a:endParaRPr dirty="0"/>
+          </a:p>
+        </p:txBody>
+      </p:sp>
+      <p:sp>
+        <p:nvSpPr>
+          <p:cNvPr id="212" name="MaxTemp: temperatura massima registrata…"/>
+          <p:cNvSpPr txBox="1">
+            <a:spLocks noGrp="1"/>
+          </p:cNvSpPr>
+          <p:nvPr>
+            <p:ph type="body" idx="1"/>
+          </p:nvPr>
+        </p:nvSpPr>
+        <p:spPr>
+          <a:xfrm>
+            <a:off x="406400" y="1389211"/>
+            <a:ext cx="12192000" cy="7462689"/>
+          </a:xfrm>
+          <a:prstGeom prst="rect">
+            <a:avLst/>
+          </a:prstGeom>
+        </p:spPr>
+        <p:txBody>
+          <a:bodyPr anchor="t"/>
+          <a:lstStyle/>
+          <a:p>
+            <a:pPr marL="400050" indent="-400050" defTabSz="525779">
+              <a:lnSpc>
+                <a:spcPct val="100000"/>
+              </a:lnSpc>
+              <a:spcBef>
+                <a:spcPts val="2500"/>
+              </a:spcBef>
+              <a:buClr>
+                <a:schemeClr val="accent1"/>
+              </a:buClr>
+              <a:buSzPct val="104999"/>
+              <a:buFont typeface="Avenir Next"/>
+              <a:buChar char="▸"/>
+              <a:defRPr sz="3059" cap="none" spc="0">
+                <a:latin typeface="Avenir Next Medium"/>
+                <a:ea typeface="Avenir Next Medium"/>
+                <a:cs typeface="Avenir Next Medium"/>
+                <a:sym typeface="Avenir Next Medium"/>
+              </a:defRPr>
+            </a:pPr>
+            <a:r>
+              <a:rPr lang="it-IT" dirty="0"/>
+              <a:t>Bloomberg: 87%</a:t>
+            </a:r>
+          </a:p>
+          <a:p>
+            <a:pPr marL="400050" indent="-400050" defTabSz="525779">
+              <a:lnSpc>
+                <a:spcPct val="100000"/>
+              </a:lnSpc>
+              <a:spcBef>
+                <a:spcPts val="2500"/>
+              </a:spcBef>
+              <a:buClr>
+                <a:schemeClr val="accent1"/>
+              </a:buClr>
+              <a:buSzPct val="104999"/>
+              <a:buFont typeface="Avenir Next"/>
+              <a:buChar char="▸"/>
+              <a:defRPr sz="3059" cap="none" spc="0">
+                <a:latin typeface="Avenir Next Medium"/>
+                <a:ea typeface="Avenir Next Medium"/>
+                <a:cs typeface="Avenir Next Medium"/>
+                <a:sym typeface="Avenir Next Medium"/>
+              </a:defRPr>
+            </a:pPr>
+            <a:r>
+              <a:rPr lang="it-IT" dirty="0"/>
+              <a:t>Google Finance: 76%</a:t>
+            </a:r>
+          </a:p>
+          <a:p>
+            <a:pPr marL="400050" indent="-400050" defTabSz="525779">
+              <a:lnSpc>
+                <a:spcPct val="100000"/>
+              </a:lnSpc>
+              <a:spcBef>
+                <a:spcPts val="2500"/>
+              </a:spcBef>
+              <a:buClr>
+                <a:schemeClr val="accent1"/>
+              </a:buClr>
+              <a:buSzPct val="104999"/>
+              <a:buFont typeface="Avenir Next"/>
+              <a:buChar char="▸"/>
+              <a:defRPr sz="3059" cap="none" spc="0">
+                <a:latin typeface="Avenir Next Medium"/>
+                <a:ea typeface="Avenir Next Medium"/>
+                <a:cs typeface="Avenir Next Medium"/>
+                <a:sym typeface="Avenir Next Medium"/>
+              </a:defRPr>
+            </a:pPr>
+            <a:r>
+              <a:rPr lang="it-IT" dirty="0"/>
+              <a:t>MSN: 77%</a:t>
+            </a:r>
+          </a:p>
+          <a:p>
+            <a:pPr marL="400050" indent="-400050" defTabSz="525779">
+              <a:lnSpc>
+                <a:spcPct val="100000"/>
+              </a:lnSpc>
+              <a:spcBef>
+                <a:spcPts val="2500"/>
+              </a:spcBef>
+              <a:buClr>
+                <a:schemeClr val="accent1"/>
+              </a:buClr>
+              <a:buSzPct val="104999"/>
+              <a:buFont typeface="Avenir Next"/>
+              <a:buChar char="▸"/>
+              <a:defRPr sz="3059" cap="none" spc="0">
+                <a:latin typeface="Avenir Next Medium"/>
+                <a:ea typeface="Avenir Next Medium"/>
+                <a:cs typeface="Avenir Next Medium"/>
+                <a:sym typeface="Avenir Next Medium"/>
+              </a:defRPr>
+            </a:pPr>
+            <a:r>
+              <a:rPr lang="it-IT" dirty="0"/>
+              <a:t>NASDAQ : 99% *</a:t>
+            </a:r>
+          </a:p>
+          <a:p>
+            <a:pPr marL="400050" indent="-400050" defTabSz="525779">
+              <a:lnSpc>
+                <a:spcPct val="100000"/>
+              </a:lnSpc>
+              <a:spcBef>
+                <a:spcPts val="2500"/>
+              </a:spcBef>
+              <a:buClr>
+                <a:schemeClr val="accent1"/>
+              </a:buClr>
+              <a:buSzPct val="104999"/>
+              <a:buFont typeface="Avenir Next"/>
+              <a:buChar char="▸"/>
+              <a:defRPr sz="3059" cap="none" spc="0">
+                <a:latin typeface="Avenir Next Medium"/>
+                <a:ea typeface="Avenir Next Medium"/>
+                <a:cs typeface="Avenir Next Medium"/>
+                <a:sym typeface="Avenir Next Medium"/>
+              </a:defRPr>
+            </a:pPr>
+            <a:r>
+              <a:rPr lang="it-IT" dirty="0"/>
+              <a:t>Yahoo Finance: 23% **</a:t>
+            </a:r>
+          </a:p>
+          <a:p>
+            <a:pPr marL="400050" indent="-400050" defTabSz="525779">
+              <a:lnSpc>
+                <a:spcPct val="100000"/>
+              </a:lnSpc>
+              <a:spcBef>
+                <a:spcPts val="2500"/>
+              </a:spcBef>
+              <a:buClr>
+                <a:schemeClr val="accent1"/>
+              </a:buClr>
+              <a:buSzPct val="104999"/>
+              <a:buFont typeface="Avenir Next"/>
+              <a:buChar char="▸"/>
+              <a:defRPr sz="3059" cap="none" spc="0">
+                <a:latin typeface="Avenir Next Medium"/>
+                <a:ea typeface="Avenir Next Medium"/>
+                <a:cs typeface="Avenir Next Medium"/>
+                <a:sym typeface="Avenir Next Medium"/>
+              </a:defRPr>
+            </a:pPr>
+            <a:endParaRPr lang="it-IT" dirty="0"/>
+          </a:p>
+          <a:p>
+            <a:pPr marL="0" indent="0" defTabSz="525779">
+              <a:lnSpc>
+                <a:spcPct val="100000"/>
+              </a:lnSpc>
+              <a:spcBef>
+                <a:spcPts val="2500"/>
+              </a:spcBef>
+              <a:buClr>
+                <a:schemeClr val="accent1"/>
+              </a:buClr>
+              <a:buSzPct val="104999"/>
+              <a:buNone/>
+              <a:defRPr sz="3059" cap="none" spc="0">
+                <a:latin typeface="Avenir Next Medium"/>
+                <a:ea typeface="Avenir Next Medium"/>
+                <a:cs typeface="Avenir Next Medium"/>
+                <a:sym typeface="Avenir Next Medium"/>
+              </a:defRPr>
+            </a:pPr>
+            <a:r>
+              <a:rPr lang="it-IT" dirty="0"/>
+              <a:t>* Tale valore è giusto che sia elevato poiché la </a:t>
+            </a:r>
+            <a:r>
+              <a:rPr lang="it-IT" dirty="0" err="1"/>
+              <a:t>groundtruth</a:t>
+            </a:r>
+            <a:r>
+              <a:rPr lang="it-IT" dirty="0"/>
+              <a:t> considera dati presi da Nasdaq.com</a:t>
+            </a:r>
+          </a:p>
+          <a:p>
+            <a:pPr marL="0" indent="0" defTabSz="525779">
+              <a:lnSpc>
+                <a:spcPct val="100000"/>
+              </a:lnSpc>
+              <a:spcBef>
+                <a:spcPts val="2500"/>
+              </a:spcBef>
+              <a:buClr>
+                <a:schemeClr val="accent1"/>
+              </a:buClr>
+              <a:buSzPct val="104999"/>
+              <a:buNone/>
+              <a:defRPr sz="3059" cap="none" spc="0">
+                <a:latin typeface="Avenir Next Medium"/>
+                <a:ea typeface="Avenir Next Medium"/>
+                <a:cs typeface="Avenir Next Medium"/>
+                <a:sym typeface="Avenir Next Medium"/>
+              </a:defRPr>
+            </a:pPr>
+            <a:r>
+              <a:rPr lang="it-IT" dirty="0"/>
+              <a:t>** Si sono una eterogeneità nel calcolare l’attributo che descrive il prezzo di apertura che nella maggioranza dei casi è diverso dalle altre fonti, togliendo quell’attributo la precisione sarebbe del 69% </a:t>
+            </a:r>
+          </a:p>
+          <a:p>
+            <a:pPr marL="400050" indent="-400050" defTabSz="525779">
+              <a:lnSpc>
+                <a:spcPct val="100000"/>
+              </a:lnSpc>
+              <a:spcBef>
+                <a:spcPts val="2500"/>
+              </a:spcBef>
+              <a:buClr>
+                <a:schemeClr val="accent1"/>
+              </a:buClr>
+              <a:buSzPct val="104999"/>
+              <a:buFont typeface="Avenir Next"/>
+              <a:buChar char="▸"/>
+              <a:defRPr sz="3059" cap="none" spc="0">
+                <a:latin typeface="Avenir Next Medium"/>
+                <a:ea typeface="Avenir Next Medium"/>
+                <a:cs typeface="Avenir Next Medium"/>
+                <a:sym typeface="Avenir Next Medium"/>
+              </a:defRPr>
+            </a:pPr>
+            <a:endParaRPr dirty="0"/>
+          </a:p>
+        </p:txBody>
+      </p:sp>
+    </p:spTree>
+    <p:extLst>
+      <p:ext uri="{BB962C8B-B14F-4D97-AF65-F5344CB8AC3E}">
+        <p14:creationId xmlns:p14="http://schemas.microsoft.com/office/powerpoint/2010/main" val="2643437604"/>
+      </p:ext>
+    </p:extLst>
+  </p:cSld>
+  <p:clrMapOvr>
+    <a:masterClrMapping/>
+  </p:clrMapOvr>
+  <p:transition spd="med"/>
+</p:sld>
+</file>
+
+<file path=ppt/slides/slide15.xml><?xml version="1.0" encoding="utf-8"?>
+<p:sld xmlns:a="http://schemas.openxmlformats.org/drawingml/2006/main" xmlns:r="http://schemas.openxmlformats.org/officeDocument/2006/relationships" xmlns:p="http://schemas.openxmlformats.org/presentationml/2006/main">
+  <p:cSld>
+    <p:spTree>
+      <p:nvGrpSpPr>
+        <p:cNvPr id="1" name=""/>
+        <p:cNvGrpSpPr/>
+        <p:nvPr/>
+      </p:nvGrpSpPr>
+      <p:grpSpPr>
+        <a:xfrm>
+          <a:off x="0" y="0"/>
+          <a:ext cx="0" cy="0"/>
+          <a:chOff x="0" y="0"/>
+          <a:chExt cx="0" cy="0"/>
+        </a:xfrm>
+      </p:grpSpPr>
+      <p:sp>
+        <p:nvSpPr>
+          <p:cNvPr id="211" name="DATASET"/>
+          <p:cNvSpPr txBox="1">
+            <a:spLocks noGrp="1"/>
+          </p:cNvSpPr>
+          <p:nvPr>
+            <p:ph type="title"/>
+          </p:nvPr>
+        </p:nvSpPr>
+        <p:spPr>
+          <a:xfrm>
+            <a:off x="406400" y="311150"/>
+            <a:ext cx="12192000" cy="723900"/>
+          </a:xfrm>
+          <a:prstGeom prst="rect">
+            <a:avLst/>
+          </a:prstGeom>
+        </p:spPr>
+        <p:txBody>
+          <a:bodyPr/>
+          <a:lstStyle>
+            <a:lvl1pPr defTabSz="467359">
+              <a:spcBef>
+                <a:spcPts val="2200"/>
+              </a:spcBef>
+              <a:defRPr sz="4800"/>
+            </a:lvl1pPr>
+          </a:lstStyle>
+          <a:p>
+            <a:r>
+              <a:rPr dirty="0"/>
+              <a:t>PRECISIONE </a:t>
+            </a:r>
+            <a:r>
+              <a:rPr lang="it-IT" dirty="0"/>
+              <a:t>(FONTI)</a:t>
+            </a:r>
+            <a:endParaRPr dirty="0"/>
+          </a:p>
+        </p:txBody>
+      </p:sp>
+      <p:sp>
+        <p:nvSpPr>
+          <p:cNvPr id="212" name="MaxTemp: temperatura massima registrata…"/>
+          <p:cNvSpPr txBox="1">
+            <a:spLocks noGrp="1"/>
+          </p:cNvSpPr>
+          <p:nvPr>
+            <p:ph type="body" idx="1"/>
+          </p:nvPr>
+        </p:nvSpPr>
+        <p:spPr>
+          <a:xfrm>
+            <a:off x="406400" y="1389211"/>
+            <a:ext cx="12192000" cy="7462689"/>
+          </a:xfrm>
+          <a:prstGeom prst="rect">
+            <a:avLst/>
+          </a:prstGeom>
+        </p:spPr>
+        <p:txBody>
+          <a:bodyPr anchor="t"/>
+          <a:lstStyle/>
+          <a:p>
+            <a:pPr marL="400050" indent="-400050" defTabSz="525779">
+              <a:lnSpc>
+                <a:spcPct val="100000"/>
+              </a:lnSpc>
+              <a:spcBef>
+                <a:spcPts val="2500"/>
+              </a:spcBef>
+              <a:buClr>
+                <a:schemeClr val="accent1"/>
+              </a:buClr>
+              <a:buSzPct val="104999"/>
+              <a:buFont typeface="Avenir Next"/>
+              <a:buChar char="▸"/>
+              <a:defRPr sz="3059" cap="none" spc="0">
+                <a:latin typeface="Avenir Next Medium"/>
+                <a:ea typeface="Avenir Next Medium"/>
+                <a:cs typeface="Avenir Next Medium"/>
+                <a:sym typeface="Avenir Next Medium"/>
+              </a:defRPr>
+            </a:pPr>
+            <a:r>
+              <a:rPr lang="it-IT" dirty="0"/>
+              <a:t>Sono state calcolate le precisioni rispetto ai quattro attributi fondamentali (</a:t>
+            </a:r>
+            <a:r>
+              <a:rPr lang="it-IT" dirty="0" err="1"/>
+              <a:t>OpenPrice</a:t>
+            </a:r>
+            <a:r>
+              <a:rPr lang="it-IT" dirty="0"/>
+              <a:t>, </a:t>
+            </a:r>
+            <a:r>
+              <a:rPr lang="it-IT" dirty="0" err="1"/>
+              <a:t>ClosePrice</a:t>
+            </a:r>
+            <a:r>
+              <a:rPr lang="it-IT" dirty="0"/>
+              <a:t>, </a:t>
+            </a:r>
+            <a:r>
+              <a:rPr lang="it-IT" dirty="0" err="1"/>
+              <a:t>HighPrice</a:t>
+            </a:r>
+            <a:r>
+              <a:rPr lang="it-IT" dirty="0"/>
+              <a:t> e </a:t>
+            </a:r>
+            <a:r>
+              <a:rPr lang="it-IT" dirty="0" err="1"/>
+              <a:t>LowPrice</a:t>
+            </a:r>
+            <a:r>
+              <a:rPr lang="it-IT" dirty="0"/>
+              <a:t>) in quanto le fonti non condividono lo stesso set di attributi.</a:t>
+            </a:r>
+          </a:p>
+          <a:p>
+            <a:pPr marL="400050" indent="-400050" defTabSz="525779">
+              <a:lnSpc>
+                <a:spcPct val="100000"/>
+              </a:lnSpc>
+              <a:spcBef>
+                <a:spcPts val="2500"/>
+              </a:spcBef>
+              <a:buClr>
+                <a:schemeClr val="accent1"/>
+              </a:buClr>
+              <a:buSzPct val="104999"/>
+              <a:buFont typeface="Avenir Next"/>
+              <a:buChar char="▸"/>
+              <a:defRPr sz="3059" cap="none" spc="0">
+                <a:latin typeface="Avenir Next Medium"/>
+                <a:ea typeface="Avenir Next Medium"/>
+                <a:cs typeface="Avenir Next Medium"/>
+                <a:sym typeface="Avenir Next Medium"/>
+              </a:defRPr>
+            </a:pPr>
+            <a:endParaRPr lang="it-IT" dirty="0"/>
+          </a:p>
+          <a:p>
+            <a:pPr marL="400050" indent="-400050" defTabSz="525779">
+              <a:lnSpc>
+                <a:spcPct val="100000"/>
+              </a:lnSpc>
+              <a:spcBef>
+                <a:spcPts val="2500"/>
+              </a:spcBef>
+              <a:buClr>
+                <a:schemeClr val="accent1"/>
+              </a:buClr>
+              <a:buSzPct val="104999"/>
+              <a:buFont typeface="Avenir Next"/>
+              <a:buChar char="▸"/>
+              <a:defRPr sz="3059" cap="none" spc="0">
+                <a:latin typeface="Avenir Next Medium"/>
+                <a:ea typeface="Avenir Next Medium"/>
+                <a:cs typeface="Avenir Next Medium"/>
+                <a:sym typeface="Avenir Next Medium"/>
+              </a:defRPr>
+            </a:pPr>
+            <a:r>
+              <a:rPr lang="it-IT" dirty="0"/>
+              <a:t>In generale si può notare come (oltre a </a:t>
+            </a:r>
+            <a:r>
+              <a:rPr lang="it-IT" dirty="0" err="1"/>
+              <a:t>nasdaq</a:t>
+            </a:r>
+            <a:r>
+              <a:rPr lang="it-IT" dirty="0"/>
+              <a:t> che è stato preso come </a:t>
+            </a:r>
+            <a:r>
+              <a:rPr lang="it-IT" dirty="0" err="1"/>
+              <a:t>groundtruth</a:t>
+            </a:r>
+            <a:r>
+              <a:rPr lang="it-IT" dirty="0"/>
+              <a:t>) la fonte con precisione più alta sia Bloomberg ed al contrario la fonte con precisione più bassa sia Yahoo che però riscontra un problema di eterogeneità su un attributo.</a:t>
+            </a:r>
+          </a:p>
+          <a:p>
+            <a:pPr marL="400050" indent="-400050" defTabSz="525779">
+              <a:lnSpc>
+                <a:spcPct val="100000"/>
+              </a:lnSpc>
+              <a:spcBef>
+                <a:spcPts val="2500"/>
+              </a:spcBef>
+              <a:buClr>
+                <a:schemeClr val="accent1"/>
+              </a:buClr>
+              <a:buSzPct val="104999"/>
+              <a:buFont typeface="Avenir Next"/>
+              <a:buChar char="▸"/>
+              <a:defRPr sz="3059" cap="none" spc="0">
+                <a:latin typeface="Avenir Next Medium"/>
+                <a:ea typeface="Avenir Next Medium"/>
+                <a:cs typeface="Avenir Next Medium"/>
+                <a:sym typeface="Avenir Next Medium"/>
+              </a:defRPr>
+            </a:pPr>
+            <a:endParaRPr dirty="0"/>
+          </a:p>
+        </p:txBody>
+      </p:sp>
+    </p:spTree>
+    <p:extLst>
+      <p:ext uri="{BB962C8B-B14F-4D97-AF65-F5344CB8AC3E}">
+        <p14:creationId xmlns:p14="http://schemas.microsoft.com/office/powerpoint/2010/main" val="1262375564"/>
+      </p:ext>
+    </p:extLst>
+  </p:cSld>
+  <p:clrMapOvr>
+    <a:masterClrMapping/>
+  </p:clrMapOvr>
+  <p:transition spd="med"/>
+</p:sld>
+</file>
+
+<file path=ppt/slides/slide16.xml><?xml version="1.0" encoding="utf-8"?>
+<p:sld xmlns:a="http://schemas.openxmlformats.org/drawingml/2006/main" xmlns:r="http://schemas.openxmlformats.org/officeDocument/2006/relationships" xmlns:p="http://schemas.openxmlformats.org/presentationml/2006/main">
   <p:cSld>
     <p:spTree>
       <p:nvGrpSpPr>
@@ -5284,7 +7222,9 @@
       <p:sp>
         <p:nvSpPr>
           <p:cNvPr id="214" name="DATASET"/>
-          <p:cNvSpPr txBox="1"/>
+          <p:cNvSpPr txBox="1">
+            <a:spLocks noGrp="1"/>
+          </p:cNvSpPr>
           <p:nvPr>
             <p:ph type="title"/>
           </p:nvPr>
@@ -5309,17 +7249,24 @@
             </a:lvl1pPr>
           </a:lstStyle>
           <a:p>
-            <a:pPr/>
-            <a:r>
-              <a:t>RISULTATI E CONCLUSIONI </a:t>
-            </a:r>
+            <a:r>
+              <a:rPr dirty="0"/>
+              <a:t>CONCLUSIONI </a:t>
+            </a:r>
+            <a:r>
+              <a:rPr lang="it-IT" dirty="0"/>
+              <a:t>E SVILUPPI FUTURI</a:t>
+            </a:r>
+            <a:endParaRPr dirty="0"/>
           </a:p>
         </p:txBody>
       </p:sp>
       <p:sp>
         <p:nvSpPr>
           <p:cNvPr id="215" name="MaxTemp: temperatura massima registrata…"/>
-          <p:cNvSpPr txBox="1"/>
+          <p:cNvSpPr txBox="1">
+            <a:spLocks noGrp="1"/>
+          </p:cNvSpPr>
           <p:nvPr>
             <p:ph type="body" idx="1"/>
           </p:nvPr>
@@ -5350,13 +7297,115 @@
               <a:buSzPct val="104999"/>
               <a:buFont typeface="Avenir Next"/>
               <a:buChar char="▸"/>
-              <a:defRPr cap="none" spc="0" sz="3400">
+              <a:defRPr sz="3400" cap="none" spc="0">
                 <a:latin typeface="Avenir Next Medium"/>
                 <a:ea typeface="Avenir Next Medium"/>
                 <a:cs typeface="Avenir Next Medium"/>
                 <a:sym typeface="Avenir Next Medium"/>
               </a:defRPr>
             </a:pPr>
+            <a:r>
+              <a:rPr lang="it-IT" dirty="0"/>
+              <a:t>Conclusioni:</a:t>
+            </a:r>
+          </a:p>
+          <a:p>
+            <a:pPr marL="1215464" lvl="1" indent="-457200" defTabSz="584200">
+              <a:lnSpc>
+                <a:spcPct val="100000"/>
+              </a:lnSpc>
+              <a:spcBef>
+                <a:spcPts val="2800"/>
+              </a:spcBef>
+              <a:buClr>
+                <a:schemeClr val="accent1"/>
+              </a:buClr>
+              <a:buFont typeface="Arial" panose="020B0604020202020204" pitchFamily="34" charset="0"/>
+              <a:buChar char="•"/>
+              <a:defRPr sz="3400" cap="none" spc="0">
+                <a:latin typeface="Avenir Next Medium"/>
+                <a:ea typeface="Avenir Next Medium"/>
+                <a:cs typeface="Avenir Next Medium"/>
+                <a:sym typeface="Avenir Next Medium"/>
+              </a:defRPr>
+            </a:pPr>
+            <a:r>
+              <a:rPr lang="it-IT" dirty="0"/>
+              <a:t>…</a:t>
+            </a:r>
+          </a:p>
+          <a:p>
+            <a:pPr marL="444500" indent="-444500" defTabSz="584200">
+              <a:lnSpc>
+                <a:spcPct val="100000"/>
+              </a:lnSpc>
+              <a:spcBef>
+                <a:spcPts val="2800"/>
+              </a:spcBef>
+              <a:buClr>
+                <a:schemeClr val="accent1"/>
+              </a:buClr>
+              <a:buSzPct val="104999"/>
+              <a:buFont typeface="Avenir Next"/>
+              <a:buChar char="▸"/>
+              <a:defRPr sz="3400" cap="none" spc="0">
+                <a:latin typeface="Avenir Next Medium"/>
+                <a:ea typeface="Avenir Next Medium"/>
+                <a:cs typeface="Avenir Next Medium"/>
+                <a:sym typeface="Avenir Next Medium"/>
+              </a:defRPr>
+            </a:pPr>
+            <a:r>
+              <a:rPr lang="it-IT" dirty="0"/>
+              <a:t>Sviluppi futuri:</a:t>
+            </a:r>
+          </a:p>
+          <a:p>
+            <a:pPr marL="1215464" lvl="1" indent="-457200" defTabSz="584200">
+              <a:lnSpc>
+                <a:spcPct val="100000"/>
+              </a:lnSpc>
+              <a:spcBef>
+                <a:spcPts val="2800"/>
+              </a:spcBef>
+              <a:buClr>
+                <a:schemeClr val="accent1"/>
+              </a:buClr>
+              <a:buFont typeface="Arial" panose="020B0604020202020204" pitchFamily="34" charset="0"/>
+              <a:buChar char="•"/>
+              <a:defRPr sz="3400" cap="none" spc="0">
+                <a:latin typeface="Avenir Next Medium"/>
+                <a:ea typeface="Avenir Next Medium"/>
+                <a:cs typeface="Avenir Next Medium"/>
+                <a:sym typeface="Avenir Next Medium"/>
+              </a:defRPr>
+            </a:pPr>
+            <a:r>
+              <a:rPr lang="it-IT" dirty="0"/>
+              <a:t>Migliorare la fase iniziale di normalizzazione dei dati al fine di includere dati uguali ma rappresentati in formati differenti</a:t>
+            </a:r>
+          </a:p>
+          <a:p>
+            <a:pPr marL="1215464" lvl="1" indent="-457200" defTabSz="584200">
+              <a:lnSpc>
+                <a:spcPct val="100000"/>
+              </a:lnSpc>
+              <a:spcBef>
+                <a:spcPts val="2800"/>
+              </a:spcBef>
+              <a:buClr>
+                <a:schemeClr val="accent1"/>
+              </a:buClr>
+              <a:buFont typeface="Arial" panose="020B0604020202020204" pitchFamily="34" charset="0"/>
+              <a:buChar char="•"/>
+              <a:defRPr sz="3400" cap="none" spc="0">
+                <a:latin typeface="Avenir Next Medium"/>
+                <a:ea typeface="Avenir Next Medium"/>
+                <a:cs typeface="Avenir Next Medium"/>
+                <a:sym typeface="Avenir Next Medium"/>
+              </a:defRPr>
+            </a:pPr>
+            <a:endParaRPr lang="it-IT" dirty="0"/>
           </a:p>
         </p:txBody>
       </p:sp>
@@ -5365,12 +7414,12 @@
   <p:clrMapOvr>
     <a:masterClrMapping/>
   </p:clrMapOvr>
-  <p:transition xmlns:p14="http://schemas.microsoft.com/office/powerpoint/2010/main" spd="med" advClick="1"/>
+  <p:transition spd="med"/>
 </p:sld>
 </file>
 
 <file path=ppt/slides/slide2.xml><?xml version="1.0" encoding="utf-8"?>
-<p:sld xmlns:a="http://schemas.openxmlformats.org/drawingml/2006/main" xmlns:r="http://schemas.openxmlformats.org/officeDocument/2006/relationships" xmlns:p="http://schemas.openxmlformats.org/presentationml/2006/main" xmlns:m="http://schemas.openxmlformats.org/officeDocument/2006/math" xmlns:a14="http://schemas.microsoft.com/office/drawing/2010/main" showMasterSp="1" showMasterPhAnim="1">
+<p:sld xmlns:a="http://schemas.openxmlformats.org/drawingml/2006/main" xmlns:r="http://schemas.openxmlformats.org/officeDocument/2006/relationships" xmlns:p="http://schemas.openxmlformats.org/presentationml/2006/main">
   <p:cSld>
     <p:spTree>
       <p:nvGrpSpPr>
@@ -5389,7 +7438,9 @@
       <p:sp>
         <p:nvSpPr>
           <p:cNvPr id="190" name="DOMINIO, OBIETTIVI"/>
-          <p:cNvSpPr txBox="1"/>
+          <p:cNvSpPr txBox="1">
+            <a:spLocks noGrp="1"/>
+          </p:cNvSpPr>
           <p:nvPr>
             <p:ph type="title"/>
           </p:nvPr>
@@ -5414,17 +7465,20 @@
             </a:lvl1pPr>
           </a:lstStyle>
           <a:p>
-            <a:pPr/>
-            <a:r>
-              <a:t>DOMINIO, OBIETTIVI</a:t>
-            </a:r>
+            <a:r>
+              <a:rPr lang="it-IT" dirty="0"/>
+              <a:t>PREMESSA 1/2</a:t>
+            </a:r>
+            <a:endParaRPr dirty="0"/>
           </a:p>
         </p:txBody>
       </p:sp>
       <p:sp>
         <p:nvSpPr>
           <p:cNvPr id="191" name="Dominio:                                                                                          Il dataset preso in esame rappresenta le osservazioni atmosferiche di diverse stazioni meteo in Australia dal 01/11/2007 al 25/06/2017.…"/>
-          <p:cNvSpPr txBox="1"/>
+          <p:cNvSpPr txBox="1">
+            <a:spLocks noGrp="1"/>
+          </p:cNvSpPr>
           <p:nvPr>
             <p:ph type="body" idx="1"/>
           </p:nvPr>
@@ -5439,7 +7493,9 @@
           </a:prstGeom>
         </p:spPr>
         <p:txBody>
-          <a:bodyPr anchor="t"/>
+          <a:bodyPr anchor="t">
+            <a:normAutofit/>
+          </a:bodyPr>
           <a:lstStyle/>
           <a:p>
             <a:pPr marL="444500" indent="-444500" defTabSz="584200">
@@ -5455,7 +7511,7 @@
               <a:buSzPct val="104999"/>
               <a:buFont typeface="Avenir Next"/>
               <a:buChar char="▸"/>
-              <a:defRPr cap="none" spc="0" sz="3400">
+              <a:defRPr sz="3400" cap="none" spc="0">
                 <a:latin typeface="Avenir Next Medium"/>
                 <a:ea typeface="Avenir Next Medium"/>
                 <a:cs typeface="Avenir Next Medium"/>
@@ -5463,7 +7519,8 @@
               </a:defRPr>
             </a:pPr>
             <a:r>
-              <a:t>Dominio:                                                                                          Il dataset preso in esame rappresenta gli andamenti dei 100 titoli facenti parte dell’indice NASDAQ durante la sessione di mercato del 01/07/2011.</a:t>
+              <a:rPr lang="it-IT" dirty="0"/>
+              <a:t>Il web è in continuo cambiamento, c’è una quantità di dati enorme sempre più in crescita di dati che riguardano gli aspetti più distinti. L’ambito preso in considerazione nel progetto è l’ambito finanziario, lavoreremo perciò con 1000 titoli provenienti da fonti diverse.</a:t>
             </a:r>
           </a:p>
           <a:p>
@@ -5480,13 +7537,17 @@
               <a:buSzPct val="104999"/>
               <a:buFont typeface="Avenir Next"/>
               <a:buChar char="▸"/>
-              <a:defRPr cap="none" spc="0" sz="3400">
+              <a:defRPr sz="3400" cap="none" spc="0">
                 <a:latin typeface="Avenir Next Medium"/>
                 <a:ea typeface="Avenir Next Medium"/>
                 <a:cs typeface="Avenir Next Medium"/>
                 <a:sym typeface="Avenir Next Medium"/>
               </a:defRPr>
             </a:pPr>
+            <a:r>
+              <a:rPr lang="it-IT" dirty="0"/>
+              <a:t>Il primo aspetto da tenere in considerazione è la possibile presenza di valori nulli all’interno delle fonti dati, andremo perciò ad effettuare una analisi riguardo la completezza dei dati.</a:t>
+            </a:r>
           </a:p>
           <a:p>
             <a:pPr marL="444500" indent="-444500" defTabSz="584200">
@@ -5502,7 +7563,7 @@
               <a:buSzPct val="104999"/>
               <a:buFont typeface="Avenir Next"/>
               <a:buChar char="▸"/>
-              <a:defRPr cap="none" spc="0" sz="3400">
+              <a:defRPr sz="3400" cap="none" spc="0">
                 <a:latin typeface="Avenir Next Medium"/>
                 <a:ea typeface="Avenir Next Medium"/>
                 <a:cs typeface="Avenir Next Medium"/>
@@ -5510,7 +7571,8 @@
               </a:defRPr>
             </a:pPr>
             <a:r>
-              <a:t>Obiettivo:                                                                             Valutare la qualità dei dati finanziari proveniente da diverse fonti.</a:t>
+              <a:rPr lang="it-IT" dirty="0"/>
+              <a:t>Un secondo aspetto da considerare è la presenza di ripetizioni dei dati, questo è un aspetto naturale della presenza di varie fonti che rappresentano gli stessi titoli, per analizzare questo aspetto andremo a studiare la ridondanza dei dati.</a:t>
             </a:r>
           </a:p>
         </p:txBody>
@@ -5520,12 +7582,418 @@
   <p:clrMapOvr>
     <a:masterClrMapping/>
   </p:clrMapOvr>
-  <p:transition xmlns:p14="http://schemas.microsoft.com/office/powerpoint/2010/main" spd="med" advClick="1"/>
+  <p:transition spd="med"/>
 </p:sld>
 </file>
 
 <file path=ppt/slides/slide3.xml><?xml version="1.0" encoding="utf-8"?>
-<p:sld xmlns:a="http://schemas.openxmlformats.org/drawingml/2006/main" xmlns:r="http://schemas.openxmlformats.org/officeDocument/2006/relationships" xmlns:p="http://schemas.openxmlformats.org/presentationml/2006/main" xmlns:m="http://schemas.openxmlformats.org/officeDocument/2006/math" xmlns:a14="http://schemas.microsoft.com/office/drawing/2010/main" showMasterSp="1" showMasterPhAnim="1">
+<p:sld xmlns:a="http://schemas.openxmlformats.org/drawingml/2006/main" xmlns:r="http://schemas.openxmlformats.org/officeDocument/2006/relationships" xmlns:p="http://schemas.openxmlformats.org/presentationml/2006/main">
+  <p:cSld>
+    <p:spTree>
+      <p:nvGrpSpPr>
+        <p:cNvPr id="1" name=""/>
+        <p:cNvGrpSpPr/>
+        <p:nvPr/>
+      </p:nvGrpSpPr>
+      <p:grpSpPr>
+        <a:xfrm>
+          <a:off x="0" y="0"/>
+          <a:ext cx="0" cy="0"/>
+          <a:chOff x="0" y="0"/>
+          <a:chExt cx="0" cy="0"/>
+        </a:xfrm>
+      </p:grpSpPr>
+      <p:sp>
+        <p:nvSpPr>
+          <p:cNvPr id="190" name="DOMINIO, OBIETTIVI"/>
+          <p:cNvSpPr txBox="1">
+            <a:spLocks noGrp="1"/>
+          </p:cNvSpPr>
+          <p:nvPr>
+            <p:ph type="title"/>
+          </p:nvPr>
+        </p:nvSpPr>
+        <p:spPr>
+          <a:xfrm>
+            <a:off x="406400" y="311150"/>
+            <a:ext cx="12192000" cy="723900"/>
+          </a:xfrm>
+          <a:prstGeom prst="rect">
+            <a:avLst/>
+          </a:prstGeom>
+        </p:spPr>
+        <p:txBody>
+          <a:bodyPr/>
+          <a:lstStyle>
+            <a:lvl1pPr defTabSz="467359">
+              <a:spcBef>
+                <a:spcPts val="2200"/>
+              </a:spcBef>
+              <a:defRPr sz="4800"/>
+            </a:lvl1pPr>
+          </a:lstStyle>
+          <a:p>
+            <a:r>
+              <a:rPr lang="it-IT" dirty="0"/>
+              <a:t>PREMESSA 2/2</a:t>
+            </a:r>
+            <a:endParaRPr dirty="0"/>
+          </a:p>
+        </p:txBody>
+      </p:sp>
+      <p:sp>
+        <p:nvSpPr>
+          <p:cNvPr id="191" name="Dominio:                                                                                          Il dataset preso in esame rappresenta le osservazioni atmosferiche di diverse stazioni meteo in Australia dal 01/11/2007 al 25/06/2017.…"/>
+          <p:cNvSpPr txBox="1">
+            <a:spLocks noGrp="1"/>
+          </p:cNvSpPr>
+          <p:nvPr>
+            <p:ph type="body" idx="1"/>
+          </p:nvPr>
+        </p:nvSpPr>
+        <p:spPr>
+          <a:xfrm>
+            <a:off x="406400" y="1389211"/>
+            <a:ext cx="12192000" cy="7462689"/>
+          </a:xfrm>
+          <a:prstGeom prst="rect">
+            <a:avLst/>
+          </a:prstGeom>
+        </p:spPr>
+        <p:txBody>
+          <a:bodyPr anchor="t">
+            <a:normAutofit/>
+          </a:bodyPr>
+          <a:lstStyle/>
+          <a:p>
+            <a:pPr marL="444500" indent="-444500" defTabSz="584200">
+              <a:lnSpc>
+                <a:spcPct val="100000"/>
+              </a:lnSpc>
+              <a:spcBef>
+                <a:spcPts val="2800"/>
+              </a:spcBef>
+              <a:buClr>
+                <a:schemeClr val="accent1"/>
+              </a:buClr>
+              <a:buSzPct val="104999"/>
+              <a:buFont typeface="Avenir Next"/>
+              <a:buChar char="▸"/>
+              <a:defRPr sz="3400" cap="none" spc="0">
+                <a:latin typeface="Avenir Next Medium"/>
+                <a:ea typeface="Avenir Next Medium"/>
+                <a:cs typeface="Avenir Next Medium"/>
+                <a:sym typeface="Avenir Next Medium"/>
+              </a:defRPr>
+            </a:pPr>
+            <a:r>
+              <a:rPr lang="it-IT" dirty="0"/>
+              <a:t>Un terzo aspetto considerato è la consistenza dei dati, questo significa controllare che i dati rispettino dei vincoli di dominio e dei vincoli su come essi devono essere calcolati, verranno presentate diverse analisi per tale scopo.</a:t>
+            </a:r>
+          </a:p>
+          <a:p>
+            <a:pPr marL="444500" indent="-444500" defTabSz="584200">
+              <a:lnSpc>
+                <a:spcPct val="100000"/>
+              </a:lnSpc>
+              <a:spcBef>
+                <a:spcPts val="2800"/>
+              </a:spcBef>
+              <a:buClr>
+                <a:schemeClr val="accent1"/>
+              </a:buClr>
+              <a:buSzPct val="104999"/>
+              <a:buFont typeface="Avenir Next"/>
+              <a:buChar char="▸"/>
+              <a:defRPr sz="3400" cap="none" spc="0">
+                <a:latin typeface="Avenir Next Medium"/>
+                <a:ea typeface="Avenir Next Medium"/>
+                <a:cs typeface="Avenir Next Medium"/>
+                <a:sym typeface="Avenir Next Medium"/>
+              </a:defRPr>
+            </a:pPr>
+            <a:r>
+              <a:rPr lang="it-IT" dirty="0"/>
+              <a:t>Un ultimo aspetto  riguarda la precisione dei dati rispetto ad una </a:t>
+            </a:r>
+            <a:r>
+              <a:rPr lang="it-IT" dirty="0" err="1"/>
+              <a:t>groundtruth</a:t>
+            </a:r>
+            <a:r>
+              <a:rPr lang="it-IT" dirty="0"/>
+              <a:t>. In particolare sono state effettuate prima analisi sulla precisione dei singoli attributi e in secondo luogo sulle diverse fonti.</a:t>
+            </a:r>
+          </a:p>
+        </p:txBody>
+      </p:sp>
+    </p:spTree>
+    <p:extLst>
+      <p:ext uri="{BB962C8B-B14F-4D97-AF65-F5344CB8AC3E}">
+        <p14:creationId xmlns:p14="http://schemas.microsoft.com/office/powerpoint/2010/main" val="1284069733"/>
+      </p:ext>
+    </p:extLst>
+  </p:cSld>
+  <p:clrMapOvr>
+    <a:masterClrMapping/>
+  </p:clrMapOvr>
+  <p:transition spd="med"/>
+</p:sld>
+</file>
+
+<file path=ppt/slides/slide4.xml><?xml version="1.0" encoding="utf-8"?>
+<p:sld xmlns:a="http://schemas.openxmlformats.org/drawingml/2006/main" xmlns:r="http://schemas.openxmlformats.org/officeDocument/2006/relationships" xmlns:p="http://schemas.openxmlformats.org/presentationml/2006/main">
+  <p:cSld>
+    <p:spTree>
+      <p:nvGrpSpPr>
+        <p:cNvPr id="1" name=""/>
+        <p:cNvGrpSpPr/>
+        <p:nvPr/>
+      </p:nvGrpSpPr>
+      <p:grpSpPr>
+        <a:xfrm>
+          <a:off x="0" y="0"/>
+          <a:ext cx="0" cy="0"/>
+          <a:chOff x="0" y="0"/>
+          <a:chExt cx="0" cy="0"/>
+        </a:xfrm>
+      </p:grpSpPr>
+      <p:sp>
+        <p:nvSpPr>
+          <p:cNvPr id="190" name="DOMINIO, OBIETTIVI"/>
+          <p:cNvSpPr txBox="1">
+            <a:spLocks noGrp="1"/>
+          </p:cNvSpPr>
+          <p:nvPr>
+            <p:ph type="title"/>
+          </p:nvPr>
+        </p:nvSpPr>
+        <p:spPr>
+          <a:xfrm>
+            <a:off x="406400" y="311150"/>
+            <a:ext cx="12192000" cy="723900"/>
+          </a:xfrm>
+          <a:prstGeom prst="rect">
+            <a:avLst/>
+          </a:prstGeom>
+        </p:spPr>
+        <p:txBody>
+          <a:bodyPr/>
+          <a:lstStyle>
+            <a:lvl1pPr defTabSz="467359">
+              <a:spcBef>
+                <a:spcPts val="2200"/>
+              </a:spcBef>
+              <a:defRPr sz="4800"/>
+            </a:lvl1pPr>
+          </a:lstStyle>
+          <a:p>
+            <a:r>
+              <a:t>DOMINIO, OBIETTIVI</a:t>
+            </a:r>
+          </a:p>
+        </p:txBody>
+      </p:sp>
+      <p:sp>
+        <p:nvSpPr>
+          <p:cNvPr id="191" name="Dominio:                                                                                          Il dataset preso in esame rappresenta le osservazioni atmosferiche di diverse stazioni meteo in Australia dal 01/11/2007 al 25/06/2017.…"/>
+          <p:cNvSpPr txBox="1">
+            <a:spLocks noGrp="1"/>
+          </p:cNvSpPr>
+          <p:nvPr>
+            <p:ph type="body" idx="1"/>
+          </p:nvPr>
+        </p:nvSpPr>
+        <p:spPr>
+          <a:xfrm>
+            <a:off x="406400" y="1389211"/>
+            <a:ext cx="12192000" cy="7462689"/>
+          </a:xfrm>
+          <a:prstGeom prst="rect">
+            <a:avLst/>
+          </a:prstGeom>
+        </p:spPr>
+        <p:txBody>
+          <a:bodyPr anchor="t">
+            <a:normAutofit/>
+          </a:bodyPr>
+          <a:lstStyle/>
+          <a:p>
+            <a:pPr marL="0" indent="0" defTabSz="584200">
+              <a:lnSpc>
+                <a:spcPct val="100000"/>
+              </a:lnSpc>
+              <a:spcBef>
+                <a:spcPts val="2800"/>
+              </a:spcBef>
+              <a:buClr>
+                <a:schemeClr val="accent1"/>
+              </a:buClr>
+              <a:buSzPct val="104999"/>
+              <a:buNone/>
+              <a:defRPr sz="3400" cap="none" spc="0">
+                <a:latin typeface="Avenir Next Medium"/>
+                <a:ea typeface="Avenir Next Medium"/>
+                <a:cs typeface="Avenir Next Medium"/>
+                <a:sym typeface="Avenir Next Medium"/>
+              </a:defRPr>
+            </a:pPr>
+            <a:endParaRPr lang="it-IT" dirty="0"/>
+          </a:p>
+          <a:p>
+            <a:pPr marL="444500" indent="-444500" defTabSz="584200">
+              <a:lnSpc>
+                <a:spcPct val="100000"/>
+              </a:lnSpc>
+              <a:spcBef>
+                <a:spcPts val="2800"/>
+              </a:spcBef>
+              <a:buClr>
+                <a:schemeClr val="accent1"/>
+              </a:buClr>
+              <a:buSzPct val="104999"/>
+              <a:buFont typeface="Avenir Next"/>
+              <a:buChar char="▸"/>
+              <a:defRPr sz="3400" cap="none" spc="0">
+                <a:latin typeface="Avenir Next Medium"/>
+                <a:ea typeface="Avenir Next Medium"/>
+                <a:cs typeface="Avenir Next Medium"/>
+                <a:sym typeface="Avenir Next Medium"/>
+              </a:defRPr>
+            </a:pPr>
+            <a:r>
+              <a:rPr lang="it-IT" dirty="0"/>
+              <a:t>Dominio: Il dataset preso in esame rappresenta una semplificazione di quello di partenza al fine di poter analizzare più nel dettaglio le tematiche descritte in precedenza. In particolare questo rappresenta gli andamenti dei 100 titoli facenti parte dell’indice NASDAQ presi dalle cinque fonti ritenute più autorevoli durante la sessione di mercato del 01/07/2011.</a:t>
+            </a:r>
+            <a:endParaRPr dirty="0"/>
+          </a:p>
+          <a:p>
+            <a:pPr marL="444500" indent="-444500" defTabSz="584200">
+              <a:lnSpc>
+                <a:spcPct val="100000"/>
+              </a:lnSpc>
+              <a:spcBef>
+                <a:spcPts val="2800"/>
+              </a:spcBef>
+              <a:buClr>
+                <a:schemeClr val="accent1"/>
+              </a:buClr>
+              <a:buSzPct val="104999"/>
+              <a:buFont typeface="Avenir Next"/>
+              <a:buChar char="▸"/>
+              <a:defRPr sz="3400" cap="none" spc="0">
+                <a:latin typeface="Avenir Next Medium"/>
+                <a:ea typeface="Avenir Next Medium"/>
+                <a:cs typeface="Avenir Next Medium"/>
+                <a:sym typeface="Avenir Next Medium"/>
+              </a:defRPr>
+            </a:pPr>
+            <a:endParaRPr dirty="0"/>
+          </a:p>
+          <a:p>
+            <a:pPr marL="444500" indent="-444500" defTabSz="584200">
+              <a:lnSpc>
+                <a:spcPct val="100000"/>
+              </a:lnSpc>
+              <a:spcBef>
+                <a:spcPts val="2800"/>
+              </a:spcBef>
+              <a:buClr>
+                <a:schemeClr val="accent1"/>
+              </a:buClr>
+              <a:buSzPct val="104999"/>
+              <a:buFont typeface="Avenir Next"/>
+              <a:buChar char="▸"/>
+              <a:defRPr sz="3400" cap="none" spc="0">
+                <a:latin typeface="Avenir Next Medium"/>
+                <a:ea typeface="Avenir Next Medium"/>
+                <a:cs typeface="Avenir Next Medium"/>
+                <a:sym typeface="Avenir Next Medium"/>
+              </a:defRPr>
+            </a:pPr>
+            <a:r>
+              <a:rPr dirty="0" err="1"/>
+              <a:t>Obiettivo</a:t>
+            </a:r>
+            <a:r>
+              <a:rPr dirty="0"/>
+              <a:t>: </a:t>
+            </a:r>
+            <a:r>
+              <a:rPr dirty="0" err="1"/>
+              <a:t>Valutare</a:t>
+            </a:r>
+            <a:r>
+              <a:rPr dirty="0"/>
+              <a:t> l</a:t>
+            </a:r>
+            <a:r>
+              <a:rPr lang="it-IT" dirty="0"/>
+              <a:t>e metriche di completezza, ridondanza, consistenza e precisione </a:t>
+            </a:r>
+            <a:r>
+              <a:rPr dirty="0" err="1"/>
+              <a:t>dei</a:t>
+            </a:r>
+            <a:r>
+              <a:rPr dirty="0"/>
+              <a:t> </a:t>
+            </a:r>
+            <a:r>
+              <a:rPr dirty="0" err="1"/>
+              <a:t>dati</a:t>
+            </a:r>
+            <a:r>
+              <a:rPr dirty="0"/>
+              <a:t> </a:t>
+            </a:r>
+            <a:r>
+              <a:rPr dirty="0" err="1"/>
+              <a:t>finanziari</a:t>
+            </a:r>
+            <a:r>
+              <a:rPr dirty="0"/>
+              <a:t> </a:t>
+            </a:r>
+            <a:r>
+              <a:rPr dirty="0" err="1"/>
+              <a:t>provenient</a:t>
+            </a:r>
+            <a:r>
+              <a:rPr lang="it-IT" dirty="0"/>
+              <a:t>i</a:t>
+            </a:r>
+            <a:r>
+              <a:rPr dirty="0"/>
+              <a:t> da diverse </a:t>
+            </a:r>
+            <a:r>
+              <a:rPr dirty="0" err="1"/>
+              <a:t>fonti</a:t>
+            </a:r>
+            <a:r>
+              <a:rPr dirty="0"/>
+              <a:t>.</a:t>
+            </a:r>
+          </a:p>
+        </p:txBody>
+      </p:sp>
+    </p:spTree>
+    <p:extLst>
+      <p:ext uri="{BB962C8B-B14F-4D97-AF65-F5344CB8AC3E}">
+        <p14:creationId xmlns:p14="http://schemas.microsoft.com/office/powerpoint/2010/main" val="1837239002"/>
+      </p:ext>
+    </p:extLst>
+  </p:cSld>
+  <p:clrMapOvr>
+    <a:masterClrMapping/>
+  </p:clrMapOvr>
+  <p:transition spd="med"/>
+</p:sld>
+</file>
+
+<file path=ppt/slides/slide5.xml><?xml version="1.0" encoding="utf-8"?>
+<p:sld xmlns:a="http://schemas.openxmlformats.org/drawingml/2006/main" xmlns:r="http://schemas.openxmlformats.org/officeDocument/2006/relationships" xmlns:p="http://schemas.openxmlformats.org/presentationml/2006/main">
   <p:cSld>
     <p:spTree>
       <p:nvGrpSpPr>
@@ -5544,7 +8012,9 @@
       <p:sp>
         <p:nvSpPr>
           <p:cNvPr id="193" name="DATASET"/>
-          <p:cNvSpPr txBox="1"/>
+          <p:cNvSpPr txBox="1">
+            <a:spLocks noGrp="1"/>
+          </p:cNvSpPr>
           <p:nvPr>
             <p:ph type="title"/>
           </p:nvPr>
@@ -5569,7 +8039,6 @@
             </a:lvl1pPr>
           </a:lstStyle>
           <a:p>
-            <a:pPr/>
             <a:r>
               <a:t>DATASET</a:t>
             </a:r>
@@ -5579,7 +8048,9 @@
       <p:sp>
         <p:nvSpPr>
           <p:cNvPr id="194" name="MaxTemp: temperatura massima registrata…"/>
-          <p:cNvSpPr txBox="1"/>
+          <p:cNvSpPr txBox="1">
+            <a:spLocks noGrp="1"/>
+          </p:cNvSpPr>
           <p:nvPr>
             <p:ph type="body" idx="1"/>
           </p:nvPr>
@@ -5610,7 +8081,7 @@
               <a:buSzPct val="104999"/>
               <a:buFont typeface="Avenir Next"/>
               <a:buChar char="▸"/>
-              <a:defRPr cap="none" spc="0" sz="1940">
+              <a:defRPr sz="1940" cap="none" spc="0">
                 <a:latin typeface="Avenir Next Medium"/>
                 <a:ea typeface="Avenir Next Medium"/>
                 <a:cs typeface="Avenir Next Medium"/>
@@ -5635,7 +8106,7 @@
               <a:buSzPct val="104999"/>
               <a:buFont typeface="Avenir Next"/>
               <a:buChar char="▸"/>
-              <a:defRPr cap="none" spc="0" sz="1940">
+              <a:defRPr sz="1940" cap="none" spc="0">
                 <a:latin typeface="Avenir Next Medium"/>
                 <a:ea typeface="Avenir Next Medium"/>
                 <a:cs typeface="Avenir Next Medium"/>
@@ -5643,10 +8114,7 @@
               </a:defRPr>
             </a:pPr>
             <a:r>
-              <a:t>Symbol</a:t>
-            </a:r>
-            <a:r>
-              <a:t>: ticker dell’azienda </a:t>
+              <a:t>Symbol: ticker dell’azienda </a:t>
             </a:r>
           </a:p>
           <a:p>
@@ -5663,7 +8131,7 @@
               <a:buSzPct val="104999"/>
               <a:buFont typeface="Avenir Next"/>
               <a:buChar char="▸"/>
-              <a:defRPr cap="none" spc="0" sz="1940">
+              <a:defRPr sz="1940" cap="none" spc="0">
                 <a:latin typeface="Avenir Next Medium"/>
                 <a:ea typeface="Avenir Next Medium"/>
                 <a:cs typeface="Avenir Next Medium"/>
@@ -5688,7 +8156,7 @@
               <a:buSzPct val="104999"/>
               <a:buFont typeface="Avenir Next"/>
               <a:buChar char="▸"/>
-              <a:defRPr cap="none" spc="0" sz="1940">
+              <a:defRPr sz="1940" cap="none" spc="0">
                 <a:latin typeface="Avenir Next Medium"/>
                 <a:ea typeface="Avenir Next Medium"/>
                 <a:cs typeface="Avenir Next Medium"/>
@@ -5713,7 +8181,7 @@
               <a:buSzPct val="104999"/>
               <a:buFont typeface="Avenir Next"/>
               <a:buChar char="▸"/>
-              <a:defRPr cap="none" spc="0" sz="1940">
+              <a:defRPr sz="1940" cap="none" spc="0">
                 <a:latin typeface="Avenir Next Medium"/>
                 <a:ea typeface="Avenir Next Medium"/>
                 <a:cs typeface="Avenir Next Medium"/>
@@ -5738,7 +8206,7 @@
               <a:buSzPct val="104999"/>
               <a:buFont typeface="Avenir Next"/>
               <a:buChar char="▸"/>
-              <a:defRPr cap="none" spc="0" sz="1940">
+              <a:defRPr sz="1940" cap="none" spc="0">
                 <a:latin typeface="Avenir Next Medium"/>
                 <a:ea typeface="Avenir Next Medium"/>
                 <a:cs typeface="Avenir Next Medium"/>
@@ -5763,7 +8231,7 @@
               <a:buSzPct val="104999"/>
               <a:buFont typeface="Avenir Next"/>
               <a:buChar char="▸"/>
-              <a:defRPr cap="none" spc="0" sz="1940">
+              <a:defRPr sz="1940" cap="none" spc="0">
                 <a:latin typeface="Avenir Next Medium"/>
                 <a:ea typeface="Avenir Next Medium"/>
                 <a:cs typeface="Avenir Next Medium"/>
@@ -5788,7 +8256,7 @@
               <a:buSzPct val="104999"/>
               <a:buFont typeface="Avenir Next"/>
               <a:buChar char="▸"/>
-              <a:defRPr cap="none" spc="0" sz="1940">
+              <a:defRPr sz="1940" cap="none" spc="0">
                 <a:latin typeface="Avenir Next Medium"/>
                 <a:ea typeface="Avenir Next Medium"/>
                 <a:cs typeface="Avenir Next Medium"/>
@@ -5813,7 +8281,7 @@
               <a:buSzPct val="104999"/>
               <a:buFont typeface="Avenir Next"/>
               <a:buChar char="▸"/>
-              <a:defRPr cap="none" spc="0" sz="1940">
+              <a:defRPr sz="1940" cap="none" spc="0">
                 <a:latin typeface="Avenir Next Medium"/>
                 <a:ea typeface="Avenir Next Medium"/>
                 <a:cs typeface="Avenir Next Medium"/>
@@ -5838,7 +8306,7 @@
               <a:buSzPct val="104999"/>
               <a:buFont typeface="Avenir Next"/>
               <a:buChar char="▸"/>
-              <a:defRPr cap="none" spc="0" sz="1940">
+              <a:defRPr sz="1940" cap="none" spc="0">
                 <a:latin typeface="Avenir Next Medium"/>
                 <a:ea typeface="Avenir Next Medium"/>
                 <a:cs typeface="Avenir Next Medium"/>
@@ -5863,7 +8331,7 @@
               <a:buSzPct val="104999"/>
               <a:buFont typeface="Avenir Next"/>
               <a:buChar char="▸"/>
-              <a:defRPr cap="none" spc="0" sz="1940">
+              <a:defRPr sz="1940" cap="none" spc="0">
                 <a:latin typeface="Avenir Next Medium"/>
                 <a:ea typeface="Avenir Next Medium"/>
                 <a:cs typeface="Avenir Next Medium"/>
@@ -5888,7 +8356,7 @@
               <a:buSzPct val="104999"/>
               <a:buFont typeface="Avenir Next"/>
               <a:buChar char="▸"/>
-              <a:defRPr cap="none" spc="0" sz="1940">
+              <a:defRPr sz="1940" cap="none" spc="0">
                 <a:latin typeface="Avenir Next Medium"/>
                 <a:ea typeface="Avenir Next Medium"/>
                 <a:cs typeface="Avenir Next Medium"/>
@@ -5913,7 +8381,7 @@
               <a:buSzPct val="104999"/>
               <a:buFont typeface="Avenir Next"/>
               <a:buChar char="▸"/>
-              <a:defRPr cap="none" spc="0" sz="1940">
+              <a:defRPr sz="1940" cap="none" spc="0">
                 <a:latin typeface="Avenir Next Medium"/>
                 <a:ea typeface="Avenir Next Medium"/>
                 <a:cs typeface="Avenir Next Medium"/>
@@ -5938,7 +8406,7 @@
               <a:buSzPct val="104999"/>
               <a:buFont typeface="Avenir Next"/>
               <a:buChar char="▸"/>
-              <a:defRPr cap="none" spc="0" sz="1940">
+              <a:defRPr sz="1940" cap="none" spc="0">
                 <a:latin typeface="Avenir Next Medium"/>
                 <a:ea typeface="Avenir Next Medium"/>
                 <a:cs typeface="Avenir Next Medium"/>
@@ -5963,7 +8431,7 @@
               <a:buSzPct val="104999"/>
               <a:buFont typeface="Avenir Next"/>
               <a:buChar char="▸"/>
-              <a:defRPr cap="none" spc="0" sz="1940">
+              <a:defRPr sz="1940" cap="none" spc="0">
                 <a:latin typeface="Avenir Next Medium"/>
                 <a:ea typeface="Avenir Next Medium"/>
                 <a:cs typeface="Avenir Next Medium"/>
@@ -5988,7 +8456,7 @@
               <a:buSzPct val="104999"/>
               <a:buFont typeface="Avenir Next"/>
               <a:buChar char="▸"/>
-              <a:defRPr cap="none" spc="0" sz="1940">
+              <a:defRPr sz="1940" cap="none" spc="0">
                 <a:latin typeface="Avenir Next Medium"/>
                 <a:ea typeface="Avenir Next Medium"/>
                 <a:cs typeface="Avenir Next Medium"/>
@@ -6013,7 +8481,7 @@
               <a:buSzPct val="104999"/>
               <a:buFont typeface="Avenir Next"/>
               <a:buChar char="▸"/>
-              <a:defRPr cap="none" spc="0" sz="1940">
+              <a:defRPr sz="1940" cap="none" spc="0">
                 <a:latin typeface="Avenir Next Medium"/>
                 <a:ea typeface="Avenir Next Medium"/>
                 <a:cs typeface="Avenir Next Medium"/>
@@ -6038,7 +8506,7 @@
               <a:buSzPct val="104999"/>
               <a:buFont typeface="Avenir Next"/>
               <a:buChar char="▸"/>
-              <a:defRPr cap="none" spc="0" sz="1940">
+              <a:defRPr sz="1940" cap="none" spc="0">
                 <a:latin typeface="Avenir Next Medium"/>
                 <a:ea typeface="Avenir Next Medium"/>
                 <a:cs typeface="Avenir Next Medium"/>
@@ -6056,12 +8524,12 @@
   <p:clrMapOvr>
     <a:masterClrMapping/>
   </p:clrMapOvr>
-  <p:transition xmlns:p14="http://schemas.microsoft.com/office/powerpoint/2010/main" spd="med" advClick="1"/>
+  <p:transition spd="med"/>
 </p:sld>
 </file>
 
-<file path=ppt/slides/slide4.xml><?xml version="1.0" encoding="utf-8"?>
-<p:sld xmlns:a="http://schemas.openxmlformats.org/drawingml/2006/main" xmlns:r="http://schemas.openxmlformats.org/officeDocument/2006/relationships" xmlns:p="http://schemas.openxmlformats.org/presentationml/2006/main" xmlns:m="http://schemas.openxmlformats.org/officeDocument/2006/math" xmlns:a14="http://schemas.microsoft.com/office/drawing/2010/main" showMasterSp="1" showMasterPhAnim="1">
+<file path=ppt/slides/slide6.xml><?xml version="1.0" encoding="utf-8"?>
+<p:sld xmlns:a="http://schemas.openxmlformats.org/drawingml/2006/main" xmlns:r="http://schemas.openxmlformats.org/officeDocument/2006/relationships" xmlns:p="http://schemas.openxmlformats.org/presentationml/2006/main">
   <p:cSld>
     <p:spTree>
       <p:nvGrpSpPr>
@@ -6080,7 +8548,9 @@
       <p:sp>
         <p:nvSpPr>
           <p:cNvPr id="196" name="DOMINIO, OBIETTIVI"/>
-          <p:cNvSpPr txBox="1"/>
+          <p:cNvSpPr txBox="1">
+            <a:spLocks noGrp="1"/>
+          </p:cNvSpPr>
           <p:nvPr>
             <p:ph type="title"/>
           </p:nvPr>
@@ -6105,7 +8575,6 @@
             </a:lvl1pPr>
           </a:lstStyle>
           <a:p>
-            <a:pPr/>
             <a:r>
               <a:t>METRICHE DATA QUALITY</a:t>
             </a:r>
@@ -6115,7 +8584,9 @@
       <p:sp>
         <p:nvSpPr>
           <p:cNvPr id="197" name="Dominio:                                                                                          Il dataset preso in esame rappresenta le osservazioni atmosferiche di diverse stazioni meteo in Australia dal 01/11/2007 al 25/06/2017.…"/>
-          <p:cNvSpPr txBox="1"/>
+          <p:cNvSpPr txBox="1">
+            <a:spLocks noGrp="1"/>
+          </p:cNvSpPr>
           <p:nvPr>
             <p:ph type="body" idx="1"/>
           </p:nvPr>
@@ -6146,7 +8617,7 @@
               <a:buSzPct val="104999"/>
               <a:buFont typeface="Avenir Next"/>
               <a:buChar char="▸"/>
-              <a:defRPr cap="none" spc="0" sz="3400">
+              <a:defRPr sz="3400" cap="none" spc="0">
                 <a:latin typeface="Avenir Next Medium"/>
                 <a:ea typeface="Avenir Next Medium"/>
                 <a:cs typeface="Avenir Next Medium"/>
@@ -6154,8 +8625,10 @@
               </a:defRPr>
             </a:pPr>
             <a:r>
+              <a:rPr dirty="0" err="1"/>
               <a:t>Completezza</a:t>
             </a:r>
+            <a:endParaRPr dirty="0"/>
           </a:p>
           <a:p>
             <a:pPr marL="444500" indent="-444500" defTabSz="584200">
@@ -6171,7 +8644,7 @@
               <a:buSzPct val="104999"/>
               <a:buFont typeface="Avenir Next"/>
               <a:buChar char="▸"/>
-              <a:defRPr cap="none" spc="0" sz="3400">
+              <a:defRPr sz="3400" cap="none" spc="0">
                 <a:latin typeface="Avenir Next Medium"/>
                 <a:ea typeface="Avenir Next Medium"/>
                 <a:cs typeface="Avenir Next Medium"/>
@@ -6179,8 +8652,10 @@
               </a:defRPr>
             </a:pPr>
             <a:r>
+              <a:rPr dirty="0" err="1"/>
               <a:t>Ridondanza</a:t>
             </a:r>
+            <a:endParaRPr dirty="0"/>
           </a:p>
           <a:p>
             <a:pPr marL="444500" indent="-444500" defTabSz="584200">
@@ -6196,7 +8671,7 @@
               <a:buSzPct val="104999"/>
               <a:buFont typeface="Avenir Next"/>
               <a:buChar char="▸"/>
-              <a:defRPr cap="none" spc="0" sz="3400">
+              <a:defRPr sz="3400" cap="none" spc="0">
                 <a:latin typeface="Avenir Next Medium"/>
                 <a:ea typeface="Avenir Next Medium"/>
                 <a:cs typeface="Avenir Next Medium"/>
@@ -6204,8 +8679,10 @@
               </a:defRPr>
             </a:pPr>
             <a:r>
+              <a:rPr dirty="0" err="1"/>
               <a:t>Consistenza</a:t>
             </a:r>
+            <a:endParaRPr dirty="0"/>
           </a:p>
           <a:p>
             <a:pPr marL="444500" indent="-444500" defTabSz="584200">
@@ -6221,7 +8698,7 @@
               <a:buSzPct val="104999"/>
               <a:buFont typeface="Avenir Next"/>
               <a:buChar char="▸"/>
-              <a:defRPr cap="none" spc="0" sz="3400">
+              <a:defRPr sz="3400" cap="none" spc="0">
                 <a:latin typeface="Avenir Next Medium"/>
                 <a:ea typeface="Avenir Next Medium"/>
                 <a:cs typeface="Avenir Next Medium"/>
@@ -6229,8 +8706,10 @@
               </a:defRPr>
             </a:pPr>
             <a:r>
+              <a:rPr dirty="0" err="1"/>
               <a:t>Precisione</a:t>
             </a:r>
+            <a:endParaRPr dirty="0"/>
           </a:p>
         </p:txBody>
       </p:sp>
@@ -6239,12 +8718,12 @@
   <p:clrMapOvr>
     <a:masterClrMapping/>
   </p:clrMapOvr>
-  <p:transition xmlns:p14="http://schemas.microsoft.com/office/powerpoint/2010/main" spd="med" advClick="1"/>
+  <p:transition spd="med"/>
 </p:sld>
 </file>
 
-<file path=ppt/slides/slide5.xml><?xml version="1.0" encoding="utf-8"?>
-<p:sld xmlns:a="http://schemas.openxmlformats.org/drawingml/2006/main" xmlns:r="http://schemas.openxmlformats.org/officeDocument/2006/relationships" xmlns:p="http://schemas.openxmlformats.org/presentationml/2006/main" xmlns:m="http://schemas.openxmlformats.org/officeDocument/2006/math" xmlns:a14="http://schemas.microsoft.com/office/drawing/2010/main" showMasterSp="1" showMasterPhAnim="1">
+<file path=ppt/slides/slide7.xml><?xml version="1.0" encoding="utf-8"?>
+<p:sld xmlns:a="http://schemas.openxmlformats.org/drawingml/2006/main" xmlns:r="http://schemas.openxmlformats.org/officeDocument/2006/relationships" xmlns:p="http://schemas.openxmlformats.org/presentationml/2006/main">
   <p:cSld>
     <p:spTree>
       <p:nvGrpSpPr>
@@ -6263,7 +8742,9 @@
       <p:sp>
         <p:nvSpPr>
           <p:cNvPr id="199" name="DATASET"/>
-          <p:cNvSpPr txBox="1"/>
+          <p:cNvSpPr txBox="1">
+            <a:spLocks noGrp="1"/>
+          </p:cNvSpPr>
           <p:nvPr>
             <p:ph type="title"/>
           </p:nvPr>
@@ -6288,7 +8769,6 @@
             </a:lvl1pPr>
           </a:lstStyle>
           <a:p>
-            <a:pPr/>
             <a:r>
               <a:t>COMPLETEZZA</a:t>
             </a:r>
@@ -6298,7 +8778,9 @@
       <p:sp>
         <p:nvSpPr>
           <p:cNvPr id="200" name="MaxTemp: temperatura massima registrata…"/>
-          <p:cNvSpPr txBox="1"/>
+          <p:cNvSpPr txBox="1">
+            <a:spLocks noGrp="1"/>
+          </p:cNvSpPr>
           <p:nvPr>
             <p:ph type="body" idx="1"/>
           </p:nvPr>
@@ -6329,7 +8811,7 @@
               <a:buSzPct val="104999"/>
               <a:buFont typeface="Avenir Next"/>
               <a:buChar char="▸"/>
-              <a:defRPr cap="none" spc="0" sz="3400">
+              <a:defRPr sz="3400" cap="none" spc="0">
                 <a:latin typeface="Avenir Next Medium"/>
                 <a:ea typeface="Avenir Next Medium"/>
                 <a:cs typeface="Avenir Next Medium"/>
@@ -6337,7 +8819,260 @@
               </a:defRPr>
             </a:pPr>
             <a:r>
-              <a:t>Completezza di attributi:                                                        40% di NULL nella colonna PreviousClose.                         20% di NULL nella colonna NShares.                                   58% di NULL nella colonna Yield.                                         57% di NULL nella colonna DividendYield.                        0.4% di NULL nella colonna EPS.  </a:t>
+              <a:rPr dirty="0" err="1"/>
+              <a:t>Completezza</a:t>
+            </a:r>
+            <a:r>
+              <a:rPr dirty="0"/>
+              <a:t> di </a:t>
+            </a:r>
+            <a:r>
+              <a:rPr dirty="0" err="1"/>
+              <a:t>attributi</a:t>
+            </a:r>
+            <a:r>
+              <a:rPr dirty="0"/>
+              <a:t>:                                                       </a:t>
+            </a:r>
+            <a:endParaRPr lang="it-IT" dirty="0"/>
+          </a:p>
+          <a:p>
+            <a:pPr defTabSz="584200">
+              <a:lnSpc>
+                <a:spcPct val="100000"/>
+              </a:lnSpc>
+              <a:spcBef>
+                <a:spcPts val="2800"/>
+              </a:spcBef>
+              <a:buClr>
+                <a:schemeClr val="accent1"/>
+              </a:buClr>
+              <a:buSzPct val="104999"/>
+              <a:defRPr sz="3400" cap="none" spc="0">
+                <a:latin typeface="Avenir Next Medium"/>
+                <a:ea typeface="Avenir Next Medium"/>
+                <a:cs typeface="Avenir Next Medium"/>
+                <a:sym typeface="Avenir Next Medium"/>
+              </a:defRPr>
+            </a:pPr>
+            <a:r>
+              <a:rPr lang="it-IT" dirty="0"/>
+              <a:t>	</a:t>
+            </a:r>
+            <a:r>
+              <a:rPr dirty="0"/>
+              <a:t>40% di NULL </a:t>
+            </a:r>
+            <a:r>
+              <a:rPr dirty="0" err="1"/>
+              <a:t>nella</a:t>
+            </a:r>
+            <a:r>
+              <a:rPr dirty="0"/>
+              <a:t> </a:t>
+            </a:r>
+            <a:r>
+              <a:rPr dirty="0" err="1"/>
+              <a:t>colonna</a:t>
+            </a:r>
+            <a:r>
+              <a:rPr dirty="0"/>
+              <a:t> </a:t>
+            </a:r>
+            <a:r>
+              <a:rPr dirty="0" err="1"/>
+              <a:t>PreviousClose</a:t>
+            </a:r>
+            <a:r>
+              <a:rPr lang="it-IT" dirty="0"/>
+              <a:t>.</a:t>
+            </a:r>
+          </a:p>
+          <a:p>
+            <a:pPr defTabSz="584200">
+              <a:lnSpc>
+                <a:spcPct val="100000"/>
+              </a:lnSpc>
+              <a:spcBef>
+                <a:spcPts val="2800"/>
+              </a:spcBef>
+              <a:buClr>
+                <a:schemeClr val="accent1"/>
+              </a:buClr>
+              <a:buSzPct val="104999"/>
+              <a:defRPr sz="3400" cap="none" spc="0">
+                <a:latin typeface="Avenir Next Medium"/>
+                <a:ea typeface="Avenir Next Medium"/>
+                <a:cs typeface="Avenir Next Medium"/>
+                <a:sym typeface="Avenir Next Medium"/>
+              </a:defRPr>
+            </a:pPr>
+            <a:r>
+              <a:rPr lang="it-IT" dirty="0"/>
+              <a:t>	</a:t>
+            </a:r>
+            <a:r>
+              <a:rPr dirty="0"/>
+              <a:t>20% di NULL </a:t>
+            </a:r>
+            <a:r>
+              <a:rPr dirty="0" err="1"/>
+              <a:t>nella</a:t>
+            </a:r>
+            <a:r>
+              <a:rPr dirty="0"/>
+              <a:t> </a:t>
+            </a:r>
+            <a:r>
+              <a:rPr dirty="0" err="1"/>
+              <a:t>colonna</a:t>
+            </a:r>
+            <a:r>
+              <a:rPr dirty="0"/>
+              <a:t> </a:t>
+            </a:r>
+            <a:r>
+              <a:rPr dirty="0" err="1"/>
+              <a:t>NShares</a:t>
+            </a:r>
+            <a:r>
+              <a:rPr dirty="0"/>
+              <a:t>.</a:t>
+            </a:r>
+            <a:endParaRPr lang="it-IT" dirty="0"/>
+          </a:p>
+          <a:p>
+            <a:pPr defTabSz="584200">
+              <a:lnSpc>
+                <a:spcPct val="100000"/>
+              </a:lnSpc>
+              <a:spcBef>
+                <a:spcPts val="2800"/>
+              </a:spcBef>
+              <a:buClr>
+                <a:schemeClr val="accent1"/>
+              </a:buClr>
+              <a:buSzPct val="104999"/>
+              <a:defRPr sz="3400" cap="none" spc="0">
+                <a:latin typeface="Avenir Next Medium"/>
+                <a:ea typeface="Avenir Next Medium"/>
+                <a:cs typeface="Avenir Next Medium"/>
+                <a:sym typeface="Avenir Next Medium"/>
+              </a:defRPr>
+            </a:pPr>
+            <a:r>
+              <a:rPr dirty="0"/>
+              <a:t>      58% di NULL </a:t>
+            </a:r>
+            <a:r>
+              <a:rPr dirty="0" err="1"/>
+              <a:t>nella</a:t>
+            </a:r>
+            <a:r>
+              <a:rPr dirty="0"/>
+              <a:t> </a:t>
+            </a:r>
+            <a:r>
+              <a:rPr dirty="0" err="1"/>
+              <a:t>colonna</a:t>
+            </a:r>
+            <a:r>
+              <a:rPr dirty="0"/>
+              <a:t> Yield. </a:t>
+            </a:r>
+            <a:endParaRPr lang="it-IT" dirty="0"/>
+          </a:p>
+          <a:p>
+            <a:pPr defTabSz="584200">
+              <a:lnSpc>
+                <a:spcPct val="100000"/>
+              </a:lnSpc>
+              <a:spcBef>
+                <a:spcPts val="2800"/>
+              </a:spcBef>
+              <a:buClr>
+                <a:schemeClr val="accent1"/>
+              </a:buClr>
+              <a:buSzPct val="104999"/>
+              <a:defRPr sz="3400" cap="none" spc="0">
+                <a:latin typeface="Avenir Next Medium"/>
+                <a:ea typeface="Avenir Next Medium"/>
+                <a:cs typeface="Avenir Next Medium"/>
+                <a:sym typeface="Avenir Next Medium"/>
+              </a:defRPr>
+            </a:pPr>
+            <a:r>
+              <a:rPr dirty="0"/>
+              <a:t>      57% di NULL </a:t>
+            </a:r>
+            <a:r>
+              <a:rPr dirty="0" err="1"/>
+              <a:t>nella</a:t>
+            </a:r>
+            <a:r>
+              <a:rPr dirty="0"/>
+              <a:t> </a:t>
+            </a:r>
+            <a:r>
+              <a:rPr dirty="0" err="1"/>
+              <a:t>colonna</a:t>
+            </a:r>
+            <a:r>
+              <a:rPr dirty="0"/>
+              <a:t> </a:t>
+            </a:r>
+            <a:r>
+              <a:rPr dirty="0" err="1"/>
+              <a:t>DividendYield</a:t>
+            </a:r>
+            <a:r>
+              <a:rPr dirty="0"/>
+              <a:t>. </a:t>
+            </a:r>
+            <a:endParaRPr lang="it-IT" dirty="0"/>
+          </a:p>
+          <a:p>
+            <a:pPr defTabSz="584200">
+              <a:lnSpc>
+                <a:spcPct val="100000"/>
+              </a:lnSpc>
+              <a:spcBef>
+                <a:spcPts val="2800"/>
+              </a:spcBef>
+              <a:buClr>
+                <a:schemeClr val="accent1"/>
+              </a:buClr>
+              <a:buSzPct val="104999"/>
+              <a:defRPr sz="3400" cap="none" spc="0">
+                <a:latin typeface="Avenir Next Medium"/>
+                <a:ea typeface="Avenir Next Medium"/>
+                <a:cs typeface="Avenir Next Medium"/>
+                <a:sym typeface="Avenir Next Medium"/>
+              </a:defRPr>
+            </a:pPr>
+            <a:r>
+              <a:rPr lang="it-IT" dirty="0"/>
+              <a:t> </a:t>
+            </a:r>
+            <a:r>
+              <a:rPr dirty="0"/>
+              <a:t>     0.4% di NULL </a:t>
+            </a:r>
+            <a:r>
+              <a:rPr dirty="0" err="1"/>
+              <a:t>nella</a:t>
+            </a:r>
+            <a:r>
+              <a:rPr dirty="0"/>
+              <a:t> </a:t>
+            </a:r>
+            <a:r>
+              <a:rPr dirty="0" err="1"/>
+              <a:t>colonna</a:t>
+            </a:r>
+            <a:r>
+              <a:rPr dirty="0"/>
+              <a:t> EPS.  </a:t>
             </a:r>
           </a:p>
           <a:p>
@@ -6354,16 +9089,33 @@
               <a:buSzPct val="104999"/>
               <a:buFont typeface="Avenir Next"/>
               <a:buChar char="▸"/>
-              <a:defRPr cap="none" spc="0" sz="3400">
+              <a:defRPr sz="3400" cap="none" spc="0">
                 <a:latin typeface="Avenir Next Medium"/>
                 <a:ea typeface="Avenir Next Medium"/>
                 <a:cs typeface="Avenir Next Medium"/>
                 <a:sym typeface="Avenir Next Medium"/>
               </a:defRPr>
             </a:pPr>
-          </a:p>
-          <a:p>
-            <a:pPr marL="444500" indent="-444500" defTabSz="584200">
+            <a:r>
+              <a:rPr dirty="0" err="1"/>
+              <a:t>Completezza</a:t>
+            </a:r>
+            <a:r>
+              <a:rPr dirty="0"/>
+              <a:t> </a:t>
+            </a:r>
+            <a:r>
+              <a:rPr dirty="0" err="1"/>
+              <a:t>totale</a:t>
+            </a:r>
+            <a:r>
+              <a:rPr dirty="0"/>
+              <a:t>:                                                                  </a:t>
+            </a:r>
+            <a:endParaRPr lang="it-IT" dirty="0"/>
+          </a:p>
+          <a:p>
+            <a:pPr defTabSz="584200">
               <a:lnSpc>
                 <a:spcPct val="100000"/>
               </a:lnSpc>
@@ -6374,9 +9126,7 @@
                 <a:schemeClr val="accent1"/>
               </a:buClr>
               <a:buSzPct val="104999"/>
-              <a:buFont typeface="Avenir Next"/>
-              <a:buChar char="▸"/>
-              <a:defRPr cap="none" spc="0" sz="3400">
+              <a:defRPr sz="3400" cap="none" spc="0">
                 <a:latin typeface="Avenir Next Medium"/>
                 <a:ea typeface="Avenir Next Medium"/>
                 <a:cs typeface="Avenir Next Medium"/>
@@ -6384,7 +9134,20 @@
               </a:defRPr>
             </a:pPr>
             <a:r>
-              <a:t>Completezza totale:                                                                  10% di NULL nell’intero dataset.         </a:t>
+              <a:rPr lang="it-IT" dirty="0"/>
+              <a:t>	</a:t>
+            </a:r>
+            <a:r>
+              <a:rPr dirty="0"/>
+              <a:t>10% di NULL </a:t>
+            </a:r>
+            <a:r>
+              <a:rPr dirty="0" err="1"/>
+              <a:t>nell’intero</a:t>
+            </a:r>
+            <a:r>
+              <a:rPr dirty="0"/>
+              <a:t> dataset.         </a:t>
             </a:r>
           </a:p>
         </p:txBody>
@@ -6394,12 +9157,182 @@
   <p:clrMapOvr>
     <a:masterClrMapping/>
   </p:clrMapOvr>
-  <p:transition xmlns:p14="http://schemas.microsoft.com/office/powerpoint/2010/main" spd="med" advClick="1"/>
+  <p:transition spd="med"/>
 </p:sld>
 </file>
 
-<file path=ppt/slides/slide6.xml><?xml version="1.0" encoding="utf-8"?>
-<p:sld xmlns:a="http://schemas.openxmlformats.org/drawingml/2006/main" xmlns:r="http://schemas.openxmlformats.org/officeDocument/2006/relationships" xmlns:p="http://schemas.openxmlformats.org/presentationml/2006/main" xmlns:m="http://schemas.openxmlformats.org/officeDocument/2006/math" xmlns:a14="http://schemas.microsoft.com/office/drawing/2010/main" showMasterSp="1" showMasterPhAnim="1">
+<file path=ppt/slides/slide8.xml><?xml version="1.0" encoding="utf-8"?>
+<p:sld xmlns:a="http://schemas.openxmlformats.org/drawingml/2006/main" xmlns:r="http://schemas.openxmlformats.org/officeDocument/2006/relationships" xmlns:p="http://schemas.openxmlformats.org/presentationml/2006/main">
+  <p:cSld>
+    <p:spTree>
+      <p:nvGrpSpPr>
+        <p:cNvPr id="1" name=""/>
+        <p:cNvGrpSpPr/>
+        <p:nvPr/>
+      </p:nvGrpSpPr>
+      <p:grpSpPr>
+        <a:xfrm>
+          <a:off x="0" y="0"/>
+          <a:ext cx="0" cy="0"/>
+          <a:chOff x="0" y="0"/>
+          <a:chExt cx="0" cy="0"/>
+        </a:xfrm>
+      </p:grpSpPr>
+      <p:sp>
+        <p:nvSpPr>
+          <p:cNvPr id="199" name="DATASET"/>
+          <p:cNvSpPr txBox="1">
+            <a:spLocks noGrp="1"/>
+          </p:cNvSpPr>
+          <p:nvPr>
+            <p:ph type="title"/>
+          </p:nvPr>
+        </p:nvSpPr>
+        <p:spPr>
+          <a:xfrm>
+            <a:off x="406400" y="311150"/>
+            <a:ext cx="12192000" cy="723900"/>
+          </a:xfrm>
+          <a:prstGeom prst="rect">
+            <a:avLst/>
+          </a:prstGeom>
+        </p:spPr>
+        <p:txBody>
+          <a:bodyPr/>
+          <a:lstStyle>
+            <a:lvl1pPr defTabSz="467359">
+              <a:spcBef>
+                <a:spcPts val="2200"/>
+              </a:spcBef>
+              <a:defRPr sz="4800"/>
+            </a:lvl1pPr>
+          </a:lstStyle>
+          <a:p>
+            <a:r>
+              <a:t>COMPLETEZZA</a:t>
+            </a:r>
+          </a:p>
+        </p:txBody>
+      </p:sp>
+      <p:sp>
+        <p:nvSpPr>
+          <p:cNvPr id="200" name="MaxTemp: temperatura massima registrata…"/>
+          <p:cNvSpPr txBox="1">
+            <a:spLocks noGrp="1"/>
+          </p:cNvSpPr>
+          <p:nvPr>
+            <p:ph type="body" idx="1"/>
+          </p:nvPr>
+        </p:nvSpPr>
+        <p:spPr>
+          <a:xfrm>
+            <a:off x="406400" y="1389211"/>
+            <a:ext cx="12192000" cy="7462689"/>
+          </a:xfrm>
+          <a:prstGeom prst="rect">
+            <a:avLst/>
+          </a:prstGeom>
+        </p:spPr>
+        <p:txBody>
+          <a:bodyPr anchor="t"/>
+          <a:lstStyle/>
+          <a:p>
+            <a:pPr marL="444500" indent="-444500" defTabSz="584200">
+              <a:lnSpc>
+                <a:spcPct val="100000"/>
+              </a:lnSpc>
+              <a:spcBef>
+                <a:spcPts val="2800"/>
+              </a:spcBef>
+              <a:buClr>
+                <a:schemeClr val="accent1"/>
+              </a:buClr>
+              <a:buSzPct val="104999"/>
+              <a:buFont typeface="Avenir Next"/>
+              <a:buChar char="▸"/>
+              <a:defRPr sz="3400" cap="none" spc="0">
+                <a:latin typeface="Avenir Next Medium"/>
+                <a:ea typeface="Avenir Next Medium"/>
+                <a:cs typeface="Avenir Next Medium"/>
+                <a:sym typeface="Avenir Next Medium"/>
+              </a:defRPr>
+            </a:pPr>
+            <a:r>
+              <a:rPr lang="it-IT" dirty="0"/>
+              <a:t>Per quanto riguarda la completezza sono stati riportati gli attributi con il numero di valore nulli più alti.</a:t>
+            </a:r>
+          </a:p>
+          <a:p>
+            <a:pPr marL="444500" indent="-444500" defTabSz="584200">
+              <a:lnSpc>
+                <a:spcPct val="100000"/>
+              </a:lnSpc>
+              <a:spcBef>
+                <a:spcPts val="2800"/>
+              </a:spcBef>
+              <a:buClr>
+                <a:schemeClr val="accent1"/>
+              </a:buClr>
+              <a:buSzPct val="104999"/>
+              <a:buFont typeface="Avenir Next"/>
+              <a:buChar char="▸"/>
+              <a:defRPr sz="3400" cap="none" spc="0">
+                <a:latin typeface="Avenir Next Medium"/>
+                <a:ea typeface="Avenir Next Medium"/>
+                <a:cs typeface="Avenir Next Medium"/>
+                <a:sym typeface="Avenir Next Medium"/>
+              </a:defRPr>
+            </a:pPr>
+            <a:r>
+              <a:rPr lang="it-IT" dirty="0"/>
+              <a:t>Come si evince dai dati anche prendendo in considerazione solo le «fonti autorevoli» per alcuni attributi si nota un valore considerevole di nulli. Il problema è però contenuto a livello globale riscontando solo il 10% di valore nulli nell’intero dataset, poiché al contrario diversi attributi hanno presenza di valori nulli molto bassa.</a:t>
+            </a:r>
+          </a:p>
+          <a:p>
+            <a:pPr marL="444500" indent="-444500" defTabSz="584200">
+              <a:lnSpc>
+                <a:spcPct val="100000"/>
+              </a:lnSpc>
+              <a:spcBef>
+                <a:spcPts val="2800"/>
+              </a:spcBef>
+              <a:buClr>
+                <a:schemeClr val="accent1"/>
+              </a:buClr>
+              <a:buSzPct val="104999"/>
+              <a:buFont typeface="Avenir Next"/>
+              <a:buChar char="▸"/>
+              <a:defRPr sz="3400" cap="none" spc="0">
+                <a:latin typeface="Avenir Next Medium"/>
+                <a:ea typeface="Avenir Next Medium"/>
+                <a:cs typeface="Avenir Next Medium"/>
+                <a:sym typeface="Avenir Next Medium"/>
+              </a:defRPr>
+            </a:pPr>
+            <a:r>
+              <a:rPr lang="it-IT" dirty="0"/>
+              <a:t>Questo fatto complica l’analisi delle altre metriche in quanto bisogna gestire la presenza di tali valori ed in alcuni casi è impossibile fornire una quantificazione prendendo in considerazioni tali valori.</a:t>
+            </a:r>
+            <a:endParaRPr dirty="0"/>
+          </a:p>
+        </p:txBody>
+      </p:sp>
+    </p:spTree>
+    <p:extLst>
+      <p:ext uri="{BB962C8B-B14F-4D97-AF65-F5344CB8AC3E}">
+        <p14:creationId xmlns:p14="http://schemas.microsoft.com/office/powerpoint/2010/main" val="3550121067"/>
+      </p:ext>
+    </p:extLst>
+  </p:cSld>
+  <p:clrMapOvr>
+    <a:masterClrMapping/>
+  </p:clrMapOvr>
+  <p:transition spd="med"/>
+</p:sld>
+</file>
+
+<file path=ppt/slides/slide9.xml><?xml version="1.0" encoding="utf-8"?>
+<p:sld xmlns:a="http://schemas.openxmlformats.org/drawingml/2006/main" xmlns:r="http://schemas.openxmlformats.org/officeDocument/2006/relationships" xmlns:p="http://schemas.openxmlformats.org/presentationml/2006/main">
   <p:cSld>
     <p:spTree>
       <p:nvGrpSpPr>
@@ -6418,7 +9351,9 @@
       <p:sp>
         <p:nvSpPr>
           <p:cNvPr id="202" name="DATASET"/>
-          <p:cNvSpPr txBox="1"/>
+          <p:cNvSpPr txBox="1">
+            <a:spLocks noGrp="1"/>
+          </p:cNvSpPr>
           <p:nvPr>
             <p:ph type="title"/>
           </p:nvPr>
@@ -6443,17 +9378,20 @@
             </a:lvl1pPr>
           </a:lstStyle>
           <a:p>
-            <a:pPr/>
-            <a:r>
+            <a:r>
+              <a:rPr dirty="0" err="1"/>
               <a:t>Ridondanza</a:t>
             </a:r>
+            <a:endParaRPr dirty="0"/>
           </a:p>
         </p:txBody>
       </p:sp>
       <p:sp>
         <p:nvSpPr>
           <p:cNvPr id="203" name="MaxTemp: temperatura massima registrata…"/>
-          <p:cNvSpPr txBox="1"/>
+          <p:cNvSpPr txBox="1">
+            <a:spLocks noGrp="1"/>
+          </p:cNvSpPr>
           <p:nvPr>
             <p:ph type="body" idx="1"/>
           </p:nvPr>
@@ -6461,14 +9399,16 @@
         <p:spPr>
           <a:xfrm>
             <a:off x="406400" y="1389211"/>
-            <a:ext cx="12192000" cy="7462689"/>
+            <a:ext cx="12192000" cy="8053239"/>
           </a:xfrm>
           <a:prstGeom prst="rect">
             <a:avLst/>
           </a:prstGeom>
         </p:spPr>
         <p:txBody>
-          <a:bodyPr anchor="t"/>
+          <a:bodyPr anchor="t">
+            <a:normAutofit/>
+          </a:bodyPr>
           <a:lstStyle/>
           <a:p>
             <a:pPr marL="444500" indent="-444500" defTabSz="584200">
@@ -6484,7 +9424,7 @@
               <a:buSzPct val="104999"/>
               <a:buFont typeface="Avenir Next"/>
               <a:buChar char="▸"/>
-              <a:defRPr cap="none" spc="0" sz="3400">
+              <a:defRPr sz="3400" cap="none" spc="0">
                 <a:latin typeface="Avenir Next Medium"/>
                 <a:ea typeface="Avenir Next Medium"/>
                 <a:cs typeface="Avenir Next Medium"/>
@@ -6492,7 +9432,8 @@
               </a:defRPr>
             </a:pPr>
             <a:r>
-              <a:t>Ridondanza confrontando gli attributi OpenPrice, ClosePrice, HighPrice, LowPrice:  56%</a:t>
+              <a:rPr lang="it-IT" dirty="0"/>
+              <a:t>Come già preventivato nel nostro caso siamo di fronte a ridondanza molto elevata. </a:t>
             </a:r>
           </a:p>
           <a:p>
@@ -6509,7 +9450,7 @@
               <a:buSzPct val="104999"/>
               <a:buFont typeface="Avenir Next"/>
               <a:buChar char="▸"/>
-              <a:defRPr cap="none" spc="0" sz="3400">
+              <a:defRPr sz="3400" cap="none" spc="0">
                 <a:latin typeface="Avenir Next Medium"/>
                 <a:ea typeface="Avenir Next Medium"/>
                 <a:cs typeface="Avenir Next Medium"/>
@@ -6517,8 +9458,14 @@
               </a:defRPr>
             </a:pPr>
             <a:r>
-              <a:t>Ridondanza confrontando gli attributi OpenPrice, ClosePrice:  61,5%</a:t>
-            </a:r>
+              <a:rPr lang="it-IT" dirty="0"/>
+              <a:t>In particolare avendo preso in considerazione solo le «fonti autorevoli» e solo i titoli presenti nell’indice NASDAQ tutte le fonti forniscono tutti i titoli, quindi a livello di oggetti abbiamo una ridondanza del 100%</a:t>
+            </a:r>
+            <a:r>
+              <a:rPr dirty="0"/>
+              <a:t> </a:t>
+            </a:r>
+            <a:endParaRPr lang="it-IT" dirty="0"/>
           </a:p>
           <a:p>
             <a:pPr marL="444500" indent="-444500" defTabSz="584200">
@@ -6534,7 +9481,7 @@
               <a:buSzPct val="104999"/>
               <a:buFont typeface="Avenir Next"/>
               <a:buChar char="▸"/>
-              <a:defRPr cap="none" spc="0" sz="3400">
+              <a:defRPr sz="3400" cap="none" spc="0">
                 <a:latin typeface="Avenir Next Medium"/>
                 <a:ea typeface="Avenir Next Medium"/>
                 <a:cs typeface="Avenir Next Medium"/>
@@ -6542,8 +9489,36 @@
               </a:defRPr>
             </a:pPr>
             <a:r>
-              <a:t>Ridondanza confrontando gli attributi HighPrice, LowPrice:  71,2% </a:t>
-            </a:r>
+              <a:rPr lang="it-IT" dirty="0"/>
+              <a:t>A livello di attributi invece la ridondanza è minore in quanto le diverse fonti forniscono set di attributi diversi.</a:t>
+            </a:r>
+          </a:p>
+          <a:p>
+            <a:pPr marL="444500" indent="-444500" defTabSz="584200">
+              <a:lnSpc>
+                <a:spcPct val="100000"/>
+              </a:lnSpc>
+              <a:spcBef>
+                <a:spcPts val="2800"/>
+              </a:spcBef>
+              <a:buClr>
+                <a:schemeClr val="accent1"/>
+              </a:buClr>
+              <a:buSzPct val="104999"/>
+              <a:buFont typeface="Avenir Next"/>
+              <a:buChar char="▸"/>
+              <a:defRPr sz="3400" cap="none" spc="0">
+                <a:latin typeface="Avenir Next Medium"/>
+                <a:ea typeface="Avenir Next Medium"/>
+                <a:cs typeface="Avenir Next Medium"/>
+                <a:sym typeface="Avenir Next Medium"/>
+              </a:defRPr>
+            </a:pPr>
+            <a:r>
+              <a:rPr lang="it-IT" dirty="0"/>
+              <a:t>In generale però nel nostro contesto siamo in presenza di una ridondanza generale molto alta, data però dal dominio di tale analisi.</a:t>
+            </a:r>
+            <a:endParaRPr dirty="0"/>
           </a:p>
         </p:txBody>
       </p:sp>
@@ -6552,725 +9527,12 @@
   <p:clrMapOvr>
     <a:masterClrMapping/>
   </p:clrMapOvr>
-  <p:transition xmlns:p14="http://schemas.microsoft.com/office/powerpoint/2010/main" spd="med" advClick="1"/>
-</p:sld>
-</file>
-
-<file path=ppt/slides/slide7.xml><?xml version="1.0" encoding="utf-8"?>
-<p:sld xmlns:a="http://schemas.openxmlformats.org/drawingml/2006/main" xmlns:r="http://schemas.openxmlformats.org/officeDocument/2006/relationships" xmlns:p="http://schemas.openxmlformats.org/presentationml/2006/main" xmlns:m="http://schemas.openxmlformats.org/officeDocument/2006/math" xmlns:a14="http://schemas.microsoft.com/office/drawing/2010/main" showMasterSp="1" showMasterPhAnim="1">
-  <p:cSld>
-    <p:spTree>
-      <p:nvGrpSpPr>
-        <p:cNvPr id="1" name=""/>
-        <p:cNvGrpSpPr/>
-        <p:nvPr/>
-      </p:nvGrpSpPr>
-      <p:grpSpPr>
-        <a:xfrm>
-          <a:off x="0" y="0"/>
-          <a:ext cx="0" cy="0"/>
-          <a:chOff x="0" y="0"/>
-          <a:chExt cx="0" cy="0"/>
-        </a:xfrm>
-      </p:grpSpPr>
-      <p:sp>
-        <p:nvSpPr>
-          <p:cNvPr id="205" name="DATASET"/>
-          <p:cNvSpPr txBox="1"/>
-          <p:nvPr>
-            <p:ph type="title"/>
-          </p:nvPr>
-        </p:nvSpPr>
-        <p:spPr>
-          <a:xfrm>
-            <a:off x="406400" y="311150"/>
-            <a:ext cx="12192000" cy="723900"/>
-          </a:xfrm>
-          <a:prstGeom prst="rect">
-            <a:avLst/>
-          </a:prstGeom>
-        </p:spPr>
-        <p:txBody>
-          <a:bodyPr/>
-          <a:lstStyle>
-            <a:lvl1pPr defTabSz="467359">
-              <a:spcBef>
-                <a:spcPts val="2200"/>
-              </a:spcBef>
-              <a:defRPr sz="4800"/>
-            </a:lvl1pPr>
-          </a:lstStyle>
-          <a:p>
-            <a:pPr/>
-            <a:r>
-              <a:t>CONSISTENZA</a:t>
-            </a:r>
-          </a:p>
-        </p:txBody>
-      </p:sp>
-      <p:sp>
-        <p:nvSpPr>
-          <p:cNvPr id="206" name="MaxTemp: temperatura massima registrata…"/>
-          <p:cNvSpPr txBox="1"/>
-          <p:nvPr>
-            <p:ph type="body" idx="1"/>
-          </p:nvPr>
-        </p:nvSpPr>
-        <p:spPr>
-          <a:xfrm>
-            <a:off x="406400" y="1389211"/>
-            <a:ext cx="12192000" cy="7462689"/>
-          </a:xfrm>
-          <a:prstGeom prst="rect">
-            <a:avLst/>
-          </a:prstGeom>
-        </p:spPr>
-        <p:txBody>
-          <a:bodyPr anchor="t"/>
-          <a:lstStyle>
-            <a:lvl1pPr marL="444500" indent="-444500" defTabSz="584200">
-              <a:lnSpc>
-                <a:spcPct val="100000"/>
-              </a:lnSpc>
-              <a:spcBef>
-                <a:spcPts val="2800"/>
-              </a:spcBef>
-              <a:buClr>
-                <a:schemeClr val="accent1"/>
-              </a:buClr>
-              <a:buSzPct val="104999"/>
-              <a:buFont typeface="Avenir Next"/>
-              <a:buChar char="▸"/>
-              <a:defRPr cap="none" spc="0" sz="3400">
-                <a:latin typeface="Avenir Next Medium"/>
-                <a:ea typeface="Avenir Next Medium"/>
-                <a:cs typeface="Avenir Next Medium"/>
-                <a:sym typeface="Avenir Next Medium"/>
-              </a:defRPr>
-            </a:lvl1pPr>
-          </a:lstStyle>
-          <a:p>
-            <a:pPr/>
-            <a:r>
-              <a:t>Consistenza:                                                                </a:t>
-            </a:r>
-          </a:p>
-        </p:txBody>
-      </p:sp>
-    </p:spTree>
-  </p:cSld>
-  <p:clrMapOvr>
-    <a:masterClrMapping/>
-  </p:clrMapOvr>
-  <p:transition xmlns:p14="http://schemas.microsoft.com/office/powerpoint/2010/main" spd="med" advClick="1"/>
-</p:sld>
-</file>
-
-<file path=ppt/slides/slide8.xml><?xml version="1.0" encoding="utf-8"?>
-<p:sld xmlns:a="http://schemas.openxmlformats.org/drawingml/2006/main" xmlns:r="http://schemas.openxmlformats.org/officeDocument/2006/relationships" xmlns:p="http://schemas.openxmlformats.org/presentationml/2006/main" xmlns:m="http://schemas.openxmlformats.org/officeDocument/2006/math" xmlns:a14="http://schemas.microsoft.com/office/drawing/2010/main" showMasterSp="1" showMasterPhAnim="1">
-  <p:cSld>
-    <p:spTree>
-      <p:nvGrpSpPr>
-        <p:cNvPr id="1" name=""/>
-        <p:cNvGrpSpPr/>
-        <p:nvPr/>
-      </p:nvGrpSpPr>
-      <p:grpSpPr>
-        <a:xfrm>
-          <a:off x="0" y="0"/>
-          <a:ext cx="0" cy="0"/>
-          <a:chOff x="0" y="0"/>
-          <a:chExt cx="0" cy="0"/>
-        </a:xfrm>
-      </p:grpSpPr>
-      <p:sp>
-        <p:nvSpPr>
-          <p:cNvPr id="208" name="DATASET"/>
-          <p:cNvSpPr txBox="1"/>
-          <p:nvPr>
-            <p:ph type="title"/>
-          </p:nvPr>
-        </p:nvSpPr>
-        <p:spPr>
-          <a:xfrm>
-            <a:off x="406400" y="311150"/>
-            <a:ext cx="12192000" cy="723900"/>
-          </a:xfrm>
-          <a:prstGeom prst="rect">
-            <a:avLst/>
-          </a:prstGeom>
-        </p:spPr>
-        <p:txBody>
-          <a:bodyPr/>
-          <a:lstStyle>
-            <a:lvl1pPr defTabSz="467359">
-              <a:spcBef>
-                <a:spcPts val="2200"/>
-              </a:spcBef>
-              <a:defRPr sz="4800"/>
-            </a:lvl1pPr>
-          </a:lstStyle>
-          <a:p>
-            <a:pPr/>
-            <a:r>
-              <a:t>PRECISIONE </a:t>
-            </a:r>
-          </a:p>
-        </p:txBody>
-      </p:sp>
-      <p:sp>
-        <p:nvSpPr>
-          <p:cNvPr id="209" name="MaxTemp: temperatura massima registrata…"/>
-          <p:cNvSpPr txBox="1"/>
-          <p:nvPr>
-            <p:ph type="body" idx="1"/>
-          </p:nvPr>
-        </p:nvSpPr>
-        <p:spPr>
-          <a:xfrm>
-            <a:off x="406400" y="1389211"/>
-            <a:ext cx="12192000" cy="7462689"/>
-          </a:xfrm>
-          <a:prstGeom prst="rect">
-            <a:avLst/>
-          </a:prstGeom>
-        </p:spPr>
-        <p:txBody>
-          <a:bodyPr anchor="t"/>
-          <a:lstStyle/>
-          <a:p>
-            <a:pPr marL="413384" indent="-413384" defTabSz="543305">
-              <a:lnSpc>
-                <a:spcPct val="100000"/>
-              </a:lnSpc>
-              <a:spcBef>
-                <a:spcPts val="2600"/>
-              </a:spcBef>
-              <a:buClr>
-                <a:schemeClr val="accent1"/>
-              </a:buClr>
-              <a:buSzPct val="104999"/>
-              <a:buFont typeface="Avenir Next"/>
-              <a:buChar char="▸"/>
-              <a:defRPr cap="none" spc="0" sz="3162">
-                <a:latin typeface="Avenir Next Medium"/>
-                <a:ea typeface="Avenir Next Medium"/>
-                <a:cs typeface="Avenir Next Medium"/>
-                <a:sym typeface="Avenir Next Medium"/>
-              </a:defRPr>
-            </a:pPr>
-            <a:r>
-              <a:t>Utilizzando la groundtruth con i dati provenienti dal sito </a:t>
-            </a:r>
-            <a:r>
-              <a:rPr u="sng">
-                <a:solidFill>
-                  <a:schemeClr val="accent1"/>
-                </a:solidFill>
-                <a:hlinkClick r:id="rId2" invalidUrl="" action="" tgtFrame="" tooltip="" history="1" highlightClick="0" endSnd="0"/>
-              </a:rPr>
-              <a:t>nasdaq.com</a:t>
-            </a:r>
-            <a:r>
-              <a:t>, i valori ottenuti sono:</a:t>
-            </a:r>
-          </a:p>
-          <a:p>
-            <a:pPr marL="413384" indent="-413384" defTabSz="543305">
-              <a:lnSpc>
-                <a:spcPct val="100000"/>
-              </a:lnSpc>
-              <a:spcBef>
-                <a:spcPts val="2600"/>
-              </a:spcBef>
-              <a:buClr>
-                <a:schemeClr val="accent1"/>
-              </a:buClr>
-              <a:buSzPct val="104999"/>
-              <a:buFont typeface="Avenir Next"/>
-              <a:buChar char="▸"/>
-              <a:defRPr cap="none" spc="0" sz="3162">
-                <a:latin typeface="Avenir Next Medium"/>
-                <a:ea typeface="Avenir Next Medium"/>
-                <a:cs typeface="Avenir Next Medium"/>
-                <a:sym typeface="Avenir Next Medium"/>
-              </a:defRPr>
-            </a:pPr>
-            <a:r>
-              <a:t>ClosePrice: 95.4%</a:t>
-            </a:r>
-          </a:p>
-          <a:p>
-            <a:pPr marL="413384" indent="-413384" defTabSz="543305">
-              <a:lnSpc>
-                <a:spcPct val="100000"/>
-              </a:lnSpc>
-              <a:spcBef>
-                <a:spcPts val="2600"/>
-              </a:spcBef>
-              <a:buClr>
-                <a:schemeClr val="accent1"/>
-              </a:buClr>
-              <a:buSzPct val="104999"/>
-              <a:buFont typeface="Avenir Next"/>
-              <a:buChar char="▸"/>
-              <a:defRPr cap="none" spc="0" sz="3162">
-                <a:latin typeface="Avenir Next Medium"/>
-                <a:ea typeface="Avenir Next Medium"/>
-                <a:cs typeface="Avenir Next Medium"/>
-                <a:sym typeface="Avenir Next Medium"/>
-              </a:defRPr>
-            </a:pPr>
-            <a:r>
-              <a:t>OpenPrice: 94%</a:t>
-            </a:r>
-          </a:p>
-          <a:p>
-            <a:pPr marL="413384" indent="-413384" defTabSz="543305">
-              <a:lnSpc>
-                <a:spcPct val="100000"/>
-              </a:lnSpc>
-              <a:spcBef>
-                <a:spcPts val="2600"/>
-              </a:spcBef>
-              <a:buClr>
-                <a:schemeClr val="accent1"/>
-              </a:buClr>
-              <a:buSzPct val="104999"/>
-              <a:buFont typeface="Avenir Next"/>
-              <a:buChar char="▸"/>
-              <a:defRPr cap="none" spc="0" sz="3162">
-                <a:latin typeface="Avenir Next Medium"/>
-                <a:ea typeface="Avenir Next Medium"/>
-                <a:cs typeface="Avenir Next Medium"/>
-                <a:sym typeface="Avenir Next Medium"/>
-              </a:defRPr>
-            </a:pPr>
-            <a:r>
-              <a:t>ChangePrec: 78.4%</a:t>
-            </a:r>
-          </a:p>
-          <a:p>
-            <a:pPr marL="413384" indent="-413384" defTabSz="543305">
-              <a:lnSpc>
-                <a:spcPct val="100000"/>
-              </a:lnSpc>
-              <a:spcBef>
-                <a:spcPts val="2600"/>
-              </a:spcBef>
-              <a:buClr>
-                <a:schemeClr val="accent1"/>
-              </a:buClr>
-              <a:buSzPct val="104999"/>
-              <a:buFont typeface="Avenir Next"/>
-              <a:buChar char="▸"/>
-              <a:defRPr cap="none" spc="0" sz="3162">
-                <a:latin typeface="Avenir Next Medium"/>
-                <a:ea typeface="Avenir Next Medium"/>
-                <a:cs typeface="Avenir Next Medium"/>
-                <a:sym typeface="Avenir Next Medium"/>
-              </a:defRPr>
-            </a:pPr>
-            <a:r>
-              <a:t>ChangeInDollars: 79.6%</a:t>
-            </a:r>
-          </a:p>
-          <a:p>
-            <a:pPr marL="413384" indent="-413384" defTabSz="543305">
-              <a:lnSpc>
-                <a:spcPct val="100000"/>
-              </a:lnSpc>
-              <a:spcBef>
-                <a:spcPts val="2600"/>
-              </a:spcBef>
-              <a:buClr>
-                <a:schemeClr val="accent1"/>
-              </a:buClr>
-              <a:buSzPct val="104999"/>
-              <a:buFont typeface="Avenir Next"/>
-              <a:buChar char="▸"/>
-              <a:defRPr cap="none" spc="0" sz="3162">
-                <a:latin typeface="Avenir Next Medium"/>
-                <a:ea typeface="Avenir Next Medium"/>
-                <a:cs typeface="Avenir Next Medium"/>
-                <a:sym typeface="Avenir Next Medium"/>
-              </a:defRPr>
-            </a:pPr>
-            <a:r>
-              <a:t>Volume: 38.6%</a:t>
-            </a:r>
-          </a:p>
-          <a:p>
-            <a:pPr marL="413384" indent="-413384" defTabSz="543305">
-              <a:lnSpc>
-                <a:spcPct val="100000"/>
-              </a:lnSpc>
-              <a:spcBef>
-                <a:spcPts val="2600"/>
-              </a:spcBef>
-              <a:buClr>
-                <a:schemeClr val="accent1"/>
-              </a:buClr>
-              <a:buSzPct val="104999"/>
-              <a:buFont typeface="Avenir Next"/>
-              <a:buChar char="▸"/>
-              <a:defRPr cap="none" spc="0" sz="3162">
-                <a:latin typeface="Avenir Next Medium"/>
-                <a:ea typeface="Avenir Next Medium"/>
-                <a:cs typeface="Avenir Next Medium"/>
-                <a:sym typeface="Avenir Next Medium"/>
-              </a:defRPr>
-            </a:pPr>
-            <a:r>
-              <a:t>HighPrice: 94.6%</a:t>
-            </a:r>
-          </a:p>
-          <a:p>
-            <a:pPr marL="413384" indent="-413384" defTabSz="543305">
-              <a:lnSpc>
-                <a:spcPct val="100000"/>
-              </a:lnSpc>
-              <a:spcBef>
-                <a:spcPts val="2600"/>
-              </a:spcBef>
-              <a:buClr>
-                <a:schemeClr val="accent1"/>
-              </a:buClr>
-              <a:buSzPct val="104999"/>
-              <a:buFont typeface="Avenir Next"/>
-              <a:buChar char="▸"/>
-              <a:defRPr cap="none" spc="0" sz="3162">
-                <a:latin typeface="Avenir Next Medium"/>
-                <a:ea typeface="Avenir Next Medium"/>
-                <a:cs typeface="Avenir Next Medium"/>
-                <a:sym typeface="Avenir Next Medium"/>
-              </a:defRPr>
-            </a:pPr>
-            <a:r>
-              <a:t>LowPrice: 95.2%</a:t>
-            </a:r>
-          </a:p>
-        </p:txBody>
-      </p:sp>
-    </p:spTree>
-  </p:cSld>
-  <p:clrMapOvr>
-    <a:masterClrMapping/>
-  </p:clrMapOvr>
-  <p:transition xmlns:p14="http://schemas.microsoft.com/office/powerpoint/2010/main" spd="med" advClick="1"/>
-</p:sld>
-</file>
-
-<file path=ppt/slides/slide9.xml><?xml version="1.0" encoding="utf-8"?>
-<p:sld xmlns:a="http://schemas.openxmlformats.org/drawingml/2006/main" xmlns:r="http://schemas.openxmlformats.org/officeDocument/2006/relationships" xmlns:p="http://schemas.openxmlformats.org/presentationml/2006/main" xmlns:m="http://schemas.openxmlformats.org/officeDocument/2006/math" xmlns:a14="http://schemas.microsoft.com/office/drawing/2010/main" showMasterSp="1" showMasterPhAnim="1">
-  <p:cSld>
-    <p:spTree>
-      <p:nvGrpSpPr>
-        <p:cNvPr id="1" name=""/>
-        <p:cNvGrpSpPr/>
-        <p:nvPr/>
-      </p:nvGrpSpPr>
-      <p:grpSpPr>
-        <a:xfrm>
-          <a:off x="0" y="0"/>
-          <a:ext cx="0" cy="0"/>
-          <a:chOff x="0" y="0"/>
-          <a:chExt cx="0" cy="0"/>
-        </a:xfrm>
-      </p:grpSpPr>
-      <p:sp>
-        <p:nvSpPr>
-          <p:cNvPr id="211" name="DATASET"/>
-          <p:cNvSpPr txBox="1"/>
-          <p:nvPr>
-            <p:ph type="title"/>
-          </p:nvPr>
-        </p:nvSpPr>
-        <p:spPr>
-          <a:xfrm>
-            <a:off x="406400" y="311150"/>
-            <a:ext cx="12192000" cy="723900"/>
-          </a:xfrm>
-          <a:prstGeom prst="rect">
-            <a:avLst/>
-          </a:prstGeom>
-        </p:spPr>
-        <p:txBody>
-          <a:bodyPr/>
-          <a:lstStyle>
-            <a:lvl1pPr defTabSz="467359">
-              <a:spcBef>
-                <a:spcPts val="2200"/>
-              </a:spcBef>
-              <a:defRPr sz="4800"/>
-            </a:lvl1pPr>
-          </a:lstStyle>
-          <a:p>
-            <a:pPr/>
-            <a:r>
-              <a:t>PRECISIONE </a:t>
-            </a:r>
-          </a:p>
-        </p:txBody>
-      </p:sp>
-      <p:sp>
-        <p:nvSpPr>
-          <p:cNvPr id="212" name="MaxTemp: temperatura massima registrata…"/>
-          <p:cNvSpPr txBox="1"/>
-          <p:nvPr>
-            <p:ph type="body" idx="1"/>
-          </p:nvPr>
-        </p:nvSpPr>
-        <p:spPr>
-          <a:xfrm>
-            <a:off x="406400" y="1389211"/>
-            <a:ext cx="12192000" cy="7462689"/>
-          </a:xfrm>
-          <a:prstGeom prst="rect">
-            <a:avLst/>
-          </a:prstGeom>
-        </p:spPr>
-        <p:txBody>
-          <a:bodyPr anchor="t"/>
-          <a:lstStyle/>
-          <a:p>
-            <a:pPr marL="400050" indent="-400050" defTabSz="525779">
-              <a:lnSpc>
-                <a:spcPct val="100000"/>
-              </a:lnSpc>
-              <a:spcBef>
-                <a:spcPts val="2500"/>
-              </a:spcBef>
-              <a:buClr>
-                <a:schemeClr val="accent1"/>
-              </a:buClr>
-              <a:buSzPct val="104999"/>
-              <a:buFont typeface="Avenir Next"/>
-              <a:buChar char="▸"/>
-              <a:defRPr cap="none" spc="0" sz="3059">
-                <a:latin typeface="Avenir Next Medium"/>
-                <a:ea typeface="Avenir Next Medium"/>
-                <a:cs typeface="Avenir Next Medium"/>
-                <a:sym typeface="Avenir Next Medium"/>
-              </a:defRPr>
-            </a:pPr>
-            <a:r>
-              <a:t>PreviousClose: ?</a:t>
-            </a:r>
-          </a:p>
-          <a:p>
-            <a:pPr marL="400050" indent="-400050" defTabSz="525779">
-              <a:lnSpc>
-                <a:spcPct val="100000"/>
-              </a:lnSpc>
-              <a:spcBef>
-                <a:spcPts val="2500"/>
-              </a:spcBef>
-              <a:buClr>
-                <a:schemeClr val="accent1"/>
-              </a:buClr>
-              <a:buSzPct val="104999"/>
-              <a:buFont typeface="Avenir Next"/>
-              <a:buChar char="▸"/>
-              <a:defRPr cap="none" spc="0" sz="3059">
-                <a:latin typeface="Avenir Next Medium"/>
-                <a:ea typeface="Avenir Next Medium"/>
-                <a:cs typeface="Avenir Next Medium"/>
-                <a:sym typeface="Avenir Next Medium"/>
-              </a:defRPr>
-            </a:pPr>
-            <a:r>
-              <a:t>YearHigh: 86%</a:t>
-            </a:r>
-          </a:p>
-          <a:p>
-            <a:pPr marL="400050" indent="-400050" defTabSz="525779">
-              <a:lnSpc>
-                <a:spcPct val="100000"/>
-              </a:lnSpc>
-              <a:spcBef>
-                <a:spcPts val="2500"/>
-              </a:spcBef>
-              <a:buClr>
-                <a:schemeClr val="accent1"/>
-              </a:buClr>
-              <a:buSzPct val="104999"/>
-              <a:buFont typeface="Avenir Next"/>
-              <a:buChar char="▸"/>
-              <a:defRPr cap="none" spc="0" sz="3059">
-                <a:latin typeface="Avenir Next Medium"/>
-                <a:ea typeface="Avenir Next Medium"/>
-                <a:cs typeface="Avenir Next Medium"/>
-                <a:sym typeface="Avenir Next Medium"/>
-              </a:defRPr>
-            </a:pPr>
-            <a:r>
-              <a:t>YearLow: 94%</a:t>
-            </a:r>
-          </a:p>
-          <a:p>
-            <a:pPr marL="400050" indent="-400050" defTabSz="525779">
-              <a:lnSpc>
-                <a:spcPct val="100000"/>
-              </a:lnSpc>
-              <a:spcBef>
-                <a:spcPts val="2500"/>
-              </a:spcBef>
-              <a:buClr>
-                <a:schemeClr val="accent1"/>
-              </a:buClr>
-              <a:buSzPct val="104999"/>
-              <a:buFont typeface="Avenir Next"/>
-              <a:buChar char="▸"/>
-              <a:defRPr cap="none" spc="0" sz="3059">
-                <a:latin typeface="Avenir Next Medium"/>
-                <a:ea typeface="Avenir Next Medium"/>
-                <a:cs typeface="Avenir Next Medium"/>
-                <a:sym typeface="Avenir Next Medium"/>
-              </a:defRPr>
-            </a:pPr>
-            <a:r>
-              <a:t>NShares: ?</a:t>
-            </a:r>
-          </a:p>
-          <a:p>
-            <a:pPr marL="400050" indent="-400050" defTabSz="525779">
-              <a:lnSpc>
-                <a:spcPct val="100000"/>
-              </a:lnSpc>
-              <a:spcBef>
-                <a:spcPts val="2500"/>
-              </a:spcBef>
-              <a:buClr>
-                <a:schemeClr val="accent1"/>
-              </a:buClr>
-              <a:buSzPct val="104999"/>
-              <a:buFont typeface="Avenir Next"/>
-              <a:buChar char="▸"/>
-              <a:defRPr cap="none" spc="0" sz="3059">
-                <a:latin typeface="Avenir Next Medium"/>
-                <a:ea typeface="Avenir Next Medium"/>
-                <a:cs typeface="Avenir Next Medium"/>
-                <a:sym typeface="Avenir Next Medium"/>
-              </a:defRPr>
-            </a:pPr>
-            <a:r>
-              <a:t>PE:?</a:t>
-            </a:r>
-          </a:p>
-          <a:p>
-            <a:pPr marL="400050" indent="-400050" defTabSz="525779">
-              <a:lnSpc>
-                <a:spcPct val="100000"/>
-              </a:lnSpc>
-              <a:spcBef>
-                <a:spcPts val="2500"/>
-              </a:spcBef>
-              <a:buClr>
-                <a:schemeClr val="accent1"/>
-              </a:buClr>
-              <a:buSzPct val="104999"/>
-              <a:buFont typeface="Avenir Next"/>
-              <a:buChar char="▸"/>
-              <a:defRPr cap="none" spc="0" sz="3059">
-                <a:latin typeface="Avenir Next Medium"/>
-                <a:ea typeface="Avenir Next Medium"/>
-                <a:cs typeface="Avenir Next Medium"/>
-                <a:sym typeface="Avenir Next Medium"/>
-              </a:defRPr>
-            </a:pPr>
-            <a:r>
-              <a:t>MarketCap: 20%</a:t>
-            </a:r>
-          </a:p>
-          <a:p>
-            <a:pPr marL="400050" indent="-400050" defTabSz="525779">
-              <a:lnSpc>
-                <a:spcPct val="100000"/>
-              </a:lnSpc>
-              <a:spcBef>
-                <a:spcPts val="2500"/>
-              </a:spcBef>
-              <a:buClr>
-                <a:schemeClr val="accent1"/>
-              </a:buClr>
-              <a:buSzPct val="104999"/>
-              <a:buFont typeface="Avenir Next"/>
-              <a:buChar char="▸"/>
-              <a:defRPr cap="none" spc="0" sz="3059">
-                <a:latin typeface="Avenir Next Medium"/>
-                <a:ea typeface="Avenir Next Medium"/>
-                <a:cs typeface="Avenir Next Medium"/>
-                <a:sym typeface="Avenir Next Medium"/>
-              </a:defRPr>
-            </a:pPr>
-            <a:r>
-              <a:t>Yield: ?</a:t>
-            </a:r>
-          </a:p>
-          <a:p>
-            <a:pPr marL="400050" indent="-400050" defTabSz="525779">
-              <a:lnSpc>
-                <a:spcPct val="100000"/>
-              </a:lnSpc>
-              <a:spcBef>
-                <a:spcPts val="2500"/>
-              </a:spcBef>
-              <a:buClr>
-                <a:schemeClr val="accent1"/>
-              </a:buClr>
-              <a:buSzPct val="104999"/>
-              <a:buFont typeface="Avenir Next"/>
-              <a:buChar char="▸"/>
-              <a:defRPr cap="none" spc="0" sz="3059">
-                <a:latin typeface="Avenir Next Medium"/>
-                <a:ea typeface="Avenir Next Medium"/>
-                <a:cs typeface="Avenir Next Medium"/>
-                <a:sym typeface="Avenir Next Medium"/>
-              </a:defRPr>
-            </a:pPr>
-            <a:r>
-              <a:t>DividendYield: ?</a:t>
-            </a:r>
-          </a:p>
-          <a:p>
-            <a:pPr marL="400050" indent="-400050" defTabSz="525779">
-              <a:lnSpc>
-                <a:spcPct val="100000"/>
-              </a:lnSpc>
-              <a:spcBef>
-                <a:spcPts val="2500"/>
-              </a:spcBef>
-              <a:buClr>
-                <a:schemeClr val="accent1"/>
-              </a:buClr>
-              <a:buSzPct val="104999"/>
-              <a:buFont typeface="Avenir Next"/>
-              <a:buChar char="▸"/>
-              <a:defRPr cap="none" spc="0" sz="3059">
-                <a:latin typeface="Avenir Next Medium"/>
-                <a:ea typeface="Avenir Next Medium"/>
-                <a:cs typeface="Avenir Next Medium"/>
-                <a:sym typeface="Avenir Next Medium"/>
-              </a:defRPr>
-            </a:pPr>
-            <a:r>
-              <a:t>EPS: ?</a:t>
-            </a:r>
-          </a:p>
-        </p:txBody>
-      </p:sp>
-    </p:spTree>
-  </p:cSld>
-  <p:clrMapOvr>
-    <a:masterClrMapping/>
-  </p:clrMapOvr>
-  <p:transition xmlns:p14="http://schemas.microsoft.com/office/powerpoint/2010/main" spd="med" advClick="1"/>
+  <p:transition spd="med"/>
 </p:sld>
 </file>
 
 <file path=ppt/theme/theme1.xml><?xml version="1.0" encoding="utf-8"?>
-<a:theme xmlns:a="http://schemas.openxmlformats.org/drawingml/2006/main" xmlns:r="http://schemas.openxmlformats.org/officeDocument/2006/relationships" name="New_Template7">
+<a:theme xmlns:a="http://schemas.openxmlformats.org/drawingml/2006/main" name="New_Template7">
   <a:themeElements>
     <a:clrScheme name="New_Template7">
       <a:dk1>
@@ -7469,7 +9731,7 @@
         <a:effectLst/>
         <a:sp3d/>
       </a:spPr>
-      <a:bodyPr rot="0" spcFirstLastPara="1" vertOverflow="overflow" horzOverflow="overflow" vert="horz" wrap="square" lIns="50800" tIns="50800" rIns="50800" bIns="50800" numCol="1" spcCol="38100" rtlCol="0" anchor="ctr" upright="0">
+      <a:bodyPr rot="0" spcFirstLastPara="1" vertOverflow="overflow" horzOverflow="overflow" vert="horz" wrap="square" lIns="50800" tIns="50800" rIns="50800" bIns="50800" numCol="1" spcCol="38100" rtlCol="0" anchor="ctr">
         <a:spAutoFit/>
       </a:bodyPr>
       <a:lstStyle>
@@ -7488,7 +9750,7 @@
           <a:buFontTx/>
           <a:buNone/>
           <a:tabLst/>
-          <a:defRPr b="0" baseline="0" cap="all" i="0" spc="0" strike="noStrike" sz="2800" u="none" kumimoji="0" normalizeH="0">
+          <a:defRPr kumimoji="0" sz="2800" b="0" i="0" u="none" strike="noStrike" cap="all" spc="0" normalizeH="0" baseline="0">
             <a:ln>
               <a:noFill/>
             </a:ln>
@@ -7518,7 +9780,7 @@
           <a:buFontTx/>
           <a:buNone/>
           <a:tabLst/>
-          <a:defRPr b="0" baseline="0" cap="none" i="0" spc="0" strike="noStrike" sz="1800" u="none" kumimoji="0" normalizeH="0">
+          <a:defRPr kumimoji="0" sz="1800" b="0" i="0" u="none" strike="noStrike" cap="none" spc="0" normalizeH="0" baseline="0">
             <a:ln>
               <a:noFill/>
             </a:ln>
@@ -7544,7 +9806,7 @@
           <a:buFontTx/>
           <a:buNone/>
           <a:tabLst/>
-          <a:defRPr b="0" baseline="0" cap="none" i="0" spc="0" strike="noStrike" sz="1800" u="none" kumimoji="0" normalizeH="0">
+          <a:defRPr kumimoji="0" sz="1800" b="0" i="0" u="none" strike="noStrike" cap="none" spc="0" normalizeH="0" baseline="0">
             <a:ln>
               <a:noFill/>
             </a:ln>
@@ -7570,7 +9832,7 @@
           <a:buFontTx/>
           <a:buNone/>
           <a:tabLst/>
-          <a:defRPr b="0" baseline="0" cap="none" i="0" spc="0" strike="noStrike" sz="1800" u="none" kumimoji="0" normalizeH="0">
+          <a:defRPr kumimoji="0" sz="1800" b="0" i="0" u="none" strike="noStrike" cap="none" spc="0" normalizeH="0" baseline="0">
             <a:ln>
               <a:noFill/>
             </a:ln>
@@ -7596,7 +9858,7 @@
           <a:buFontTx/>
           <a:buNone/>
           <a:tabLst/>
-          <a:defRPr b="0" baseline="0" cap="none" i="0" spc="0" strike="noStrike" sz="1800" u="none" kumimoji="0" normalizeH="0">
+          <a:defRPr kumimoji="0" sz="1800" b="0" i="0" u="none" strike="noStrike" cap="none" spc="0" normalizeH="0" baseline="0">
             <a:ln>
               <a:noFill/>
             </a:ln>
@@ -7622,7 +9884,7 @@
           <a:buFontTx/>
           <a:buNone/>
           <a:tabLst/>
-          <a:defRPr b="0" baseline="0" cap="none" i="0" spc="0" strike="noStrike" sz="1800" u="none" kumimoji="0" normalizeH="0">
+          <a:defRPr kumimoji="0" sz="1800" b="0" i="0" u="none" strike="noStrike" cap="none" spc="0" normalizeH="0" baseline="0">
             <a:ln>
               <a:noFill/>
             </a:ln>
@@ -7648,7 +9910,7 @@
           <a:buFontTx/>
           <a:buNone/>
           <a:tabLst/>
-          <a:defRPr b="0" baseline="0" cap="none" i="0" spc="0" strike="noStrike" sz="1800" u="none" kumimoji="0" normalizeH="0">
+          <a:defRPr kumimoji="0" sz="1800" b="0" i="0" u="none" strike="noStrike" cap="none" spc="0" normalizeH="0" baseline="0">
             <a:ln>
               <a:noFill/>
             </a:ln>
@@ -7674,7 +9936,7 @@
           <a:buFontTx/>
           <a:buNone/>
           <a:tabLst/>
-          <a:defRPr b="0" baseline="0" cap="none" i="0" spc="0" strike="noStrike" sz="1800" u="none" kumimoji="0" normalizeH="0">
+          <a:defRPr kumimoji="0" sz="1800" b="0" i="0" u="none" strike="noStrike" cap="none" spc="0" normalizeH="0" baseline="0">
             <a:ln>
               <a:noFill/>
             </a:ln>
@@ -7700,7 +9962,7 @@
           <a:buFontTx/>
           <a:buNone/>
           <a:tabLst/>
-          <a:defRPr b="0" baseline="0" cap="none" i="0" spc="0" strike="noStrike" sz="1800" u="none" kumimoji="0" normalizeH="0">
+          <a:defRPr kumimoji="0" sz="1800" b="0" i="0" u="none" strike="noStrike" cap="none" spc="0" normalizeH="0" baseline="0">
             <a:ln>
               <a:noFill/>
             </a:ln>
@@ -7726,7 +9988,7 @@
           <a:buFontTx/>
           <a:buNone/>
           <a:tabLst/>
-          <a:defRPr b="0" baseline="0" cap="none" i="0" spc="0" strike="noStrike" sz="1800" u="none" kumimoji="0" normalizeH="0">
+          <a:defRPr kumimoji="0" sz="1800" b="0" i="0" u="none" strike="noStrike" cap="none" spc="0" normalizeH="0" baseline="0">
             <a:ln>
               <a:noFill/>
             </a:ln>
@@ -7739,9 +10001,15 @@
         </a:lvl9pPr>
       </a:lstStyle>
       <a:style>
-        <a:lnRef idx="0"/>
-        <a:fillRef idx="0"/>
-        <a:effectRef idx="0"/>
+        <a:lnRef idx="0">
+          <a:scrgbClr r="0" g="0" b="0"/>
+        </a:lnRef>
+        <a:fillRef idx="0">
+          <a:scrgbClr r="0" g="0" b="0"/>
+        </a:fillRef>
+        <a:effectRef idx="0">
+          <a:scrgbClr r="0" g="0" b="0"/>
+        </a:effectRef>
         <a:fontRef idx="none"/>
       </a:style>
     </a:spDef>
@@ -7758,7 +10026,7 @@
         <a:effectLst/>
         <a:sp3d/>
       </a:spPr>
-      <a:bodyPr rot="0" spcFirstLastPara="1" vertOverflow="overflow" horzOverflow="overflow" vert="horz" wrap="square" lIns="91439" tIns="45719" rIns="91439" bIns="45719" numCol="1" spcCol="38100" rtlCol="0" anchor="t" upright="0">
+      <a:bodyPr rot="0" spcFirstLastPara="1" vertOverflow="overflow" horzOverflow="overflow" vert="horz" wrap="square" lIns="91439" tIns="45719" rIns="91439" bIns="45719" numCol="1" spcCol="38100" rtlCol="0" anchor="t">
         <a:noAutofit/>
       </a:bodyPr>
       <a:lstStyle>
@@ -7777,7 +10045,7 @@
           <a:buFontTx/>
           <a:buNone/>
           <a:tabLst/>
-          <a:defRPr b="0" baseline="0" cap="none" i="0" spc="0" strike="noStrike" sz="1800" u="none" kumimoji="0" normalizeH="0">
+          <a:defRPr kumimoji="0" sz="1800" b="0" i="0" u="none" strike="noStrike" cap="none" spc="0" normalizeH="0" baseline="0">
             <a:ln>
               <a:noFill/>
             </a:ln>
@@ -7803,7 +10071,7 @@
           <a:buFontTx/>
           <a:buNone/>
           <a:tabLst/>
-          <a:defRPr b="0" baseline="0" cap="none" i="0" spc="0" strike="noStrike" sz="1800" u="none" kumimoji="0" normalizeH="0">
+          <a:defRPr kumimoji="0" sz="1800" b="0" i="0" u="none" strike="noStrike" cap="none" spc="0" normalizeH="0" baseline="0">
             <a:ln>
               <a:noFill/>
             </a:ln>
@@ -7829,7 +10097,7 @@
           <a:buFontTx/>
           <a:buNone/>
           <a:tabLst/>
-          <a:defRPr b="0" baseline="0" cap="none" i="0" spc="0" strike="noStrike" sz="1800" u="none" kumimoji="0" normalizeH="0">
+          <a:defRPr kumimoji="0" sz="1800" b="0" i="0" u="none" strike="noStrike" cap="none" spc="0" normalizeH="0" baseline="0">
             <a:ln>
               <a:noFill/>
             </a:ln>
@@ -7855,7 +10123,7 @@
           <a:buFontTx/>
           <a:buNone/>
           <a:tabLst/>
-          <a:defRPr b="0" baseline="0" cap="none" i="0" spc="0" strike="noStrike" sz="1800" u="none" kumimoji="0" normalizeH="0">
+          <a:defRPr kumimoji="0" sz="1800" b="0" i="0" u="none" strike="noStrike" cap="none" spc="0" normalizeH="0" baseline="0">
             <a:ln>
               <a:noFill/>
             </a:ln>
@@ -7881,7 +10149,7 @@
           <a:buFontTx/>
           <a:buNone/>
           <a:tabLst/>
-          <a:defRPr b="0" baseline="0" cap="none" i="0" spc="0" strike="noStrike" sz="1800" u="none" kumimoji="0" normalizeH="0">
+          <a:defRPr kumimoji="0" sz="1800" b="0" i="0" u="none" strike="noStrike" cap="none" spc="0" normalizeH="0" baseline="0">
             <a:ln>
               <a:noFill/>
             </a:ln>
@@ -7907,7 +10175,7 @@
           <a:buFontTx/>
           <a:buNone/>
           <a:tabLst/>
-          <a:defRPr b="0" baseline="0" cap="none" i="0" spc="0" strike="noStrike" sz="1800" u="none" kumimoji="0" normalizeH="0">
+          <a:defRPr kumimoji="0" sz="1800" b="0" i="0" u="none" strike="noStrike" cap="none" spc="0" normalizeH="0" baseline="0">
             <a:ln>
               <a:noFill/>
             </a:ln>
@@ -7933,7 +10201,7 @@
           <a:buFontTx/>
           <a:buNone/>
           <a:tabLst/>
-          <a:defRPr b="0" baseline="0" cap="none" i="0" spc="0" strike="noStrike" sz="1800" u="none" kumimoji="0" normalizeH="0">
+          <a:defRPr kumimoji="0" sz="1800" b="0" i="0" u="none" strike="noStrike" cap="none" spc="0" normalizeH="0" baseline="0">
             <a:ln>
               <a:noFill/>
             </a:ln>
@@ -7959,7 +10227,7 @@
           <a:buFontTx/>
           <a:buNone/>
           <a:tabLst/>
-          <a:defRPr b="0" baseline="0" cap="none" i="0" spc="0" strike="noStrike" sz="1800" u="none" kumimoji="0" normalizeH="0">
+          <a:defRPr kumimoji="0" sz="1800" b="0" i="0" u="none" strike="noStrike" cap="none" spc="0" normalizeH="0" baseline="0">
             <a:ln>
               <a:noFill/>
             </a:ln>
@@ -7985,7 +10253,7 @@
           <a:buFontTx/>
           <a:buNone/>
           <a:tabLst/>
-          <a:defRPr b="0" baseline="0" cap="none" i="0" spc="0" strike="noStrike" sz="1800" u="none" kumimoji="0" normalizeH="0">
+          <a:defRPr kumimoji="0" sz="1800" b="0" i="0" u="none" strike="noStrike" cap="none" spc="0" normalizeH="0" baseline="0">
             <a:ln>
               <a:noFill/>
             </a:ln>
@@ -8011,7 +10279,7 @@
           <a:buFontTx/>
           <a:buNone/>
           <a:tabLst/>
-          <a:defRPr b="0" baseline="0" cap="none" i="0" spc="0" strike="noStrike" sz="1800" u="none" kumimoji="0" normalizeH="0">
+          <a:defRPr kumimoji="0" sz="1800" b="0" i="0" u="none" strike="noStrike" cap="none" spc="0" normalizeH="0" baseline="0">
             <a:ln>
               <a:noFill/>
             </a:ln>
@@ -8024,9 +10292,15 @@
         </a:lvl9pPr>
       </a:lstStyle>
       <a:style>
-        <a:lnRef idx="0"/>
-        <a:fillRef idx="0"/>
-        <a:effectRef idx="0"/>
+        <a:lnRef idx="0">
+          <a:scrgbClr r="0" g="0" b="0"/>
+        </a:lnRef>
+        <a:fillRef idx="0">
+          <a:scrgbClr r="0" g="0" b="0"/>
+        </a:fillRef>
+        <a:effectRef idx="0">
+          <a:scrgbClr r="0" g="0" b="0"/>
+        </a:effectRef>
         <a:fontRef idx="none"/>
       </a:style>
     </a:lnDef>
@@ -8040,7 +10314,7 @@
         <a:effectLst/>
         <a:sp3d/>
       </a:spPr>
-      <a:bodyPr rot="0" spcFirstLastPara="1" vertOverflow="overflow" horzOverflow="overflow" vert="horz" wrap="square" lIns="50800" tIns="50800" rIns="50800" bIns="50800" numCol="1" spcCol="38100" rtlCol="0" anchor="ctr" upright="0">
+      <a:bodyPr rot="0" spcFirstLastPara="1" vertOverflow="overflow" horzOverflow="overflow" vert="horz" wrap="square" lIns="50800" tIns="50800" rIns="50800" bIns="50800" numCol="1" spcCol="38100" rtlCol="0" anchor="ctr">
         <a:spAutoFit/>
       </a:bodyPr>
       <a:lstStyle>
@@ -8059,7 +10333,7 @@
           <a:buFontTx/>
           <a:buNone/>
           <a:tabLst/>
-          <a:defRPr b="0" baseline="0" cap="none" i="0" spc="0" strike="noStrike" sz="2000" u="none" kumimoji="0" normalizeH="0">
+          <a:defRPr kumimoji="0" sz="2000" b="0" i="0" u="none" strike="noStrike" cap="none" spc="0" normalizeH="0" baseline="0">
             <a:ln>
               <a:noFill/>
             </a:ln>
@@ -8089,7 +10363,7 @@
           <a:buFontTx/>
           <a:buNone/>
           <a:tabLst/>
-          <a:defRPr b="0" baseline="0" cap="none" i="0" spc="0" strike="noStrike" sz="1800" u="none" kumimoji="0" normalizeH="0">
+          <a:defRPr kumimoji="0" sz="1800" b="0" i="0" u="none" strike="noStrike" cap="none" spc="0" normalizeH="0" baseline="0">
             <a:ln>
               <a:noFill/>
             </a:ln>
@@ -8115,7 +10389,7 @@
           <a:buFontTx/>
           <a:buNone/>
           <a:tabLst/>
-          <a:defRPr b="0" baseline="0" cap="none" i="0" spc="0" strike="noStrike" sz="1800" u="none" kumimoji="0" normalizeH="0">
+          <a:defRPr kumimoji="0" sz="1800" b="0" i="0" u="none" strike="noStrike" cap="none" spc="0" normalizeH="0" baseline="0">
             <a:ln>
               <a:noFill/>
             </a:ln>
@@ -8141,7 +10415,7 @@
           <a:buFontTx/>
           <a:buNone/>
           <a:tabLst/>
-          <a:defRPr b="0" baseline="0" cap="none" i="0" spc="0" strike="noStrike" sz="1800" u="none" kumimoji="0" normalizeH="0">
+          <a:defRPr kumimoji="0" sz="1800" b="0" i="0" u="none" strike="noStrike" cap="none" spc="0" normalizeH="0" baseline="0">
             <a:ln>
               <a:noFill/>
             </a:ln>
@@ -8167,7 +10441,7 @@
           <a:buFontTx/>
           <a:buNone/>
           <a:tabLst/>
-          <a:defRPr b="0" baseline="0" cap="none" i="0" spc="0" strike="noStrike" sz="1800" u="none" kumimoji="0" normalizeH="0">
+          <a:defRPr kumimoji="0" sz="1800" b="0" i="0" u="none" strike="noStrike" cap="none" spc="0" normalizeH="0" baseline="0">
             <a:ln>
               <a:noFill/>
             </a:ln>
@@ -8193,7 +10467,7 @@
           <a:buFontTx/>
           <a:buNone/>
           <a:tabLst/>
-          <a:defRPr b="0" baseline="0" cap="none" i="0" spc="0" strike="noStrike" sz="1800" u="none" kumimoji="0" normalizeH="0">
+          <a:defRPr kumimoji="0" sz="1800" b="0" i="0" u="none" strike="noStrike" cap="none" spc="0" normalizeH="0" baseline="0">
             <a:ln>
               <a:noFill/>
             </a:ln>
@@ -8219,7 +10493,7 @@
           <a:buFontTx/>
           <a:buNone/>
           <a:tabLst/>
-          <a:defRPr b="0" baseline="0" cap="none" i="0" spc="0" strike="noStrike" sz="1800" u="none" kumimoji="0" normalizeH="0">
+          <a:defRPr kumimoji="0" sz="1800" b="0" i="0" u="none" strike="noStrike" cap="none" spc="0" normalizeH="0" baseline="0">
             <a:ln>
               <a:noFill/>
             </a:ln>
@@ -8245,7 +10519,7 @@
           <a:buFontTx/>
           <a:buNone/>
           <a:tabLst/>
-          <a:defRPr b="0" baseline="0" cap="none" i="0" spc="0" strike="noStrike" sz="1800" u="none" kumimoji="0" normalizeH="0">
+          <a:defRPr kumimoji="0" sz="1800" b="0" i="0" u="none" strike="noStrike" cap="none" spc="0" normalizeH="0" baseline="0">
             <a:ln>
               <a:noFill/>
             </a:ln>
@@ -8271,7 +10545,7 @@
           <a:buFontTx/>
           <a:buNone/>
           <a:tabLst/>
-          <a:defRPr b="0" baseline="0" cap="none" i="0" spc="0" strike="noStrike" sz="1800" u="none" kumimoji="0" normalizeH="0">
+          <a:defRPr kumimoji="0" sz="1800" b="0" i="0" u="none" strike="noStrike" cap="none" spc="0" normalizeH="0" baseline="0">
             <a:ln>
               <a:noFill/>
             </a:ln>
@@ -8297,7 +10571,7 @@
           <a:buFontTx/>
           <a:buNone/>
           <a:tabLst/>
-          <a:defRPr b="0" baseline="0" cap="none" i="0" spc="0" strike="noStrike" sz="1800" u="none" kumimoji="0" normalizeH="0">
+          <a:defRPr kumimoji="0" sz="1800" b="0" i="0" u="none" strike="noStrike" cap="none" spc="0" normalizeH="0" baseline="0">
             <a:ln>
               <a:noFill/>
             </a:ln>
@@ -8310,18 +10584,25 @@
         </a:lvl9pPr>
       </a:lstStyle>
       <a:style>
-        <a:lnRef idx="0"/>
-        <a:fillRef idx="0"/>
-        <a:effectRef idx="0"/>
+        <a:lnRef idx="0">
+          <a:scrgbClr r="0" g="0" b="0"/>
+        </a:lnRef>
+        <a:fillRef idx="0">
+          <a:scrgbClr r="0" g="0" b="0"/>
+        </a:fillRef>
+        <a:effectRef idx="0">
+          <a:scrgbClr r="0" g="0" b="0"/>
+        </a:effectRef>
         <a:fontRef idx="none"/>
       </a:style>
     </a:txDef>
   </a:objectDefaults>
+  <a:extraClrSchemeLst/>
 </a:theme>
 </file>
 
 <file path=ppt/theme/theme2.xml><?xml version="1.0" encoding="utf-8"?>
-<a:theme xmlns:a="http://schemas.openxmlformats.org/drawingml/2006/main" xmlns:r="http://schemas.openxmlformats.org/officeDocument/2006/relationships" name="New_Template7">
+<a:theme xmlns:a="http://schemas.openxmlformats.org/drawingml/2006/main" name="New_Template7">
   <a:themeElements>
     <a:clrScheme name="New_Template7">
       <a:dk1>
@@ -8520,7 +10801,7 @@
         <a:effectLst/>
         <a:sp3d/>
       </a:spPr>
-      <a:bodyPr rot="0" spcFirstLastPara="1" vertOverflow="overflow" horzOverflow="overflow" vert="horz" wrap="square" lIns="50800" tIns="50800" rIns="50800" bIns="50800" numCol="1" spcCol="38100" rtlCol="0" anchor="ctr" upright="0">
+      <a:bodyPr rot="0" spcFirstLastPara="1" vertOverflow="overflow" horzOverflow="overflow" vert="horz" wrap="square" lIns="50800" tIns="50800" rIns="50800" bIns="50800" numCol="1" spcCol="38100" rtlCol="0" anchor="ctr">
         <a:spAutoFit/>
       </a:bodyPr>
       <a:lstStyle>
@@ -8539,7 +10820,7 @@
           <a:buFontTx/>
           <a:buNone/>
           <a:tabLst/>
-          <a:defRPr b="0" baseline="0" cap="all" i="0" spc="0" strike="noStrike" sz="2800" u="none" kumimoji="0" normalizeH="0">
+          <a:defRPr kumimoji="0" sz="2800" b="0" i="0" u="none" strike="noStrike" cap="all" spc="0" normalizeH="0" baseline="0">
             <a:ln>
               <a:noFill/>
             </a:ln>
@@ -8569,7 +10850,7 @@
           <a:buFontTx/>
           <a:buNone/>
           <a:tabLst/>
-          <a:defRPr b="0" baseline="0" cap="none" i="0" spc="0" strike="noStrike" sz="1800" u="none" kumimoji="0" normalizeH="0">
+          <a:defRPr kumimoji="0" sz="1800" b="0" i="0" u="none" strike="noStrike" cap="none" spc="0" normalizeH="0" baseline="0">
             <a:ln>
               <a:noFill/>
             </a:ln>
@@ -8595,7 +10876,7 @@
           <a:buFontTx/>
           <a:buNone/>
           <a:tabLst/>
-          <a:defRPr b="0" baseline="0" cap="none" i="0" spc="0" strike="noStrike" sz="1800" u="none" kumimoji="0" normalizeH="0">
+          <a:defRPr kumimoji="0" sz="1800" b="0" i="0" u="none" strike="noStrike" cap="none" spc="0" normalizeH="0" baseline="0">
             <a:ln>
               <a:noFill/>
             </a:ln>
@@ -8621,7 +10902,7 @@
           <a:buFontTx/>
           <a:buNone/>
           <a:tabLst/>
-          <a:defRPr b="0" baseline="0" cap="none" i="0" spc="0" strike="noStrike" sz="1800" u="none" kumimoji="0" normalizeH="0">
+          <a:defRPr kumimoji="0" sz="1800" b="0" i="0" u="none" strike="noStrike" cap="none" spc="0" normalizeH="0" baseline="0">
             <a:ln>
               <a:noFill/>
             </a:ln>
@@ -8647,7 +10928,7 @@
           <a:buFontTx/>
           <a:buNone/>
           <a:tabLst/>
-          <a:defRPr b="0" baseline="0" cap="none" i="0" spc="0" strike="noStrike" sz="1800" u="none" kumimoji="0" normalizeH="0">
+          <a:defRPr kumimoji="0" sz="1800" b="0" i="0" u="none" strike="noStrike" cap="none" spc="0" normalizeH="0" baseline="0">
             <a:ln>
               <a:noFill/>
             </a:ln>
@@ -8673,7 +10954,7 @@
           <a:buFontTx/>
           <a:buNone/>
           <a:tabLst/>
-          <a:defRPr b="0" baseline="0" cap="none" i="0" spc="0" strike="noStrike" sz="1800" u="none" kumimoji="0" normalizeH="0">
+          <a:defRPr kumimoji="0" sz="1800" b="0" i="0" u="none" strike="noStrike" cap="none" spc="0" normalizeH="0" baseline="0">
             <a:ln>
               <a:noFill/>
             </a:ln>
@@ -8699,7 +10980,7 @@
           <a:buFontTx/>
           <a:buNone/>
           <a:tabLst/>
-          <a:defRPr b="0" baseline="0" cap="none" i="0" spc="0" strike="noStrike" sz="1800" u="none" kumimoji="0" normalizeH="0">
+          <a:defRPr kumimoji="0" sz="1800" b="0" i="0" u="none" strike="noStrike" cap="none" spc="0" normalizeH="0" baseline="0">
             <a:ln>
               <a:noFill/>
             </a:ln>
@@ -8725,7 +11006,7 @@
           <a:buFontTx/>
           <a:buNone/>
           <a:tabLst/>
-          <a:defRPr b="0" baseline="0" cap="none" i="0" spc="0" strike="noStrike" sz="1800" u="none" kumimoji="0" normalizeH="0">
+          <a:defRPr kumimoji="0" sz="1800" b="0" i="0" u="none" strike="noStrike" cap="none" spc="0" normalizeH="0" baseline="0">
             <a:ln>
               <a:noFill/>
             </a:ln>
@@ -8751,7 +11032,7 @@
           <a:buFontTx/>
           <a:buNone/>
           <a:tabLst/>
-          <a:defRPr b="0" baseline="0" cap="none" i="0" spc="0" strike="noStrike" sz="1800" u="none" kumimoji="0" normalizeH="0">
+          <a:defRPr kumimoji="0" sz="1800" b="0" i="0" u="none" strike="noStrike" cap="none" spc="0" normalizeH="0" baseline="0">
             <a:ln>
               <a:noFill/>
             </a:ln>
@@ -8777,7 +11058,7 @@
           <a:buFontTx/>
           <a:buNone/>
           <a:tabLst/>
-          <a:defRPr b="0" baseline="0" cap="none" i="0" spc="0" strike="noStrike" sz="1800" u="none" kumimoji="0" normalizeH="0">
+          <a:defRPr kumimoji="0" sz="1800" b="0" i="0" u="none" strike="noStrike" cap="none" spc="0" normalizeH="0" baseline="0">
             <a:ln>
               <a:noFill/>
             </a:ln>
@@ -8790,9 +11071,15 @@
         </a:lvl9pPr>
       </a:lstStyle>
       <a:style>
-        <a:lnRef idx="0"/>
-        <a:fillRef idx="0"/>
-        <a:effectRef idx="0"/>
+        <a:lnRef idx="0">
+          <a:scrgbClr r="0" g="0" b="0"/>
+        </a:lnRef>
+        <a:fillRef idx="0">
+          <a:scrgbClr r="0" g="0" b="0"/>
+        </a:fillRef>
+        <a:effectRef idx="0">
+          <a:scrgbClr r="0" g="0" b="0"/>
+        </a:effectRef>
         <a:fontRef idx="none"/>
       </a:style>
     </a:spDef>
@@ -8809,7 +11096,7 @@
         <a:effectLst/>
         <a:sp3d/>
       </a:spPr>
-      <a:bodyPr rot="0" spcFirstLastPara="1" vertOverflow="overflow" horzOverflow="overflow" vert="horz" wrap="square" lIns="91439" tIns="45719" rIns="91439" bIns="45719" numCol="1" spcCol="38100" rtlCol="0" anchor="t" upright="0">
+      <a:bodyPr rot="0" spcFirstLastPara="1" vertOverflow="overflow" horzOverflow="overflow" vert="horz" wrap="square" lIns="91439" tIns="45719" rIns="91439" bIns="45719" numCol="1" spcCol="38100" rtlCol="0" anchor="t">
         <a:noAutofit/>
       </a:bodyPr>
       <a:lstStyle>
@@ -8828,7 +11115,7 @@
           <a:buFontTx/>
           <a:buNone/>
           <a:tabLst/>
-          <a:defRPr b="0" baseline="0" cap="none" i="0" spc="0" strike="noStrike" sz="1800" u="none" kumimoji="0" normalizeH="0">
+          <a:defRPr kumimoji="0" sz="1800" b="0" i="0" u="none" strike="noStrike" cap="none" spc="0" normalizeH="0" baseline="0">
             <a:ln>
               <a:noFill/>
             </a:ln>
@@ -8854,7 +11141,7 @@
           <a:buFontTx/>
           <a:buNone/>
           <a:tabLst/>
-          <a:defRPr b="0" baseline="0" cap="none" i="0" spc="0" strike="noStrike" sz="1800" u="none" kumimoji="0" normalizeH="0">
+          <a:defRPr kumimoji="0" sz="1800" b="0" i="0" u="none" strike="noStrike" cap="none" spc="0" normalizeH="0" baseline="0">
             <a:ln>
               <a:noFill/>
             </a:ln>
@@ -8880,7 +11167,7 @@
           <a:buFontTx/>
           <a:buNone/>
           <a:tabLst/>
-          <a:defRPr b="0" baseline="0" cap="none" i="0" spc="0" strike="noStrike" sz="1800" u="none" kumimoji="0" normalizeH="0">
+          <a:defRPr kumimoji="0" sz="1800" b="0" i="0" u="none" strike="noStrike" cap="none" spc="0" normalizeH="0" baseline="0">
             <a:ln>
               <a:noFill/>
             </a:ln>
@@ -8906,7 +11193,7 @@
           <a:buFontTx/>
           <a:buNone/>
           <a:tabLst/>
-          <a:defRPr b="0" baseline="0" cap="none" i="0" spc="0" strike="noStrike" sz="1800" u="none" kumimoji="0" normalizeH="0">
+          <a:defRPr kumimoji="0" sz="1800" b="0" i="0" u="none" strike="noStrike" cap="none" spc="0" normalizeH="0" baseline="0">
             <a:ln>
               <a:noFill/>
             </a:ln>
@@ -8932,7 +11219,7 @@
           <a:buFontTx/>
           <a:buNone/>
           <a:tabLst/>
-          <a:defRPr b="0" baseline="0" cap="none" i="0" spc="0" strike="noStrike" sz="1800" u="none" kumimoji="0" normalizeH="0">
+          <a:defRPr kumimoji="0" sz="1800" b="0" i="0" u="none" strike="noStrike" cap="none" spc="0" normalizeH="0" baseline="0">
             <a:ln>
               <a:noFill/>
             </a:ln>
@@ -8958,7 +11245,7 @@
           <a:buFontTx/>
           <a:buNone/>
           <a:tabLst/>
-          <a:defRPr b="0" baseline="0" cap="none" i="0" spc="0" strike="noStrike" sz="1800" u="none" kumimoji="0" normalizeH="0">
+          <a:defRPr kumimoji="0" sz="1800" b="0" i="0" u="none" strike="noStrike" cap="none" spc="0" normalizeH="0" baseline="0">
             <a:ln>
               <a:noFill/>
             </a:ln>
@@ -8984,7 +11271,7 @@
           <a:buFontTx/>
           <a:buNone/>
           <a:tabLst/>
-          <a:defRPr b="0" baseline="0" cap="none" i="0" spc="0" strike="noStrike" sz="1800" u="none" kumimoji="0" normalizeH="0">
+          <a:defRPr kumimoji="0" sz="1800" b="0" i="0" u="none" strike="noStrike" cap="none" spc="0" normalizeH="0" baseline="0">
             <a:ln>
               <a:noFill/>
             </a:ln>
@@ -9010,7 +11297,7 @@
           <a:buFontTx/>
           <a:buNone/>
           <a:tabLst/>
-          <a:defRPr b="0" baseline="0" cap="none" i="0" spc="0" strike="noStrike" sz="1800" u="none" kumimoji="0" normalizeH="0">
+          <a:defRPr kumimoji="0" sz="1800" b="0" i="0" u="none" strike="noStrike" cap="none" spc="0" normalizeH="0" baseline="0">
             <a:ln>
               <a:noFill/>
             </a:ln>
@@ -9036,7 +11323,7 @@
           <a:buFontTx/>
           <a:buNone/>
           <a:tabLst/>
-          <a:defRPr b="0" baseline="0" cap="none" i="0" spc="0" strike="noStrike" sz="1800" u="none" kumimoji="0" normalizeH="0">
+          <a:defRPr kumimoji="0" sz="1800" b="0" i="0" u="none" strike="noStrike" cap="none" spc="0" normalizeH="0" baseline="0">
             <a:ln>
               <a:noFill/>
             </a:ln>
@@ -9062,7 +11349,7 @@
           <a:buFontTx/>
           <a:buNone/>
           <a:tabLst/>
-          <a:defRPr b="0" baseline="0" cap="none" i="0" spc="0" strike="noStrike" sz="1800" u="none" kumimoji="0" normalizeH="0">
+          <a:defRPr kumimoji="0" sz="1800" b="0" i="0" u="none" strike="noStrike" cap="none" spc="0" normalizeH="0" baseline="0">
             <a:ln>
               <a:noFill/>
             </a:ln>
@@ -9075,9 +11362,15 @@
         </a:lvl9pPr>
       </a:lstStyle>
       <a:style>
-        <a:lnRef idx="0"/>
-        <a:fillRef idx="0"/>
-        <a:effectRef idx="0"/>
+        <a:lnRef idx="0">
+          <a:scrgbClr r="0" g="0" b="0"/>
+        </a:lnRef>
+        <a:fillRef idx="0">
+          <a:scrgbClr r="0" g="0" b="0"/>
+        </a:fillRef>
+        <a:effectRef idx="0">
+          <a:scrgbClr r="0" g="0" b="0"/>
+        </a:effectRef>
         <a:fontRef idx="none"/>
       </a:style>
     </a:lnDef>
@@ -9091,7 +11384,7 @@
         <a:effectLst/>
         <a:sp3d/>
       </a:spPr>
-      <a:bodyPr rot="0" spcFirstLastPara="1" vertOverflow="overflow" horzOverflow="overflow" vert="horz" wrap="square" lIns="50800" tIns="50800" rIns="50800" bIns="50800" numCol="1" spcCol="38100" rtlCol="0" anchor="ctr" upright="0">
+      <a:bodyPr rot="0" spcFirstLastPara="1" vertOverflow="overflow" horzOverflow="overflow" vert="horz" wrap="square" lIns="50800" tIns="50800" rIns="50800" bIns="50800" numCol="1" spcCol="38100" rtlCol="0" anchor="ctr">
         <a:spAutoFit/>
       </a:bodyPr>
       <a:lstStyle>
@@ -9110,7 +11403,7 @@
           <a:buFontTx/>
           <a:buNone/>
           <a:tabLst/>
-          <a:defRPr b="0" baseline="0" cap="none" i="0" spc="0" strike="noStrike" sz="2000" u="none" kumimoji="0" normalizeH="0">
+          <a:defRPr kumimoji="0" sz="2000" b="0" i="0" u="none" strike="noStrike" cap="none" spc="0" normalizeH="0" baseline="0">
             <a:ln>
               <a:noFill/>
             </a:ln>
@@ -9140,7 +11433,7 @@
           <a:buFontTx/>
           <a:buNone/>
           <a:tabLst/>
-          <a:defRPr b="0" baseline="0" cap="none" i="0" spc="0" strike="noStrike" sz="1800" u="none" kumimoji="0" normalizeH="0">
+          <a:defRPr kumimoji="0" sz="1800" b="0" i="0" u="none" strike="noStrike" cap="none" spc="0" normalizeH="0" baseline="0">
             <a:ln>
               <a:noFill/>
             </a:ln>
@@ -9166,7 +11459,7 @@
           <a:buFontTx/>
           <a:buNone/>
           <a:tabLst/>
-          <a:defRPr b="0" baseline="0" cap="none" i="0" spc="0" strike="noStrike" sz="1800" u="none" kumimoji="0" normalizeH="0">
+          <a:defRPr kumimoji="0" sz="1800" b="0" i="0" u="none" strike="noStrike" cap="none" spc="0" normalizeH="0" baseline="0">
             <a:ln>
               <a:noFill/>
             </a:ln>
@@ -9192,7 +11485,7 @@
           <a:buFontTx/>
           <a:buNone/>
           <a:tabLst/>
-          <a:defRPr b="0" baseline="0" cap="none" i="0" spc="0" strike="noStrike" sz="1800" u="none" kumimoji="0" normalizeH="0">
+          <a:defRPr kumimoji="0" sz="1800" b="0" i="0" u="none" strike="noStrike" cap="none" spc="0" normalizeH="0" baseline="0">
             <a:ln>
               <a:noFill/>
             </a:ln>
@@ -9218,7 +11511,7 @@
           <a:buFontTx/>
           <a:buNone/>
           <a:tabLst/>
-          <a:defRPr b="0" baseline="0" cap="none" i="0" spc="0" strike="noStrike" sz="1800" u="none" kumimoji="0" normalizeH="0">
+          <a:defRPr kumimoji="0" sz="1800" b="0" i="0" u="none" strike="noStrike" cap="none" spc="0" normalizeH="0" baseline="0">
             <a:ln>
               <a:noFill/>
             </a:ln>
@@ -9244,7 +11537,7 @@
           <a:buFontTx/>
           <a:buNone/>
           <a:tabLst/>
-          <a:defRPr b="0" baseline="0" cap="none" i="0" spc="0" strike="noStrike" sz="1800" u="none" kumimoji="0" normalizeH="0">
+          <a:defRPr kumimoji="0" sz="1800" b="0" i="0" u="none" strike="noStrike" cap="none" spc="0" normalizeH="0" baseline="0">
             <a:ln>
               <a:noFill/>
             </a:ln>
@@ -9270,7 +11563,7 @@
           <a:buFontTx/>
           <a:buNone/>
           <a:tabLst/>
-          <a:defRPr b="0" baseline="0" cap="none" i="0" spc="0" strike="noStrike" sz="1800" u="none" kumimoji="0" normalizeH="0">
+          <a:defRPr kumimoji="0" sz="1800" b="0" i="0" u="none" strike="noStrike" cap="none" spc="0" normalizeH="0" baseline="0">
             <a:ln>
               <a:noFill/>
             </a:ln>
@@ -9296,7 +11589,7 @@
           <a:buFontTx/>
           <a:buNone/>
           <a:tabLst/>
-          <a:defRPr b="0" baseline="0" cap="none" i="0" spc="0" strike="noStrike" sz="1800" u="none" kumimoji="0" normalizeH="0">
+          <a:defRPr kumimoji="0" sz="1800" b="0" i="0" u="none" strike="noStrike" cap="none" spc="0" normalizeH="0" baseline="0">
             <a:ln>
               <a:noFill/>
             </a:ln>
@@ -9322,7 +11615,7 @@
           <a:buFontTx/>
           <a:buNone/>
           <a:tabLst/>
-          <a:defRPr b="0" baseline="0" cap="none" i="0" spc="0" strike="noStrike" sz="1800" u="none" kumimoji="0" normalizeH="0">
+          <a:defRPr kumimoji="0" sz="1800" b="0" i="0" u="none" strike="noStrike" cap="none" spc="0" normalizeH="0" baseline="0">
             <a:ln>
               <a:noFill/>
             </a:ln>
@@ -9348,7 +11641,7 @@
           <a:buFontTx/>
           <a:buNone/>
           <a:tabLst/>
-          <a:defRPr b="0" baseline="0" cap="none" i="0" spc="0" strike="noStrike" sz="1800" u="none" kumimoji="0" normalizeH="0">
+          <a:defRPr kumimoji="0" sz="1800" b="0" i="0" u="none" strike="noStrike" cap="none" spc="0" normalizeH="0" baseline="0">
             <a:ln>
               <a:noFill/>
             </a:ln>
@@ -9361,12 +11654,19 @@
         </a:lvl9pPr>
       </a:lstStyle>
       <a:style>
-        <a:lnRef idx="0"/>
-        <a:fillRef idx="0"/>
-        <a:effectRef idx="0"/>
+        <a:lnRef idx="0">
+          <a:scrgbClr r="0" g="0" b="0"/>
+        </a:lnRef>
+        <a:fillRef idx="0">
+          <a:scrgbClr r="0" g="0" b="0"/>
+        </a:fillRef>
+        <a:effectRef idx="0">
+          <a:scrgbClr r="0" g="0" b="0"/>
+        </a:effectRef>
         <a:fontRef idx="none"/>
       </a:style>
     </a:txDef>
   </a:objectDefaults>
+  <a:extraClrSchemeLst/>
 </a:theme>
 </file>
--- a/PresentazionePowerPoint.pptx
+++ b/PresentazionePowerPoint.pptx
@@ -5,7 +5,7 @@
     <p:sldMasterId id="2147483648" r:id="rId1"/>
   </p:sldMasterIdLst>
   <p:notesMasterIdLst>
-    <p:notesMasterId r:id="rId18"/>
+    <p:notesMasterId r:id="rId19"/>
   </p:notesMasterIdLst>
   <p:sldIdLst>
     <p:sldId id="256" r:id="rId2"/>
@@ -24,6 +24,7 @@
     <p:sldId id="270" r:id="rId15"/>
     <p:sldId id="271" r:id="rId16"/>
     <p:sldId id="265" r:id="rId17"/>
+    <p:sldId id="272" r:id="rId18"/>
   </p:sldIdLst>
   <p:sldSz cx="13004800" cy="9753600"/>
   <p:notesSz cx="6858000" cy="9144000"/>
@@ -325,6 +326,11 @@
       </a:defRPr>
     </a:lvl9pPr>
   </p:defaultTextStyle>
+  <p:extLst>
+    <p:ext uri="{EFAFB233-063F-42B5-8137-9DF3F51BA10A}">
+      <p15:sldGuideLst xmlns:p15="http://schemas.microsoft.com/office/powerpoint/2012/main"/>
+    </p:ext>
+  </p:extLst>
 </p:presentation>
 </file>
 
@@ -5436,7 +5442,7 @@
             </a:pPr>
             <a:r>
               <a:rPr dirty="0"/>
-              <a:t>FINATI DAVIDE                           817508   </a:t>
+              <a:t>FINATI DAVIDE                          817508   </a:t>
             </a:r>
           </a:p>
         </p:txBody>
@@ -5548,7 +5554,64 @@
           </a:lstStyle>
           <a:p>
             <a:r>
-              <a:t>Consistenza:                                                                </a:t>
+              <a:rPr dirty="0" err="1"/>
+              <a:t>Consistenza</a:t>
+            </a:r>
+            <a:r>
+              <a:rPr dirty="0"/>
+              <a:t>:</a:t>
+            </a:r>
+            <a:r>
+              <a:rPr lang="it-IT" dirty="0"/>
+              <a:t> </a:t>
+            </a:r>
+          </a:p>
+          <a:p>
+            <a:r>
+              <a:rPr lang="it-IT" dirty="0"/>
+              <a:t>Dopo un’analisi dei risultati si può notare come siano presenti attributi che presentano una inconsistenza maggiore della media, tra questi troviamo: PE, </a:t>
+            </a:r>
+            <a:r>
+              <a:rPr lang="it-IT" dirty="0" err="1"/>
+              <a:t>Marketcap</a:t>
+            </a:r>
+            <a:r>
+              <a:rPr lang="it-IT" dirty="0"/>
+              <a:t> (dovuto ai diversi formati e arrotondamenti dei valori)</a:t>
+            </a:r>
+            <a:r>
+              <a:rPr dirty="0"/>
+              <a:t> </a:t>
+            </a:r>
+            <a:r>
+              <a:rPr lang="it-IT" dirty="0"/>
+              <a:t> e EPS</a:t>
+            </a:r>
+          </a:p>
+          <a:p>
+            <a:r>
+              <a:rPr lang="it-IT" dirty="0"/>
+              <a:t>È stata notata anche una inconsistenza nell’attributi di </a:t>
+            </a:r>
+            <a:r>
+              <a:rPr lang="it-IT" dirty="0" err="1"/>
+              <a:t>PreviousClose</a:t>
+            </a:r>
+            <a:r>
+              <a:rPr lang="it-IT" dirty="0"/>
+              <a:t> che in molti casi non è uguale all’</a:t>
+            </a:r>
+            <a:r>
+              <a:rPr lang="it-IT" dirty="0" err="1"/>
+              <a:t>OpenPrice</a:t>
+            </a:r>
+            <a:r>
+              <a:rPr lang="it-IT" dirty="0"/>
+              <a:t>, questo è stato riportato sottoforma di warning in quanto è possibile che non sia un errore in quanto sono possibili anche transazioni a mercato chiuso che non fanno coincidere i due valori. </a:t>
+            </a:r>
+            <a:r>
+              <a:rPr dirty="0"/>
+              <a:t>                                                           </a:t>
             </a:r>
           </a:p>
         </p:txBody>
@@ -6066,14 +6129,16 @@
         <p:spPr>
           <a:xfrm>
             <a:off x="406400" y="1389211"/>
-            <a:ext cx="12192000" cy="7462689"/>
+            <a:ext cx="12192000" cy="8053239"/>
           </a:xfrm>
           <a:prstGeom prst="rect">
             <a:avLst/>
           </a:prstGeom>
         </p:spPr>
         <p:txBody>
-          <a:bodyPr anchor="t"/>
+          <a:bodyPr anchor="t">
+            <a:normAutofit lnSpcReduction="10000"/>
+          </a:bodyPr>
           <a:lstStyle/>
           <a:p>
             <a:pPr marL="400050" indent="-400050" defTabSz="525779">
@@ -6106,7 +6171,7 @@
             </a:r>
             <a:r>
               <a:rPr lang="it-IT" dirty="0"/>
-              <a:t>58,8%</a:t>
+              <a:t>58,8% *</a:t>
             </a:r>
             <a:endParaRPr dirty="0"/>
           </a:p>
@@ -6293,7 +6358,7 @@
             </a:r>
             <a:r>
               <a:rPr lang="it-IT" dirty="0"/>
-              <a:t>64%</a:t>
+              <a:t>64% *</a:t>
             </a:r>
             <a:endParaRPr dirty="0"/>
           </a:p>
@@ -6328,7 +6393,7 @@
             </a:r>
             <a:r>
               <a:rPr lang="it-IT" dirty="0"/>
-              <a:t>64,4%</a:t>
+              <a:t>64,4% *</a:t>
             </a:r>
             <a:endParaRPr dirty="0"/>
           </a:p>
@@ -6361,7 +6426,53 @@
               <a:rPr lang="it-IT" dirty="0"/>
               <a:t>20,2%</a:t>
             </a:r>
-            <a:endParaRPr dirty="0"/>
+          </a:p>
+          <a:p>
+            <a:pPr marL="400050" indent="-400050" defTabSz="525779">
+              <a:lnSpc>
+                <a:spcPct val="100000"/>
+              </a:lnSpc>
+              <a:spcBef>
+                <a:spcPts val="2500"/>
+              </a:spcBef>
+              <a:buClr>
+                <a:schemeClr val="accent1"/>
+              </a:buClr>
+              <a:buSzPct val="104999"/>
+              <a:buFont typeface="Avenir Next"/>
+              <a:buChar char="▸"/>
+              <a:defRPr sz="3059" cap="none" spc="0">
+                <a:latin typeface="Avenir Next Medium"/>
+                <a:ea typeface="Avenir Next Medium"/>
+                <a:cs typeface="Avenir Next Medium"/>
+                <a:sym typeface="Avenir Next Medium"/>
+              </a:defRPr>
+            </a:pPr>
+            <a:endParaRPr lang="it-IT" dirty="0"/>
+          </a:p>
+          <a:p>
+            <a:pPr defTabSz="525779">
+              <a:lnSpc>
+                <a:spcPct val="100000"/>
+              </a:lnSpc>
+              <a:spcBef>
+                <a:spcPts val="2500"/>
+              </a:spcBef>
+              <a:buClr>
+                <a:schemeClr val="accent1"/>
+              </a:buClr>
+              <a:buSzPct val="104999"/>
+              <a:defRPr sz="3059" cap="none" spc="0">
+                <a:latin typeface="Avenir Next Medium"/>
+                <a:ea typeface="Avenir Next Medium"/>
+                <a:cs typeface="Avenir Next Medium"/>
+                <a:sym typeface="Avenir Next Medium"/>
+              </a:defRPr>
+            </a:pPr>
+            <a:r>
+              <a:rPr lang="it-IT" dirty="0"/>
+              <a:t>*Attributi con elevati valori nulli che non sono stati presi in considerazione</a:t>
+            </a:r>
           </a:p>
         </p:txBody>
       </p:sp>
@@ -6917,7 +7028,7 @@
             </a:pPr>
             <a:r>
               <a:rPr lang="it-IT" dirty="0"/>
-              <a:t>** Si sono una eterogeneità nel calcolare l’attributo che descrive il prezzo di apertura che nella maggioranza dei casi è diverso dalle altre fonti, togliendo quell’attributo la precisione sarebbe del 69% </a:t>
+              <a:t>** C’è un’eterogeneità nel calcolare l’attributo che descrive il prezzo di apertura che nella maggioranza dei casi è diverso dalle altre fonti, togliendo quell’attributo la precisione sarebbe del 69% </a:t>
             </a:r>
           </a:p>
           <a:p>
@@ -7281,7 +7392,9 @@
           </a:prstGeom>
         </p:spPr>
         <p:txBody>
-          <a:bodyPr anchor="t"/>
+          <a:bodyPr anchor="t">
+            <a:normAutofit fontScale="92500" lnSpcReduction="10000"/>
+          </a:bodyPr>
           <a:lstStyle/>
           <a:p>
             <a:pPr marL="444500" indent="-444500" defTabSz="584200">
@@ -7331,9 +7444,162 @@
             </a:pPr>
             <a:r>
               <a:rPr lang="it-IT" dirty="0"/>
-              <a:t>…</a:t>
-            </a:r>
-          </a:p>
+              <a:t>Il nostro progetto si è concentrato sulla valutazione e il miglioramento di alcune metriche che riguardano data </a:t>
+            </a:r>
+            <a:r>
+              <a:rPr lang="it-IT" dirty="0" err="1"/>
+              <a:t>quality</a:t>
+            </a:r>
+            <a:r>
+              <a:rPr lang="it-IT" dirty="0"/>
+              <a:t>, il nostro approccio è stato del tipo data-</a:t>
+            </a:r>
+            <a:r>
+              <a:rPr lang="it-IT" dirty="0" err="1"/>
+              <a:t>driven</a:t>
+            </a:r>
+            <a:r>
+              <a:rPr lang="it-IT" dirty="0"/>
+              <a:t> sono stati cioè direttamente lavorati i dati a disposizione (es. normalizzazione e gestione valori nulli)</a:t>
+            </a:r>
+          </a:p>
+          <a:p>
+            <a:pPr marL="1215464" lvl="1" indent="-457200" defTabSz="584200">
+              <a:lnSpc>
+                <a:spcPct val="100000"/>
+              </a:lnSpc>
+              <a:spcBef>
+                <a:spcPts val="2800"/>
+              </a:spcBef>
+              <a:buClr>
+                <a:schemeClr val="accent1"/>
+              </a:buClr>
+              <a:buFont typeface="Arial" panose="020B0604020202020204" pitchFamily="34" charset="0"/>
+              <a:buChar char="•"/>
+              <a:defRPr sz="3400" cap="none" spc="0">
+                <a:latin typeface="Avenir Next Medium"/>
+                <a:ea typeface="Avenir Next Medium"/>
+                <a:cs typeface="Avenir Next Medium"/>
+                <a:sym typeface="Avenir Next Medium"/>
+              </a:defRPr>
+            </a:pPr>
+            <a:r>
+              <a:rPr lang="it-IT" dirty="0"/>
+              <a:t>I risultati della valutazione delle varie dimensioni di qualità dei dati hanno mostrato un insieme non indifferente di aspetti importanti, tra cui: la gestione dell’eterogeneità semantica dei dati che porta ad una diminuzione delle performance anche quando in realtà i dati non sono del tutto errati (nonostante normalizzazione e gestione valori nulli), una precisione globale sulle fonti non da disprezzare, questa però è ancora una volta peggiorata dai problemi di eterogeneità e mancanza dei valori che ne peggiorano le performance per alcuni attributi</a:t>
+            </a:r>
+          </a:p>
+          <a:p>
+            <a:pPr marL="1215464" lvl="1" indent="-457200" defTabSz="584200">
+              <a:lnSpc>
+                <a:spcPct val="100000"/>
+              </a:lnSpc>
+              <a:spcBef>
+                <a:spcPts val="2800"/>
+              </a:spcBef>
+              <a:buClr>
+                <a:schemeClr val="accent1"/>
+              </a:buClr>
+              <a:buFont typeface="Arial" panose="020B0604020202020204" pitchFamily="34" charset="0"/>
+              <a:buChar char="•"/>
+              <a:defRPr sz="3400" cap="none" spc="0">
+                <a:latin typeface="Avenir Next Medium"/>
+                <a:ea typeface="Avenir Next Medium"/>
+                <a:cs typeface="Avenir Next Medium"/>
+                <a:sym typeface="Avenir Next Medium"/>
+              </a:defRPr>
+            </a:pPr>
+            <a:endParaRPr lang="it-IT" dirty="0"/>
+          </a:p>
+        </p:txBody>
+      </p:sp>
+    </p:spTree>
+  </p:cSld>
+  <p:clrMapOvr>
+    <a:masterClrMapping/>
+  </p:clrMapOvr>
+  <p:transition spd="med"/>
+</p:sld>
+</file>
+
+<file path=ppt/slides/slide17.xml><?xml version="1.0" encoding="utf-8"?>
+<p:sld xmlns:a="http://schemas.openxmlformats.org/drawingml/2006/main" xmlns:r="http://schemas.openxmlformats.org/officeDocument/2006/relationships" xmlns:p="http://schemas.openxmlformats.org/presentationml/2006/main">
+  <p:cSld>
+    <p:spTree>
+      <p:nvGrpSpPr>
+        <p:cNvPr id="1" name=""/>
+        <p:cNvGrpSpPr/>
+        <p:nvPr/>
+      </p:nvGrpSpPr>
+      <p:grpSpPr>
+        <a:xfrm>
+          <a:off x="0" y="0"/>
+          <a:ext cx="0" cy="0"/>
+          <a:chOff x="0" y="0"/>
+          <a:chExt cx="0" cy="0"/>
+        </a:xfrm>
+      </p:grpSpPr>
+      <p:sp>
+        <p:nvSpPr>
+          <p:cNvPr id="214" name="DATASET"/>
+          <p:cNvSpPr txBox="1">
+            <a:spLocks noGrp="1"/>
+          </p:cNvSpPr>
+          <p:nvPr>
+            <p:ph type="title"/>
+          </p:nvPr>
+        </p:nvSpPr>
+        <p:spPr>
+          <a:xfrm>
+            <a:off x="406400" y="311150"/>
+            <a:ext cx="12192000" cy="723900"/>
+          </a:xfrm>
+          <a:prstGeom prst="rect">
+            <a:avLst/>
+          </a:prstGeom>
+        </p:spPr>
+        <p:txBody>
+          <a:bodyPr/>
+          <a:lstStyle>
+            <a:lvl1pPr defTabSz="467359">
+              <a:spcBef>
+                <a:spcPts val="2200"/>
+              </a:spcBef>
+              <a:defRPr sz="4800"/>
+            </a:lvl1pPr>
+          </a:lstStyle>
+          <a:p>
+            <a:r>
+              <a:rPr lang="it-IT" dirty="0"/>
+              <a:t>SVILUPPI FUTURI</a:t>
+            </a:r>
+            <a:endParaRPr dirty="0"/>
+          </a:p>
+        </p:txBody>
+      </p:sp>
+      <p:sp>
+        <p:nvSpPr>
+          <p:cNvPr id="215" name="MaxTemp: temperatura massima registrata…"/>
+          <p:cNvSpPr txBox="1">
+            <a:spLocks noGrp="1"/>
+          </p:cNvSpPr>
+          <p:nvPr>
+            <p:ph type="body" idx="1"/>
+          </p:nvPr>
+        </p:nvSpPr>
+        <p:spPr>
+          <a:xfrm>
+            <a:off x="406400" y="1389211"/>
+            <a:ext cx="12192000" cy="7462689"/>
+          </a:xfrm>
+          <a:prstGeom prst="rect">
+            <a:avLst/>
+          </a:prstGeom>
+        </p:spPr>
+        <p:txBody>
+          <a:bodyPr anchor="t">
+            <a:normAutofit/>
+          </a:bodyPr>
+          <a:lstStyle/>
           <a:p>
             <a:pPr marL="444500" indent="-444500" defTabSz="584200">
               <a:lnSpc>
@@ -7405,11 +7671,49 @@
                 <a:sym typeface="Avenir Next Medium"/>
               </a:defRPr>
             </a:pPr>
+            <a:r>
+              <a:rPr lang="it-IT" dirty="0"/>
+              <a:t>Attuare altri tipi di approccio (</a:t>
+            </a:r>
+            <a:r>
+              <a:rPr lang="it-IT" dirty="0" err="1"/>
+              <a:t>process-driven</a:t>
+            </a:r>
+            <a:r>
+              <a:rPr lang="it-IT" dirty="0"/>
+              <a:t>) al fine di migliorare la qualità dei dati</a:t>
+            </a:r>
+          </a:p>
+          <a:p>
+            <a:pPr marL="1215464" lvl="1" indent="-457200" defTabSz="584200">
+              <a:lnSpc>
+                <a:spcPct val="100000"/>
+              </a:lnSpc>
+              <a:spcBef>
+                <a:spcPts val="2800"/>
+              </a:spcBef>
+              <a:buClr>
+                <a:schemeClr val="accent1"/>
+              </a:buClr>
+              <a:buFont typeface="Arial" panose="020B0604020202020204" pitchFamily="34" charset="0"/>
+              <a:buChar char="•"/>
+              <a:defRPr sz="3400" cap="none" spc="0">
+                <a:latin typeface="Avenir Next Medium"/>
+                <a:ea typeface="Avenir Next Medium"/>
+                <a:cs typeface="Avenir Next Medium"/>
+                <a:sym typeface="Avenir Next Medium"/>
+              </a:defRPr>
+            </a:pPr>
             <a:endParaRPr lang="it-IT" dirty="0"/>
           </a:p>
         </p:txBody>
       </p:sp>
     </p:spTree>
+    <p:extLst>
+      <p:ext uri="{BB962C8B-B14F-4D97-AF65-F5344CB8AC3E}">
+        <p14:creationId xmlns:p14="http://schemas.microsoft.com/office/powerpoint/2010/main" val="1233080983"/>
+      </p:ext>
+    </p:extLst>
   </p:cSld>
   <p:clrMapOvr>
     <a:masterClrMapping/>
@@ -9433,7 +9737,7 @@
             </a:pPr>
             <a:r>
               <a:rPr lang="it-IT" dirty="0"/>
-              <a:t>Come già preventivato nel nostro caso siamo di fronte a ridondanza molto elevata. </a:t>
+              <a:t>Come già preventivato nel nostro caso siamo di fronte ad ridondanza molto elevata. </a:t>
             </a:r>
           </a:p>
           <a:p>
@@ -9459,7 +9763,7 @@
             </a:pPr>
             <a:r>
               <a:rPr lang="it-IT" dirty="0"/>
-              <a:t>In particolare avendo preso in considerazione solo le «fonti autorevoli» e solo i titoli presenti nell’indice NASDAQ tutte le fonti forniscono tutti i titoli, quindi a livello di oggetti abbiamo una ridondanza del 100%</a:t>
+              <a:t>In particolare avendo preso in considerazione solo le «fonti autorevoli» e solo i titoli presenti nell’indice NASDAQ tutte le fonti forniscono valori su tutti i titoli, quindi a livello di oggetti abbiamo una ridondanza del 100%</a:t>
             </a:r>
             <a:r>
               <a:rPr dirty="0"/>
@@ -9516,7 +9820,7 @@
             </a:pPr>
             <a:r>
               <a:rPr lang="it-IT" dirty="0"/>
-              <a:t>In generale però nel nostro contesto siamo in presenza di una ridondanza generale molto alta, data però dal dominio di tale analisi.</a:t>
+              <a:t>In generale però nel nostro contesto siamo in presenza di una ridondanza generale molto alta, data però dal dominio stesso di tale analisi.</a:t>
             </a:r>
             <a:endParaRPr dirty="0"/>
           </a:p>

--- a/PresentazionePowerPoint.pptx
+++ b/PresentazionePowerPoint.pptx
@@ -5,7 +5,7 @@
     <p:sldMasterId id="2147483648" r:id="rId1"/>
   </p:sldMasterIdLst>
   <p:notesMasterIdLst>
-    <p:notesMasterId r:id="rId19"/>
+    <p:notesMasterId r:id="rId20"/>
   </p:notesMasterIdLst>
   <p:sldIdLst>
     <p:sldId id="256" r:id="rId2"/>
@@ -13,18 +13,19 @@
     <p:sldId id="267" r:id="rId4"/>
     <p:sldId id="266" r:id="rId5"/>
     <p:sldId id="258" r:id="rId6"/>
-    <p:sldId id="259" r:id="rId7"/>
-    <p:sldId id="260" r:id="rId8"/>
-    <p:sldId id="268" r:id="rId9"/>
-    <p:sldId id="261" r:id="rId10"/>
-    <p:sldId id="262" r:id="rId11"/>
-    <p:sldId id="263" r:id="rId12"/>
-    <p:sldId id="264" r:id="rId13"/>
-    <p:sldId id="269" r:id="rId14"/>
-    <p:sldId id="270" r:id="rId15"/>
-    <p:sldId id="271" r:id="rId16"/>
-    <p:sldId id="265" r:id="rId17"/>
-    <p:sldId id="272" r:id="rId18"/>
+    <p:sldId id="274" r:id="rId7"/>
+    <p:sldId id="259" r:id="rId8"/>
+    <p:sldId id="260" r:id="rId9"/>
+    <p:sldId id="268" r:id="rId10"/>
+    <p:sldId id="261" r:id="rId11"/>
+    <p:sldId id="262" r:id="rId12"/>
+    <p:sldId id="263" r:id="rId13"/>
+    <p:sldId id="264" r:id="rId14"/>
+    <p:sldId id="269" r:id="rId15"/>
+    <p:sldId id="270" r:id="rId16"/>
+    <p:sldId id="271" r:id="rId17"/>
+    <p:sldId id="265" r:id="rId18"/>
+    <p:sldId id="272" r:id="rId19"/>
   </p:sldIdLst>
   <p:sldSz cx="13004800" cy="9753600"/>
   <p:notesSz cx="6858000" cy="9144000"/>
@@ -4424,7 +4425,7 @@
           </a:ln>
           <a:extLst>
             <a:ext uri="{C572A759-6A51-4108-AA02-DFA0A04FC94B}">
-              <ma14:wrappingTextBoxFlag xmlns:ma14="http://schemas.microsoft.com/office/mac/drawingml/2011/main" xmlns:a14="http://schemas.microsoft.com/office/drawing/2010/main" xmlns:m="http://schemas.openxmlformats.org/officeDocument/2006/math" xmlns="" val="1"/>
+              <ma14:wrappingTextBoxFlag xmlns="" xmlns:m="http://schemas.openxmlformats.org/officeDocument/2006/math" xmlns:a14="http://schemas.microsoft.com/office/drawing/2010/main" xmlns:ma14="http://schemas.microsoft.com/office/mac/drawingml/2011/main" val="1"/>
             </a:ext>
           </a:extLst>
         </p:spPr>
@@ -4463,7 +4464,7 @@
           </a:ln>
           <a:extLst>
             <a:ext uri="{C572A759-6A51-4108-AA02-DFA0A04FC94B}">
-              <ma14:wrappingTextBoxFlag xmlns:ma14="http://schemas.microsoft.com/office/mac/drawingml/2011/main" xmlns:a14="http://schemas.microsoft.com/office/drawing/2010/main" xmlns:m="http://schemas.openxmlformats.org/officeDocument/2006/math" xmlns="" val="1"/>
+              <ma14:wrappingTextBoxFlag xmlns="" xmlns:m="http://schemas.openxmlformats.org/officeDocument/2006/math" xmlns:a14="http://schemas.microsoft.com/office/drawing/2010/main" xmlns:ma14="http://schemas.microsoft.com/office/mac/drawingml/2011/main" val="1"/>
             </a:ext>
           </a:extLst>
         </p:spPr>
@@ -5475,6 +5476,206 @@
       </p:grpSpPr>
       <p:sp>
         <p:nvSpPr>
+          <p:cNvPr id="202" name="DATASET"/>
+          <p:cNvSpPr txBox="1">
+            <a:spLocks noGrp="1"/>
+          </p:cNvSpPr>
+          <p:nvPr>
+            <p:ph type="title"/>
+          </p:nvPr>
+        </p:nvSpPr>
+        <p:spPr>
+          <a:xfrm>
+            <a:off x="406400" y="311150"/>
+            <a:ext cx="12192000" cy="723900"/>
+          </a:xfrm>
+          <a:prstGeom prst="rect">
+            <a:avLst/>
+          </a:prstGeom>
+        </p:spPr>
+        <p:txBody>
+          <a:bodyPr/>
+          <a:lstStyle>
+            <a:lvl1pPr defTabSz="467359">
+              <a:spcBef>
+                <a:spcPts val="2200"/>
+              </a:spcBef>
+              <a:defRPr sz="4800"/>
+            </a:lvl1pPr>
+          </a:lstStyle>
+          <a:p>
+            <a:r>
+              <a:rPr dirty="0" err="1"/>
+              <a:t>Ridondanza</a:t>
+            </a:r>
+            <a:endParaRPr dirty="0"/>
+          </a:p>
+        </p:txBody>
+      </p:sp>
+      <p:sp>
+        <p:nvSpPr>
+          <p:cNvPr id="203" name="MaxTemp: temperatura massima registrata…"/>
+          <p:cNvSpPr txBox="1">
+            <a:spLocks noGrp="1"/>
+          </p:cNvSpPr>
+          <p:nvPr>
+            <p:ph type="body" idx="1"/>
+          </p:nvPr>
+        </p:nvSpPr>
+        <p:spPr>
+          <a:xfrm>
+            <a:off x="406400" y="1389211"/>
+            <a:ext cx="12192000" cy="8053239"/>
+          </a:xfrm>
+          <a:prstGeom prst="rect">
+            <a:avLst/>
+          </a:prstGeom>
+        </p:spPr>
+        <p:txBody>
+          <a:bodyPr anchor="t">
+            <a:normAutofit/>
+          </a:bodyPr>
+          <a:lstStyle/>
+          <a:p>
+            <a:pPr marL="444500" indent="-444500" defTabSz="584200">
+              <a:lnSpc>
+                <a:spcPct val="100000"/>
+              </a:lnSpc>
+              <a:spcBef>
+                <a:spcPts val="2800"/>
+              </a:spcBef>
+              <a:buClr>
+                <a:schemeClr val="accent1"/>
+              </a:buClr>
+              <a:buSzPct val="104999"/>
+              <a:buFont typeface="Avenir Next"/>
+              <a:buChar char="▸"/>
+              <a:defRPr sz="3400" cap="none" spc="0">
+                <a:latin typeface="Avenir Next Medium"/>
+                <a:ea typeface="Avenir Next Medium"/>
+                <a:cs typeface="Avenir Next Medium"/>
+                <a:sym typeface="Avenir Next Medium"/>
+              </a:defRPr>
+            </a:pPr>
+            <a:r>
+              <a:rPr lang="it-IT" dirty="0"/>
+              <a:t>Come già preventivato nel nostro caso siamo di fronte ad ridondanza molto elevata. </a:t>
+            </a:r>
+          </a:p>
+          <a:p>
+            <a:pPr marL="444500" indent="-444500" defTabSz="584200">
+              <a:lnSpc>
+                <a:spcPct val="100000"/>
+              </a:lnSpc>
+              <a:spcBef>
+                <a:spcPts val="2800"/>
+              </a:spcBef>
+              <a:buClr>
+                <a:schemeClr val="accent1"/>
+              </a:buClr>
+              <a:buSzPct val="104999"/>
+              <a:buFont typeface="Avenir Next"/>
+              <a:buChar char="▸"/>
+              <a:defRPr sz="3400" cap="none" spc="0">
+                <a:latin typeface="Avenir Next Medium"/>
+                <a:ea typeface="Avenir Next Medium"/>
+                <a:cs typeface="Avenir Next Medium"/>
+                <a:sym typeface="Avenir Next Medium"/>
+              </a:defRPr>
+            </a:pPr>
+            <a:r>
+              <a:rPr lang="it-IT" dirty="0"/>
+              <a:t>In particolare avendo preso in considerazione solo le «fonti autorevoli» e solo i titoli presenti nell’indice NASDAQ tutte le fonti forniscono valori su tutti i titoli, quindi a livello di oggetti abbiamo una ridondanza del 100%</a:t>
+            </a:r>
+            <a:r>
+              <a:rPr dirty="0"/>
+              <a:t> </a:t>
+            </a:r>
+            <a:endParaRPr lang="it-IT" dirty="0"/>
+          </a:p>
+          <a:p>
+            <a:pPr marL="444500" indent="-444500" defTabSz="584200">
+              <a:lnSpc>
+                <a:spcPct val="100000"/>
+              </a:lnSpc>
+              <a:spcBef>
+                <a:spcPts val="2800"/>
+              </a:spcBef>
+              <a:buClr>
+                <a:schemeClr val="accent1"/>
+              </a:buClr>
+              <a:buSzPct val="104999"/>
+              <a:buFont typeface="Avenir Next"/>
+              <a:buChar char="▸"/>
+              <a:defRPr sz="3400" cap="none" spc="0">
+                <a:latin typeface="Avenir Next Medium"/>
+                <a:ea typeface="Avenir Next Medium"/>
+                <a:cs typeface="Avenir Next Medium"/>
+                <a:sym typeface="Avenir Next Medium"/>
+              </a:defRPr>
+            </a:pPr>
+            <a:r>
+              <a:rPr lang="it-IT" dirty="0"/>
+              <a:t>A livello di attributi invece la ridondanza è minore in quanto le diverse fonti forniscono set di attributi diversi.</a:t>
+            </a:r>
+          </a:p>
+          <a:p>
+            <a:pPr marL="444500" indent="-444500" defTabSz="584200">
+              <a:lnSpc>
+                <a:spcPct val="100000"/>
+              </a:lnSpc>
+              <a:spcBef>
+                <a:spcPts val="2800"/>
+              </a:spcBef>
+              <a:buClr>
+                <a:schemeClr val="accent1"/>
+              </a:buClr>
+              <a:buSzPct val="104999"/>
+              <a:buFont typeface="Avenir Next"/>
+              <a:buChar char="▸"/>
+              <a:defRPr sz="3400" cap="none" spc="0">
+                <a:latin typeface="Avenir Next Medium"/>
+                <a:ea typeface="Avenir Next Medium"/>
+                <a:cs typeface="Avenir Next Medium"/>
+                <a:sym typeface="Avenir Next Medium"/>
+              </a:defRPr>
+            </a:pPr>
+            <a:r>
+              <a:rPr lang="it-IT" dirty="0"/>
+              <a:t>In generale però nel nostro contesto siamo in presenza di una ridondanza generale molto alta, data però dal dominio stesso di tale analisi.</a:t>
+            </a:r>
+            <a:endParaRPr dirty="0"/>
+          </a:p>
+        </p:txBody>
+      </p:sp>
+    </p:spTree>
+  </p:cSld>
+  <p:clrMapOvr>
+    <a:masterClrMapping/>
+  </p:clrMapOvr>
+  <p:transition spd="med"/>
+</p:sld>
+</file>
+
+<file path=ppt/slides/slide11.xml><?xml version="1.0" encoding="utf-8"?>
+<p:sld xmlns:a="http://schemas.openxmlformats.org/drawingml/2006/main" xmlns:r="http://schemas.openxmlformats.org/officeDocument/2006/relationships" xmlns:p="http://schemas.openxmlformats.org/presentationml/2006/main">
+  <p:cSld>
+    <p:spTree>
+      <p:nvGrpSpPr>
+        <p:cNvPr id="1" name=""/>
+        <p:cNvGrpSpPr/>
+        <p:nvPr/>
+      </p:nvGrpSpPr>
+      <p:grpSpPr>
+        <a:xfrm>
+          <a:off x="0" y="0"/>
+          <a:ext cx="0" cy="0"/>
+          <a:chOff x="0" y="0"/>
+          <a:chExt cx="0" cy="0"/>
+        </a:xfrm>
+      </p:grpSpPr>
+      <p:sp>
+        <p:nvSpPr>
           <p:cNvPr id="205" name="DATASET"/>
           <p:cNvSpPr txBox="1">
             <a:spLocks noGrp="1"/>
@@ -5625,7 +5826,7 @@
 </p:sld>
 </file>
 
-<file path=ppt/slides/slide11.xml><?xml version="1.0" encoding="utf-8"?>
+<file path=ppt/slides/slide12.xml><?xml version="1.0" encoding="utf-8"?>
 <p:sld xmlns:a="http://schemas.openxmlformats.org/drawingml/2006/main" xmlns:r="http://schemas.openxmlformats.org/officeDocument/2006/relationships" xmlns:p="http://schemas.openxmlformats.org/presentationml/2006/main">
   <p:cSld>
     <p:spTree>
@@ -6044,434 +6245,6 @@
             <a:r>
               <a:rPr dirty="0"/>
               <a:t>: 95.2%</a:t>
-            </a:r>
-          </a:p>
-        </p:txBody>
-      </p:sp>
-    </p:spTree>
-  </p:cSld>
-  <p:clrMapOvr>
-    <a:masterClrMapping/>
-  </p:clrMapOvr>
-  <p:transition spd="med"/>
-</p:sld>
-</file>
-
-<file path=ppt/slides/slide12.xml><?xml version="1.0" encoding="utf-8"?>
-<p:sld xmlns:a="http://schemas.openxmlformats.org/drawingml/2006/main" xmlns:r="http://schemas.openxmlformats.org/officeDocument/2006/relationships" xmlns:p="http://schemas.openxmlformats.org/presentationml/2006/main">
-  <p:cSld>
-    <p:spTree>
-      <p:nvGrpSpPr>
-        <p:cNvPr id="1" name=""/>
-        <p:cNvGrpSpPr/>
-        <p:nvPr/>
-      </p:nvGrpSpPr>
-      <p:grpSpPr>
-        <a:xfrm>
-          <a:off x="0" y="0"/>
-          <a:ext cx="0" cy="0"/>
-          <a:chOff x="0" y="0"/>
-          <a:chExt cx="0" cy="0"/>
-        </a:xfrm>
-      </p:grpSpPr>
-      <p:sp>
-        <p:nvSpPr>
-          <p:cNvPr id="211" name="DATASET"/>
-          <p:cNvSpPr txBox="1">
-            <a:spLocks noGrp="1"/>
-          </p:cNvSpPr>
-          <p:nvPr>
-            <p:ph type="title"/>
-          </p:nvPr>
-        </p:nvSpPr>
-        <p:spPr>
-          <a:xfrm>
-            <a:off x="406400" y="311150"/>
-            <a:ext cx="12192000" cy="723900"/>
-          </a:xfrm>
-          <a:prstGeom prst="rect">
-            <a:avLst/>
-          </a:prstGeom>
-        </p:spPr>
-        <p:txBody>
-          <a:bodyPr/>
-          <a:lstStyle>
-            <a:lvl1pPr defTabSz="467359">
-              <a:spcBef>
-                <a:spcPts val="2200"/>
-              </a:spcBef>
-              <a:defRPr sz="4800"/>
-            </a:lvl1pPr>
-          </a:lstStyle>
-          <a:p>
-            <a:r>
-              <a:rPr dirty="0"/>
-              <a:t>PRECISIONE </a:t>
-            </a:r>
-            <a:r>
-              <a:rPr lang="it-IT" dirty="0"/>
-              <a:t>(attributi)</a:t>
-            </a:r>
-            <a:endParaRPr dirty="0"/>
-          </a:p>
-        </p:txBody>
-      </p:sp>
-      <p:sp>
-        <p:nvSpPr>
-          <p:cNvPr id="212" name="MaxTemp: temperatura massima registrata…"/>
-          <p:cNvSpPr txBox="1">
-            <a:spLocks noGrp="1"/>
-          </p:cNvSpPr>
-          <p:nvPr>
-            <p:ph type="body" idx="1"/>
-          </p:nvPr>
-        </p:nvSpPr>
-        <p:spPr>
-          <a:xfrm>
-            <a:off x="406400" y="1389211"/>
-            <a:ext cx="12192000" cy="8053239"/>
-          </a:xfrm>
-          <a:prstGeom prst="rect">
-            <a:avLst/>
-          </a:prstGeom>
-        </p:spPr>
-        <p:txBody>
-          <a:bodyPr anchor="t">
-            <a:normAutofit lnSpcReduction="10000"/>
-          </a:bodyPr>
-          <a:lstStyle/>
-          <a:p>
-            <a:pPr marL="400050" indent="-400050" defTabSz="525779">
-              <a:lnSpc>
-                <a:spcPct val="100000"/>
-              </a:lnSpc>
-              <a:spcBef>
-                <a:spcPts val="2500"/>
-              </a:spcBef>
-              <a:buClr>
-                <a:schemeClr val="accent1"/>
-              </a:buClr>
-              <a:buSzPct val="104999"/>
-              <a:buFont typeface="Avenir Next"/>
-              <a:buChar char="▸"/>
-              <a:defRPr sz="3059" cap="none" spc="0">
-                <a:latin typeface="Avenir Next Medium"/>
-                <a:ea typeface="Avenir Next Medium"/>
-                <a:cs typeface="Avenir Next Medium"/>
-                <a:sym typeface="Avenir Next Medium"/>
-              </a:defRPr>
-            </a:pPr>
-            <a:r>
-              <a:rPr dirty="0" err="1"/>
-              <a:t>PreviousClose</a:t>
-            </a:r>
-            <a:r>
-              <a:rPr dirty="0"/>
-              <a:t>: </a:t>
-            </a:r>
-            <a:r>
-              <a:rPr lang="it-IT" dirty="0"/>
-              <a:t>58,8% *</a:t>
-            </a:r>
-            <a:endParaRPr dirty="0"/>
-          </a:p>
-          <a:p>
-            <a:pPr marL="400050" indent="-400050" defTabSz="525779">
-              <a:lnSpc>
-                <a:spcPct val="100000"/>
-              </a:lnSpc>
-              <a:spcBef>
-                <a:spcPts val="2500"/>
-              </a:spcBef>
-              <a:buClr>
-                <a:schemeClr val="accent1"/>
-              </a:buClr>
-              <a:buSzPct val="104999"/>
-              <a:buFont typeface="Avenir Next"/>
-              <a:buChar char="▸"/>
-              <a:defRPr sz="3059" cap="none" spc="0">
-                <a:latin typeface="Avenir Next Medium"/>
-                <a:ea typeface="Avenir Next Medium"/>
-                <a:cs typeface="Avenir Next Medium"/>
-                <a:sym typeface="Avenir Next Medium"/>
-              </a:defRPr>
-            </a:pPr>
-            <a:r>
-              <a:rPr dirty="0" err="1"/>
-              <a:t>YearHigh</a:t>
-            </a:r>
-            <a:r>
-              <a:rPr dirty="0"/>
-              <a:t>: 86%</a:t>
-            </a:r>
-          </a:p>
-          <a:p>
-            <a:pPr marL="400050" indent="-400050" defTabSz="525779">
-              <a:lnSpc>
-                <a:spcPct val="100000"/>
-              </a:lnSpc>
-              <a:spcBef>
-                <a:spcPts val="2500"/>
-              </a:spcBef>
-              <a:buClr>
-                <a:schemeClr val="accent1"/>
-              </a:buClr>
-              <a:buSzPct val="104999"/>
-              <a:buFont typeface="Avenir Next"/>
-              <a:buChar char="▸"/>
-              <a:defRPr sz="3059" cap="none" spc="0">
-                <a:latin typeface="Avenir Next Medium"/>
-                <a:ea typeface="Avenir Next Medium"/>
-                <a:cs typeface="Avenir Next Medium"/>
-                <a:sym typeface="Avenir Next Medium"/>
-              </a:defRPr>
-            </a:pPr>
-            <a:r>
-              <a:rPr dirty="0" err="1"/>
-              <a:t>YearLow</a:t>
-            </a:r>
-            <a:r>
-              <a:rPr dirty="0"/>
-              <a:t>: 94%</a:t>
-            </a:r>
-          </a:p>
-          <a:p>
-            <a:pPr marL="400050" indent="-400050" defTabSz="525779">
-              <a:lnSpc>
-                <a:spcPct val="100000"/>
-              </a:lnSpc>
-              <a:spcBef>
-                <a:spcPts val="2500"/>
-              </a:spcBef>
-              <a:buClr>
-                <a:schemeClr val="accent1"/>
-              </a:buClr>
-              <a:buSzPct val="104999"/>
-              <a:buFont typeface="Avenir Next"/>
-              <a:buChar char="▸"/>
-              <a:defRPr sz="3059" cap="none" spc="0">
-                <a:latin typeface="Avenir Next Medium"/>
-                <a:ea typeface="Avenir Next Medium"/>
-                <a:cs typeface="Avenir Next Medium"/>
-                <a:sym typeface="Avenir Next Medium"/>
-              </a:defRPr>
-            </a:pPr>
-            <a:r>
-              <a:rPr dirty="0" err="1"/>
-              <a:t>NShares</a:t>
-            </a:r>
-            <a:r>
-              <a:rPr dirty="0"/>
-              <a:t>: </a:t>
-            </a:r>
-            <a:r>
-              <a:rPr lang="it-IT" dirty="0"/>
-              <a:t>20%</a:t>
-            </a:r>
-            <a:endParaRPr dirty="0"/>
-          </a:p>
-          <a:p>
-            <a:pPr marL="400050" indent="-400050" defTabSz="525779">
-              <a:lnSpc>
-                <a:spcPct val="100000"/>
-              </a:lnSpc>
-              <a:spcBef>
-                <a:spcPts val="2500"/>
-              </a:spcBef>
-              <a:buClr>
-                <a:schemeClr val="accent1"/>
-              </a:buClr>
-              <a:buSzPct val="104999"/>
-              <a:buFont typeface="Avenir Next"/>
-              <a:buChar char="▸"/>
-              <a:defRPr sz="3059" cap="none" spc="0">
-                <a:latin typeface="Avenir Next Medium"/>
-                <a:ea typeface="Avenir Next Medium"/>
-                <a:cs typeface="Avenir Next Medium"/>
-                <a:sym typeface="Avenir Next Medium"/>
-              </a:defRPr>
-            </a:pPr>
-            <a:r>
-              <a:rPr dirty="0"/>
-              <a:t>PE:</a:t>
-            </a:r>
-            <a:r>
-              <a:rPr lang="it-IT" dirty="0"/>
-              <a:t>34,2%</a:t>
-            </a:r>
-            <a:endParaRPr dirty="0"/>
-          </a:p>
-          <a:p>
-            <a:pPr marL="400050" indent="-400050" defTabSz="525779">
-              <a:lnSpc>
-                <a:spcPct val="100000"/>
-              </a:lnSpc>
-              <a:spcBef>
-                <a:spcPts val="2500"/>
-              </a:spcBef>
-              <a:buClr>
-                <a:schemeClr val="accent1"/>
-              </a:buClr>
-              <a:buSzPct val="104999"/>
-              <a:buFont typeface="Avenir Next"/>
-              <a:buChar char="▸"/>
-              <a:defRPr sz="3059" cap="none" spc="0">
-                <a:latin typeface="Avenir Next Medium"/>
-                <a:ea typeface="Avenir Next Medium"/>
-                <a:cs typeface="Avenir Next Medium"/>
-                <a:sym typeface="Avenir Next Medium"/>
-              </a:defRPr>
-            </a:pPr>
-            <a:r>
-              <a:rPr dirty="0" err="1"/>
-              <a:t>MarketCap</a:t>
-            </a:r>
-            <a:r>
-              <a:rPr dirty="0"/>
-              <a:t>: 20%</a:t>
-            </a:r>
-          </a:p>
-          <a:p>
-            <a:pPr marL="400050" indent="-400050" defTabSz="525779">
-              <a:lnSpc>
-                <a:spcPct val="100000"/>
-              </a:lnSpc>
-              <a:spcBef>
-                <a:spcPts val="2500"/>
-              </a:spcBef>
-              <a:buClr>
-                <a:schemeClr val="accent1"/>
-              </a:buClr>
-              <a:buSzPct val="104999"/>
-              <a:buFont typeface="Avenir Next"/>
-              <a:buChar char="▸"/>
-              <a:defRPr sz="3059" cap="none" spc="0">
-                <a:latin typeface="Avenir Next Medium"/>
-                <a:ea typeface="Avenir Next Medium"/>
-                <a:cs typeface="Avenir Next Medium"/>
-                <a:sym typeface="Avenir Next Medium"/>
-              </a:defRPr>
-            </a:pPr>
-            <a:r>
-              <a:rPr dirty="0"/>
-              <a:t>Yield: </a:t>
-            </a:r>
-            <a:r>
-              <a:rPr lang="it-IT" dirty="0"/>
-              <a:t>64% *</a:t>
-            </a:r>
-            <a:endParaRPr dirty="0"/>
-          </a:p>
-          <a:p>
-            <a:pPr marL="400050" indent="-400050" defTabSz="525779">
-              <a:lnSpc>
-                <a:spcPct val="100000"/>
-              </a:lnSpc>
-              <a:spcBef>
-                <a:spcPts val="2500"/>
-              </a:spcBef>
-              <a:buClr>
-                <a:schemeClr val="accent1"/>
-              </a:buClr>
-              <a:buSzPct val="104999"/>
-              <a:buFont typeface="Avenir Next"/>
-              <a:buChar char="▸"/>
-              <a:defRPr sz="3059" cap="none" spc="0">
-                <a:latin typeface="Avenir Next Medium"/>
-                <a:ea typeface="Avenir Next Medium"/>
-                <a:cs typeface="Avenir Next Medium"/>
-                <a:sym typeface="Avenir Next Medium"/>
-              </a:defRPr>
-            </a:pPr>
-            <a:r>
-              <a:rPr dirty="0" err="1"/>
-              <a:t>DividendYield</a:t>
-            </a:r>
-            <a:r>
-              <a:rPr dirty="0"/>
-              <a:t>: </a:t>
-            </a:r>
-            <a:r>
-              <a:rPr lang="it-IT" dirty="0"/>
-              <a:t>64,4% *</a:t>
-            </a:r>
-            <a:endParaRPr dirty="0"/>
-          </a:p>
-          <a:p>
-            <a:pPr marL="400050" indent="-400050" defTabSz="525779">
-              <a:lnSpc>
-                <a:spcPct val="100000"/>
-              </a:lnSpc>
-              <a:spcBef>
-                <a:spcPts val="2500"/>
-              </a:spcBef>
-              <a:buClr>
-                <a:schemeClr val="accent1"/>
-              </a:buClr>
-              <a:buSzPct val="104999"/>
-              <a:buFont typeface="Avenir Next"/>
-              <a:buChar char="▸"/>
-              <a:defRPr sz="3059" cap="none" spc="0">
-                <a:latin typeface="Avenir Next Medium"/>
-                <a:ea typeface="Avenir Next Medium"/>
-                <a:cs typeface="Avenir Next Medium"/>
-                <a:sym typeface="Avenir Next Medium"/>
-              </a:defRPr>
-            </a:pPr>
-            <a:r>
-              <a:rPr dirty="0"/>
-              <a:t>EPS: </a:t>
-            </a:r>
-            <a:r>
-              <a:rPr lang="it-IT" dirty="0"/>
-              <a:t>20,2%</a:t>
-            </a:r>
-          </a:p>
-          <a:p>
-            <a:pPr marL="400050" indent="-400050" defTabSz="525779">
-              <a:lnSpc>
-                <a:spcPct val="100000"/>
-              </a:lnSpc>
-              <a:spcBef>
-                <a:spcPts val="2500"/>
-              </a:spcBef>
-              <a:buClr>
-                <a:schemeClr val="accent1"/>
-              </a:buClr>
-              <a:buSzPct val="104999"/>
-              <a:buFont typeface="Avenir Next"/>
-              <a:buChar char="▸"/>
-              <a:defRPr sz="3059" cap="none" spc="0">
-                <a:latin typeface="Avenir Next Medium"/>
-                <a:ea typeface="Avenir Next Medium"/>
-                <a:cs typeface="Avenir Next Medium"/>
-                <a:sym typeface="Avenir Next Medium"/>
-              </a:defRPr>
-            </a:pPr>
-            <a:endParaRPr lang="it-IT" dirty="0"/>
-          </a:p>
-          <a:p>
-            <a:pPr defTabSz="525779">
-              <a:lnSpc>
-                <a:spcPct val="100000"/>
-              </a:lnSpc>
-              <a:spcBef>
-                <a:spcPts val="2500"/>
-              </a:spcBef>
-              <a:buClr>
-                <a:schemeClr val="accent1"/>
-              </a:buClr>
-              <a:buSzPct val="104999"/>
-              <a:defRPr sz="3059" cap="none" spc="0">
-                <a:latin typeface="Avenir Next Medium"/>
-                <a:ea typeface="Avenir Next Medium"/>
-                <a:cs typeface="Avenir Next Medium"/>
-                <a:sym typeface="Avenir Next Medium"/>
-              </a:defRPr>
-            </a:pPr>
-            <a:r>
-              <a:rPr lang="it-IT" dirty="0"/>
-              <a:t>*Attributi con elevati valori nulli che non sono stati presi in considerazione</a:t>
             </a:r>
           </a:p>
         </p:txBody>
@@ -6538,7 +6311,7 @@
             </a:r>
             <a:r>
               <a:rPr lang="it-IT" dirty="0"/>
-              <a:t>(ATTRIBUTI)</a:t>
+              <a:t>(attributi)</a:t>
             </a:r>
             <a:endParaRPr dirty="0"/>
           </a:p>
@@ -6557,7 +6330,7 @@
         <p:spPr>
           <a:xfrm>
             <a:off x="406400" y="1389211"/>
-            <a:ext cx="12192000" cy="7462689"/>
+            <a:ext cx="12192000" cy="8053239"/>
           </a:xfrm>
           <a:prstGeom prst="rect">
             <a:avLst/>
@@ -6590,12 +6363,21 @@
               </a:defRPr>
             </a:pPr>
             <a:r>
+              <a:rPr dirty="0" err="1"/>
+              <a:t>PreviousClose</a:t>
+            </a:r>
+            <a:r>
+              <a:rPr dirty="0"/>
+              <a:t>: </a:t>
+            </a:r>
+            <a:r>
               <a:rPr lang="it-IT" dirty="0"/>
-              <a:t>Per quanto riguarda la precisione sugli attributi ci sono diverse ragioni per spiegare gli attributi con bassa precisione:</a:t>
-            </a:r>
-          </a:p>
-          <a:p>
-            <a:pPr marL="514350" indent="-514350" defTabSz="525779">
+              <a:t>58,8% *</a:t>
+            </a:r>
+            <a:endParaRPr dirty="0"/>
+          </a:p>
+          <a:p>
+            <a:pPr marL="400050" indent="-400050" defTabSz="525779">
               <a:lnSpc>
                 <a:spcPct val="100000"/>
               </a:lnSpc>
@@ -6606,8 +6388,8 @@
                 <a:schemeClr val="accent1"/>
               </a:buClr>
               <a:buSzPct val="104999"/>
-              <a:buFont typeface="+mj-lt"/>
-              <a:buAutoNum type="arabicPeriod"/>
+              <a:buFont typeface="Avenir Next"/>
+              <a:buChar char="▸"/>
               <a:defRPr sz="3059" cap="none" spc="0">
                 <a:latin typeface="Avenir Next Medium"/>
                 <a:ea typeface="Avenir Next Medium"/>
@@ -6616,36 +6398,16 @@
               </a:defRPr>
             </a:pPr>
             <a:r>
-              <a:rPr lang="it-IT" dirty="0"/>
-              <a:t>Eterogeneità semantica: nella maggioranza casi la bassa precisione è dovuta ad una diversa semantica di rappresentazione rispetto alla </a:t>
-            </a:r>
-            <a:r>
-              <a:rPr lang="it-IT" dirty="0" err="1"/>
-              <a:t>groundtruth</a:t>
-            </a:r>
-            <a:r>
-              <a:rPr lang="it-IT" dirty="0"/>
-              <a:t>, soprattutto nel caso di attributi con decimali (diverso arrotondamento e formato) (es. </a:t>
-            </a:r>
-            <a:r>
-              <a:rPr lang="it-IT" dirty="0" err="1"/>
-              <a:t>Nshares</a:t>
-            </a:r>
-            <a:r>
-              <a:rPr lang="it-IT" dirty="0"/>
-              <a:t>, </a:t>
-            </a:r>
-            <a:r>
-              <a:rPr lang="it-IT" dirty="0" err="1"/>
-              <a:t>MarketCap</a:t>
-            </a:r>
-            <a:r>
-              <a:rPr lang="it-IT" dirty="0"/>
-              <a:t>, PE, EPS)</a:t>
-            </a:r>
-          </a:p>
-          <a:p>
-            <a:pPr marL="514350" indent="-514350" defTabSz="525779">
+              <a:rPr dirty="0" err="1"/>
+              <a:t>YearHigh</a:t>
+            </a:r>
+            <a:r>
+              <a:rPr dirty="0"/>
+              <a:t>: 86%</a:t>
+            </a:r>
+          </a:p>
+          <a:p>
+            <a:pPr marL="400050" indent="-400050" defTabSz="525779">
               <a:lnSpc>
                 <a:spcPct val="100000"/>
               </a:lnSpc>
@@ -6656,8 +6418,8 @@
                 <a:schemeClr val="accent1"/>
               </a:buClr>
               <a:buSzPct val="104999"/>
-              <a:buFont typeface="+mj-lt"/>
-              <a:buAutoNum type="arabicPeriod"/>
+              <a:buFont typeface="Avenir Next"/>
+              <a:buChar char="▸"/>
               <a:defRPr sz="3059" cap="none" spc="0">
                 <a:latin typeface="Avenir Next Medium"/>
                 <a:ea typeface="Avenir Next Medium"/>
@@ -6666,12 +6428,16 @@
               </a:defRPr>
             </a:pPr>
             <a:r>
-              <a:rPr lang="it-IT" dirty="0"/>
-              <a:t>Errori nelle unità di misura: sono presenti alcuni errori di unità di misura, per esempio la maggior parte delle fonti riporta 20M mentre una fonte riporta 20B   </a:t>
-            </a:r>
-          </a:p>
-          <a:p>
-            <a:pPr marL="514350" indent="-514350" defTabSz="525779">
+              <a:rPr dirty="0" err="1"/>
+              <a:t>YearLow</a:t>
+            </a:r>
+            <a:r>
+              <a:rPr dirty="0"/>
+              <a:t>: 94%</a:t>
+            </a:r>
+          </a:p>
+          <a:p>
+            <a:pPr marL="400050" indent="-400050" defTabSz="525779">
               <a:lnSpc>
                 <a:spcPct val="100000"/>
               </a:lnSpc>
@@ -6682,8 +6448,8 @@
                 <a:schemeClr val="accent1"/>
               </a:buClr>
               <a:buSzPct val="104999"/>
-              <a:buFont typeface="+mj-lt"/>
-              <a:buAutoNum type="arabicPeriod"/>
+              <a:buFont typeface="Avenir Next"/>
+              <a:buChar char="▸"/>
               <a:defRPr sz="3059" cap="none" spc="0">
                 <a:latin typeface="Avenir Next Medium"/>
                 <a:ea typeface="Avenir Next Medium"/>
@@ -6692,12 +6458,21 @@
               </a:defRPr>
             </a:pPr>
             <a:r>
+              <a:rPr dirty="0" err="1"/>
+              <a:t>NShares</a:t>
+            </a:r>
+            <a:r>
+              <a:rPr dirty="0"/>
+              <a:t>: </a:t>
+            </a:r>
+            <a:r>
               <a:rPr lang="it-IT" dirty="0"/>
-              <a:t>Dati non aggiornati: in alcuni casi si potrebbe pensare che ci siano errori riguardo il livello di aggiornamento dei dati, aspetto cruciale nell’ambito preso in considerazione (es. Volume)</a:t>
-            </a:r>
-          </a:p>
-          <a:p>
-            <a:pPr marL="514350" indent="-514350" defTabSz="525779">
+              <a:t>20%</a:t>
+            </a:r>
+            <a:endParaRPr dirty="0"/>
+          </a:p>
+          <a:p>
+            <a:pPr marL="400050" indent="-400050" defTabSz="525779">
               <a:lnSpc>
                 <a:spcPct val="100000"/>
               </a:lnSpc>
@@ -6708,8 +6483,8 @@
                 <a:schemeClr val="accent1"/>
               </a:buClr>
               <a:buSzPct val="104999"/>
-              <a:buFont typeface="+mj-lt"/>
-              <a:buAutoNum type="arabicPeriod"/>
+              <a:buFont typeface="Avenir Next"/>
+              <a:buChar char="▸"/>
               <a:defRPr sz="3059" cap="none" spc="0">
                 <a:latin typeface="Avenir Next Medium"/>
                 <a:ea typeface="Avenir Next Medium"/>
@@ -6718,19 +6493,191 @@
               </a:defRPr>
             </a:pPr>
             <a:r>
+              <a:rPr dirty="0"/>
+              <a:t>PE:</a:t>
+            </a:r>
+            <a:r>
               <a:rPr lang="it-IT" dirty="0"/>
-              <a:t>Errori nei dati: In alcuni casi sono stati riscontrati dei puri errori nei valori dei dati </a:t>
+              <a:t>34,2%</a:t>
             </a:r>
             <a:endParaRPr dirty="0"/>
+          </a:p>
+          <a:p>
+            <a:pPr marL="400050" indent="-400050" defTabSz="525779">
+              <a:lnSpc>
+                <a:spcPct val="100000"/>
+              </a:lnSpc>
+              <a:spcBef>
+                <a:spcPts val="2500"/>
+              </a:spcBef>
+              <a:buClr>
+                <a:schemeClr val="accent1"/>
+              </a:buClr>
+              <a:buSzPct val="104999"/>
+              <a:buFont typeface="Avenir Next"/>
+              <a:buChar char="▸"/>
+              <a:defRPr sz="3059" cap="none" spc="0">
+                <a:latin typeface="Avenir Next Medium"/>
+                <a:ea typeface="Avenir Next Medium"/>
+                <a:cs typeface="Avenir Next Medium"/>
+                <a:sym typeface="Avenir Next Medium"/>
+              </a:defRPr>
+            </a:pPr>
+            <a:r>
+              <a:rPr dirty="0" err="1"/>
+              <a:t>MarketCap</a:t>
+            </a:r>
+            <a:r>
+              <a:rPr dirty="0"/>
+              <a:t>: 20%</a:t>
+            </a:r>
+          </a:p>
+          <a:p>
+            <a:pPr marL="400050" indent="-400050" defTabSz="525779">
+              <a:lnSpc>
+                <a:spcPct val="100000"/>
+              </a:lnSpc>
+              <a:spcBef>
+                <a:spcPts val="2500"/>
+              </a:spcBef>
+              <a:buClr>
+                <a:schemeClr val="accent1"/>
+              </a:buClr>
+              <a:buSzPct val="104999"/>
+              <a:buFont typeface="Avenir Next"/>
+              <a:buChar char="▸"/>
+              <a:defRPr sz="3059" cap="none" spc="0">
+                <a:latin typeface="Avenir Next Medium"/>
+                <a:ea typeface="Avenir Next Medium"/>
+                <a:cs typeface="Avenir Next Medium"/>
+                <a:sym typeface="Avenir Next Medium"/>
+              </a:defRPr>
+            </a:pPr>
+            <a:r>
+              <a:rPr dirty="0"/>
+              <a:t>Yield: </a:t>
+            </a:r>
+            <a:r>
+              <a:rPr lang="it-IT" dirty="0"/>
+              <a:t>64% *</a:t>
+            </a:r>
+            <a:endParaRPr dirty="0"/>
+          </a:p>
+          <a:p>
+            <a:pPr marL="400050" indent="-400050" defTabSz="525779">
+              <a:lnSpc>
+                <a:spcPct val="100000"/>
+              </a:lnSpc>
+              <a:spcBef>
+                <a:spcPts val="2500"/>
+              </a:spcBef>
+              <a:buClr>
+                <a:schemeClr val="accent1"/>
+              </a:buClr>
+              <a:buSzPct val="104999"/>
+              <a:buFont typeface="Avenir Next"/>
+              <a:buChar char="▸"/>
+              <a:defRPr sz="3059" cap="none" spc="0">
+                <a:latin typeface="Avenir Next Medium"/>
+                <a:ea typeface="Avenir Next Medium"/>
+                <a:cs typeface="Avenir Next Medium"/>
+                <a:sym typeface="Avenir Next Medium"/>
+              </a:defRPr>
+            </a:pPr>
+            <a:r>
+              <a:rPr dirty="0" err="1"/>
+              <a:t>DividendYield</a:t>
+            </a:r>
+            <a:r>
+              <a:rPr dirty="0"/>
+              <a:t>: </a:t>
+            </a:r>
+            <a:r>
+              <a:rPr lang="it-IT" dirty="0"/>
+              <a:t>64,4% *</a:t>
+            </a:r>
+            <a:endParaRPr dirty="0"/>
+          </a:p>
+          <a:p>
+            <a:pPr marL="400050" indent="-400050" defTabSz="525779">
+              <a:lnSpc>
+                <a:spcPct val="100000"/>
+              </a:lnSpc>
+              <a:spcBef>
+                <a:spcPts val="2500"/>
+              </a:spcBef>
+              <a:buClr>
+                <a:schemeClr val="accent1"/>
+              </a:buClr>
+              <a:buSzPct val="104999"/>
+              <a:buFont typeface="Avenir Next"/>
+              <a:buChar char="▸"/>
+              <a:defRPr sz="3059" cap="none" spc="0">
+                <a:latin typeface="Avenir Next Medium"/>
+                <a:ea typeface="Avenir Next Medium"/>
+                <a:cs typeface="Avenir Next Medium"/>
+                <a:sym typeface="Avenir Next Medium"/>
+              </a:defRPr>
+            </a:pPr>
+            <a:r>
+              <a:rPr dirty="0"/>
+              <a:t>EPS: </a:t>
+            </a:r>
+            <a:r>
+              <a:rPr lang="it-IT" dirty="0"/>
+              <a:t>20,2%</a:t>
+            </a:r>
+          </a:p>
+          <a:p>
+            <a:pPr marL="400050" indent="-400050" defTabSz="525779">
+              <a:lnSpc>
+                <a:spcPct val="100000"/>
+              </a:lnSpc>
+              <a:spcBef>
+                <a:spcPts val="2500"/>
+              </a:spcBef>
+              <a:buClr>
+                <a:schemeClr val="accent1"/>
+              </a:buClr>
+              <a:buSzPct val="104999"/>
+              <a:buFont typeface="Avenir Next"/>
+              <a:buChar char="▸"/>
+              <a:defRPr sz="3059" cap="none" spc="0">
+                <a:latin typeface="Avenir Next Medium"/>
+                <a:ea typeface="Avenir Next Medium"/>
+                <a:cs typeface="Avenir Next Medium"/>
+                <a:sym typeface="Avenir Next Medium"/>
+              </a:defRPr>
+            </a:pPr>
+            <a:endParaRPr lang="it-IT" dirty="0"/>
+          </a:p>
+          <a:p>
+            <a:pPr defTabSz="525779">
+              <a:lnSpc>
+                <a:spcPct val="100000"/>
+              </a:lnSpc>
+              <a:spcBef>
+                <a:spcPts val="2500"/>
+              </a:spcBef>
+              <a:buClr>
+                <a:schemeClr val="accent1"/>
+              </a:buClr>
+              <a:buSzPct val="104999"/>
+              <a:defRPr sz="3059" cap="none" spc="0">
+                <a:latin typeface="Avenir Next Medium"/>
+                <a:ea typeface="Avenir Next Medium"/>
+                <a:cs typeface="Avenir Next Medium"/>
+                <a:sym typeface="Avenir Next Medium"/>
+              </a:defRPr>
+            </a:pPr>
+            <a:r>
+              <a:rPr lang="it-IT" dirty="0"/>
+              <a:t>*Attributi con elevati valori nulli che non sono stati presi in considerazione</a:t>
+            </a:r>
           </a:p>
         </p:txBody>
       </p:sp>
     </p:spTree>
-    <p:extLst>
-      <p:ext uri="{BB962C8B-B14F-4D97-AF65-F5344CB8AC3E}">
-        <p14:creationId xmlns:p14="http://schemas.microsoft.com/office/powerpoint/2010/main" val="1995234338"/>
-      </p:ext>
-    </p:extLst>
   </p:cSld>
   <p:clrMapOvr>
     <a:masterClrMapping/>
@@ -6792,7 +6739,7 @@
             </a:r>
             <a:r>
               <a:rPr lang="it-IT" dirty="0"/>
-              <a:t>(FONTI)</a:t>
+              <a:t>(ATTRIBUTI)</a:t>
             </a:r>
             <a:endParaRPr dirty="0"/>
           </a:p>
@@ -6818,7 +6765,9 @@
           </a:prstGeom>
         </p:spPr>
         <p:txBody>
-          <a:bodyPr anchor="t"/>
+          <a:bodyPr anchor="t">
+            <a:normAutofit lnSpcReduction="10000"/>
+          </a:bodyPr>
           <a:lstStyle/>
           <a:p>
             <a:pPr marL="400050" indent="-400050" defTabSz="525779">
@@ -6843,11 +6792,11 @@
             </a:pPr>
             <a:r>
               <a:rPr lang="it-IT" dirty="0"/>
-              <a:t>Bloomberg: 87%</a:t>
-            </a:r>
-          </a:p>
-          <a:p>
-            <a:pPr marL="400050" indent="-400050" defTabSz="525779">
+              <a:t>Per quanto riguarda la precisione sugli attributi ci sono diverse ragioni per spiegare gli attributi con bassa precisione:</a:t>
+            </a:r>
+          </a:p>
+          <a:p>
+            <a:pPr marL="514350" indent="-514350" defTabSz="525779">
               <a:lnSpc>
                 <a:spcPct val="100000"/>
               </a:lnSpc>
@@ -6858,8 +6807,8 @@
                 <a:schemeClr val="accent1"/>
               </a:buClr>
               <a:buSzPct val="104999"/>
-              <a:buFont typeface="Avenir Next"/>
-              <a:buChar char="▸"/>
+              <a:buFont typeface="+mj-lt"/>
+              <a:buAutoNum type="arabicPeriod"/>
               <a:defRPr sz="3059" cap="none" spc="0">
                 <a:latin typeface="Avenir Next Medium"/>
                 <a:ea typeface="Avenir Next Medium"/>
@@ -6869,11 +6818,35 @@
             </a:pPr>
             <a:r>
               <a:rPr lang="it-IT" dirty="0"/>
-              <a:t>Google Finance: 76%</a:t>
-            </a:r>
-          </a:p>
-          <a:p>
-            <a:pPr marL="400050" indent="-400050" defTabSz="525779">
+              <a:t>Eterogeneità semantica: nella maggioranza casi la bassa precisione è dovuta ad una diversa semantica di rappresentazione rispetto alla </a:t>
+            </a:r>
+            <a:r>
+              <a:rPr lang="it-IT" dirty="0" err="1"/>
+              <a:t>groundtruth</a:t>
+            </a:r>
+            <a:r>
+              <a:rPr lang="it-IT" dirty="0"/>
+              <a:t>, soprattutto nel caso di attributi con decimali (diverso arrotondamento e formato) (es. </a:t>
+            </a:r>
+            <a:r>
+              <a:rPr lang="it-IT" dirty="0" err="1"/>
+              <a:t>Nshares</a:t>
+            </a:r>
+            <a:r>
+              <a:rPr lang="it-IT" dirty="0"/>
+              <a:t>, </a:t>
+            </a:r>
+            <a:r>
+              <a:rPr lang="it-IT" dirty="0" err="1"/>
+              <a:t>MarketCap</a:t>
+            </a:r>
+            <a:r>
+              <a:rPr lang="it-IT" dirty="0"/>
+              <a:t>, PE, EPS)</a:t>
+            </a:r>
+          </a:p>
+          <a:p>
+            <a:pPr marL="514350" indent="-514350" defTabSz="525779">
               <a:lnSpc>
                 <a:spcPct val="100000"/>
               </a:lnSpc>
@@ -6884,8 +6857,8 @@
                 <a:schemeClr val="accent1"/>
               </a:buClr>
               <a:buSzPct val="104999"/>
-              <a:buFont typeface="Avenir Next"/>
-              <a:buChar char="▸"/>
+              <a:buFont typeface="+mj-lt"/>
+              <a:buAutoNum type="arabicPeriod"/>
               <a:defRPr sz="3059" cap="none" spc="0">
                 <a:latin typeface="Avenir Next Medium"/>
                 <a:ea typeface="Avenir Next Medium"/>
@@ -6895,11 +6868,11 @@
             </a:pPr>
             <a:r>
               <a:rPr lang="it-IT" dirty="0"/>
-              <a:t>MSN: 77%</a:t>
-            </a:r>
-          </a:p>
-          <a:p>
-            <a:pPr marL="400050" indent="-400050" defTabSz="525779">
+              <a:t>Errori nelle unità di misura: sono presenti alcuni errori di unità di misura, per esempio la maggior parte delle fonti riporta 20M mentre una fonte riporta 20B   </a:t>
+            </a:r>
+          </a:p>
+          <a:p>
+            <a:pPr marL="514350" indent="-514350" defTabSz="525779">
               <a:lnSpc>
                 <a:spcPct val="100000"/>
               </a:lnSpc>
@@ -6910,8 +6883,8 @@
                 <a:schemeClr val="accent1"/>
               </a:buClr>
               <a:buSzPct val="104999"/>
-              <a:buFont typeface="Avenir Next"/>
-              <a:buChar char="▸"/>
+              <a:buFont typeface="+mj-lt"/>
+              <a:buAutoNum type="arabicPeriod"/>
               <a:defRPr sz="3059" cap="none" spc="0">
                 <a:latin typeface="Avenir Next Medium"/>
                 <a:ea typeface="Avenir Next Medium"/>
@@ -6921,11 +6894,11 @@
             </a:pPr>
             <a:r>
               <a:rPr lang="it-IT" dirty="0"/>
-              <a:t>NASDAQ : 99% *</a:t>
-            </a:r>
-          </a:p>
-          <a:p>
-            <a:pPr marL="400050" indent="-400050" defTabSz="525779">
+              <a:t>Dati non aggiornati: in alcuni casi si potrebbe pensare che ci siano errori riguardo il livello di aggiornamento dei dati, aspetto cruciale nell’ambito preso in considerazione (es. Volume)</a:t>
+            </a:r>
+          </a:p>
+          <a:p>
+            <a:pPr marL="514350" indent="-514350" defTabSz="525779">
               <a:lnSpc>
                 <a:spcPct val="100000"/>
               </a:lnSpc>
@@ -6936,8 +6909,8 @@
                 <a:schemeClr val="accent1"/>
               </a:buClr>
               <a:buSzPct val="104999"/>
-              <a:buFont typeface="Avenir Next"/>
-              <a:buChar char="▸"/>
+              <a:buFont typeface="+mj-lt"/>
+              <a:buAutoNum type="arabicPeriod"/>
               <a:defRPr sz="3059" cap="none" spc="0">
                 <a:latin typeface="Avenir Next Medium"/>
                 <a:ea typeface="Avenir Next Medium"/>
@@ -6947,111 +6920,8 @@
             </a:pPr>
             <a:r>
               <a:rPr lang="it-IT" dirty="0"/>
-              <a:t>Yahoo Finance: 23% **</a:t>
-            </a:r>
-          </a:p>
-          <a:p>
-            <a:pPr marL="400050" indent="-400050" defTabSz="525779">
-              <a:lnSpc>
-                <a:spcPct val="100000"/>
-              </a:lnSpc>
-              <a:spcBef>
-                <a:spcPts val="2500"/>
-              </a:spcBef>
-              <a:buClr>
-                <a:schemeClr val="accent1"/>
-              </a:buClr>
-              <a:buSzPct val="104999"/>
-              <a:buFont typeface="Avenir Next"/>
-              <a:buChar char="▸"/>
-              <a:defRPr sz="3059" cap="none" spc="0">
-                <a:latin typeface="Avenir Next Medium"/>
-                <a:ea typeface="Avenir Next Medium"/>
-                <a:cs typeface="Avenir Next Medium"/>
-                <a:sym typeface="Avenir Next Medium"/>
-              </a:defRPr>
-            </a:pPr>
-            <a:endParaRPr lang="it-IT" dirty="0"/>
-          </a:p>
-          <a:p>
-            <a:pPr marL="0" indent="0" defTabSz="525779">
-              <a:lnSpc>
-                <a:spcPct val="100000"/>
-              </a:lnSpc>
-              <a:spcBef>
-                <a:spcPts val="2500"/>
-              </a:spcBef>
-              <a:buClr>
-                <a:schemeClr val="accent1"/>
-              </a:buClr>
-              <a:buSzPct val="104999"/>
-              <a:buNone/>
-              <a:defRPr sz="3059" cap="none" spc="0">
-                <a:latin typeface="Avenir Next Medium"/>
-                <a:ea typeface="Avenir Next Medium"/>
-                <a:cs typeface="Avenir Next Medium"/>
-                <a:sym typeface="Avenir Next Medium"/>
-              </a:defRPr>
-            </a:pPr>
-            <a:r>
-              <a:rPr lang="it-IT" dirty="0"/>
-              <a:t>* Tale valore è giusto che sia elevato poiché la </a:t>
-            </a:r>
-            <a:r>
-              <a:rPr lang="it-IT" dirty="0" err="1"/>
-              <a:t>groundtruth</a:t>
-            </a:r>
-            <a:r>
-              <a:rPr lang="it-IT" dirty="0"/>
-              <a:t> considera dati presi da Nasdaq.com</a:t>
-            </a:r>
-          </a:p>
-          <a:p>
-            <a:pPr marL="0" indent="0" defTabSz="525779">
-              <a:lnSpc>
-                <a:spcPct val="100000"/>
-              </a:lnSpc>
-              <a:spcBef>
-                <a:spcPts val="2500"/>
-              </a:spcBef>
-              <a:buClr>
-                <a:schemeClr val="accent1"/>
-              </a:buClr>
-              <a:buSzPct val="104999"/>
-              <a:buNone/>
-              <a:defRPr sz="3059" cap="none" spc="0">
-                <a:latin typeface="Avenir Next Medium"/>
-                <a:ea typeface="Avenir Next Medium"/>
-                <a:cs typeface="Avenir Next Medium"/>
-                <a:sym typeface="Avenir Next Medium"/>
-              </a:defRPr>
-            </a:pPr>
-            <a:r>
-              <a:rPr lang="it-IT" dirty="0"/>
-              <a:t>** C’è un’eterogeneità nel calcolare l’attributo che descrive il prezzo di apertura che nella maggioranza dei casi è diverso dalle altre fonti, togliendo quell’attributo la precisione sarebbe del 69% </a:t>
-            </a:r>
-          </a:p>
-          <a:p>
-            <a:pPr marL="400050" indent="-400050" defTabSz="525779">
-              <a:lnSpc>
-                <a:spcPct val="100000"/>
-              </a:lnSpc>
-              <a:spcBef>
-                <a:spcPts val="2500"/>
-              </a:spcBef>
-              <a:buClr>
-                <a:schemeClr val="accent1"/>
-              </a:buClr>
-              <a:buSzPct val="104999"/>
-              <a:buFont typeface="Avenir Next"/>
-              <a:buChar char="▸"/>
-              <a:defRPr sz="3059" cap="none" spc="0">
-                <a:latin typeface="Avenir Next Medium"/>
-                <a:ea typeface="Avenir Next Medium"/>
-                <a:cs typeface="Avenir Next Medium"/>
-                <a:sym typeface="Avenir Next Medium"/>
-              </a:defRPr>
-            </a:pPr>
+              <a:t>Errori nei dati: In alcuni casi sono stati riscontrati dei puri errori nei valori dei dati </a:t>
+            </a:r>
             <a:endParaRPr dirty="0"/>
           </a:p>
         </p:txBody>
@@ -7059,7 +6929,7 @@
     </p:spTree>
     <p:extLst>
       <p:ext uri="{BB962C8B-B14F-4D97-AF65-F5344CB8AC3E}">
-        <p14:creationId xmlns:p14="http://schemas.microsoft.com/office/powerpoint/2010/main" val="2643437604"/>
+        <p14:creationId xmlns:p14="http://schemas.microsoft.com/office/powerpoint/2010/main" val="1995234338"/>
       </p:ext>
     </p:extLst>
   </p:cSld>
@@ -7174,6 +7044,337 @@
             </a:pPr>
             <a:r>
               <a:rPr lang="it-IT" dirty="0"/>
+              <a:t>Bloomberg: 87%</a:t>
+            </a:r>
+          </a:p>
+          <a:p>
+            <a:pPr marL="400050" indent="-400050" defTabSz="525779">
+              <a:lnSpc>
+                <a:spcPct val="100000"/>
+              </a:lnSpc>
+              <a:spcBef>
+                <a:spcPts val="2500"/>
+              </a:spcBef>
+              <a:buClr>
+                <a:schemeClr val="accent1"/>
+              </a:buClr>
+              <a:buSzPct val="104999"/>
+              <a:buFont typeface="Avenir Next"/>
+              <a:buChar char="▸"/>
+              <a:defRPr sz="3059" cap="none" spc="0">
+                <a:latin typeface="Avenir Next Medium"/>
+                <a:ea typeface="Avenir Next Medium"/>
+                <a:cs typeface="Avenir Next Medium"/>
+                <a:sym typeface="Avenir Next Medium"/>
+              </a:defRPr>
+            </a:pPr>
+            <a:r>
+              <a:rPr lang="it-IT" dirty="0"/>
+              <a:t>Google Finance: 76%</a:t>
+            </a:r>
+          </a:p>
+          <a:p>
+            <a:pPr marL="400050" indent="-400050" defTabSz="525779">
+              <a:lnSpc>
+                <a:spcPct val="100000"/>
+              </a:lnSpc>
+              <a:spcBef>
+                <a:spcPts val="2500"/>
+              </a:spcBef>
+              <a:buClr>
+                <a:schemeClr val="accent1"/>
+              </a:buClr>
+              <a:buSzPct val="104999"/>
+              <a:buFont typeface="Avenir Next"/>
+              <a:buChar char="▸"/>
+              <a:defRPr sz="3059" cap="none" spc="0">
+                <a:latin typeface="Avenir Next Medium"/>
+                <a:ea typeface="Avenir Next Medium"/>
+                <a:cs typeface="Avenir Next Medium"/>
+                <a:sym typeface="Avenir Next Medium"/>
+              </a:defRPr>
+            </a:pPr>
+            <a:r>
+              <a:rPr lang="it-IT" dirty="0"/>
+              <a:t>MSN: 77%</a:t>
+            </a:r>
+          </a:p>
+          <a:p>
+            <a:pPr marL="400050" indent="-400050" defTabSz="525779">
+              <a:lnSpc>
+                <a:spcPct val="100000"/>
+              </a:lnSpc>
+              <a:spcBef>
+                <a:spcPts val="2500"/>
+              </a:spcBef>
+              <a:buClr>
+                <a:schemeClr val="accent1"/>
+              </a:buClr>
+              <a:buSzPct val="104999"/>
+              <a:buFont typeface="Avenir Next"/>
+              <a:buChar char="▸"/>
+              <a:defRPr sz="3059" cap="none" spc="0">
+                <a:latin typeface="Avenir Next Medium"/>
+                <a:ea typeface="Avenir Next Medium"/>
+                <a:cs typeface="Avenir Next Medium"/>
+                <a:sym typeface="Avenir Next Medium"/>
+              </a:defRPr>
+            </a:pPr>
+            <a:r>
+              <a:rPr lang="it-IT" dirty="0"/>
+              <a:t>NASDAQ : 99% *</a:t>
+            </a:r>
+          </a:p>
+          <a:p>
+            <a:pPr marL="400050" indent="-400050" defTabSz="525779">
+              <a:lnSpc>
+                <a:spcPct val="100000"/>
+              </a:lnSpc>
+              <a:spcBef>
+                <a:spcPts val="2500"/>
+              </a:spcBef>
+              <a:buClr>
+                <a:schemeClr val="accent1"/>
+              </a:buClr>
+              <a:buSzPct val="104999"/>
+              <a:buFont typeface="Avenir Next"/>
+              <a:buChar char="▸"/>
+              <a:defRPr sz="3059" cap="none" spc="0">
+                <a:latin typeface="Avenir Next Medium"/>
+                <a:ea typeface="Avenir Next Medium"/>
+                <a:cs typeface="Avenir Next Medium"/>
+                <a:sym typeface="Avenir Next Medium"/>
+              </a:defRPr>
+            </a:pPr>
+            <a:r>
+              <a:rPr lang="it-IT" dirty="0"/>
+              <a:t>Yahoo Finance: 23% **</a:t>
+            </a:r>
+          </a:p>
+          <a:p>
+            <a:pPr marL="400050" indent="-400050" defTabSz="525779">
+              <a:lnSpc>
+                <a:spcPct val="100000"/>
+              </a:lnSpc>
+              <a:spcBef>
+                <a:spcPts val="2500"/>
+              </a:spcBef>
+              <a:buClr>
+                <a:schemeClr val="accent1"/>
+              </a:buClr>
+              <a:buSzPct val="104999"/>
+              <a:buFont typeface="Avenir Next"/>
+              <a:buChar char="▸"/>
+              <a:defRPr sz="3059" cap="none" spc="0">
+                <a:latin typeface="Avenir Next Medium"/>
+                <a:ea typeface="Avenir Next Medium"/>
+                <a:cs typeface="Avenir Next Medium"/>
+                <a:sym typeface="Avenir Next Medium"/>
+              </a:defRPr>
+            </a:pPr>
+            <a:endParaRPr lang="it-IT" dirty="0"/>
+          </a:p>
+          <a:p>
+            <a:pPr marL="0" indent="0" defTabSz="525779">
+              <a:lnSpc>
+                <a:spcPct val="100000"/>
+              </a:lnSpc>
+              <a:spcBef>
+                <a:spcPts val="2500"/>
+              </a:spcBef>
+              <a:buClr>
+                <a:schemeClr val="accent1"/>
+              </a:buClr>
+              <a:buSzPct val="104999"/>
+              <a:buNone/>
+              <a:defRPr sz="3059" cap="none" spc="0">
+                <a:latin typeface="Avenir Next Medium"/>
+                <a:ea typeface="Avenir Next Medium"/>
+                <a:cs typeface="Avenir Next Medium"/>
+                <a:sym typeface="Avenir Next Medium"/>
+              </a:defRPr>
+            </a:pPr>
+            <a:r>
+              <a:rPr lang="it-IT" dirty="0"/>
+              <a:t>* Tale valore è giusto che sia elevato poiché la </a:t>
+            </a:r>
+            <a:r>
+              <a:rPr lang="it-IT" dirty="0" err="1"/>
+              <a:t>groundtruth</a:t>
+            </a:r>
+            <a:r>
+              <a:rPr lang="it-IT" dirty="0"/>
+              <a:t> considera dati presi da Nasdaq.com</a:t>
+            </a:r>
+          </a:p>
+          <a:p>
+            <a:pPr marL="0" indent="0" defTabSz="525779">
+              <a:lnSpc>
+                <a:spcPct val="100000"/>
+              </a:lnSpc>
+              <a:spcBef>
+                <a:spcPts val="2500"/>
+              </a:spcBef>
+              <a:buClr>
+                <a:schemeClr val="accent1"/>
+              </a:buClr>
+              <a:buSzPct val="104999"/>
+              <a:buNone/>
+              <a:defRPr sz="3059" cap="none" spc="0">
+                <a:latin typeface="Avenir Next Medium"/>
+                <a:ea typeface="Avenir Next Medium"/>
+                <a:cs typeface="Avenir Next Medium"/>
+                <a:sym typeface="Avenir Next Medium"/>
+              </a:defRPr>
+            </a:pPr>
+            <a:r>
+              <a:rPr lang="it-IT" dirty="0"/>
+              <a:t>** C’è un’eterogeneità nel calcolare l’attributo che descrive il prezzo di apertura che nella maggioranza dei casi è diverso dalle altre fonti, togliendo quell’attributo la precisione sarebbe del 69% </a:t>
+            </a:r>
+          </a:p>
+          <a:p>
+            <a:pPr marL="400050" indent="-400050" defTabSz="525779">
+              <a:lnSpc>
+                <a:spcPct val="100000"/>
+              </a:lnSpc>
+              <a:spcBef>
+                <a:spcPts val="2500"/>
+              </a:spcBef>
+              <a:buClr>
+                <a:schemeClr val="accent1"/>
+              </a:buClr>
+              <a:buSzPct val="104999"/>
+              <a:buFont typeface="Avenir Next"/>
+              <a:buChar char="▸"/>
+              <a:defRPr sz="3059" cap="none" spc="0">
+                <a:latin typeface="Avenir Next Medium"/>
+                <a:ea typeface="Avenir Next Medium"/>
+                <a:cs typeface="Avenir Next Medium"/>
+                <a:sym typeface="Avenir Next Medium"/>
+              </a:defRPr>
+            </a:pPr>
+            <a:endParaRPr dirty="0"/>
+          </a:p>
+        </p:txBody>
+      </p:sp>
+    </p:spTree>
+    <p:extLst>
+      <p:ext uri="{BB962C8B-B14F-4D97-AF65-F5344CB8AC3E}">
+        <p14:creationId xmlns:p14="http://schemas.microsoft.com/office/powerpoint/2010/main" val="2643437604"/>
+      </p:ext>
+    </p:extLst>
+  </p:cSld>
+  <p:clrMapOvr>
+    <a:masterClrMapping/>
+  </p:clrMapOvr>
+  <p:transition spd="med"/>
+</p:sld>
+</file>
+
+<file path=ppt/slides/slide16.xml><?xml version="1.0" encoding="utf-8"?>
+<p:sld xmlns:a="http://schemas.openxmlformats.org/drawingml/2006/main" xmlns:r="http://schemas.openxmlformats.org/officeDocument/2006/relationships" xmlns:p="http://schemas.openxmlformats.org/presentationml/2006/main">
+  <p:cSld>
+    <p:spTree>
+      <p:nvGrpSpPr>
+        <p:cNvPr id="1" name=""/>
+        <p:cNvGrpSpPr/>
+        <p:nvPr/>
+      </p:nvGrpSpPr>
+      <p:grpSpPr>
+        <a:xfrm>
+          <a:off x="0" y="0"/>
+          <a:ext cx="0" cy="0"/>
+          <a:chOff x="0" y="0"/>
+          <a:chExt cx="0" cy="0"/>
+        </a:xfrm>
+      </p:grpSpPr>
+      <p:sp>
+        <p:nvSpPr>
+          <p:cNvPr id="211" name="DATASET"/>
+          <p:cNvSpPr txBox="1">
+            <a:spLocks noGrp="1"/>
+          </p:cNvSpPr>
+          <p:nvPr>
+            <p:ph type="title"/>
+          </p:nvPr>
+        </p:nvSpPr>
+        <p:spPr>
+          <a:xfrm>
+            <a:off x="406400" y="311150"/>
+            <a:ext cx="12192000" cy="723900"/>
+          </a:xfrm>
+          <a:prstGeom prst="rect">
+            <a:avLst/>
+          </a:prstGeom>
+        </p:spPr>
+        <p:txBody>
+          <a:bodyPr/>
+          <a:lstStyle>
+            <a:lvl1pPr defTabSz="467359">
+              <a:spcBef>
+                <a:spcPts val="2200"/>
+              </a:spcBef>
+              <a:defRPr sz="4800"/>
+            </a:lvl1pPr>
+          </a:lstStyle>
+          <a:p>
+            <a:r>
+              <a:rPr dirty="0"/>
+              <a:t>PRECISIONE </a:t>
+            </a:r>
+            <a:r>
+              <a:rPr lang="it-IT" dirty="0"/>
+              <a:t>(FONTI)</a:t>
+            </a:r>
+            <a:endParaRPr dirty="0"/>
+          </a:p>
+        </p:txBody>
+      </p:sp>
+      <p:sp>
+        <p:nvSpPr>
+          <p:cNvPr id="212" name="MaxTemp: temperatura massima registrata…"/>
+          <p:cNvSpPr txBox="1">
+            <a:spLocks noGrp="1"/>
+          </p:cNvSpPr>
+          <p:nvPr>
+            <p:ph type="body" idx="1"/>
+          </p:nvPr>
+        </p:nvSpPr>
+        <p:spPr>
+          <a:xfrm>
+            <a:off x="406400" y="1389211"/>
+            <a:ext cx="12192000" cy="7462689"/>
+          </a:xfrm>
+          <a:prstGeom prst="rect">
+            <a:avLst/>
+          </a:prstGeom>
+        </p:spPr>
+        <p:txBody>
+          <a:bodyPr anchor="t"/>
+          <a:lstStyle/>
+          <a:p>
+            <a:pPr marL="400050" indent="-400050" defTabSz="525779">
+              <a:lnSpc>
+                <a:spcPct val="100000"/>
+              </a:lnSpc>
+              <a:spcBef>
+                <a:spcPts val="2500"/>
+              </a:spcBef>
+              <a:buClr>
+                <a:schemeClr val="accent1"/>
+              </a:buClr>
+              <a:buSzPct val="104999"/>
+              <a:buFont typeface="Avenir Next"/>
+              <a:buChar char="▸"/>
+              <a:defRPr sz="3059" cap="none" spc="0">
+                <a:latin typeface="Avenir Next Medium"/>
+                <a:ea typeface="Avenir Next Medium"/>
+                <a:cs typeface="Avenir Next Medium"/>
+                <a:sym typeface="Avenir Next Medium"/>
+              </a:defRPr>
+            </a:pPr>
+            <a:r>
+              <a:rPr lang="it-IT" dirty="0"/>
               <a:t>Sono state calcolate le precisioni rispetto ai quattro attributi fondamentali (</a:t>
             </a:r>
             <a:r>
@@ -7313,7 +7514,7 @@
 </p:sld>
 </file>
 
-<file path=ppt/slides/slide16.xml><?xml version="1.0" encoding="utf-8"?>
+<file path=ppt/slides/slide17.xml><?xml version="1.0" encoding="utf-8"?>
 <p:sld xmlns:a="http://schemas.openxmlformats.org/drawingml/2006/main" xmlns:r="http://schemas.openxmlformats.org/officeDocument/2006/relationships" xmlns:p="http://schemas.openxmlformats.org/presentationml/2006/main">
   <p:cSld>
     <p:spTree>
@@ -7362,13 +7563,8 @@
           <a:p>
             <a:r>
               <a:rPr dirty="0"/>
-              <a:t>CONCLUSIONI </a:t>
-            </a:r>
-            <a:r>
-              <a:rPr lang="it-IT" dirty="0"/>
-              <a:t>E SVILUPPI FUTURI</a:t>
-            </a:r>
-            <a:endParaRPr dirty="0"/>
+              <a:t>CONCLUSIONI</a:t>
+            </a:r>
           </a:p>
         </p:txBody>
       </p:sp>
@@ -7393,7 +7589,7 @@
         </p:spPr>
         <p:txBody>
           <a:bodyPr anchor="t">
-            <a:normAutofit fontScale="92500" lnSpcReduction="10000"/>
+            <a:normAutofit fontScale="92500"/>
           </a:bodyPr>
           <a:lstStyle/>
           <a:p>
@@ -7444,7 +7640,7 @@
             </a:pPr>
             <a:r>
               <a:rPr lang="it-IT" dirty="0"/>
-              <a:t>Il nostro progetto si è concentrato sulla valutazione e il miglioramento di alcune metriche che riguardano data </a:t>
+              <a:t>Il progetto si è concentrato sulla valutazione e il miglioramento di alcune metriche che riguardano data </a:t>
             </a:r>
             <a:r>
               <a:rPr lang="it-IT" dirty="0" err="1"/>
@@ -7521,7 +7717,7 @@
 </p:sld>
 </file>
 
-<file path=ppt/slides/slide17.xml><?xml version="1.0" encoding="utf-8"?>
+<file path=ppt/slides/slide18.xml><?xml version="1.0" encoding="utf-8"?>
 <p:sld xmlns:a="http://schemas.openxmlformats.org/drawingml/2006/main" xmlns:r="http://schemas.openxmlformats.org/officeDocument/2006/relationships" xmlns:p="http://schemas.openxmlformats.org/presentationml/2006/main">
   <p:cSld>
     <p:spTree>
@@ -8393,7 +8589,56 @@
               </a:defRPr>
             </a:pPr>
             <a:r>
-              <a:t>Source: sorgente dei dati (Bloomberg, GoogleFinance, MSNMoney, Nasdaq, YahooFinance) </a:t>
+              <a:rPr dirty="0"/>
+              <a:t>Source: </a:t>
+            </a:r>
+            <a:r>
+              <a:rPr dirty="0" err="1"/>
+              <a:t>sorgente</a:t>
+            </a:r>
+            <a:r>
+              <a:rPr dirty="0"/>
+              <a:t> </a:t>
+            </a:r>
+            <a:r>
+              <a:rPr dirty="0" err="1"/>
+              <a:t>dei</a:t>
+            </a:r>
+            <a:r>
+              <a:rPr dirty="0"/>
+              <a:t> </a:t>
+            </a:r>
+            <a:r>
+              <a:rPr dirty="0" err="1"/>
+              <a:t>dati</a:t>
+            </a:r>
+            <a:r>
+              <a:rPr dirty="0"/>
+              <a:t> (Bloomberg, </a:t>
+            </a:r>
+            <a:r>
+              <a:rPr dirty="0" err="1"/>
+              <a:t>GoogleFinance</a:t>
+            </a:r>
+            <a:r>
+              <a:rPr dirty="0"/>
+              <a:t>, </a:t>
+            </a:r>
+            <a:r>
+              <a:rPr dirty="0" err="1"/>
+              <a:t>MSNMoney</a:t>
+            </a:r>
+            <a:r>
+              <a:rPr dirty="0"/>
+              <a:t>, Nasdaq, </a:t>
+            </a:r>
+            <a:r>
+              <a:rPr dirty="0" err="1"/>
+              <a:t>YahooFinance</a:t>
+            </a:r>
+            <a:r>
+              <a:rPr dirty="0"/>
+              <a:t>) </a:t>
             </a:r>
           </a:p>
           <a:p>
@@ -8418,7 +8663,16 @@
               </a:defRPr>
             </a:pPr>
             <a:r>
-              <a:t>Symbol: ticker dell’azienda </a:t>
+              <a:rPr dirty="0"/>
+              <a:t>Symbol: ticker </a:t>
+            </a:r>
+            <a:r>
+              <a:rPr dirty="0" err="1"/>
+              <a:t>dell’azienda</a:t>
+            </a:r>
+            <a:r>
+              <a:rPr dirty="0"/>
+              <a:t> </a:t>
             </a:r>
           </a:p>
           <a:p>
@@ -8443,8 +8697,34 @@
               </a:defRPr>
             </a:pPr>
             <a:r>
-              <a:t>ChangePerc: variazione percentuale del titolo</a:t>
-            </a:r>
+              <a:rPr dirty="0" err="1"/>
+              <a:t>ChangePerc</a:t>
+            </a:r>
+            <a:r>
+              <a:rPr dirty="0"/>
+              <a:t>: </a:t>
+            </a:r>
+            <a:r>
+              <a:rPr dirty="0" err="1"/>
+              <a:t>variazione</a:t>
+            </a:r>
+            <a:r>
+              <a:rPr dirty="0"/>
+              <a:t> </a:t>
+            </a:r>
+            <a:r>
+              <a:rPr dirty="0" err="1"/>
+              <a:t>percentuale</a:t>
+            </a:r>
+            <a:r>
+              <a:rPr dirty="0"/>
+              <a:t> del </a:t>
+            </a:r>
+            <a:r>
+              <a:rPr dirty="0" err="1"/>
+              <a:t>titolo</a:t>
+            </a:r>
+            <a:endParaRPr dirty="0"/>
           </a:p>
           <a:p>
             <a:pPr marL="431165" indent="-431165" defTabSz="566674">
@@ -8468,8 +8748,58 @@
               </a:defRPr>
             </a:pPr>
             <a:r>
-              <a:t>ClosePrice: valore dell’azione al momento della chiusura del mercato</a:t>
-            </a:r>
+              <a:rPr dirty="0" err="1"/>
+              <a:t>ClosePrice</a:t>
+            </a:r>
+            <a:r>
+              <a:rPr dirty="0"/>
+              <a:t>: </a:t>
+            </a:r>
+            <a:r>
+              <a:rPr dirty="0" err="1"/>
+              <a:t>valore</a:t>
+            </a:r>
+            <a:r>
+              <a:rPr dirty="0"/>
+              <a:t> </a:t>
+            </a:r>
+            <a:r>
+              <a:rPr dirty="0" err="1"/>
+              <a:t>dell’azione</a:t>
+            </a:r>
+            <a:r>
+              <a:rPr dirty="0"/>
+              <a:t> al </a:t>
+            </a:r>
+            <a:r>
+              <a:rPr dirty="0" err="1"/>
+              <a:t>momento</a:t>
+            </a:r>
+            <a:r>
+              <a:rPr dirty="0"/>
+              <a:t> </a:t>
+            </a:r>
+            <a:r>
+              <a:rPr dirty="0" err="1"/>
+              <a:t>della</a:t>
+            </a:r>
+            <a:r>
+              <a:rPr dirty="0"/>
+              <a:t> </a:t>
+            </a:r>
+            <a:r>
+              <a:rPr dirty="0" err="1"/>
+              <a:t>chiusura</a:t>
+            </a:r>
+            <a:r>
+              <a:rPr dirty="0"/>
+              <a:t> del </a:t>
+            </a:r>
+            <a:r>
+              <a:rPr dirty="0" err="1"/>
+              <a:t>mercato</a:t>
+            </a:r>
+            <a:endParaRPr dirty="0"/>
           </a:p>
           <a:p>
             <a:pPr marL="431165" indent="-431165" defTabSz="566674">
@@ -8493,8 +8823,50 @@
               </a:defRPr>
             </a:pPr>
             <a:r>
-              <a:t>OpenPrice: valore dell’azione al momento dell’apertura del mercato</a:t>
-            </a:r>
+              <a:rPr dirty="0" err="1"/>
+              <a:t>OpenPrice</a:t>
+            </a:r>
+            <a:r>
+              <a:rPr dirty="0"/>
+              <a:t>: </a:t>
+            </a:r>
+            <a:r>
+              <a:rPr dirty="0" err="1"/>
+              <a:t>valore</a:t>
+            </a:r>
+            <a:r>
+              <a:rPr dirty="0"/>
+              <a:t> </a:t>
+            </a:r>
+            <a:r>
+              <a:rPr dirty="0" err="1"/>
+              <a:t>dell’azione</a:t>
+            </a:r>
+            <a:r>
+              <a:rPr dirty="0"/>
+              <a:t> al </a:t>
+            </a:r>
+            <a:r>
+              <a:rPr dirty="0" err="1"/>
+              <a:t>momento</a:t>
+            </a:r>
+            <a:r>
+              <a:rPr dirty="0"/>
+              <a:t> </a:t>
+            </a:r>
+            <a:r>
+              <a:rPr dirty="0" err="1"/>
+              <a:t>dell’apertura</a:t>
+            </a:r>
+            <a:r>
+              <a:rPr dirty="0"/>
+              <a:t> del </a:t>
+            </a:r>
+            <a:r>
+              <a:rPr dirty="0" err="1"/>
+              <a:t>mercato</a:t>
+            </a:r>
+            <a:endParaRPr dirty="0"/>
           </a:p>
           <a:p>
             <a:pPr marL="431165" indent="-431165" defTabSz="566674">
@@ -8518,7 +8890,52 @@
               </a:defRPr>
             </a:pPr>
             <a:r>
-              <a:t>ChangeInDollars: variazione del valore del titolo durante la giornata </a:t>
+              <a:rPr dirty="0" err="1"/>
+              <a:t>ChangeInDollars</a:t>
+            </a:r>
+            <a:r>
+              <a:rPr dirty="0"/>
+              <a:t>: </a:t>
+            </a:r>
+            <a:r>
+              <a:rPr dirty="0" err="1"/>
+              <a:t>variazione</a:t>
+            </a:r>
+            <a:r>
+              <a:rPr dirty="0"/>
+              <a:t> del </a:t>
+            </a:r>
+            <a:r>
+              <a:rPr dirty="0" err="1"/>
+              <a:t>valore</a:t>
+            </a:r>
+            <a:r>
+              <a:rPr dirty="0"/>
+              <a:t> del </a:t>
+            </a:r>
+            <a:r>
+              <a:rPr dirty="0" err="1"/>
+              <a:t>titolo</a:t>
+            </a:r>
+            <a:r>
+              <a:rPr dirty="0"/>
+              <a:t> </a:t>
+            </a:r>
+            <a:r>
+              <a:rPr dirty="0" err="1"/>
+              <a:t>durante</a:t>
+            </a:r>
+            <a:r>
+              <a:rPr dirty="0"/>
+              <a:t> la </a:t>
+            </a:r>
+            <a:r>
+              <a:rPr dirty="0" err="1"/>
+              <a:t>giornata</a:t>
+            </a:r>
+            <a:r>
+              <a:rPr dirty="0"/>
+              <a:t> </a:t>
             </a:r>
           </a:p>
           <a:p>
@@ -8543,8 +8960,54 @@
               </a:defRPr>
             </a:pPr>
             <a:r>
-              <a:t>Volume: numero di contratti scambiati durante la sessione di mercato</a:t>
-            </a:r>
+              <a:rPr dirty="0"/>
+              <a:t>Volume: </a:t>
+            </a:r>
+            <a:r>
+              <a:rPr dirty="0" err="1"/>
+              <a:t>numero</a:t>
+            </a:r>
+            <a:r>
+              <a:rPr dirty="0"/>
+              <a:t> di </a:t>
+            </a:r>
+            <a:r>
+              <a:rPr dirty="0" err="1"/>
+              <a:t>contratti</a:t>
+            </a:r>
+            <a:r>
+              <a:rPr dirty="0"/>
+              <a:t> </a:t>
+            </a:r>
+            <a:r>
+              <a:rPr dirty="0" err="1"/>
+              <a:t>scambiati</a:t>
+            </a:r>
+            <a:r>
+              <a:rPr dirty="0"/>
+              <a:t> </a:t>
+            </a:r>
+            <a:r>
+              <a:rPr dirty="0" err="1"/>
+              <a:t>durante</a:t>
+            </a:r>
+            <a:r>
+              <a:rPr dirty="0"/>
+              <a:t> la </a:t>
+            </a:r>
+            <a:r>
+              <a:rPr dirty="0" err="1"/>
+              <a:t>sessione</a:t>
+            </a:r>
+            <a:r>
+              <a:rPr dirty="0"/>
+              <a:t> di </a:t>
+            </a:r>
+            <a:r>
+              <a:rPr dirty="0" err="1"/>
+              <a:t>mercato</a:t>
+            </a:r>
+            <a:endParaRPr dirty="0"/>
           </a:p>
           <a:p>
             <a:pPr marL="431165" indent="-431165" defTabSz="566674">
@@ -8568,8 +9031,66 @@
               </a:defRPr>
             </a:pPr>
             <a:r>
-              <a:t>HighPrice: valore massimo dell’azione raggiunto durante la sessione di mercato</a:t>
-            </a:r>
+              <a:rPr dirty="0" err="1"/>
+              <a:t>HighPrice</a:t>
+            </a:r>
+            <a:r>
+              <a:rPr dirty="0"/>
+              <a:t>: </a:t>
+            </a:r>
+            <a:r>
+              <a:rPr dirty="0" err="1"/>
+              <a:t>valore</a:t>
+            </a:r>
+            <a:r>
+              <a:rPr dirty="0"/>
+              <a:t> </a:t>
+            </a:r>
+            <a:r>
+              <a:rPr dirty="0" err="1"/>
+              <a:t>massimo</a:t>
+            </a:r>
+            <a:r>
+              <a:rPr dirty="0"/>
+              <a:t> </a:t>
+            </a:r>
+            <a:r>
+              <a:rPr dirty="0" err="1"/>
+              <a:t>dell’azione</a:t>
+            </a:r>
+            <a:r>
+              <a:rPr dirty="0"/>
+              <a:t> </a:t>
+            </a:r>
+            <a:r>
+              <a:rPr dirty="0" err="1"/>
+              <a:t>raggiunto</a:t>
+            </a:r>
+            <a:r>
+              <a:rPr dirty="0"/>
+              <a:t> </a:t>
+            </a:r>
+            <a:r>
+              <a:rPr dirty="0" err="1"/>
+              <a:t>durante</a:t>
+            </a:r>
+            <a:r>
+              <a:rPr dirty="0"/>
+              <a:t> la </a:t>
+            </a:r>
+            <a:r>
+              <a:rPr dirty="0" err="1"/>
+              <a:t>sessione</a:t>
+            </a:r>
+            <a:r>
+              <a:rPr dirty="0"/>
+              <a:t> di </a:t>
+            </a:r>
+            <a:r>
+              <a:rPr dirty="0" err="1"/>
+              <a:t>mercato</a:t>
+            </a:r>
+            <a:endParaRPr dirty="0"/>
           </a:p>
           <a:p>
             <a:pPr marL="431165" indent="-431165" defTabSz="566674">
@@ -8593,7 +9114,68 @@
               </a:defRPr>
             </a:pPr>
             <a:r>
-              <a:t>LowPrice: valore minimo dell’azione raggiunto durante la sessione di mercato </a:t>
+              <a:rPr dirty="0" err="1"/>
+              <a:t>LowPrice</a:t>
+            </a:r>
+            <a:r>
+              <a:rPr dirty="0"/>
+              <a:t>: </a:t>
+            </a:r>
+            <a:r>
+              <a:rPr dirty="0" err="1"/>
+              <a:t>valore</a:t>
+            </a:r>
+            <a:r>
+              <a:rPr dirty="0"/>
+              <a:t> </a:t>
+            </a:r>
+            <a:r>
+              <a:rPr dirty="0" err="1"/>
+              <a:t>minimo</a:t>
+            </a:r>
+            <a:r>
+              <a:rPr dirty="0"/>
+              <a:t> </a:t>
+            </a:r>
+            <a:r>
+              <a:rPr dirty="0" err="1"/>
+              <a:t>dell’azione</a:t>
+            </a:r>
+            <a:r>
+              <a:rPr dirty="0"/>
+              <a:t> </a:t>
+            </a:r>
+            <a:r>
+              <a:rPr dirty="0" err="1"/>
+              <a:t>raggiunto</a:t>
+            </a:r>
+            <a:r>
+              <a:rPr dirty="0"/>
+              <a:t> </a:t>
+            </a:r>
+            <a:r>
+              <a:rPr dirty="0" err="1"/>
+              <a:t>durante</a:t>
+            </a:r>
+            <a:r>
+              <a:rPr dirty="0"/>
+              <a:t> la </a:t>
+            </a:r>
+            <a:r>
+              <a:rPr dirty="0" err="1"/>
+              <a:t>sessione</a:t>
+            </a:r>
+            <a:r>
+              <a:rPr dirty="0"/>
+              <a:t> di </a:t>
+            </a:r>
+            <a:r>
+              <a:rPr dirty="0" err="1"/>
+              <a:t>mercato</a:t>
+            </a:r>
+            <a:r>
+              <a:rPr dirty="0"/>
+              <a:t> </a:t>
             </a:r>
           </a:p>
           <a:p>
@@ -8618,8 +9200,74 @@
               </a:defRPr>
             </a:pPr>
             <a:r>
-              <a:t>PreviousClose: valore dell’azione alla chiusura del mercato il giorno precedente</a:t>
-            </a:r>
+              <a:rPr dirty="0" err="1"/>
+              <a:t>PreviousClose</a:t>
+            </a:r>
+            <a:r>
+              <a:rPr dirty="0"/>
+              <a:t>: </a:t>
+            </a:r>
+            <a:r>
+              <a:rPr dirty="0" err="1"/>
+              <a:t>valore</a:t>
+            </a:r>
+            <a:r>
+              <a:rPr dirty="0"/>
+              <a:t> </a:t>
+            </a:r>
+            <a:r>
+              <a:rPr dirty="0" err="1"/>
+              <a:t>dell’azione</a:t>
+            </a:r>
+            <a:r>
+              <a:rPr dirty="0"/>
+              <a:t> </a:t>
+            </a:r>
+            <a:r>
+              <a:rPr dirty="0" err="1"/>
+              <a:t>alla</a:t>
+            </a:r>
+            <a:r>
+              <a:rPr dirty="0"/>
+              <a:t> </a:t>
+            </a:r>
+            <a:r>
+              <a:rPr dirty="0" err="1"/>
+              <a:t>chiusura</a:t>
+            </a:r>
+            <a:r>
+              <a:rPr dirty="0"/>
+              <a:t> del </a:t>
+            </a:r>
+            <a:r>
+              <a:rPr dirty="0" err="1"/>
+              <a:t>mercato</a:t>
+            </a:r>
+            <a:r>
+              <a:rPr dirty="0"/>
+              <a:t> </a:t>
+            </a:r>
+            <a:r>
+              <a:rPr dirty="0" err="1"/>
+              <a:t>il</a:t>
+            </a:r>
+            <a:r>
+              <a:rPr dirty="0"/>
+              <a:t> </a:t>
+            </a:r>
+            <a:r>
+              <a:rPr dirty="0" err="1"/>
+              <a:t>giorno</a:t>
+            </a:r>
+            <a:r>
+              <a:rPr dirty="0"/>
+              <a:t> </a:t>
+            </a:r>
+            <a:r>
+              <a:rPr dirty="0" err="1"/>
+              <a:t>precedente</a:t>
+            </a:r>
+            <a:endParaRPr dirty="0"/>
           </a:p>
           <a:p>
             <a:pPr marL="431165" indent="-431165" defTabSz="566674">
@@ -8643,8 +9291,58 @@
               </a:defRPr>
             </a:pPr>
             <a:r>
-              <a:t>YearHigh: valore massimo dell’azione raggiunto durante l’anno</a:t>
-            </a:r>
+              <a:rPr dirty="0" err="1"/>
+              <a:t>YearHigh</a:t>
+            </a:r>
+            <a:r>
+              <a:rPr dirty="0"/>
+              <a:t>: </a:t>
+            </a:r>
+            <a:r>
+              <a:rPr dirty="0" err="1"/>
+              <a:t>valore</a:t>
+            </a:r>
+            <a:r>
+              <a:rPr dirty="0"/>
+              <a:t> </a:t>
+            </a:r>
+            <a:r>
+              <a:rPr dirty="0" err="1"/>
+              <a:t>massimo</a:t>
+            </a:r>
+            <a:r>
+              <a:rPr dirty="0"/>
+              <a:t> </a:t>
+            </a:r>
+            <a:r>
+              <a:rPr dirty="0" err="1"/>
+              <a:t>dell’azione</a:t>
+            </a:r>
+            <a:r>
+              <a:rPr dirty="0"/>
+              <a:t> </a:t>
+            </a:r>
+            <a:r>
+              <a:rPr dirty="0" err="1"/>
+              <a:t>raggiunto</a:t>
+            </a:r>
+            <a:r>
+              <a:rPr dirty="0"/>
+              <a:t> </a:t>
+            </a:r>
+            <a:r>
+              <a:rPr dirty="0" err="1"/>
+              <a:t>durante</a:t>
+            </a:r>
+            <a:r>
+              <a:rPr dirty="0"/>
+              <a:t> </a:t>
+            </a:r>
+            <a:r>
+              <a:rPr dirty="0" err="1"/>
+              <a:t>l’anno</a:t>
+            </a:r>
+            <a:endParaRPr dirty="0"/>
           </a:p>
           <a:p>
             <a:pPr marL="431165" indent="-431165" defTabSz="566674">
@@ -8668,8 +9366,58 @@
               </a:defRPr>
             </a:pPr>
             <a:r>
-              <a:t>YearLow: valore minimo dell’azione raggiunto durante l’anno</a:t>
-            </a:r>
+              <a:rPr dirty="0" err="1"/>
+              <a:t>YearLow</a:t>
+            </a:r>
+            <a:r>
+              <a:rPr dirty="0"/>
+              <a:t>: </a:t>
+            </a:r>
+            <a:r>
+              <a:rPr dirty="0" err="1"/>
+              <a:t>valore</a:t>
+            </a:r>
+            <a:r>
+              <a:rPr dirty="0"/>
+              <a:t> </a:t>
+            </a:r>
+            <a:r>
+              <a:rPr dirty="0" err="1"/>
+              <a:t>minimo</a:t>
+            </a:r>
+            <a:r>
+              <a:rPr dirty="0"/>
+              <a:t> </a:t>
+            </a:r>
+            <a:r>
+              <a:rPr dirty="0" err="1"/>
+              <a:t>dell’azione</a:t>
+            </a:r>
+            <a:r>
+              <a:rPr dirty="0"/>
+              <a:t> </a:t>
+            </a:r>
+            <a:r>
+              <a:rPr dirty="0" err="1"/>
+              <a:t>raggiunto</a:t>
+            </a:r>
+            <a:r>
+              <a:rPr dirty="0"/>
+              <a:t> </a:t>
+            </a:r>
+            <a:r>
+              <a:rPr dirty="0" err="1"/>
+              <a:t>durante</a:t>
+            </a:r>
+            <a:r>
+              <a:rPr dirty="0"/>
+              <a:t> </a:t>
+            </a:r>
+            <a:r>
+              <a:rPr dirty="0" err="1"/>
+              <a:t>l’anno</a:t>
+            </a:r>
+            <a:endParaRPr dirty="0"/>
           </a:p>
           <a:p>
             <a:pPr marL="431165" indent="-431165" defTabSz="566674">
@@ -8693,8 +9441,34 @@
               </a:defRPr>
             </a:pPr>
             <a:r>
-              <a:t>NShares: numero di azioni in circolazione</a:t>
-            </a:r>
+              <a:rPr dirty="0" err="1"/>
+              <a:t>NShares</a:t>
+            </a:r>
+            <a:r>
+              <a:rPr dirty="0"/>
+              <a:t>: </a:t>
+            </a:r>
+            <a:r>
+              <a:rPr dirty="0" err="1"/>
+              <a:t>numero</a:t>
+            </a:r>
+            <a:r>
+              <a:rPr dirty="0"/>
+              <a:t> di </a:t>
+            </a:r>
+            <a:r>
+              <a:rPr dirty="0" err="1"/>
+              <a:t>azioni</a:t>
+            </a:r>
+            <a:r>
+              <a:rPr dirty="0"/>
+              <a:t> in </a:t>
+            </a:r>
+            <a:r>
+              <a:rPr dirty="0" err="1"/>
+              <a:t>circolazione</a:t>
+            </a:r>
+            <a:endParaRPr dirty="0"/>
           </a:p>
           <a:p>
             <a:pPr marL="431165" indent="-431165" defTabSz="566674">
@@ -8718,8 +9492,14 @@
               </a:defRPr>
             </a:pPr>
             <a:r>
-              <a:t>PE: temperatura registrata alle nove di mattina</a:t>
-            </a:r>
+              <a:rPr dirty="0"/>
+              <a:t>PE: </a:t>
+            </a:r>
+            <a:r>
+              <a:rPr lang="it-IT" dirty="0"/>
+              <a:t>rapporto prezzo/utili per una singola azione</a:t>
+            </a:r>
+            <a:endParaRPr dirty="0"/>
           </a:p>
           <a:p>
             <a:pPr marL="431165" indent="-431165" defTabSz="566674">
@@ -8743,8 +9523,34 @@
               </a:defRPr>
             </a:pPr>
             <a:r>
-              <a:t>MarketCap: temperatura registrata alle tre di pomeriggio</a:t>
-            </a:r>
+              <a:rPr dirty="0" err="1"/>
+              <a:t>MarketCap</a:t>
+            </a:r>
+            <a:r>
+              <a:rPr dirty="0"/>
+              <a:t>: </a:t>
+            </a:r>
+            <a:r>
+              <a:rPr lang="it-IT" dirty="0"/>
+              <a:t>valore totale di una azienda (</a:t>
+            </a:r>
+            <a:r>
+              <a:rPr lang="it-IT" dirty="0" err="1"/>
+              <a:t>Nshares</a:t>
+            </a:r>
+            <a:r>
+              <a:rPr lang="it-IT" dirty="0"/>
+              <a:t>  * </a:t>
+            </a:r>
+            <a:r>
+              <a:rPr lang="it-IT" dirty="0" err="1"/>
+              <a:t>ClosePrice</a:t>
+            </a:r>
+            <a:r>
+              <a:rPr lang="it-IT" dirty="0"/>
+              <a:t>)</a:t>
+            </a:r>
+            <a:endParaRPr dirty="0"/>
           </a:p>
           <a:p>
             <a:pPr marL="431165" indent="-431165" defTabSz="566674">
@@ -8768,8 +9574,14 @@
               </a:defRPr>
             </a:pPr>
             <a:r>
-              <a:t>Yield: indica se il giorno precedente alla predizione ha piovuto</a:t>
-            </a:r>
+              <a:rPr dirty="0"/>
+              <a:t>Yield: </a:t>
+            </a:r>
+            <a:r>
+              <a:rPr lang="it-IT" dirty="0"/>
+              <a:t>dividendo per azione</a:t>
+            </a:r>
+            <a:endParaRPr dirty="0"/>
           </a:p>
           <a:p>
             <a:pPr marL="431165" indent="-431165" defTabSz="566674">
@@ -8793,8 +9605,14 @@
               </a:defRPr>
             </a:pPr>
             <a:r>
-              <a:t>DividendYield: indica il target binario da predire</a:t>
-            </a:r>
+              <a:rPr dirty="0" err="1"/>
+              <a:t>DividendYield</a:t>
+            </a:r>
+            <a:r>
+              <a:rPr lang="it-IT" dirty="0"/>
+              <a:t>: rapporto tra dividendo e prezzo di una azione</a:t>
+            </a:r>
+            <a:endParaRPr dirty="0"/>
           </a:p>
           <a:p>
             <a:pPr marL="431165" indent="-431165" defTabSz="566674">
@@ -8818,8 +9636,22 @@
               </a:defRPr>
             </a:pPr>
             <a:r>
+              <a:rPr dirty="0"/>
               <a:t>EPS: </a:t>
             </a:r>
+            <a:r>
+              <a:rPr lang="it-IT" dirty="0"/>
+              <a:t>utile per azione (utile netto / </a:t>
+            </a:r>
+            <a:r>
+              <a:rPr lang="it-IT" dirty="0" err="1"/>
+              <a:t>Nshares</a:t>
+            </a:r>
+            <a:r>
+              <a:rPr lang="it-IT" dirty="0"/>
+              <a:t>)</a:t>
+            </a:r>
+            <a:endParaRPr dirty="0"/>
           </a:p>
         </p:txBody>
       </p:sp>
@@ -8833,6 +9665,250 @@
 </file>
 
 <file path=ppt/slides/slide6.xml><?xml version="1.0" encoding="utf-8"?>
+<p:sld xmlns:a="http://schemas.openxmlformats.org/drawingml/2006/main" xmlns:r="http://schemas.openxmlformats.org/officeDocument/2006/relationships" xmlns:p="http://schemas.openxmlformats.org/presentationml/2006/main">
+  <p:cSld>
+    <p:spTree>
+      <p:nvGrpSpPr>
+        <p:cNvPr id="1" name=""/>
+        <p:cNvGrpSpPr/>
+        <p:nvPr/>
+      </p:nvGrpSpPr>
+      <p:grpSpPr>
+        <a:xfrm>
+          <a:off x="0" y="0"/>
+          <a:ext cx="0" cy="0"/>
+          <a:chOff x="0" y="0"/>
+          <a:chExt cx="0" cy="0"/>
+        </a:xfrm>
+      </p:grpSpPr>
+      <p:sp>
+        <p:nvSpPr>
+          <p:cNvPr id="193" name="DATASET"/>
+          <p:cNvSpPr txBox="1">
+            <a:spLocks noGrp="1"/>
+          </p:cNvSpPr>
+          <p:nvPr>
+            <p:ph type="title"/>
+          </p:nvPr>
+        </p:nvSpPr>
+        <p:spPr>
+          <a:xfrm>
+            <a:off x="406400" y="311150"/>
+            <a:ext cx="12192000" cy="723900"/>
+          </a:xfrm>
+          <a:prstGeom prst="rect">
+            <a:avLst/>
+          </a:prstGeom>
+        </p:spPr>
+        <p:txBody>
+          <a:bodyPr/>
+          <a:lstStyle>
+            <a:lvl1pPr defTabSz="467359">
+              <a:spcBef>
+                <a:spcPts val="2200"/>
+              </a:spcBef>
+              <a:defRPr sz="4800"/>
+            </a:lvl1pPr>
+          </a:lstStyle>
+          <a:p>
+            <a:r>
+              <a:rPr lang="it-IT" dirty="0"/>
+              <a:t>ANALISI DATASET E DOMINIO</a:t>
+            </a:r>
+            <a:endParaRPr dirty="0"/>
+          </a:p>
+        </p:txBody>
+      </p:sp>
+      <p:sp>
+        <p:nvSpPr>
+          <p:cNvPr id="194" name="MaxTemp: temperatura massima registrata…"/>
+          <p:cNvSpPr txBox="1">
+            <a:spLocks noGrp="1"/>
+          </p:cNvSpPr>
+          <p:nvPr>
+            <p:ph type="body" idx="1"/>
+          </p:nvPr>
+        </p:nvSpPr>
+        <p:spPr>
+          <a:xfrm>
+            <a:off x="406400" y="1389210"/>
+            <a:ext cx="12192000" cy="8217994"/>
+          </a:xfrm>
+          <a:prstGeom prst="rect">
+            <a:avLst/>
+          </a:prstGeom>
+        </p:spPr>
+        <p:txBody>
+          <a:bodyPr anchor="t"/>
+          <a:lstStyle/>
+          <a:p>
+            <a:pPr marL="431165" indent="-431165" defTabSz="566674">
+              <a:lnSpc>
+                <a:spcPct val="100000"/>
+              </a:lnSpc>
+              <a:spcBef>
+                <a:spcPts val="900"/>
+              </a:spcBef>
+              <a:buClr>
+                <a:schemeClr val="accent1"/>
+              </a:buClr>
+              <a:buSzPct val="104999"/>
+              <a:buFont typeface="Avenir Next"/>
+              <a:buChar char="▸"/>
+              <a:defRPr sz="1940" cap="none" spc="0">
+                <a:latin typeface="Avenir Next Medium"/>
+                <a:ea typeface="Avenir Next Medium"/>
+                <a:cs typeface="Avenir Next Medium"/>
+                <a:sym typeface="Avenir Next Medium"/>
+              </a:defRPr>
+            </a:pPr>
+            <a:r>
+              <a:rPr lang="it-IT" sz="3200" dirty="0"/>
+              <a:t>Abbiamo effettuato un analisi iniziale sul dataset e del dominio finanziario utilizzate per valutare in maniera migliore le dimensioni di qualità, attraverso tale analisi sono stati notati i seguenti aspetti:</a:t>
+            </a:r>
+          </a:p>
+          <a:p>
+            <a:pPr marL="457200" indent="-457200" defTabSz="566674">
+              <a:lnSpc>
+                <a:spcPct val="100000"/>
+              </a:lnSpc>
+              <a:spcBef>
+                <a:spcPts val="900"/>
+              </a:spcBef>
+              <a:buClr>
+                <a:schemeClr val="accent1"/>
+              </a:buClr>
+              <a:buSzPct val="104999"/>
+              <a:buFont typeface="+mj-lt"/>
+              <a:buAutoNum type="arabicPeriod"/>
+              <a:defRPr sz="1940" cap="none" spc="0">
+                <a:latin typeface="Avenir Next Medium"/>
+                <a:ea typeface="Avenir Next Medium"/>
+                <a:cs typeface="Avenir Next Medium"/>
+                <a:sym typeface="Avenir Next Medium"/>
+              </a:defRPr>
+            </a:pPr>
+            <a:r>
+              <a:rPr lang="it-IT" sz="3200" dirty="0"/>
+              <a:t>L’attributo PE matematicamente può assumere un valore negativo che però non è accettato nella cultura finanziaria, nel dataset 4 fonti su 5 infatti non riportano i valori di PE negativi, al contrario solo </a:t>
+            </a:r>
+            <a:r>
+              <a:rPr lang="it-IT" sz="3200" dirty="0" err="1"/>
+              <a:t>msn</a:t>
+            </a:r>
+            <a:r>
+              <a:rPr lang="it-IT" sz="3200" dirty="0"/>
+              <a:t>-money riporta tali valori</a:t>
+            </a:r>
+          </a:p>
+          <a:p>
+            <a:pPr marL="457200" indent="-457200" defTabSz="566674">
+              <a:lnSpc>
+                <a:spcPct val="100000"/>
+              </a:lnSpc>
+              <a:spcBef>
+                <a:spcPts val="900"/>
+              </a:spcBef>
+              <a:buClr>
+                <a:schemeClr val="accent1"/>
+              </a:buClr>
+              <a:buSzPct val="104999"/>
+              <a:buFont typeface="+mj-lt"/>
+              <a:buAutoNum type="arabicPeriod"/>
+              <a:defRPr sz="1940" cap="none" spc="0">
+                <a:latin typeface="Avenir Next Medium"/>
+                <a:ea typeface="Avenir Next Medium"/>
+                <a:cs typeface="Avenir Next Medium"/>
+                <a:sym typeface="Avenir Next Medium"/>
+              </a:defRPr>
+            </a:pPr>
+            <a:r>
+              <a:rPr lang="it-IT" sz="3200" dirty="0"/>
+              <a:t>Come vedremo nell’analisi di consistenza il valore che assume l’attributo </a:t>
+            </a:r>
+            <a:r>
+              <a:rPr lang="it-IT" sz="3200" dirty="0" err="1"/>
+              <a:t>PreviousClose</a:t>
+            </a:r>
+            <a:r>
+              <a:rPr lang="it-IT" sz="3200" dirty="0"/>
+              <a:t> può non coincidere con il valore di </a:t>
+            </a:r>
+            <a:r>
+              <a:rPr lang="it-IT" sz="3200" dirty="0" err="1"/>
+              <a:t>PriceOpen</a:t>
+            </a:r>
+            <a:r>
+              <a:rPr lang="it-IT" sz="3200" dirty="0"/>
+              <a:t> in quanto sono possibili transazioni a mercato chiuso</a:t>
+            </a:r>
+          </a:p>
+          <a:p>
+            <a:pPr marL="457200" indent="-457200" defTabSz="566674">
+              <a:lnSpc>
+                <a:spcPct val="100000"/>
+              </a:lnSpc>
+              <a:spcBef>
+                <a:spcPts val="900"/>
+              </a:spcBef>
+              <a:buClr>
+                <a:schemeClr val="accent1"/>
+              </a:buClr>
+              <a:buSzPct val="104999"/>
+              <a:buFont typeface="+mj-lt"/>
+              <a:buAutoNum type="arabicPeriod"/>
+              <a:defRPr sz="1940" cap="none" spc="0">
+                <a:latin typeface="Avenir Next Medium"/>
+                <a:ea typeface="Avenir Next Medium"/>
+                <a:cs typeface="Avenir Next Medium"/>
+                <a:sym typeface="Avenir Next Medium"/>
+              </a:defRPr>
+            </a:pPr>
+            <a:r>
+              <a:rPr lang="it-IT" sz="3200" dirty="0"/>
+              <a:t>L’attributo Yield differisce nelle varie fonti in quanto il suo calcolo può essere fatto su scale differenti (annuale, semestrale, quarto di anno)</a:t>
+            </a:r>
+          </a:p>
+          <a:p>
+            <a:pPr marL="457200" indent="-457200" defTabSz="566674">
+              <a:lnSpc>
+                <a:spcPct val="100000"/>
+              </a:lnSpc>
+              <a:spcBef>
+                <a:spcPts val="900"/>
+              </a:spcBef>
+              <a:buClr>
+                <a:schemeClr val="accent1"/>
+              </a:buClr>
+              <a:buSzPct val="104999"/>
+              <a:buFont typeface="+mj-lt"/>
+              <a:buAutoNum type="arabicPeriod"/>
+              <a:defRPr sz="1940" cap="none" spc="0">
+                <a:latin typeface="Avenir Next Medium"/>
+                <a:ea typeface="Avenir Next Medium"/>
+                <a:cs typeface="Avenir Next Medium"/>
+                <a:sym typeface="Avenir Next Medium"/>
+              </a:defRPr>
+            </a:pPr>
+            <a:endParaRPr dirty="0"/>
+          </a:p>
+        </p:txBody>
+      </p:sp>
+    </p:spTree>
+    <p:extLst>
+      <p:ext uri="{BB962C8B-B14F-4D97-AF65-F5344CB8AC3E}">
+        <p14:creationId xmlns:p14="http://schemas.microsoft.com/office/powerpoint/2010/main" val="155824431"/>
+      </p:ext>
+    </p:extLst>
+  </p:cSld>
+  <p:clrMapOvr>
+    <a:masterClrMapping/>
+  </p:clrMapOvr>
+  <p:transition spd="med"/>
+</p:sld>
+</file>
+
+<file path=ppt/slides/slide7.xml><?xml version="1.0" encoding="utf-8"?>
 <p:sld xmlns:a="http://schemas.openxmlformats.org/drawingml/2006/main" xmlns:r="http://schemas.openxmlformats.org/officeDocument/2006/relationships" xmlns:p="http://schemas.openxmlformats.org/presentationml/2006/main">
   <p:cSld>
     <p:spTree>
@@ -9014,445 +10090,6 @@
               <a:t>Precisione</a:t>
             </a:r>
             <a:endParaRPr dirty="0"/>
-          </a:p>
-        </p:txBody>
-      </p:sp>
-    </p:spTree>
-  </p:cSld>
-  <p:clrMapOvr>
-    <a:masterClrMapping/>
-  </p:clrMapOvr>
-  <p:transition spd="med"/>
-</p:sld>
-</file>
-
-<file path=ppt/slides/slide7.xml><?xml version="1.0" encoding="utf-8"?>
-<p:sld xmlns:a="http://schemas.openxmlformats.org/drawingml/2006/main" xmlns:r="http://schemas.openxmlformats.org/officeDocument/2006/relationships" xmlns:p="http://schemas.openxmlformats.org/presentationml/2006/main">
-  <p:cSld>
-    <p:spTree>
-      <p:nvGrpSpPr>
-        <p:cNvPr id="1" name=""/>
-        <p:cNvGrpSpPr/>
-        <p:nvPr/>
-      </p:nvGrpSpPr>
-      <p:grpSpPr>
-        <a:xfrm>
-          <a:off x="0" y="0"/>
-          <a:ext cx="0" cy="0"/>
-          <a:chOff x="0" y="0"/>
-          <a:chExt cx="0" cy="0"/>
-        </a:xfrm>
-      </p:grpSpPr>
-      <p:sp>
-        <p:nvSpPr>
-          <p:cNvPr id="199" name="DATASET"/>
-          <p:cNvSpPr txBox="1">
-            <a:spLocks noGrp="1"/>
-          </p:cNvSpPr>
-          <p:nvPr>
-            <p:ph type="title"/>
-          </p:nvPr>
-        </p:nvSpPr>
-        <p:spPr>
-          <a:xfrm>
-            <a:off x="406400" y="311150"/>
-            <a:ext cx="12192000" cy="723900"/>
-          </a:xfrm>
-          <a:prstGeom prst="rect">
-            <a:avLst/>
-          </a:prstGeom>
-        </p:spPr>
-        <p:txBody>
-          <a:bodyPr/>
-          <a:lstStyle>
-            <a:lvl1pPr defTabSz="467359">
-              <a:spcBef>
-                <a:spcPts val="2200"/>
-              </a:spcBef>
-              <a:defRPr sz="4800"/>
-            </a:lvl1pPr>
-          </a:lstStyle>
-          <a:p>
-            <a:r>
-              <a:t>COMPLETEZZA</a:t>
-            </a:r>
-          </a:p>
-        </p:txBody>
-      </p:sp>
-      <p:sp>
-        <p:nvSpPr>
-          <p:cNvPr id="200" name="MaxTemp: temperatura massima registrata…"/>
-          <p:cNvSpPr txBox="1">
-            <a:spLocks noGrp="1"/>
-          </p:cNvSpPr>
-          <p:nvPr>
-            <p:ph type="body" idx="1"/>
-          </p:nvPr>
-        </p:nvSpPr>
-        <p:spPr>
-          <a:xfrm>
-            <a:off x="406400" y="1389211"/>
-            <a:ext cx="12192000" cy="7462689"/>
-          </a:xfrm>
-          <a:prstGeom prst="rect">
-            <a:avLst/>
-          </a:prstGeom>
-        </p:spPr>
-        <p:txBody>
-          <a:bodyPr anchor="t"/>
-          <a:lstStyle/>
-          <a:p>
-            <a:pPr marL="444500" indent="-444500" defTabSz="584200">
-              <a:lnSpc>
-                <a:spcPct val="100000"/>
-              </a:lnSpc>
-              <a:spcBef>
-                <a:spcPts val="2800"/>
-              </a:spcBef>
-              <a:buClr>
-                <a:schemeClr val="accent1"/>
-              </a:buClr>
-              <a:buSzPct val="104999"/>
-              <a:buFont typeface="Avenir Next"/>
-              <a:buChar char="▸"/>
-              <a:defRPr sz="3400" cap="none" spc="0">
-                <a:latin typeface="Avenir Next Medium"/>
-                <a:ea typeface="Avenir Next Medium"/>
-                <a:cs typeface="Avenir Next Medium"/>
-                <a:sym typeface="Avenir Next Medium"/>
-              </a:defRPr>
-            </a:pPr>
-            <a:r>
-              <a:rPr dirty="0" err="1"/>
-              <a:t>Completezza</a:t>
-            </a:r>
-            <a:r>
-              <a:rPr dirty="0"/>
-              <a:t> di </a:t>
-            </a:r>
-            <a:r>
-              <a:rPr dirty="0" err="1"/>
-              <a:t>attributi</a:t>
-            </a:r>
-            <a:r>
-              <a:rPr dirty="0"/>
-              <a:t>:                                                       </a:t>
-            </a:r>
-            <a:endParaRPr lang="it-IT" dirty="0"/>
-          </a:p>
-          <a:p>
-            <a:pPr defTabSz="584200">
-              <a:lnSpc>
-                <a:spcPct val="100000"/>
-              </a:lnSpc>
-              <a:spcBef>
-                <a:spcPts val="2800"/>
-              </a:spcBef>
-              <a:buClr>
-                <a:schemeClr val="accent1"/>
-              </a:buClr>
-              <a:buSzPct val="104999"/>
-              <a:defRPr sz="3400" cap="none" spc="0">
-                <a:latin typeface="Avenir Next Medium"/>
-                <a:ea typeface="Avenir Next Medium"/>
-                <a:cs typeface="Avenir Next Medium"/>
-                <a:sym typeface="Avenir Next Medium"/>
-              </a:defRPr>
-            </a:pPr>
-            <a:r>
-              <a:rPr lang="it-IT" dirty="0"/>
-              <a:t>	</a:t>
-            </a:r>
-            <a:r>
-              <a:rPr dirty="0"/>
-              <a:t>40% di NULL </a:t>
-            </a:r>
-            <a:r>
-              <a:rPr dirty="0" err="1"/>
-              <a:t>nella</a:t>
-            </a:r>
-            <a:r>
-              <a:rPr dirty="0"/>
-              <a:t> </a:t>
-            </a:r>
-            <a:r>
-              <a:rPr dirty="0" err="1"/>
-              <a:t>colonna</a:t>
-            </a:r>
-            <a:r>
-              <a:rPr dirty="0"/>
-              <a:t> </a:t>
-            </a:r>
-            <a:r>
-              <a:rPr dirty="0" err="1"/>
-              <a:t>PreviousClose</a:t>
-            </a:r>
-            <a:r>
-              <a:rPr lang="it-IT" dirty="0"/>
-              <a:t>.</a:t>
-            </a:r>
-          </a:p>
-          <a:p>
-            <a:pPr defTabSz="584200">
-              <a:lnSpc>
-                <a:spcPct val="100000"/>
-              </a:lnSpc>
-              <a:spcBef>
-                <a:spcPts val="2800"/>
-              </a:spcBef>
-              <a:buClr>
-                <a:schemeClr val="accent1"/>
-              </a:buClr>
-              <a:buSzPct val="104999"/>
-              <a:defRPr sz="3400" cap="none" spc="0">
-                <a:latin typeface="Avenir Next Medium"/>
-                <a:ea typeface="Avenir Next Medium"/>
-                <a:cs typeface="Avenir Next Medium"/>
-                <a:sym typeface="Avenir Next Medium"/>
-              </a:defRPr>
-            </a:pPr>
-            <a:r>
-              <a:rPr lang="it-IT" dirty="0"/>
-              <a:t>	</a:t>
-            </a:r>
-            <a:r>
-              <a:rPr dirty="0"/>
-              <a:t>20% di NULL </a:t>
-            </a:r>
-            <a:r>
-              <a:rPr dirty="0" err="1"/>
-              <a:t>nella</a:t>
-            </a:r>
-            <a:r>
-              <a:rPr dirty="0"/>
-              <a:t> </a:t>
-            </a:r>
-            <a:r>
-              <a:rPr dirty="0" err="1"/>
-              <a:t>colonna</a:t>
-            </a:r>
-            <a:r>
-              <a:rPr dirty="0"/>
-              <a:t> </a:t>
-            </a:r>
-            <a:r>
-              <a:rPr dirty="0" err="1"/>
-              <a:t>NShares</a:t>
-            </a:r>
-            <a:r>
-              <a:rPr dirty="0"/>
-              <a:t>.</a:t>
-            </a:r>
-            <a:endParaRPr lang="it-IT" dirty="0"/>
-          </a:p>
-          <a:p>
-            <a:pPr defTabSz="584200">
-              <a:lnSpc>
-                <a:spcPct val="100000"/>
-              </a:lnSpc>
-              <a:spcBef>
-                <a:spcPts val="2800"/>
-              </a:spcBef>
-              <a:buClr>
-                <a:schemeClr val="accent1"/>
-              </a:buClr>
-              <a:buSzPct val="104999"/>
-              <a:defRPr sz="3400" cap="none" spc="0">
-                <a:latin typeface="Avenir Next Medium"/>
-                <a:ea typeface="Avenir Next Medium"/>
-                <a:cs typeface="Avenir Next Medium"/>
-                <a:sym typeface="Avenir Next Medium"/>
-              </a:defRPr>
-            </a:pPr>
-            <a:r>
-              <a:rPr dirty="0"/>
-              <a:t>      58% di NULL </a:t>
-            </a:r>
-            <a:r>
-              <a:rPr dirty="0" err="1"/>
-              <a:t>nella</a:t>
-            </a:r>
-            <a:r>
-              <a:rPr dirty="0"/>
-              <a:t> </a:t>
-            </a:r>
-            <a:r>
-              <a:rPr dirty="0" err="1"/>
-              <a:t>colonna</a:t>
-            </a:r>
-            <a:r>
-              <a:rPr dirty="0"/>
-              <a:t> Yield. </a:t>
-            </a:r>
-            <a:endParaRPr lang="it-IT" dirty="0"/>
-          </a:p>
-          <a:p>
-            <a:pPr defTabSz="584200">
-              <a:lnSpc>
-                <a:spcPct val="100000"/>
-              </a:lnSpc>
-              <a:spcBef>
-                <a:spcPts val="2800"/>
-              </a:spcBef>
-              <a:buClr>
-                <a:schemeClr val="accent1"/>
-              </a:buClr>
-              <a:buSzPct val="104999"/>
-              <a:defRPr sz="3400" cap="none" spc="0">
-                <a:latin typeface="Avenir Next Medium"/>
-                <a:ea typeface="Avenir Next Medium"/>
-                <a:cs typeface="Avenir Next Medium"/>
-                <a:sym typeface="Avenir Next Medium"/>
-              </a:defRPr>
-            </a:pPr>
-            <a:r>
-              <a:rPr dirty="0"/>
-              <a:t>      57% di NULL </a:t>
-            </a:r>
-            <a:r>
-              <a:rPr dirty="0" err="1"/>
-              <a:t>nella</a:t>
-            </a:r>
-            <a:r>
-              <a:rPr dirty="0"/>
-              <a:t> </a:t>
-            </a:r>
-            <a:r>
-              <a:rPr dirty="0" err="1"/>
-              <a:t>colonna</a:t>
-            </a:r>
-            <a:r>
-              <a:rPr dirty="0"/>
-              <a:t> </a:t>
-            </a:r>
-            <a:r>
-              <a:rPr dirty="0" err="1"/>
-              <a:t>DividendYield</a:t>
-            </a:r>
-            <a:r>
-              <a:rPr dirty="0"/>
-              <a:t>. </a:t>
-            </a:r>
-            <a:endParaRPr lang="it-IT" dirty="0"/>
-          </a:p>
-          <a:p>
-            <a:pPr defTabSz="584200">
-              <a:lnSpc>
-                <a:spcPct val="100000"/>
-              </a:lnSpc>
-              <a:spcBef>
-                <a:spcPts val="2800"/>
-              </a:spcBef>
-              <a:buClr>
-                <a:schemeClr val="accent1"/>
-              </a:buClr>
-              <a:buSzPct val="104999"/>
-              <a:defRPr sz="3400" cap="none" spc="0">
-                <a:latin typeface="Avenir Next Medium"/>
-                <a:ea typeface="Avenir Next Medium"/>
-                <a:cs typeface="Avenir Next Medium"/>
-                <a:sym typeface="Avenir Next Medium"/>
-              </a:defRPr>
-            </a:pPr>
-            <a:r>
-              <a:rPr lang="it-IT" dirty="0"/>
-              <a:t> </a:t>
-            </a:r>
-            <a:r>
-              <a:rPr dirty="0"/>
-              <a:t>     0.4% di NULL </a:t>
-            </a:r>
-            <a:r>
-              <a:rPr dirty="0" err="1"/>
-              <a:t>nella</a:t>
-            </a:r>
-            <a:r>
-              <a:rPr dirty="0"/>
-              <a:t> </a:t>
-            </a:r>
-            <a:r>
-              <a:rPr dirty="0" err="1"/>
-              <a:t>colonna</a:t>
-            </a:r>
-            <a:r>
-              <a:rPr dirty="0"/>
-              <a:t> EPS.  </a:t>
-            </a:r>
-          </a:p>
-          <a:p>
-            <a:pPr marL="444500" indent="-444500" defTabSz="584200">
-              <a:lnSpc>
-                <a:spcPct val="100000"/>
-              </a:lnSpc>
-              <a:spcBef>
-                <a:spcPts val="2800"/>
-              </a:spcBef>
-              <a:buClr>
-                <a:schemeClr val="accent1"/>
-              </a:buClr>
-              <a:buSzPct val="104999"/>
-              <a:buFont typeface="Avenir Next"/>
-              <a:buChar char="▸"/>
-              <a:defRPr sz="3400" cap="none" spc="0">
-                <a:latin typeface="Avenir Next Medium"/>
-                <a:ea typeface="Avenir Next Medium"/>
-                <a:cs typeface="Avenir Next Medium"/>
-                <a:sym typeface="Avenir Next Medium"/>
-              </a:defRPr>
-            </a:pPr>
-            <a:r>
-              <a:rPr dirty="0" err="1"/>
-              <a:t>Completezza</a:t>
-            </a:r>
-            <a:r>
-              <a:rPr dirty="0"/>
-              <a:t> </a:t>
-            </a:r>
-            <a:r>
-              <a:rPr dirty="0" err="1"/>
-              <a:t>totale</a:t>
-            </a:r>
-            <a:r>
-              <a:rPr dirty="0"/>
-              <a:t>:                                                                  </a:t>
-            </a:r>
-            <a:endParaRPr lang="it-IT" dirty="0"/>
-          </a:p>
-          <a:p>
-            <a:pPr defTabSz="584200">
-              <a:lnSpc>
-                <a:spcPct val="100000"/>
-              </a:lnSpc>
-              <a:spcBef>
-                <a:spcPts val="2800"/>
-              </a:spcBef>
-              <a:buClr>
-                <a:schemeClr val="accent1"/>
-              </a:buClr>
-              <a:buSzPct val="104999"/>
-              <a:defRPr sz="3400" cap="none" spc="0">
-                <a:latin typeface="Avenir Next Medium"/>
-                <a:ea typeface="Avenir Next Medium"/>
-                <a:cs typeface="Avenir Next Medium"/>
-                <a:sym typeface="Avenir Next Medium"/>
-              </a:defRPr>
-            </a:pPr>
-            <a:r>
-              <a:rPr lang="it-IT" dirty="0"/>
-              <a:t>	</a:t>
-            </a:r>
-            <a:r>
-              <a:rPr dirty="0"/>
-              <a:t>10% di NULL </a:t>
-            </a:r>
-            <a:r>
-              <a:rPr dirty="0" err="1"/>
-              <a:t>nell’intero</a:t>
-            </a:r>
-            <a:r>
-              <a:rPr dirty="0"/>
-              <a:t> dataset.         </a:t>
-            </a:r>
           </a:p>
         </p:txBody>
       </p:sp>
@@ -9562,8 +10199,260 @@
               </a:defRPr>
             </a:pPr>
             <a:r>
+              <a:rPr dirty="0" err="1"/>
+              <a:t>Completezza</a:t>
+            </a:r>
+            <a:r>
+              <a:rPr dirty="0"/>
+              <a:t> di </a:t>
+            </a:r>
+            <a:r>
+              <a:rPr dirty="0" err="1"/>
+              <a:t>attributi</a:t>
+            </a:r>
+            <a:r>
+              <a:rPr dirty="0"/>
+              <a:t>:                                                       </a:t>
+            </a:r>
+            <a:endParaRPr lang="it-IT" dirty="0"/>
+          </a:p>
+          <a:p>
+            <a:pPr defTabSz="584200">
+              <a:lnSpc>
+                <a:spcPct val="100000"/>
+              </a:lnSpc>
+              <a:spcBef>
+                <a:spcPts val="2800"/>
+              </a:spcBef>
+              <a:buClr>
+                <a:schemeClr val="accent1"/>
+              </a:buClr>
+              <a:buSzPct val="104999"/>
+              <a:defRPr sz="3400" cap="none" spc="0">
+                <a:latin typeface="Avenir Next Medium"/>
+                <a:ea typeface="Avenir Next Medium"/>
+                <a:cs typeface="Avenir Next Medium"/>
+                <a:sym typeface="Avenir Next Medium"/>
+              </a:defRPr>
+            </a:pPr>
+            <a:r>
               <a:rPr lang="it-IT" dirty="0"/>
-              <a:t>Per quanto riguarda la completezza sono stati riportati gli attributi con il numero di valore nulli più alti.</a:t>
+              <a:t>	</a:t>
+            </a:r>
+            <a:r>
+              <a:rPr dirty="0"/>
+              <a:t>40% di NULL </a:t>
+            </a:r>
+            <a:r>
+              <a:rPr dirty="0" err="1"/>
+              <a:t>nella</a:t>
+            </a:r>
+            <a:r>
+              <a:rPr dirty="0"/>
+              <a:t> </a:t>
+            </a:r>
+            <a:r>
+              <a:rPr dirty="0" err="1"/>
+              <a:t>colonna</a:t>
+            </a:r>
+            <a:r>
+              <a:rPr dirty="0"/>
+              <a:t> </a:t>
+            </a:r>
+            <a:r>
+              <a:rPr dirty="0" err="1"/>
+              <a:t>PreviousClose</a:t>
+            </a:r>
+            <a:r>
+              <a:rPr lang="it-IT" dirty="0"/>
+              <a:t>.</a:t>
+            </a:r>
+          </a:p>
+          <a:p>
+            <a:pPr defTabSz="584200">
+              <a:lnSpc>
+                <a:spcPct val="100000"/>
+              </a:lnSpc>
+              <a:spcBef>
+                <a:spcPts val="2800"/>
+              </a:spcBef>
+              <a:buClr>
+                <a:schemeClr val="accent1"/>
+              </a:buClr>
+              <a:buSzPct val="104999"/>
+              <a:defRPr sz="3400" cap="none" spc="0">
+                <a:latin typeface="Avenir Next Medium"/>
+                <a:ea typeface="Avenir Next Medium"/>
+                <a:cs typeface="Avenir Next Medium"/>
+                <a:sym typeface="Avenir Next Medium"/>
+              </a:defRPr>
+            </a:pPr>
+            <a:r>
+              <a:rPr lang="it-IT" dirty="0"/>
+              <a:t>	</a:t>
+            </a:r>
+            <a:r>
+              <a:rPr dirty="0"/>
+              <a:t>20% di NULL </a:t>
+            </a:r>
+            <a:r>
+              <a:rPr dirty="0" err="1"/>
+              <a:t>nella</a:t>
+            </a:r>
+            <a:r>
+              <a:rPr dirty="0"/>
+              <a:t> </a:t>
+            </a:r>
+            <a:r>
+              <a:rPr dirty="0" err="1"/>
+              <a:t>colonna</a:t>
+            </a:r>
+            <a:r>
+              <a:rPr dirty="0"/>
+              <a:t> </a:t>
+            </a:r>
+            <a:r>
+              <a:rPr dirty="0" err="1"/>
+              <a:t>NShares</a:t>
+            </a:r>
+            <a:r>
+              <a:rPr dirty="0"/>
+              <a:t>.</a:t>
+            </a:r>
+            <a:endParaRPr lang="it-IT" dirty="0"/>
+          </a:p>
+          <a:p>
+            <a:pPr defTabSz="584200">
+              <a:lnSpc>
+                <a:spcPct val="100000"/>
+              </a:lnSpc>
+              <a:spcBef>
+                <a:spcPts val="2800"/>
+              </a:spcBef>
+              <a:buClr>
+                <a:schemeClr val="accent1"/>
+              </a:buClr>
+              <a:buSzPct val="104999"/>
+              <a:defRPr sz="3400" cap="none" spc="0">
+                <a:latin typeface="Avenir Next Medium"/>
+                <a:ea typeface="Avenir Next Medium"/>
+                <a:cs typeface="Avenir Next Medium"/>
+                <a:sym typeface="Avenir Next Medium"/>
+              </a:defRPr>
+            </a:pPr>
+            <a:r>
+              <a:rPr dirty="0"/>
+              <a:t>      58% di NULL </a:t>
+            </a:r>
+            <a:r>
+              <a:rPr dirty="0" err="1"/>
+              <a:t>nella</a:t>
+            </a:r>
+            <a:r>
+              <a:rPr dirty="0"/>
+              <a:t> </a:t>
+            </a:r>
+            <a:r>
+              <a:rPr dirty="0" err="1"/>
+              <a:t>colonna</a:t>
+            </a:r>
+            <a:r>
+              <a:rPr dirty="0"/>
+              <a:t> Yield. </a:t>
+            </a:r>
+            <a:endParaRPr lang="it-IT" dirty="0"/>
+          </a:p>
+          <a:p>
+            <a:pPr defTabSz="584200">
+              <a:lnSpc>
+                <a:spcPct val="100000"/>
+              </a:lnSpc>
+              <a:spcBef>
+                <a:spcPts val="2800"/>
+              </a:spcBef>
+              <a:buClr>
+                <a:schemeClr val="accent1"/>
+              </a:buClr>
+              <a:buSzPct val="104999"/>
+              <a:defRPr sz="3400" cap="none" spc="0">
+                <a:latin typeface="Avenir Next Medium"/>
+                <a:ea typeface="Avenir Next Medium"/>
+                <a:cs typeface="Avenir Next Medium"/>
+                <a:sym typeface="Avenir Next Medium"/>
+              </a:defRPr>
+            </a:pPr>
+            <a:r>
+              <a:rPr dirty="0"/>
+              <a:t>      57% di NULL </a:t>
+            </a:r>
+            <a:r>
+              <a:rPr dirty="0" err="1"/>
+              <a:t>nella</a:t>
+            </a:r>
+            <a:r>
+              <a:rPr dirty="0"/>
+              <a:t> </a:t>
+            </a:r>
+            <a:r>
+              <a:rPr dirty="0" err="1"/>
+              <a:t>colonna</a:t>
+            </a:r>
+            <a:r>
+              <a:rPr dirty="0"/>
+              <a:t> </a:t>
+            </a:r>
+            <a:r>
+              <a:rPr dirty="0" err="1"/>
+              <a:t>DividendYield</a:t>
+            </a:r>
+            <a:r>
+              <a:rPr dirty="0"/>
+              <a:t>. </a:t>
+            </a:r>
+            <a:endParaRPr lang="it-IT" dirty="0"/>
+          </a:p>
+          <a:p>
+            <a:pPr defTabSz="584200">
+              <a:lnSpc>
+                <a:spcPct val="100000"/>
+              </a:lnSpc>
+              <a:spcBef>
+                <a:spcPts val="2800"/>
+              </a:spcBef>
+              <a:buClr>
+                <a:schemeClr val="accent1"/>
+              </a:buClr>
+              <a:buSzPct val="104999"/>
+              <a:defRPr sz="3400" cap="none" spc="0">
+                <a:latin typeface="Avenir Next Medium"/>
+                <a:ea typeface="Avenir Next Medium"/>
+                <a:cs typeface="Avenir Next Medium"/>
+                <a:sym typeface="Avenir Next Medium"/>
+              </a:defRPr>
+            </a:pPr>
+            <a:r>
+              <a:rPr lang="it-IT" dirty="0"/>
+              <a:t> </a:t>
+            </a:r>
+            <a:r>
+              <a:rPr dirty="0"/>
+              <a:t>     0.4% di NULL </a:t>
+            </a:r>
+            <a:r>
+              <a:rPr dirty="0" err="1"/>
+              <a:t>nella</a:t>
+            </a:r>
+            <a:r>
+              <a:rPr dirty="0"/>
+              <a:t> </a:t>
+            </a:r>
+            <a:r>
+              <a:rPr dirty="0" err="1"/>
+              <a:t>colonna</a:t>
+            </a:r>
+            <a:r>
+              <a:rPr dirty="0"/>
+              <a:t> EPS.  </a:t>
             </a:r>
           </a:p>
           <a:p>
@@ -9588,12 +10477,25 @@
               </a:defRPr>
             </a:pPr>
             <a:r>
-              <a:rPr lang="it-IT" dirty="0"/>
-              <a:t>Come si evince dai dati anche prendendo in considerazione solo le «fonti autorevoli» per alcuni attributi si nota un valore considerevole di nulli. Il problema è però contenuto a livello globale riscontando solo il 10% di valore nulli nell’intero dataset, poiché al contrario diversi attributi hanno presenza di valori nulli molto bassa.</a:t>
-            </a:r>
-          </a:p>
-          <a:p>
-            <a:pPr marL="444500" indent="-444500" defTabSz="584200">
+              <a:rPr dirty="0" err="1"/>
+              <a:t>Completezza</a:t>
+            </a:r>
+            <a:r>
+              <a:rPr dirty="0"/>
+              <a:t> </a:t>
+            </a:r>
+            <a:r>
+              <a:rPr dirty="0" err="1"/>
+              <a:t>totale</a:t>
+            </a:r>
+            <a:r>
+              <a:rPr dirty="0"/>
+              <a:t>:                                                                  </a:t>
+            </a:r>
+            <a:endParaRPr lang="it-IT" dirty="0"/>
+          </a:p>
+          <a:p>
+            <a:pPr defTabSz="584200">
               <a:lnSpc>
                 <a:spcPct val="100000"/>
               </a:lnSpc>
@@ -9604,8 +10506,6 @@
                 <a:schemeClr val="accent1"/>
               </a:buClr>
               <a:buSzPct val="104999"/>
-              <a:buFont typeface="Avenir Next"/>
-              <a:buChar char="▸"/>
               <a:defRPr sz="3400" cap="none" spc="0">
                 <a:latin typeface="Avenir Next Medium"/>
                 <a:ea typeface="Avenir Next Medium"/>
@@ -9615,18 +10515,24 @@
             </a:pPr>
             <a:r>
               <a:rPr lang="it-IT" dirty="0"/>
-              <a:t>Questo fatto complica l’analisi delle altre metriche in quanto bisogna gestire la presenza di tali valori ed in alcuni casi è impossibile fornire una quantificazione prendendo in considerazioni tali valori.</a:t>
-            </a:r>
-            <a:endParaRPr dirty="0"/>
+              <a:t>	</a:t>
+            </a:r>
+            <a:r>
+              <a:rPr dirty="0"/>
+              <a:t>10% di NULL </a:t>
+            </a:r>
+            <a:r>
+              <a:rPr dirty="0" err="1"/>
+              <a:t>nell’intero</a:t>
+            </a:r>
+            <a:r>
+              <a:rPr dirty="0"/>
+              <a:t> dataset.         </a:t>
+            </a:r>
           </a:p>
         </p:txBody>
       </p:sp>
     </p:spTree>
-    <p:extLst>
-      <p:ext uri="{BB962C8B-B14F-4D97-AF65-F5344CB8AC3E}">
-        <p14:creationId xmlns:p14="http://schemas.microsoft.com/office/powerpoint/2010/main" val="3550121067"/>
-      </p:ext>
-    </p:extLst>
   </p:cSld>
   <p:clrMapOvr>
     <a:masterClrMapping/>
@@ -9654,7 +10560,7 @@
       </p:grpSpPr>
       <p:sp>
         <p:nvSpPr>
-          <p:cNvPr id="202" name="DATASET"/>
+          <p:cNvPr id="199" name="DATASET"/>
           <p:cNvSpPr txBox="1">
             <a:spLocks noGrp="1"/>
           </p:cNvSpPr>
@@ -9683,16 +10589,14 @@
           </a:lstStyle>
           <a:p>
             <a:r>
-              <a:rPr dirty="0" err="1"/>
-              <a:t>Ridondanza</a:t>
-            </a:r>
-            <a:endParaRPr dirty="0"/>
+              <a:t>COMPLETEZZA</a:t>
+            </a:r>
           </a:p>
         </p:txBody>
       </p:sp>
       <p:sp>
         <p:nvSpPr>
-          <p:cNvPr id="203" name="MaxTemp: temperatura massima registrata…"/>
+          <p:cNvPr id="200" name="MaxTemp: temperatura massima registrata…"/>
           <p:cNvSpPr txBox="1">
             <a:spLocks noGrp="1"/>
           </p:cNvSpPr>
@@ -9703,16 +10607,14 @@
         <p:spPr>
           <a:xfrm>
             <a:off x="406400" y="1389211"/>
-            <a:ext cx="12192000" cy="8053239"/>
+            <a:ext cx="12192000" cy="7462689"/>
           </a:xfrm>
           <a:prstGeom prst="rect">
             <a:avLst/>
           </a:prstGeom>
         </p:spPr>
         <p:txBody>
-          <a:bodyPr anchor="t">
-            <a:normAutofit/>
-          </a:bodyPr>
+          <a:bodyPr anchor="t"/>
           <a:lstStyle/>
           <a:p>
             <a:pPr marL="444500" indent="-444500" defTabSz="584200">
@@ -9737,7 +10639,7 @@
             </a:pPr>
             <a:r>
               <a:rPr lang="it-IT" dirty="0"/>
-              <a:t>Come già preventivato nel nostro caso siamo di fronte ad ridondanza molto elevata. </a:t>
+              <a:t>Per quanto riguarda la completezza sono stati riportati gli attributi con il numero di valore nulli più alti.</a:t>
             </a:r>
           </a:p>
           <a:p>
@@ -9763,13 +10665,8 @@
             </a:pPr>
             <a:r>
               <a:rPr lang="it-IT" dirty="0"/>
-              <a:t>In particolare avendo preso in considerazione solo le «fonti autorevoli» e solo i titoli presenti nell’indice NASDAQ tutte le fonti forniscono valori su tutti i titoli, quindi a livello di oggetti abbiamo una ridondanza del 100%</a:t>
-            </a:r>
-            <a:r>
-              <a:rPr dirty="0"/>
-              <a:t> </a:t>
-            </a:r>
-            <a:endParaRPr lang="it-IT" dirty="0"/>
+              <a:t>Come si evince dai dati anche prendendo in considerazione solo le «fonti autorevoli» per alcuni attributi si nota un valore considerevole di nulli. Il problema è però contenuto a livello globale riscontando solo il 10% di valore nulli nell’intero dataset, poiché al contrario diversi attributi hanno presenza di valori nulli molto bassa.</a:t>
+            </a:r>
           </a:p>
           <a:p>
             <a:pPr marL="444500" indent="-444500" defTabSz="584200">
@@ -9794,39 +10691,18 @@
             </a:pPr>
             <a:r>
               <a:rPr lang="it-IT" dirty="0"/>
-              <a:t>A livello di attributi invece la ridondanza è minore in quanto le diverse fonti forniscono set di attributi diversi.</a:t>
-            </a:r>
-          </a:p>
-          <a:p>
-            <a:pPr marL="444500" indent="-444500" defTabSz="584200">
-              <a:lnSpc>
-                <a:spcPct val="100000"/>
-              </a:lnSpc>
-              <a:spcBef>
-                <a:spcPts val="2800"/>
-              </a:spcBef>
-              <a:buClr>
-                <a:schemeClr val="accent1"/>
-              </a:buClr>
-              <a:buSzPct val="104999"/>
-              <a:buFont typeface="Avenir Next"/>
-              <a:buChar char="▸"/>
-              <a:defRPr sz="3400" cap="none" spc="0">
-                <a:latin typeface="Avenir Next Medium"/>
-                <a:ea typeface="Avenir Next Medium"/>
-                <a:cs typeface="Avenir Next Medium"/>
-                <a:sym typeface="Avenir Next Medium"/>
-              </a:defRPr>
-            </a:pPr>
-            <a:r>
-              <a:rPr lang="it-IT" dirty="0"/>
-              <a:t>In generale però nel nostro contesto siamo in presenza di una ridondanza generale molto alta, data però dal dominio stesso di tale analisi.</a:t>
+              <a:t>Questo fatto complica l’analisi delle altre metriche in quanto bisogna gestire la presenza di tali valori ed in alcuni casi è impossibile fornire una quantificazione prendendo in considerazioni tali valori.</a:t>
             </a:r>
             <a:endParaRPr dirty="0"/>
           </a:p>
         </p:txBody>
       </p:sp>
     </p:spTree>
+    <p:extLst>
+      <p:ext uri="{BB962C8B-B14F-4D97-AF65-F5344CB8AC3E}">
+        <p14:creationId xmlns:p14="http://schemas.microsoft.com/office/powerpoint/2010/main" val="3550121067"/>
+      </p:ext>
+    </p:extLst>
   </p:cSld>
   <p:clrMapOvr>
     <a:masterClrMapping/>

--- a/PresentazionePowerPoint.pptx
+++ b/PresentazionePowerPoint.pptx
@@ -4425,7 +4425,7 @@
           </a:ln>
           <a:extLst>
             <a:ext uri="{C572A759-6A51-4108-AA02-DFA0A04FC94B}">
-              <ma14:wrappingTextBoxFlag xmlns="" xmlns:m="http://schemas.openxmlformats.org/officeDocument/2006/math" xmlns:a14="http://schemas.microsoft.com/office/drawing/2010/main" xmlns:ma14="http://schemas.microsoft.com/office/mac/drawingml/2011/main" val="1"/>
+              <ma14:wrappingTextBoxFlag xmlns:ma14="http://schemas.microsoft.com/office/mac/drawingml/2011/main" xmlns:a14="http://schemas.microsoft.com/office/drawing/2010/main" xmlns:m="http://schemas.openxmlformats.org/officeDocument/2006/math" xmlns="" val="1"/>
             </a:ext>
           </a:extLst>
         </p:spPr>
@@ -4464,7 +4464,7 @@
           </a:ln>
           <a:extLst>
             <a:ext uri="{C572A759-6A51-4108-AA02-DFA0A04FC94B}">
-              <ma14:wrappingTextBoxFlag xmlns="" xmlns:m="http://schemas.openxmlformats.org/officeDocument/2006/math" xmlns:a14="http://schemas.microsoft.com/office/drawing/2010/main" xmlns:ma14="http://schemas.microsoft.com/office/mac/drawingml/2011/main" val="1"/>
+              <ma14:wrappingTextBoxFlag xmlns:ma14="http://schemas.microsoft.com/office/mac/drawingml/2011/main" xmlns:a14="http://schemas.microsoft.com/office/drawing/2010/main" xmlns:m="http://schemas.openxmlformats.org/officeDocument/2006/math" xmlns="" val="1"/>
             </a:ext>
           </a:extLst>
         </p:spPr>
@@ -5559,7 +5559,7 @@
             </a:pPr>
             <a:r>
               <a:rPr lang="it-IT" dirty="0"/>
-              <a:t>Come già preventivato nel nostro caso siamo di fronte ad ridondanza molto elevata. </a:t>
+              <a:t>Come già preventivato nel nostro caso siamo di fronte ad una ridondanza molto elevata. </a:t>
             </a:r>
           </a:p>
           <a:p>
@@ -6766,7 +6766,7 @@
         </p:spPr>
         <p:txBody>
           <a:bodyPr anchor="t">
-            <a:normAutofit lnSpcReduction="10000"/>
+            <a:normAutofit/>
           </a:bodyPr>
           <a:lstStyle/>
           <a:p>
@@ -6869,32 +6869,6 @@
             <a:r>
               <a:rPr lang="it-IT" dirty="0"/>
               <a:t>Errori nelle unità di misura: sono presenti alcuni errori di unità di misura, per esempio la maggior parte delle fonti riporta 20M mentre una fonte riporta 20B   </a:t>
-            </a:r>
-          </a:p>
-          <a:p>
-            <a:pPr marL="514350" indent="-514350" defTabSz="525779">
-              <a:lnSpc>
-                <a:spcPct val="100000"/>
-              </a:lnSpc>
-              <a:spcBef>
-                <a:spcPts val="2500"/>
-              </a:spcBef>
-              <a:buClr>
-                <a:schemeClr val="accent1"/>
-              </a:buClr>
-              <a:buSzPct val="104999"/>
-              <a:buFont typeface="+mj-lt"/>
-              <a:buAutoNum type="arabicPeriod"/>
-              <a:defRPr sz="3059" cap="none" spc="0">
-                <a:latin typeface="Avenir Next Medium"/>
-                <a:ea typeface="Avenir Next Medium"/>
-                <a:cs typeface="Avenir Next Medium"/>
-                <a:sym typeface="Avenir Next Medium"/>
-              </a:defRPr>
-            </a:pPr>
-            <a:r>
-              <a:rPr lang="it-IT" dirty="0"/>
-              <a:t>Dati non aggiornati: in alcuni casi si potrebbe pensare che ci siano errori riguardo il livello di aggiornamento dei dati, aspetto cruciale nell’ambito preso in considerazione (es. Volume)</a:t>
             </a:r>
           </a:p>
           <a:p>
@@ -7589,7 +7563,7 @@
         </p:spPr>
         <p:txBody>
           <a:bodyPr anchor="t">
-            <a:normAutofit fontScale="92500"/>
+            <a:normAutofit/>
           </a:bodyPr>
           <a:lstStyle/>
           <a:p>
@@ -7615,11 +7589,27 @@
             </a:pPr>
             <a:r>
               <a:rPr lang="it-IT" dirty="0"/>
-              <a:t>Conclusioni:</a:t>
-            </a:r>
-          </a:p>
-          <a:p>
-            <a:pPr marL="1215464" lvl="1" indent="-457200" defTabSz="584200">
+              <a:t>Il progetto si è concentrato sulla valutazione e il miglioramento di alcune metriche che riguardano data </a:t>
+            </a:r>
+            <a:r>
+              <a:rPr lang="it-IT" dirty="0" err="1"/>
+              <a:t>quality</a:t>
+            </a:r>
+            <a:r>
+              <a:rPr lang="it-IT" dirty="0"/>
+              <a:t>, il nostro approccio è stato del tipo data-</a:t>
+            </a:r>
+            <a:r>
+              <a:rPr lang="it-IT" dirty="0" err="1"/>
+              <a:t>driven</a:t>
+            </a:r>
+            <a:r>
+              <a:rPr lang="it-IT" dirty="0"/>
+              <a:t> sono stati cioè direttamente lavorati i dati a disposizione (es. normalizzazione e gestione valori nulli)</a:t>
+            </a:r>
+          </a:p>
+          <a:p>
+            <a:pPr marL="444500" indent="-444500" defTabSz="584200">
               <a:lnSpc>
                 <a:spcPct val="100000"/>
               </a:lnSpc>
@@ -7629,8 +7619,9 @@
               <a:buClr>
                 <a:schemeClr val="accent1"/>
               </a:buClr>
-              <a:buFont typeface="Arial" panose="020B0604020202020204" pitchFamily="34" charset="0"/>
-              <a:buChar char="•"/>
+              <a:buSzPct val="104999"/>
+              <a:buFont typeface="Avenir Next"/>
+              <a:buChar char="▸"/>
               <a:defRPr sz="3400" cap="none" spc="0">
                 <a:latin typeface="Avenir Next Medium"/>
                 <a:ea typeface="Avenir Next Medium"/>
@@ -7640,27 +7631,11 @@
             </a:pPr>
             <a:r>
               <a:rPr lang="it-IT" dirty="0"/>
-              <a:t>Il progetto si è concentrato sulla valutazione e il miglioramento di alcune metriche che riguardano data </a:t>
-            </a:r>
-            <a:r>
-              <a:rPr lang="it-IT" dirty="0" err="1"/>
-              <a:t>quality</a:t>
-            </a:r>
-            <a:r>
-              <a:rPr lang="it-IT" dirty="0"/>
-              <a:t>, il nostro approccio è stato del tipo data-</a:t>
-            </a:r>
-            <a:r>
-              <a:rPr lang="it-IT" dirty="0" err="1"/>
-              <a:t>driven</a:t>
-            </a:r>
-            <a:r>
-              <a:rPr lang="it-IT" dirty="0"/>
-              <a:t> sono stati cioè direttamente lavorati i dati a disposizione (es. normalizzazione e gestione valori nulli)</a:t>
-            </a:r>
-          </a:p>
-          <a:p>
-            <a:pPr marL="1215464" lvl="1" indent="-457200" defTabSz="584200">
+              <a:t>I risultati della valutazione delle varie dimensioni di qualità dei dati hanno mostrato un insieme non indifferente di aspetti importanti, tra cui: la gestione dell’eterogeneità semantica dei dati che porta ad una diminuzione delle performance anche quando in realtà i dati non sono del tutto errati (nonostante normalizzazione e gestione valori nulli), una precisione globale sulle fonti non da disprezzare, questa però è ancora una volta peggiorata dai problemi di eterogeneità e mancanza dei valori che ne peggiorano le performance per alcuni attributi</a:t>
+            </a:r>
+          </a:p>
+          <a:p>
+            <a:pPr lvl="1" indent="0" defTabSz="584200">
               <a:lnSpc>
                 <a:spcPct val="100000"/>
               </a:lnSpc>
@@ -7670,33 +7645,7 @@
               <a:buClr>
                 <a:schemeClr val="accent1"/>
               </a:buClr>
-              <a:buFont typeface="Arial" panose="020B0604020202020204" pitchFamily="34" charset="0"/>
-              <a:buChar char="•"/>
-              <a:defRPr sz="3400" cap="none" spc="0">
-                <a:latin typeface="Avenir Next Medium"/>
-                <a:ea typeface="Avenir Next Medium"/>
-                <a:cs typeface="Avenir Next Medium"/>
-                <a:sym typeface="Avenir Next Medium"/>
-              </a:defRPr>
-            </a:pPr>
-            <a:r>
-              <a:rPr lang="it-IT" dirty="0"/>
-              <a:t>I risultati della valutazione delle varie dimensioni di qualità dei dati hanno mostrato un insieme non indifferente di aspetti importanti, tra cui: la gestione dell’eterogeneità semantica dei dati che porta ad una diminuzione delle performance anche quando in realtà i dati non sono del tutto errati (nonostante normalizzazione e gestione valori nulli), una precisione globale sulle fonti non da disprezzare, questa però è ancora una volta peggiorata dai problemi di eterogeneità e mancanza dei valori che ne peggiorano le performance per alcuni attributi</a:t>
-            </a:r>
-          </a:p>
-          <a:p>
-            <a:pPr marL="1215464" lvl="1" indent="-457200" defTabSz="584200">
-              <a:lnSpc>
-                <a:spcPct val="100000"/>
-              </a:lnSpc>
-              <a:spcBef>
-                <a:spcPts val="2800"/>
-              </a:spcBef>
-              <a:buClr>
-                <a:schemeClr val="accent1"/>
-              </a:buClr>
-              <a:buFont typeface="Arial" panose="020B0604020202020204" pitchFamily="34" charset="0"/>
-              <a:buChar char="•"/>
+              <a:buNone/>
               <a:defRPr sz="3400" cap="none" spc="0">
                 <a:latin typeface="Avenir Next Medium"/>
                 <a:ea typeface="Avenir Next Medium"/>
@@ -7797,19 +7746,7 @@
           </a:bodyPr>
           <a:lstStyle/>
           <a:p>
-            <a:pPr marL="444500" indent="-444500" defTabSz="584200">
-              <a:lnSpc>
-                <a:spcPct val="100000"/>
-              </a:lnSpc>
-              <a:spcBef>
-                <a:spcPts val="2800"/>
-              </a:spcBef>
-              <a:buClr>
-                <a:schemeClr val="accent1"/>
-              </a:buClr>
-              <a:buSzPct val="104999"/>
-              <a:buFont typeface="Avenir Next"/>
-              <a:buChar char="▸"/>
+            <a:pPr>
               <a:defRPr sz="3400" cap="none" spc="0">
                 <a:latin typeface="Avenir Next Medium"/>
                 <a:ea typeface="Avenir Next Medium"/>
@@ -7819,22 +7756,11 @@
             </a:pPr>
             <a:r>
               <a:rPr lang="it-IT" dirty="0"/>
-              <a:t>Sviluppi futuri:</a:t>
-            </a:r>
-          </a:p>
-          <a:p>
-            <a:pPr marL="1215464" lvl="1" indent="-457200" defTabSz="584200">
-              <a:lnSpc>
-                <a:spcPct val="100000"/>
-              </a:lnSpc>
-              <a:spcBef>
-                <a:spcPts val="2800"/>
-              </a:spcBef>
-              <a:buClr>
-                <a:schemeClr val="accent1"/>
-              </a:buClr>
-              <a:buFont typeface="Arial" panose="020B0604020202020204" pitchFamily="34" charset="0"/>
-              <a:buChar char="•"/>
+              <a:t>Migliorare la fase iniziale di normalizzazione dei dati al fine di includere dati uguali ma rappresentati in formati differenti</a:t>
+            </a:r>
+          </a:p>
+          <a:p>
+            <a:pPr>
               <a:defRPr sz="3400" cap="none" spc="0">
                 <a:latin typeface="Avenir Next Medium"/>
                 <a:ea typeface="Avenir Next Medium"/>
@@ -7844,11 +7770,19 @@
             </a:pPr>
             <a:r>
               <a:rPr lang="it-IT" dirty="0"/>
-              <a:t>Migliorare la fase iniziale di normalizzazione dei dati al fine di includere dati uguali ma rappresentati in formati differenti</a:t>
-            </a:r>
-          </a:p>
-          <a:p>
-            <a:pPr marL="1215464" lvl="1" indent="-457200" defTabSz="584200">
+              <a:t>Attuare altri tipi di approccio (</a:t>
+            </a:r>
+            <a:r>
+              <a:rPr lang="it-IT" dirty="0" err="1"/>
+              <a:t>process-driven</a:t>
+            </a:r>
+            <a:r>
+              <a:rPr lang="it-IT" dirty="0"/>
+              <a:t>) al fine di migliorare la qualità dei dati</a:t>
+            </a:r>
+          </a:p>
+          <a:p>
+            <a:pPr marL="758264" lvl="1" indent="0" defTabSz="584200">
               <a:lnSpc>
                 <a:spcPct val="100000"/>
               </a:lnSpc>
@@ -7858,41 +7792,7 @@
               <a:buClr>
                 <a:schemeClr val="accent1"/>
               </a:buClr>
-              <a:buFont typeface="Arial" panose="020B0604020202020204" pitchFamily="34" charset="0"/>
-              <a:buChar char="•"/>
-              <a:defRPr sz="3400" cap="none" spc="0">
-                <a:latin typeface="Avenir Next Medium"/>
-                <a:ea typeface="Avenir Next Medium"/>
-                <a:cs typeface="Avenir Next Medium"/>
-                <a:sym typeface="Avenir Next Medium"/>
-              </a:defRPr>
-            </a:pPr>
-            <a:r>
-              <a:rPr lang="it-IT" dirty="0"/>
-              <a:t>Attuare altri tipi di approccio (</a:t>
-            </a:r>
-            <a:r>
-              <a:rPr lang="it-IT" dirty="0" err="1"/>
-              <a:t>process-driven</a:t>
-            </a:r>
-            <a:r>
-              <a:rPr lang="it-IT" dirty="0"/>
-              <a:t>) al fine di migliorare la qualità dei dati</a:t>
-            </a:r>
-          </a:p>
-          <a:p>
-            <a:pPr marL="1215464" lvl="1" indent="-457200" defTabSz="584200">
-              <a:lnSpc>
-                <a:spcPct val="100000"/>
-              </a:lnSpc>
-              <a:spcBef>
-                <a:spcPts val="2800"/>
-              </a:spcBef>
-              <a:buClr>
-                <a:schemeClr val="accent1"/>
-              </a:buClr>
-              <a:buFont typeface="Arial" panose="020B0604020202020204" pitchFamily="34" charset="0"/>
-              <a:buChar char="•"/>
+              <a:buNone/>
               <a:defRPr sz="3400" cap="none" spc="0">
                 <a:latin typeface="Avenir Next Medium"/>
                 <a:ea typeface="Avenir Next Medium"/>
@@ -9713,7 +9613,7 @@
           <a:p>
             <a:r>
               <a:rPr lang="it-IT" dirty="0"/>
-              <a:t>ANALISI DATASET E DOMINIO</a:t>
+              <a:t>ANALISI DATASET E DOMINIO APPLICATIVO</a:t>
             </a:r>
             <a:endParaRPr dirty="0"/>
           </a:p>
@@ -9764,7 +9664,7 @@
             </a:pPr>
             <a:r>
               <a:rPr lang="it-IT" sz="3200" dirty="0"/>
-              <a:t>Abbiamo effettuato un analisi iniziale sul dataset e del dominio finanziario utilizzate per valutare in maniera migliore le dimensioni di qualità, attraverso tale analisi sono stati notati i seguenti aspetti:</a:t>
+              <a:t>Abbiamo effettuato un’analisi iniziale sul dataset e del dominio finanziario utilizzate per valutare in maniera migliore le dimensioni di qualità, attraverso tale analisi sono stati notati i seguenti aspetti:</a:t>
             </a:r>
           </a:p>
           <a:p>
@@ -10665,7 +10565,7 @@
             </a:pPr>
             <a:r>
               <a:rPr lang="it-IT" dirty="0"/>
-              <a:t>Come si evince dai dati anche prendendo in considerazione solo le «fonti autorevoli» per alcuni attributi si nota un valore considerevole di nulli. Il problema è però contenuto a livello globale riscontando solo il 10% di valore nulli nell’intero dataset, poiché al contrario diversi attributi hanno presenza di valori nulli molto bassa.</a:t>
+              <a:t>Come si evince dai dati pur prendendo in considerazione solo le «fonti autorevoli» per alcuni attributi si nota un valore considerevole di nulli. Il problema è però contenuto a livello globale riscontando solo il 10% di valore nulli nell’intero dataset, poiché al contrario diversi attributi hanno presenza di valori nulli molto bassa.</a:t>
             </a:r>
           </a:p>
           <a:p>
